--- a/lec/anninbon8.pptx
+++ b/lec/anninbon8.pptx
@@ -5,10 +5,10 @@
     <p:sldMasterId id="2147483706" r:id="rId1"/>
   </p:sldMasterIdLst>
   <p:notesMasterIdLst>
-    <p:notesMasterId r:id="rId20"/>
+    <p:notesMasterId r:id="rId28"/>
   </p:notesMasterIdLst>
   <p:handoutMasterIdLst>
-    <p:handoutMasterId r:id="rId21"/>
+    <p:handoutMasterId r:id="rId29"/>
   </p:handoutMasterIdLst>
   <p:sldIdLst>
     <p:sldId id="552" r:id="rId2"/>
@@ -29,6 +29,14 @@
     <p:sldId id="637" r:id="rId17"/>
     <p:sldId id="638" r:id="rId18"/>
     <p:sldId id="639" r:id="rId19"/>
+    <p:sldId id="640" r:id="rId20"/>
+    <p:sldId id="641" r:id="rId21"/>
+    <p:sldId id="642" r:id="rId22"/>
+    <p:sldId id="643" r:id="rId23"/>
+    <p:sldId id="644" r:id="rId24"/>
+    <p:sldId id="645" r:id="rId25"/>
+    <p:sldId id="646" r:id="rId26"/>
+    <p:sldId id="647" r:id="rId27"/>
   </p:sldIdLst>
   <p:sldSz cx="9144000" cy="6858000" type="screen4x3"/>
   <p:notesSz cx="7099300" cy="10234613"/>
@@ -180,6 +188,14 @@
             <p14:sldId id="637"/>
             <p14:sldId id="638"/>
             <p14:sldId id="639"/>
+            <p14:sldId id="640"/>
+            <p14:sldId id="641"/>
+            <p14:sldId id="642"/>
+            <p14:sldId id="643"/>
+            <p14:sldId id="644"/>
+            <p14:sldId id="645"/>
+            <p14:sldId id="646"/>
+            <p14:sldId id="647"/>
           </p14:sldIdLst>
         </p14:section>
       </p14:sectionLst>
@@ -5136,8 +5152,55 @@
             <a:pPr lvl="1"/>
             <a:r>
               <a:rPr kumimoji="1" lang="ja-JP" altLang="en-US"/>
-              <a:t>事業者の</a:t>
-            </a:r>
+              <a:t>登録情報が古くなった・秘密鍵が漏洩したとき</a:t>
+            </a:r>
+            <a:endParaRPr kumimoji="1" lang="en-US" altLang="ja-JP"/>
+          </a:p>
+          <a:p>
+            <a:pPr lvl="1"/>
+            <a:r>
+              <a:rPr kumimoji="1" lang="ja-JP" altLang="en-US"/>
+              <a:t>すみやかに認証局</a:t>
+            </a:r>
+            <a:r>
+              <a:rPr kumimoji="1" lang="en-US" altLang="ja-JP"/>
+              <a:t>CA</a:t>
+            </a:r>
+            <a:r>
+              <a:rPr kumimoji="1" lang="ja-JP" altLang="en-US"/>
+              <a:t>に失効依頼をする</a:t>
+            </a:r>
+            <a:endParaRPr kumimoji="1" lang="en-US" altLang="ja-JP"/>
+          </a:p>
+          <a:p>
+            <a:r>
+              <a:rPr kumimoji="1" lang="ja-JP" altLang="en-US"/>
+              <a:t>証明書失効リスト</a:t>
+            </a:r>
+            <a:r>
+              <a:rPr kumimoji="1" lang="en-US" altLang="ja-JP"/>
+              <a:t>CRL(</a:t>
+            </a:r>
+            <a:r>
+              <a:rPr lang="en-US" altLang="ja-JP"/>
+              <a:t>Certificate Revocation List</a:t>
+            </a:r>
+            <a:r>
+              <a:rPr kumimoji="1" lang="en-US" altLang="ja-JP"/>
+              <a:t>)</a:t>
+            </a:r>
+          </a:p>
+          <a:p>
+            <a:pPr lvl="1"/>
+            <a:r>
+              <a:rPr lang="en-US" altLang="ja-JP"/>
+              <a:t>PKI</a:t>
+            </a:r>
+            <a:r>
+              <a:rPr lang="ja-JP" altLang="en-US"/>
+              <a:t>で失効した公開鍵証明書の一覧</a:t>
+            </a:r>
+            <a:endParaRPr lang="en-US" altLang="ja-JP"/>
           </a:p>
         </p:txBody>
       </p:sp>
@@ -5206,15 +5269,329 @@
           <a:p>
             <a:r>
               <a:rPr kumimoji="1" lang="ja-JP" altLang="en-US"/>
-              <a:t>公開鍵の失効</a:t>
+              <a:t>公開鍵証明書の失効</a:t>
             </a:r>
           </a:p>
         </p:txBody>
       </p:sp>
+      <p:pic>
+        <p:nvPicPr>
+          <p:cNvPr id="6" name="図 5">
+            <a:extLst>
+              <a:ext uri="{FF2B5EF4-FFF2-40B4-BE49-F238E27FC236}">
+                <a16:creationId xmlns:a16="http://schemas.microsoft.com/office/drawing/2014/main" id="{C450312B-24DC-4DAB-88CA-272A5F0F00C8}"/>
+              </a:ext>
+            </a:extLst>
+          </p:cNvPr>
+          <p:cNvPicPr>
+            <a:picLocks noChangeAspect="1"/>
+          </p:cNvPicPr>
+          <p:nvPr/>
+        </p:nvPicPr>
+        <p:blipFill>
+          <a:blip r:embed="rId2">
+            <a:extLst>
+              <a:ext uri="{28A0092B-C50C-407E-A947-70E740481C1C}">
+                <a14:useLocalDpi xmlns:a14="http://schemas.microsoft.com/office/drawing/2010/main" val="0"/>
+              </a:ext>
+            </a:extLst>
+          </a:blip>
+          <a:stretch>
+            <a:fillRect/>
+          </a:stretch>
+        </p:blipFill>
+        <p:spPr>
+          <a:xfrm>
+            <a:off x="1907704" y="3349480"/>
+            <a:ext cx="4680520" cy="3481136"/>
+          </a:xfrm>
+          <a:prstGeom prst="rect">
+            <a:avLst/>
+          </a:prstGeom>
+        </p:spPr>
+      </p:pic>
     </p:spTree>
     <p:extLst>
       <p:ext uri="{BB962C8B-B14F-4D97-AF65-F5344CB8AC3E}">
         <p14:creationId xmlns:p14="http://schemas.microsoft.com/office/powerpoint/2010/main" val="2785262845"/>
+      </p:ext>
+    </p:extLst>
+  </p:cSld>
+  <p:clrMapOvr>
+    <a:masterClrMapping/>
+  </p:clrMapOvr>
+</p:sld>
+</file>
+
+<file path=ppt/slides/slide19.xml><?xml version="1.0" encoding="utf-8"?>
+<p:sld xmlns:a="http://schemas.openxmlformats.org/drawingml/2006/main" xmlns:r="http://schemas.openxmlformats.org/officeDocument/2006/relationships" xmlns:p="http://schemas.openxmlformats.org/presentationml/2006/main">
+  <p:cSld>
+    <p:spTree>
+      <p:nvGrpSpPr>
+        <p:cNvPr id="1" name=""/>
+        <p:cNvGrpSpPr/>
+        <p:nvPr/>
+      </p:nvGrpSpPr>
+      <p:grpSpPr>
+        <a:xfrm>
+          <a:off x="0" y="0"/>
+          <a:ext cx="0" cy="0"/>
+          <a:chOff x="0" y="0"/>
+          <a:chExt cx="0" cy="0"/>
+        </a:xfrm>
+      </p:grpSpPr>
+      <p:sp>
+        <p:nvSpPr>
+          <p:cNvPr id="2" name="コンテンツ プレースホルダー 1">
+            <a:extLst>
+              <a:ext uri="{FF2B5EF4-FFF2-40B4-BE49-F238E27FC236}">
+                <a16:creationId xmlns:a16="http://schemas.microsoft.com/office/drawing/2014/main" id="{C008C148-1788-4304-995A-57F0A6A33635}"/>
+              </a:ext>
+            </a:extLst>
+          </p:cNvPr>
+          <p:cNvSpPr>
+            <a:spLocks noGrp="1"/>
+          </p:cNvSpPr>
+          <p:nvPr>
+            <p:ph idx="1"/>
+          </p:nvPr>
+        </p:nvSpPr>
+        <p:spPr/>
+        <p:txBody>
+          <a:bodyPr/>
+          <a:lstStyle/>
+          <a:p>
+            <a:r>
+              <a:rPr kumimoji="1" lang="en-US" altLang="ja-JP"/>
+              <a:t>CRL</a:t>
+            </a:r>
+            <a:r>
+              <a:rPr kumimoji="1" lang="ja-JP" altLang="en-US"/>
+              <a:t>の問題点</a:t>
+            </a:r>
+            <a:endParaRPr kumimoji="1" lang="en-US" altLang="ja-JP"/>
+          </a:p>
+          <a:p>
+            <a:pPr lvl="1"/>
+            <a:r>
+              <a:rPr kumimoji="1" lang="ja-JP" altLang="en-US"/>
+              <a:t>世界中の失効リスト一覧なのでサイズが大きい</a:t>
+            </a:r>
+            <a:endParaRPr kumimoji="1" lang="en-US" altLang="ja-JP"/>
+          </a:p>
+          <a:p>
+            <a:pPr lvl="1"/>
+            <a:r>
+              <a:rPr kumimoji="1" lang="ja-JP" altLang="en-US"/>
+              <a:t>更新負荷が高くなる</a:t>
+            </a:r>
+            <a:endParaRPr kumimoji="1" lang="en-US" altLang="ja-JP"/>
+          </a:p>
+          <a:p>
+            <a:r>
+              <a:rPr lang="en-US" altLang="ja-JP"/>
+              <a:t>OCSP</a:t>
+            </a:r>
+          </a:p>
+          <a:p>
+            <a:endParaRPr lang="en-US" altLang="ja-JP"/>
+          </a:p>
+          <a:p>
+            <a:pPr lvl="1"/>
+            <a:endParaRPr kumimoji="1" lang="en-US" altLang="ja-JP"/>
+          </a:p>
+          <a:p>
+            <a:pPr lvl="1"/>
+            <a:endParaRPr lang="en-US" altLang="ja-JP"/>
+          </a:p>
+          <a:p>
+            <a:pPr lvl="1"/>
+            <a:endParaRPr kumimoji="1" lang="en-US" altLang="ja-JP"/>
+          </a:p>
+          <a:p>
+            <a:pPr lvl="1"/>
+            <a:endParaRPr lang="en-US" altLang="ja-JP"/>
+          </a:p>
+          <a:p>
+            <a:pPr lvl="1"/>
+            <a:r>
+              <a:rPr kumimoji="1" lang="en-US" altLang="ja-JP"/>
+              <a:t>OCSP</a:t>
+            </a:r>
+            <a:r>
+              <a:rPr kumimoji="1" lang="ja-JP" altLang="en-US"/>
+              <a:t>レスポンス </a:t>
+            </a:r>
+            <a:r>
+              <a:rPr kumimoji="1" lang="en-US" altLang="ja-JP"/>
+              <a:t>: </a:t>
+            </a:r>
+            <a:r>
+              <a:rPr kumimoji="1" lang="ja-JP" altLang="en-US"/>
+              <a:t>レスポンダの署名付き</a:t>
+            </a:r>
+            <a:endParaRPr kumimoji="1" lang="en-US" altLang="ja-JP"/>
+          </a:p>
+          <a:p>
+            <a:pPr lvl="1"/>
+            <a:r>
+              <a:rPr lang="ja-JP" altLang="en-US"/>
+              <a:t>利点 </a:t>
+            </a:r>
+            <a:r>
+              <a:rPr lang="en-US" altLang="ja-JP"/>
+              <a:t>: </a:t>
+            </a:r>
+            <a:r>
+              <a:rPr kumimoji="1" lang="ja-JP" altLang="en-US"/>
+              <a:t>全てを取ってくる必要がない</a:t>
+            </a:r>
+            <a:endParaRPr kumimoji="1" lang="en-US" altLang="ja-JP"/>
+          </a:p>
+          <a:p>
+            <a:pPr lvl="1"/>
+            <a:r>
+              <a:rPr kumimoji="1" lang="ja-JP" altLang="en-US"/>
+              <a:t>欠点 </a:t>
+            </a:r>
+            <a:r>
+              <a:rPr kumimoji="1" lang="en-US" altLang="ja-JP"/>
+              <a:t>: </a:t>
+            </a:r>
+            <a:r>
+              <a:rPr kumimoji="1" lang="ja-JP" altLang="en-US"/>
+              <a:t>アクセスの度に問い合わせが必要</a:t>
+            </a:r>
+            <a:br>
+              <a:rPr lang="en-US" altLang="ja-JP"/>
+            </a:br>
+            <a:r>
+              <a:rPr lang="ja-JP" altLang="en-US"/>
+              <a:t>プライバシーの問題</a:t>
+            </a:r>
+            <a:endParaRPr kumimoji="1" lang="en-US" altLang="ja-JP"/>
+          </a:p>
+        </p:txBody>
+      </p:sp>
+      <p:sp>
+        <p:nvSpPr>
+          <p:cNvPr id="3" name="スライド番号プレースホルダー 2">
+            <a:extLst>
+              <a:ext uri="{FF2B5EF4-FFF2-40B4-BE49-F238E27FC236}">
+                <a16:creationId xmlns:a16="http://schemas.microsoft.com/office/drawing/2014/main" id="{308E87EC-4A02-4359-B832-005189B00815}"/>
+              </a:ext>
+            </a:extLst>
+          </p:cNvPr>
+          <p:cNvSpPr>
+            <a:spLocks noGrp="1"/>
+          </p:cNvSpPr>
+          <p:nvPr>
+            <p:ph type="sldNum" sz="quarter" idx="12"/>
+          </p:nvPr>
+        </p:nvSpPr>
+        <p:spPr/>
+        <p:txBody>
+          <a:bodyPr/>
+          <a:lstStyle/>
+          <a:p>
+            <a:pPr>
+              <a:defRPr/>
+            </a:pPr>
+            <a:r>
+              <a:rPr lang="en-US" altLang="ja-JP"/>
+              <a:t>    </a:t>
+            </a:r>
+            <a:fld id="{B2782DEB-472A-4FE5-AC34-C17109CF5A91}" type="slidenum">
+              <a:rPr lang="en-US" altLang="ja-JP" smtClean="0"/>
+              <a:pPr>
+                <a:defRPr/>
+              </a:pPr>
+              <a:t>19</a:t>
+            </a:fld>
+            <a:r>
+              <a:rPr lang="en-US" altLang="ja-JP"/>
+              <a:t> / 24</a:t>
+            </a:r>
+          </a:p>
+        </p:txBody>
+      </p:sp>
+      <p:sp>
+        <p:nvSpPr>
+          <p:cNvPr id="4" name="タイトル 3">
+            <a:extLst>
+              <a:ext uri="{FF2B5EF4-FFF2-40B4-BE49-F238E27FC236}">
+                <a16:creationId xmlns:a16="http://schemas.microsoft.com/office/drawing/2014/main" id="{11BE4FB8-EAD7-40B9-A606-B818ED74EA94}"/>
+              </a:ext>
+            </a:extLst>
+          </p:cNvPr>
+          <p:cNvSpPr>
+            <a:spLocks noGrp="1"/>
+          </p:cNvSpPr>
+          <p:nvPr>
+            <p:ph type="title"/>
+          </p:nvPr>
+        </p:nvSpPr>
+        <p:spPr/>
+        <p:txBody>
+          <a:bodyPr/>
+          <a:lstStyle/>
+          <a:p>
+            <a:r>
+              <a:rPr kumimoji="1" lang="en-US" altLang="ja-JP"/>
+              <a:t>OCSP(</a:t>
+            </a:r>
+            <a:r>
+              <a:rPr lang="en-US" altLang="ja-JP"/>
+              <a:t>Online Certificate Status Protocol</a:t>
+            </a:r>
+            <a:r>
+              <a:rPr kumimoji="1" lang="en-US" altLang="ja-JP"/>
+              <a:t>)</a:t>
+            </a:r>
+            <a:endParaRPr kumimoji="1" lang="ja-JP" altLang="en-US"/>
+          </a:p>
+        </p:txBody>
+      </p:sp>
+      <p:pic>
+        <p:nvPicPr>
+          <p:cNvPr id="6" name="図 5">
+            <a:extLst>
+              <a:ext uri="{FF2B5EF4-FFF2-40B4-BE49-F238E27FC236}">
+                <a16:creationId xmlns:a16="http://schemas.microsoft.com/office/drawing/2014/main" id="{A7E967DA-7842-4E32-BD7B-6144E21D560D}"/>
+              </a:ext>
+            </a:extLst>
+          </p:cNvPr>
+          <p:cNvPicPr>
+            <a:picLocks noChangeAspect="1"/>
+          </p:cNvPicPr>
+          <p:nvPr/>
+        </p:nvPicPr>
+        <p:blipFill>
+          <a:blip r:embed="rId2">
+            <a:extLst>
+              <a:ext uri="{28A0092B-C50C-407E-A947-70E740481C1C}">
+                <a14:useLocalDpi xmlns:a14="http://schemas.microsoft.com/office/drawing/2010/main" val="0"/>
+              </a:ext>
+            </a:extLst>
+          </a:blip>
+          <a:stretch>
+            <a:fillRect/>
+          </a:stretch>
+        </p:blipFill>
+        <p:spPr>
+          <a:xfrm>
+            <a:off x="1787787" y="2132856"/>
+            <a:ext cx="5531295" cy="2952328"/>
+          </a:xfrm>
+          <a:prstGeom prst="rect">
+            <a:avLst/>
+          </a:prstGeom>
+        </p:spPr>
+      </p:pic>
+    </p:spTree>
+    <p:extLst>
+      <p:ext uri="{BB962C8B-B14F-4D97-AF65-F5344CB8AC3E}">
+        <p14:creationId xmlns:p14="http://schemas.microsoft.com/office/powerpoint/2010/main" val="2635039576"/>
       </p:ext>
     </p:extLst>
   </p:cSld>
@@ -5499,6 +5876,1734 @@
     <p:extLst>
       <p:ext uri="{BB962C8B-B14F-4D97-AF65-F5344CB8AC3E}">
         <p14:creationId xmlns:p14="http://schemas.microsoft.com/office/powerpoint/2010/main" val="3455905537"/>
+      </p:ext>
+    </p:extLst>
+  </p:cSld>
+  <p:clrMapOvr>
+    <a:masterClrMapping/>
+  </p:clrMapOvr>
+</p:sld>
+</file>
+
+<file path=ppt/slides/slide20.xml><?xml version="1.0" encoding="utf-8"?>
+<p:sld xmlns:a="http://schemas.openxmlformats.org/drawingml/2006/main" xmlns:r="http://schemas.openxmlformats.org/officeDocument/2006/relationships" xmlns:p="http://schemas.openxmlformats.org/presentationml/2006/main">
+  <p:cSld>
+    <p:spTree>
+      <p:nvGrpSpPr>
+        <p:cNvPr id="1" name=""/>
+        <p:cNvGrpSpPr/>
+        <p:nvPr/>
+      </p:nvGrpSpPr>
+      <p:grpSpPr>
+        <a:xfrm>
+          <a:off x="0" y="0"/>
+          <a:ext cx="0" cy="0"/>
+          <a:chOff x="0" y="0"/>
+          <a:chExt cx="0" cy="0"/>
+        </a:xfrm>
+      </p:grpSpPr>
+      <p:pic>
+        <p:nvPicPr>
+          <p:cNvPr id="6" name="図 5">
+            <a:extLst>
+              <a:ext uri="{FF2B5EF4-FFF2-40B4-BE49-F238E27FC236}">
+                <a16:creationId xmlns:a16="http://schemas.microsoft.com/office/drawing/2014/main" id="{7D36A9A5-A13B-4D47-B23E-4E9E5F5834B2}"/>
+              </a:ext>
+            </a:extLst>
+          </p:cNvPr>
+          <p:cNvPicPr>
+            <a:picLocks noChangeAspect="1"/>
+          </p:cNvPicPr>
+          <p:nvPr/>
+        </p:nvPicPr>
+        <p:blipFill>
+          <a:blip r:embed="rId2">
+            <a:extLst>
+              <a:ext uri="{28A0092B-C50C-407E-A947-70E740481C1C}">
+                <a14:useLocalDpi xmlns:a14="http://schemas.microsoft.com/office/drawing/2010/main" val="0"/>
+              </a:ext>
+            </a:extLst>
+          </a:blip>
+          <a:stretch>
+            <a:fillRect/>
+          </a:stretch>
+        </p:blipFill>
+        <p:spPr>
+          <a:xfrm>
+            <a:off x="467544" y="2204863"/>
+            <a:ext cx="6480720" cy="3548193"/>
+          </a:xfrm>
+          <a:prstGeom prst="rect">
+            <a:avLst/>
+          </a:prstGeom>
+        </p:spPr>
+      </p:pic>
+      <p:sp>
+        <p:nvSpPr>
+          <p:cNvPr id="2" name="コンテンツ プレースホルダー 1">
+            <a:extLst>
+              <a:ext uri="{FF2B5EF4-FFF2-40B4-BE49-F238E27FC236}">
+                <a16:creationId xmlns:a16="http://schemas.microsoft.com/office/drawing/2014/main" id="{5D66A482-FF9B-4D2B-B3A8-EB9C6FD7761D}"/>
+              </a:ext>
+            </a:extLst>
+          </p:cNvPr>
+          <p:cNvSpPr>
+            <a:spLocks noGrp="1"/>
+          </p:cNvSpPr>
+          <p:nvPr>
+            <p:ph idx="1"/>
+          </p:nvPr>
+        </p:nvSpPr>
+        <p:spPr/>
+        <p:txBody>
+          <a:bodyPr/>
+          <a:lstStyle/>
+          <a:p>
+            <a:r>
+              <a:rPr kumimoji="1" lang="ja-JP" altLang="en-US"/>
+              <a:t>サーバが</a:t>
+            </a:r>
+            <a:r>
+              <a:rPr kumimoji="1" lang="en-US" altLang="ja-JP"/>
+              <a:t>OCSP</a:t>
+            </a:r>
+            <a:r>
+              <a:rPr kumimoji="1" lang="ja-JP" altLang="en-US"/>
+              <a:t>レスポンスを持っておく</a:t>
+            </a:r>
+            <a:endParaRPr kumimoji="1" lang="en-US" altLang="ja-JP"/>
+          </a:p>
+          <a:p>
+            <a:pPr lvl="1"/>
+            <a:r>
+              <a:rPr kumimoji="1" lang="ja-JP" altLang="en-US"/>
+              <a:t>クライアントは自分で問い合わせる必要がない</a:t>
+            </a:r>
+            <a:endParaRPr kumimoji="1" lang="en-US" altLang="ja-JP"/>
+          </a:p>
+          <a:p>
+            <a:pPr lvl="1"/>
+            <a:r>
+              <a:rPr kumimoji="1" lang="ja-JP" altLang="en-US"/>
+              <a:t>どのサイトにアクセスしたかの情報が漏洩するリスクが減る</a:t>
+            </a:r>
+            <a:endParaRPr kumimoji="1" lang="en-US" altLang="ja-JP"/>
+          </a:p>
+          <a:p>
+            <a:pPr lvl="1"/>
+            <a:endParaRPr lang="en-US" altLang="ja-JP"/>
+          </a:p>
+          <a:p>
+            <a:pPr lvl="1"/>
+            <a:endParaRPr lang="en-US" altLang="ja-JP"/>
+          </a:p>
+          <a:p>
+            <a:pPr lvl="1"/>
+            <a:endParaRPr lang="en-US" altLang="ja-JP"/>
+          </a:p>
+          <a:p>
+            <a:pPr lvl="1"/>
+            <a:endParaRPr lang="en-US" altLang="ja-JP"/>
+          </a:p>
+          <a:p>
+            <a:pPr lvl="1"/>
+            <a:endParaRPr lang="en-US" altLang="ja-JP"/>
+          </a:p>
+          <a:p>
+            <a:pPr lvl="1"/>
+            <a:endParaRPr lang="en-US" altLang="ja-JP"/>
+          </a:p>
+          <a:p>
+            <a:pPr lvl="1"/>
+            <a:endParaRPr lang="en-US" altLang="ja-JP"/>
+          </a:p>
+          <a:p>
+            <a:pPr marL="218250" lvl="1" indent="0">
+              <a:buNone/>
+            </a:pPr>
+            <a:r>
+              <a:rPr lang="en-US" altLang="ja-JP"/>
+              <a:t>                    </a:t>
+            </a:r>
+            <a:r>
+              <a:rPr lang="ja-JP" altLang="en-US"/>
+              <a:t>ブラウザごとに類似の手法</a:t>
+            </a:r>
+            <a:br>
+              <a:rPr lang="en-US" altLang="ja-JP"/>
+            </a:br>
+            <a:r>
+              <a:rPr lang="en-US" altLang="ja-JP"/>
+              <a:t>                    e.g. Chrome : CRLSets (2014)</a:t>
+            </a:r>
+            <a:br>
+              <a:rPr lang="en-US" altLang="ja-JP"/>
+            </a:br>
+            <a:r>
+              <a:rPr lang="en-US" altLang="ja-JP"/>
+              <a:t>                           Firefox : OneCRL (2015), CRLite (2020)</a:t>
+            </a:r>
+          </a:p>
+          <a:p>
+            <a:pPr lvl="1"/>
+            <a:endParaRPr kumimoji="1" lang="ja-JP" altLang="en-US"/>
+          </a:p>
+          <a:p>
+            <a:pPr marL="218250" lvl="1" indent="0">
+              <a:buNone/>
+            </a:pPr>
+            <a:endParaRPr lang="en-US" altLang="ja-JP"/>
+          </a:p>
+        </p:txBody>
+      </p:sp>
+      <p:sp>
+        <p:nvSpPr>
+          <p:cNvPr id="3" name="スライド番号プレースホルダー 2">
+            <a:extLst>
+              <a:ext uri="{FF2B5EF4-FFF2-40B4-BE49-F238E27FC236}">
+                <a16:creationId xmlns:a16="http://schemas.microsoft.com/office/drawing/2014/main" id="{6BBC87C7-2EE7-4D6C-A272-0B30B6F1FEC9}"/>
+              </a:ext>
+            </a:extLst>
+          </p:cNvPr>
+          <p:cNvSpPr>
+            <a:spLocks noGrp="1"/>
+          </p:cNvSpPr>
+          <p:nvPr>
+            <p:ph type="sldNum" sz="quarter" idx="12"/>
+          </p:nvPr>
+        </p:nvSpPr>
+        <p:spPr/>
+        <p:txBody>
+          <a:bodyPr/>
+          <a:lstStyle/>
+          <a:p>
+            <a:pPr>
+              <a:defRPr/>
+            </a:pPr>
+            <a:r>
+              <a:rPr lang="en-US" altLang="ja-JP"/>
+              <a:t>    </a:t>
+            </a:r>
+            <a:fld id="{B2782DEB-472A-4FE5-AC34-C17109CF5A91}" type="slidenum">
+              <a:rPr lang="en-US" altLang="ja-JP" smtClean="0"/>
+              <a:pPr>
+                <a:defRPr/>
+              </a:pPr>
+              <a:t>20</a:t>
+            </a:fld>
+            <a:r>
+              <a:rPr lang="en-US" altLang="ja-JP"/>
+              <a:t> / 24</a:t>
+            </a:r>
+          </a:p>
+        </p:txBody>
+      </p:sp>
+      <p:sp>
+        <p:nvSpPr>
+          <p:cNvPr id="4" name="タイトル 3">
+            <a:extLst>
+              <a:ext uri="{FF2B5EF4-FFF2-40B4-BE49-F238E27FC236}">
+                <a16:creationId xmlns:a16="http://schemas.microsoft.com/office/drawing/2014/main" id="{4F916E1F-C051-4518-8B5F-8C65E68BEC62}"/>
+              </a:ext>
+            </a:extLst>
+          </p:cNvPr>
+          <p:cNvSpPr>
+            <a:spLocks noGrp="1"/>
+          </p:cNvSpPr>
+          <p:nvPr>
+            <p:ph type="title"/>
+          </p:nvPr>
+        </p:nvSpPr>
+        <p:spPr/>
+        <p:txBody>
+          <a:bodyPr/>
+          <a:lstStyle/>
+          <a:p>
+            <a:r>
+              <a:rPr kumimoji="1" lang="en-US" altLang="ja-JP"/>
+              <a:t>OCSP</a:t>
+            </a:r>
+            <a:r>
+              <a:rPr kumimoji="1" lang="ja-JP" altLang="en-US"/>
+              <a:t>ステープリング</a:t>
+            </a:r>
+            <a:r>
+              <a:rPr kumimoji="1" lang="en-US" altLang="ja-JP"/>
+              <a:t>(stapling)</a:t>
+            </a:r>
+            <a:endParaRPr kumimoji="1" lang="ja-JP" altLang="en-US"/>
+          </a:p>
+        </p:txBody>
+      </p:sp>
+    </p:spTree>
+    <p:extLst>
+      <p:ext uri="{BB962C8B-B14F-4D97-AF65-F5344CB8AC3E}">
+        <p14:creationId xmlns:p14="http://schemas.microsoft.com/office/powerpoint/2010/main" val="973934660"/>
+      </p:ext>
+    </p:extLst>
+  </p:cSld>
+  <p:clrMapOvr>
+    <a:masterClrMapping/>
+  </p:clrMapOvr>
+</p:sld>
+</file>
+
+<file path=ppt/slides/slide21.xml><?xml version="1.0" encoding="utf-8"?>
+<p:sld xmlns:a="http://schemas.openxmlformats.org/drawingml/2006/main" xmlns:r="http://schemas.openxmlformats.org/officeDocument/2006/relationships" xmlns:p="http://schemas.openxmlformats.org/presentationml/2006/main">
+  <p:cSld>
+    <p:spTree>
+      <p:nvGrpSpPr>
+        <p:cNvPr id="1" name=""/>
+        <p:cNvGrpSpPr/>
+        <p:nvPr/>
+      </p:nvGrpSpPr>
+      <p:grpSpPr>
+        <a:xfrm>
+          <a:off x="0" y="0"/>
+          <a:ext cx="0" cy="0"/>
+          <a:chOff x="0" y="0"/>
+          <a:chExt cx="0" cy="0"/>
+        </a:xfrm>
+      </p:grpSpPr>
+      <p:pic>
+        <p:nvPicPr>
+          <p:cNvPr id="8" name="図 7">
+            <a:extLst>
+              <a:ext uri="{FF2B5EF4-FFF2-40B4-BE49-F238E27FC236}">
+                <a16:creationId xmlns:a16="http://schemas.microsoft.com/office/drawing/2014/main" id="{B450C60E-113A-4B18-B8A5-31A2D4D6F38B}"/>
+              </a:ext>
+            </a:extLst>
+          </p:cNvPr>
+          <p:cNvPicPr>
+            <a:picLocks noChangeAspect="1"/>
+          </p:cNvPicPr>
+          <p:nvPr/>
+        </p:nvPicPr>
+        <p:blipFill>
+          <a:blip r:embed="rId2"/>
+          <a:stretch>
+            <a:fillRect/>
+          </a:stretch>
+        </p:blipFill>
+        <p:spPr>
+          <a:xfrm>
+            <a:off x="1259632" y="3212976"/>
+            <a:ext cx="7098793" cy="2724261"/>
+          </a:xfrm>
+          <a:prstGeom prst="rect">
+            <a:avLst/>
+          </a:prstGeom>
+        </p:spPr>
+      </p:pic>
+      <p:sp>
+        <p:nvSpPr>
+          <p:cNvPr id="2" name="コンテンツ プレースホルダー 1">
+            <a:extLst>
+              <a:ext uri="{FF2B5EF4-FFF2-40B4-BE49-F238E27FC236}">
+                <a16:creationId xmlns:a16="http://schemas.microsoft.com/office/drawing/2014/main" id="{E5E22BC7-0BE3-42F1-98B7-A5C5F0074C16}"/>
+              </a:ext>
+            </a:extLst>
+          </p:cNvPr>
+          <p:cNvSpPr>
+            <a:spLocks noGrp="1"/>
+          </p:cNvSpPr>
+          <p:nvPr>
+            <p:ph idx="1"/>
+          </p:nvPr>
+        </p:nvSpPr>
+        <p:spPr/>
+        <p:txBody>
+          <a:bodyPr/>
+          <a:lstStyle/>
+          <a:p>
+            <a:r>
+              <a:rPr kumimoji="1" lang="ja-JP" altLang="en-US"/>
+              <a:t>ドメイン認証</a:t>
+            </a:r>
+            <a:r>
+              <a:rPr kumimoji="1" lang="en-US" altLang="ja-JP"/>
+              <a:t>DV (</a:t>
+            </a:r>
+            <a:r>
+              <a:rPr lang="en-US" altLang="ja-JP"/>
+              <a:t>Domain Validation</a:t>
+            </a:r>
+            <a:r>
+              <a:rPr kumimoji="1" lang="en-US" altLang="ja-JP"/>
+              <a:t>)</a:t>
+            </a:r>
+          </a:p>
+          <a:p>
+            <a:pPr lvl="1"/>
+            <a:r>
+              <a:rPr kumimoji="1" lang="ja-JP" altLang="en-US"/>
+              <a:t>メール認証</a:t>
+            </a:r>
+            <a:endParaRPr kumimoji="1" lang="en-US" altLang="ja-JP"/>
+          </a:p>
+          <a:p>
+            <a:pPr lvl="2"/>
+            <a:r>
+              <a:rPr kumimoji="1" lang="ja-JP" altLang="en-US"/>
+              <a:t>サーバ運営者が</a:t>
+            </a:r>
+            <a:r>
+              <a:rPr kumimoji="1" lang="en-US" altLang="ja-JP"/>
+              <a:t>admin@, root@</a:t>
+            </a:r>
+            <a:r>
+              <a:rPr kumimoji="1" lang="ja-JP" altLang="en-US"/>
+              <a:t>などのメールで</a:t>
+            </a:r>
+            <a:r>
+              <a:rPr kumimoji="1" lang="en-US" altLang="ja-JP"/>
+              <a:t>CA</a:t>
+            </a:r>
+            <a:r>
+              <a:rPr kumimoji="1" lang="ja-JP" altLang="en-US"/>
+              <a:t>に依頼</a:t>
+            </a:r>
+            <a:endParaRPr kumimoji="1" lang="en-US" altLang="ja-JP"/>
+          </a:p>
+          <a:p>
+            <a:pPr lvl="2"/>
+            <a:r>
+              <a:rPr kumimoji="1" lang="ja-JP" altLang="en-US"/>
+              <a:t>そういうメールアドレスはそのドメイン所有者だろう</a:t>
+            </a:r>
+            <a:endParaRPr kumimoji="1" lang="en-US" altLang="ja-JP"/>
+          </a:p>
+          <a:p>
+            <a:pPr lvl="1"/>
+            <a:r>
+              <a:rPr kumimoji="1" lang="ja-JP" altLang="en-US"/>
+              <a:t>サーバや</a:t>
+            </a:r>
+            <a:r>
+              <a:rPr kumimoji="1" lang="en-US" altLang="ja-JP"/>
+              <a:t>DNS</a:t>
+            </a:r>
+            <a:r>
+              <a:rPr kumimoji="1" lang="ja-JP" altLang="en-US"/>
+              <a:t>レコードの特定の箇所に</a:t>
+            </a:r>
+            <a:r>
+              <a:rPr kumimoji="1" lang="en-US" altLang="ja-JP"/>
+              <a:t>CA</a:t>
+            </a:r>
+            <a:r>
+              <a:rPr kumimoji="1" lang="ja-JP" altLang="en-US"/>
+              <a:t>が指定したトークンを置いてもらって確認</a:t>
+            </a:r>
+            <a:endParaRPr kumimoji="1" lang="en-US" altLang="ja-JP"/>
+          </a:p>
+          <a:p>
+            <a:pPr lvl="1"/>
+            <a:endParaRPr lang="en-US" altLang="ja-JP"/>
+          </a:p>
+          <a:p>
+            <a:pPr lvl="1"/>
+            <a:endParaRPr kumimoji="1" lang="en-US" altLang="ja-JP"/>
+          </a:p>
+          <a:p>
+            <a:pPr lvl="1"/>
+            <a:endParaRPr lang="en-US" altLang="ja-JP"/>
+          </a:p>
+          <a:p>
+            <a:pPr lvl="1"/>
+            <a:endParaRPr kumimoji="1" lang="en-US" altLang="ja-JP"/>
+          </a:p>
+          <a:p>
+            <a:pPr lvl="1"/>
+            <a:endParaRPr lang="en-US" altLang="ja-JP"/>
+          </a:p>
+          <a:p>
+            <a:pPr lvl="1"/>
+            <a:endParaRPr kumimoji="1" lang="en-US" altLang="ja-JP"/>
+          </a:p>
+          <a:p>
+            <a:pPr lvl="1"/>
+            <a:r>
+              <a:rPr kumimoji="1" lang="en-US" altLang="ja-JP"/>
+              <a:t>ACME : </a:t>
+            </a:r>
+            <a:r>
+              <a:rPr kumimoji="1" lang="ja-JP" altLang="en-US"/>
+              <a:t>公開鍵証明書の確認を自動化 </a:t>
+            </a:r>
+            <a:r>
+              <a:rPr kumimoji="1" lang="en-US" altLang="ja-JP"/>
+              <a:t>: Let's Encrypt</a:t>
+            </a:r>
+            <a:r>
+              <a:rPr kumimoji="1" lang="ja-JP" altLang="en-US"/>
+              <a:t>で利用</a:t>
+            </a:r>
+          </a:p>
+        </p:txBody>
+      </p:sp>
+      <p:sp>
+        <p:nvSpPr>
+          <p:cNvPr id="3" name="スライド番号プレースホルダー 2">
+            <a:extLst>
+              <a:ext uri="{FF2B5EF4-FFF2-40B4-BE49-F238E27FC236}">
+                <a16:creationId xmlns:a16="http://schemas.microsoft.com/office/drawing/2014/main" id="{254B2E55-32E9-4BEE-BE2C-AC7D899A8BD6}"/>
+              </a:ext>
+            </a:extLst>
+          </p:cNvPr>
+          <p:cNvSpPr>
+            <a:spLocks noGrp="1"/>
+          </p:cNvSpPr>
+          <p:nvPr>
+            <p:ph type="sldNum" sz="quarter" idx="12"/>
+          </p:nvPr>
+        </p:nvSpPr>
+        <p:spPr/>
+        <p:txBody>
+          <a:bodyPr/>
+          <a:lstStyle/>
+          <a:p>
+            <a:pPr>
+              <a:defRPr/>
+            </a:pPr>
+            <a:r>
+              <a:rPr lang="en-US" altLang="ja-JP"/>
+              <a:t>    </a:t>
+            </a:r>
+            <a:fld id="{B2782DEB-472A-4FE5-AC34-C17109CF5A91}" type="slidenum">
+              <a:rPr lang="en-US" altLang="ja-JP" smtClean="0"/>
+              <a:pPr>
+                <a:defRPr/>
+              </a:pPr>
+              <a:t>21</a:t>
+            </a:fld>
+            <a:r>
+              <a:rPr lang="en-US" altLang="ja-JP"/>
+              <a:t> / 24</a:t>
+            </a:r>
+          </a:p>
+        </p:txBody>
+      </p:sp>
+      <p:sp>
+        <p:nvSpPr>
+          <p:cNvPr id="4" name="タイトル 3">
+            <a:extLst>
+              <a:ext uri="{FF2B5EF4-FFF2-40B4-BE49-F238E27FC236}">
+                <a16:creationId xmlns:a16="http://schemas.microsoft.com/office/drawing/2014/main" id="{3E4ED6C8-C9B5-470D-A688-CE4C9FCCCDDD}"/>
+              </a:ext>
+            </a:extLst>
+          </p:cNvPr>
+          <p:cNvSpPr>
+            <a:spLocks noGrp="1"/>
+          </p:cNvSpPr>
+          <p:nvPr>
+            <p:ph type="title"/>
+          </p:nvPr>
+        </p:nvSpPr>
+        <p:spPr/>
+        <p:txBody>
+          <a:bodyPr/>
+          <a:lstStyle/>
+          <a:p>
+            <a:r>
+              <a:rPr kumimoji="1" lang="ja-JP" altLang="en-US"/>
+              <a:t>証明書の発行方法</a:t>
+            </a:r>
+          </a:p>
+        </p:txBody>
+      </p:sp>
+    </p:spTree>
+    <p:extLst>
+      <p:ext uri="{BB962C8B-B14F-4D97-AF65-F5344CB8AC3E}">
+        <p14:creationId xmlns:p14="http://schemas.microsoft.com/office/powerpoint/2010/main" val="3175006846"/>
+      </p:ext>
+    </p:extLst>
+  </p:cSld>
+  <p:clrMapOvr>
+    <a:masterClrMapping/>
+  </p:clrMapOvr>
+</p:sld>
+</file>
+
+<file path=ppt/slides/slide22.xml><?xml version="1.0" encoding="utf-8"?>
+<p:sld xmlns:a="http://schemas.openxmlformats.org/drawingml/2006/main" xmlns:r="http://schemas.openxmlformats.org/officeDocument/2006/relationships" xmlns:p="http://schemas.openxmlformats.org/presentationml/2006/main">
+  <p:cSld>
+    <p:spTree>
+      <p:nvGrpSpPr>
+        <p:cNvPr id="1" name=""/>
+        <p:cNvGrpSpPr/>
+        <p:nvPr/>
+      </p:nvGrpSpPr>
+      <p:grpSpPr>
+        <a:xfrm>
+          <a:off x="0" y="0"/>
+          <a:ext cx="0" cy="0"/>
+          <a:chOff x="0" y="0"/>
+          <a:chExt cx="0" cy="0"/>
+        </a:xfrm>
+      </p:grpSpPr>
+      <p:sp>
+        <p:nvSpPr>
+          <p:cNvPr id="2" name="コンテンツ プレースホルダー 1">
+            <a:extLst>
+              <a:ext uri="{FF2B5EF4-FFF2-40B4-BE49-F238E27FC236}">
+                <a16:creationId xmlns:a16="http://schemas.microsoft.com/office/drawing/2014/main" id="{3464C5F9-63FC-4489-BFA4-7C33285759A7}"/>
+              </a:ext>
+            </a:extLst>
+          </p:cNvPr>
+          <p:cNvSpPr>
+            <a:spLocks noGrp="1"/>
+          </p:cNvSpPr>
+          <p:nvPr>
+            <p:ph idx="1"/>
+          </p:nvPr>
+        </p:nvSpPr>
+        <p:spPr/>
+        <p:txBody>
+          <a:bodyPr/>
+          <a:lstStyle/>
+          <a:p>
+            <a:r>
+              <a:rPr kumimoji="1" lang="ja-JP" altLang="en-US"/>
+              <a:t>ずさんな認証局</a:t>
+            </a:r>
+            <a:endParaRPr kumimoji="1" lang="en-US" altLang="ja-JP"/>
+          </a:p>
+          <a:p>
+            <a:endParaRPr lang="en-US" altLang="ja-JP"/>
+          </a:p>
+          <a:p>
+            <a:endParaRPr kumimoji="1" lang="en-US" altLang="ja-JP"/>
+          </a:p>
+          <a:p>
+            <a:endParaRPr lang="en-US" altLang="ja-JP"/>
+          </a:p>
+          <a:p>
+            <a:endParaRPr kumimoji="1" lang="en-US" altLang="ja-JP"/>
+          </a:p>
+          <a:p>
+            <a:endParaRPr lang="en-US" altLang="ja-JP"/>
+          </a:p>
+          <a:p>
+            <a:endParaRPr kumimoji="1" lang="en-US" altLang="ja-JP"/>
+          </a:p>
+          <a:p>
+            <a:endParaRPr lang="en-US" altLang="ja-JP"/>
+          </a:p>
+          <a:p>
+            <a:endParaRPr kumimoji="1" lang="en-US" altLang="ja-JP"/>
+          </a:p>
+          <a:p>
+            <a:r>
+              <a:rPr kumimoji="1" lang="ja-JP" altLang="en-US"/>
+              <a:t>そもそも暗号的に安全ではない経路を利用</a:t>
+            </a:r>
+          </a:p>
+        </p:txBody>
+      </p:sp>
+      <p:sp>
+        <p:nvSpPr>
+          <p:cNvPr id="3" name="スライド番号プレースホルダー 2">
+            <a:extLst>
+              <a:ext uri="{FF2B5EF4-FFF2-40B4-BE49-F238E27FC236}">
+                <a16:creationId xmlns:a16="http://schemas.microsoft.com/office/drawing/2014/main" id="{C390B1E7-ECC7-4D43-BA65-3EC3CBA07981}"/>
+              </a:ext>
+            </a:extLst>
+          </p:cNvPr>
+          <p:cNvSpPr>
+            <a:spLocks noGrp="1"/>
+          </p:cNvSpPr>
+          <p:nvPr>
+            <p:ph type="sldNum" sz="quarter" idx="12"/>
+          </p:nvPr>
+        </p:nvSpPr>
+        <p:spPr/>
+        <p:txBody>
+          <a:bodyPr/>
+          <a:lstStyle/>
+          <a:p>
+            <a:pPr>
+              <a:defRPr/>
+            </a:pPr>
+            <a:r>
+              <a:rPr lang="en-US" altLang="ja-JP"/>
+              <a:t>    </a:t>
+            </a:r>
+            <a:fld id="{B2782DEB-472A-4FE5-AC34-C17109CF5A91}" type="slidenum">
+              <a:rPr lang="en-US" altLang="ja-JP" smtClean="0"/>
+              <a:pPr>
+                <a:defRPr/>
+              </a:pPr>
+              <a:t>22</a:t>
+            </a:fld>
+            <a:r>
+              <a:rPr lang="en-US" altLang="ja-JP"/>
+              <a:t> / 24</a:t>
+            </a:r>
+          </a:p>
+        </p:txBody>
+      </p:sp>
+      <p:sp>
+        <p:nvSpPr>
+          <p:cNvPr id="4" name="タイトル 3">
+            <a:extLst>
+              <a:ext uri="{FF2B5EF4-FFF2-40B4-BE49-F238E27FC236}">
+                <a16:creationId xmlns:a16="http://schemas.microsoft.com/office/drawing/2014/main" id="{F628B079-F8AA-49EA-888F-2445F8AE714E}"/>
+              </a:ext>
+            </a:extLst>
+          </p:cNvPr>
+          <p:cNvSpPr>
+            <a:spLocks noGrp="1"/>
+          </p:cNvSpPr>
+          <p:nvPr>
+            <p:ph type="title"/>
+          </p:nvPr>
+        </p:nvSpPr>
+        <p:spPr/>
+        <p:txBody>
+          <a:bodyPr/>
+          <a:lstStyle/>
+          <a:p>
+            <a:r>
+              <a:rPr kumimoji="1" lang="ja-JP" altLang="en-US"/>
+              <a:t>ドメイン認証の問題点</a:t>
+            </a:r>
+          </a:p>
+        </p:txBody>
+      </p:sp>
+      <p:pic>
+        <p:nvPicPr>
+          <p:cNvPr id="6" name="図 5">
+            <a:extLst>
+              <a:ext uri="{FF2B5EF4-FFF2-40B4-BE49-F238E27FC236}">
+                <a16:creationId xmlns:a16="http://schemas.microsoft.com/office/drawing/2014/main" id="{242D4B26-CC5C-4022-B9F3-CBDB6FE4BAFD}"/>
+              </a:ext>
+            </a:extLst>
+          </p:cNvPr>
+          <p:cNvPicPr>
+            <a:picLocks noChangeAspect="1"/>
+          </p:cNvPicPr>
+          <p:nvPr/>
+        </p:nvPicPr>
+        <p:blipFill>
+          <a:blip r:embed="rId2">
+            <a:extLst>
+              <a:ext uri="{28A0092B-C50C-407E-A947-70E740481C1C}">
+                <a14:useLocalDpi xmlns:a14="http://schemas.microsoft.com/office/drawing/2010/main" val="0"/>
+              </a:ext>
+            </a:extLst>
+          </a:blip>
+          <a:stretch>
+            <a:fillRect/>
+          </a:stretch>
+        </p:blipFill>
+        <p:spPr>
+          <a:xfrm>
+            <a:off x="1339044" y="1369152"/>
+            <a:ext cx="6480720" cy="4458024"/>
+          </a:xfrm>
+          <a:prstGeom prst="rect">
+            <a:avLst/>
+          </a:prstGeom>
+        </p:spPr>
+      </p:pic>
+    </p:spTree>
+    <p:extLst>
+      <p:ext uri="{BB962C8B-B14F-4D97-AF65-F5344CB8AC3E}">
+        <p14:creationId xmlns:p14="http://schemas.microsoft.com/office/powerpoint/2010/main" val="588629093"/>
+      </p:ext>
+    </p:extLst>
+  </p:cSld>
+  <p:clrMapOvr>
+    <a:masterClrMapping/>
+  </p:clrMapOvr>
+</p:sld>
+</file>
+
+<file path=ppt/slides/slide23.xml><?xml version="1.0" encoding="utf-8"?>
+<p:sld xmlns:a="http://schemas.openxmlformats.org/drawingml/2006/main" xmlns:r="http://schemas.openxmlformats.org/officeDocument/2006/relationships" xmlns:p="http://schemas.openxmlformats.org/presentationml/2006/main">
+  <p:cSld>
+    <p:spTree>
+      <p:nvGrpSpPr>
+        <p:cNvPr id="1" name=""/>
+        <p:cNvGrpSpPr/>
+        <p:nvPr/>
+      </p:nvGrpSpPr>
+      <p:grpSpPr>
+        <a:xfrm>
+          <a:off x="0" y="0"/>
+          <a:ext cx="0" cy="0"/>
+          <a:chOff x="0" y="0"/>
+          <a:chExt cx="0" cy="0"/>
+        </a:xfrm>
+      </p:grpSpPr>
+      <p:sp>
+        <p:nvSpPr>
+          <p:cNvPr id="2" name="コンテンツ プレースホルダー 1">
+            <a:extLst>
+              <a:ext uri="{FF2B5EF4-FFF2-40B4-BE49-F238E27FC236}">
+                <a16:creationId xmlns:a16="http://schemas.microsoft.com/office/drawing/2014/main" id="{622D3AD3-CE35-4EE3-BF35-C643658C0CE7}"/>
+              </a:ext>
+            </a:extLst>
+          </p:cNvPr>
+          <p:cNvSpPr>
+            <a:spLocks noGrp="1"/>
+          </p:cNvSpPr>
+          <p:nvPr>
+            <p:ph idx="1"/>
+          </p:nvPr>
+        </p:nvSpPr>
+        <p:spPr/>
+        <p:txBody>
+          <a:bodyPr/>
+          <a:lstStyle/>
+          <a:p>
+            <a:r>
+              <a:rPr lang="ja-JP" altLang="en-US"/>
+              <a:t>組織認証</a:t>
+            </a:r>
+            <a:r>
+              <a:rPr lang="en-US" altLang="ja-JP"/>
+              <a:t>OV</a:t>
+            </a:r>
+            <a:r>
+              <a:rPr lang="ja-JP" altLang="en-US"/>
+              <a:t> </a:t>
+            </a:r>
+            <a:r>
+              <a:rPr lang="en-US" altLang="ja-JP"/>
+              <a:t>(Organization Validation)</a:t>
+            </a:r>
+          </a:p>
+          <a:p>
+            <a:pPr lvl="1"/>
+            <a:r>
+              <a:rPr kumimoji="1" lang="ja-JP" altLang="en-US"/>
+              <a:t>書類審査や電話などを用いてドメインの管理者が法人であることを確認</a:t>
+            </a:r>
+            <a:endParaRPr kumimoji="1" lang="en-US" altLang="ja-JP"/>
+          </a:p>
+          <a:p>
+            <a:r>
+              <a:rPr lang="ja-JP" altLang="en-US"/>
+              <a:t>拡張認証</a:t>
+            </a:r>
+            <a:r>
+              <a:rPr lang="en-US" altLang="ja-JP"/>
+              <a:t>EV</a:t>
+            </a:r>
+            <a:r>
+              <a:rPr lang="ja-JP" altLang="en-US"/>
+              <a:t> </a:t>
+            </a:r>
+            <a:r>
+              <a:rPr lang="en-US" altLang="ja-JP"/>
+              <a:t>(Extended Validation)</a:t>
+            </a:r>
+          </a:p>
+          <a:p>
+            <a:pPr lvl="1"/>
+            <a:r>
+              <a:rPr kumimoji="1" lang="en-US" altLang="ja-JP"/>
+              <a:t>OV</a:t>
+            </a:r>
+            <a:r>
+              <a:rPr kumimoji="1" lang="ja-JP" altLang="en-US"/>
+              <a:t>よりもより厳格 </a:t>
+            </a:r>
+            <a:r>
+              <a:rPr kumimoji="1" lang="en-US" altLang="ja-JP"/>
+              <a:t>: CA/</a:t>
+            </a:r>
+            <a:r>
+              <a:rPr kumimoji="1" lang="ja-JP" altLang="en-US"/>
+              <a:t>ブラウザフォーラムが規定</a:t>
+            </a:r>
+            <a:endParaRPr kumimoji="1" lang="en-US" altLang="ja-JP"/>
+          </a:p>
+          <a:p>
+            <a:pPr lvl="1"/>
+            <a:r>
+              <a:rPr lang="ja-JP" altLang="en-US"/>
+              <a:t>アドレスバーが緑色 </a:t>
+            </a:r>
+            <a:r>
+              <a:rPr lang="en-US" altLang="ja-JP"/>
+              <a:t>: 2019</a:t>
+            </a:r>
+            <a:r>
+              <a:rPr lang="ja-JP" altLang="en-US"/>
+              <a:t>年</a:t>
+            </a:r>
+            <a:r>
+              <a:rPr lang="en-US" altLang="ja-JP"/>
+              <a:t>Chrome/Firefox</a:t>
+            </a:r>
+            <a:r>
+              <a:rPr lang="ja-JP" altLang="en-US"/>
+              <a:t>が止めた</a:t>
+            </a:r>
+            <a:endParaRPr lang="en-US" altLang="ja-JP"/>
+          </a:p>
+          <a:p>
+            <a:r>
+              <a:rPr kumimoji="1" lang="ja-JP" altLang="en-US"/>
+              <a:t>注意</a:t>
+            </a:r>
+            <a:endParaRPr kumimoji="1" lang="en-US" altLang="ja-JP"/>
+          </a:p>
+          <a:p>
+            <a:pPr lvl="1"/>
+            <a:r>
+              <a:rPr kumimoji="1" lang="ja-JP" altLang="en-US"/>
+              <a:t>これらの認証はサーバとクライアント間が暗号的に安全であることのみを保証</a:t>
+            </a:r>
+            <a:endParaRPr kumimoji="1" lang="en-US" altLang="ja-JP"/>
+          </a:p>
+          <a:p>
+            <a:pPr lvl="1"/>
+            <a:r>
+              <a:rPr kumimoji="1" lang="ja-JP" altLang="en-US"/>
+              <a:t>悪意ある業者でも</a:t>
+            </a:r>
+            <a:r>
+              <a:rPr kumimoji="1" lang="en-US" altLang="ja-JP"/>
+              <a:t>EV</a:t>
+            </a:r>
+            <a:r>
+              <a:rPr kumimoji="1" lang="ja-JP" altLang="en-US"/>
+              <a:t>は取得可能</a:t>
+            </a:r>
+          </a:p>
+        </p:txBody>
+      </p:sp>
+      <p:sp>
+        <p:nvSpPr>
+          <p:cNvPr id="3" name="スライド番号プレースホルダー 2">
+            <a:extLst>
+              <a:ext uri="{FF2B5EF4-FFF2-40B4-BE49-F238E27FC236}">
+                <a16:creationId xmlns:a16="http://schemas.microsoft.com/office/drawing/2014/main" id="{3A0105AD-C9EF-4C78-A866-7C56DA46D677}"/>
+              </a:ext>
+            </a:extLst>
+          </p:cNvPr>
+          <p:cNvSpPr>
+            <a:spLocks noGrp="1"/>
+          </p:cNvSpPr>
+          <p:nvPr>
+            <p:ph type="sldNum" sz="quarter" idx="12"/>
+          </p:nvPr>
+        </p:nvSpPr>
+        <p:spPr/>
+        <p:txBody>
+          <a:bodyPr/>
+          <a:lstStyle/>
+          <a:p>
+            <a:pPr>
+              <a:defRPr/>
+            </a:pPr>
+            <a:r>
+              <a:rPr lang="en-US" altLang="ja-JP"/>
+              <a:t>    </a:t>
+            </a:r>
+            <a:fld id="{B2782DEB-472A-4FE5-AC34-C17109CF5A91}" type="slidenum">
+              <a:rPr lang="en-US" altLang="ja-JP" smtClean="0"/>
+              <a:pPr>
+                <a:defRPr/>
+              </a:pPr>
+              <a:t>23</a:t>
+            </a:fld>
+            <a:r>
+              <a:rPr lang="en-US" altLang="ja-JP"/>
+              <a:t> / 24</a:t>
+            </a:r>
+          </a:p>
+        </p:txBody>
+      </p:sp>
+      <p:sp>
+        <p:nvSpPr>
+          <p:cNvPr id="4" name="タイトル 3">
+            <a:extLst>
+              <a:ext uri="{FF2B5EF4-FFF2-40B4-BE49-F238E27FC236}">
+                <a16:creationId xmlns:a16="http://schemas.microsoft.com/office/drawing/2014/main" id="{926C577F-FFC0-420B-947F-30743FA03D96}"/>
+              </a:ext>
+            </a:extLst>
+          </p:cNvPr>
+          <p:cNvSpPr>
+            <a:spLocks noGrp="1"/>
+          </p:cNvSpPr>
+          <p:nvPr>
+            <p:ph type="title"/>
+          </p:nvPr>
+        </p:nvSpPr>
+        <p:spPr/>
+        <p:txBody>
+          <a:bodyPr/>
+          <a:lstStyle/>
+          <a:p>
+            <a:r>
+              <a:rPr kumimoji="1" lang="ja-JP" altLang="en-US"/>
+              <a:t>その他の認証</a:t>
+            </a:r>
+          </a:p>
+        </p:txBody>
+      </p:sp>
+    </p:spTree>
+    <p:extLst>
+      <p:ext uri="{BB962C8B-B14F-4D97-AF65-F5344CB8AC3E}">
+        <p14:creationId xmlns:p14="http://schemas.microsoft.com/office/powerpoint/2010/main" val="3538185653"/>
+      </p:ext>
+    </p:extLst>
+  </p:cSld>
+  <p:clrMapOvr>
+    <a:masterClrMapping/>
+  </p:clrMapOvr>
+</p:sld>
+</file>
+
+<file path=ppt/slides/slide24.xml><?xml version="1.0" encoding="utf-8"?>
+<p:sld xmlns:a="http://schemas.openxmlformats.org/drawingml/2006/main" xmlns:r="http://schemas.openxmlformats.org/officeDocument/2006/relationships" xmlns:p="http://schemas.openxmlformats.org/presentationml/2006/main">
+  <p:cSld>
+    <p:spTree>
+      <p:nvGrpSpPr>
+        <p:cNvPr id="1" name=""/>
+        <p:cNvGrpSpPr/>
+        <p:nvPr/>
+      </p:nvGrpSpPr>
+      <p:grpSpPr>
+        <a:xfrm>
+          <a:off x="0" y="0"/>
+          <a:ext cx="0" cy="0"/>
+          <a:chOff x="0" y="0"/>
+          <a:chExt cx="0" cy="0"/>
+        </a:xfrm>
+      </p:grpSpPr>
+      <p:sp>
+        <p:nvSpPr>
+          <p:cNvPr id="2" name="コンテンツ プレースホルダー 1">
+            <a:extLst>
+              <a:ext uri="{FF2B5EF4-FFF2-40B4-BE49-F238E27FC236}">
+                <a16:creationId xmlns:a16="http://schemas.microsoft.com/office/drawing/2014/main" id="{75530677-9164-4FAB-91DC-1C796AAE6E28}"/>
+              </a:ext>
+            </a:extLst>
+          </p:cNvPr>
+          <p:cNvSpPr>
+            <a:spLocks noGrp="1"/>
+          </p:cNvSpPr>
+          <p:nvPr>
+            <p:ph idx="1"/>
+          </p:nvPr>
+        </p:nvSpPr>
+        <p:spPr/>
+        <p:txBody>
+          <a:bodyPr/>
+          <a:lstStyle/>
+          <a:p>
+            <a:r>
+              <a:rPr kumimoji="1" lang="ja-JP" altLang="en-US"/>
+              <a:t>認証局</a:t>
+            </a:r>
+            <a:r>
+              <a:rPr kumimoji="1" lang="en-US" altLang="ja-JP"/>
+              <a:t>CA</a:t>
+            </a:r>
+            <a:r>
+              <a:rPr kumimoji="1" lang="ja-JP" altLang="en-US"/>
+              <a:t>自体の信頼性</a:t>
+            </a:r>
+            <a:endParaRPr kumimoji="1" lang="en-US" altLang="ja-JP"/>
+          </a:p>
+          <a:p>
+            <a:pPr lvl="1"/>
+            <a:r>
+              <a:rPr kumimoji="1" lang="en-US" altLang="ja-JP"/>
+              <a:t>2011</a:t>
+            </a:r>
+            <a:r>
+              <a:rPr kumimoji="1" lang="ja-JP" altLang="en-US"/>
+              <a:t>年頃から</a:t>
+            </a:r>
+            <a:r>
+              <a:rPr kumimoji="1" lang="en-US" altLang="ja-JP"/>
+              <a:t>CA</a:t>
+            </a:r>
+            <a:r>
+              <a:rPr kumimoji="1" lang="ja-JP" altLang="en-US"/>
+              <a:t>に関する大きな事件が続いた</a:t>
+            </a:r>
+            <a:endParaRPr kumimoji="1" lang="en-US" altLang="ja-JP"/>
+          </a:p>
+          <a:p>
+            <a:pPr lvl="1"/>
+            <a:r>
+              <a:rPr kumimoji="1" lang="en-US" altLang="ja-JP"/>
+              <a:t>CA</a:t>
+            </a:r>
+            <a:r>
+              <a:rPr kumimoji="1" lang="ja-JP" altLang="en-US"/>
+              <a:t>への攻撃</a:t>
+            </a:r>
+            <a:r>
+              <a:rPr kumimoji="1" lang="en-US" altLang="ja-JP"/>
+              <a:t>, </a:t>
+            </a:r>
+            <a:r>
+              <a:rPr kumimoji="1" lang="ja-JP" altLang="en-US"/>
+              <a:t>弱い証明書・間違った証明書の発行</a:t>
+            </a:r>
+            <a:endParaRPr kumimoji="1" lang="en-US" altLang="ja-JP"/>
+          </a:p>
+          <a:p>
+            <a:r>
+              <a:rPr kumimoji="1" lang="en-US" altLang="ja-JP"/>
+              <a:t>CT (</a:t>
+            </a:r>
+            <a:r>
+              <a:rPr lang="en-US" altLang="ja-JP"/>
+              <a:t>Certificate Transparency</a:t>
+            </a:r>
+            <a:r>
+              <a:rPr kumimoji="1" lang="en-US" altLang="ja-JP"/>
+              <a:t>)</a:t>
+            </a:r>
+          </a:p>
+          <a:p>
+            <a:pPr lvl="1"/>
+            <a:r>
+              <a:rPr kumimoji="1" lang="ja-JP" altLang="en-US"/>
+              <a:t>認証局</a:t>
+            </a:r>
+            <a:r>
+              <a:rPr kumimoji="1" lang="en-US" altLang="ja-JP"/>
+              <a:t>CA</a:t>
+            </a:r>
+            <a:r>
+              <a:rPr kumimoji="1" lang="ja-JP" altLang="en-US"/>
+              <a:t>を監視する仕組み</a:t>
+            </a:r>
+            <a:endParaRPr kumimoji="1" lang="en-US" altLang="ja-JP"/>
+          </a:p>
+          <a:p>
+            <a:pPr lvl="1"/>
+            <a:r>
+              <a:rPr lang="en-US" altLang="ja-JP"/>
+              <a:t>CT</a:t>
+            </a:r>
+            <a:r>
+              <a:rPr lang="ja-JP" altLang="en-US"/>
+              <a:t>のログサーバに発行した証明書を登録することを義務づけ</a:t>
+            </a:r>
+            <a:endParaRPr lang="en-US" altLang="ja-JP"/>
+          </a:p>
+          <a:p>
+            <a:pPr lvl="2"/>
+            <a:r>
+              <a:rPr lang="en-US" altLang="ja-JP"/>
+              <a:t>SCT (Signed Certificate Timestamp) : </a:t>
+            </a:r>
+            <a:r>
+              <a:rPr lang="ja-JP" altLang="en-US"/>
+              <a:t>ログサーバによる署名</a:t>
+            </a:r>
+            <a:endParaRPr lang="en-US" altLang="ja-JP"/>
+          </a:p>
+          <a:p>
+            <a:pPr lvl="1"/>
+            <a:r>
+              <a:rPr lang="en-US" altLang="ja-JP"/>
+              <a:t>Chrome, Safari (2018), Firefox</a:t>
+            </a:r>
+            <a:r>
+              <a:rPr lang="ja-JP" altLang="en-US"/>
+              <a:t>は</a:t>
+            </a:r>
+            <a:r>
+              <a:rPr lang="en-US" altLang="ja-JP"/>
+              <a:t>CT</a:t>
+            </a:r>
+            <a:r>
+              <a:rPr lang="ja-JP" altLang="en-US"/>
+              <a:t>の使用を義務づけていない</a:t>
+            </a:r>
+            <a:endParaRPr kumimoji="1" lang="ja-JP" altLang="en-US"/>
+          </a:p>
+        </p:txBody>
+      </p:sp>
+      <p:sp>
+        <p:nvSpPr>
+          <p:cNvPr id="3" name="スライド番号プレースホルダー 2">
+            <a:extLst>
+              <a:ext uri="{FF2B5EF4-FFF2-40B4-BE49-F238E27FC236}">
+                <a16:creationId xmlns:a16="http://schemas.microsoft.com/office/drawing/2014/main" id="{F580C328-2DDB-4F4F-8727-5F5D9EF6EBC1}"/>
+              </a:ext>
+            </a:extLst>
+          </p:cNvPr>
+          <p:cNvSpPr>
+            <a:spLocks noGrp="1"/>
+          </p:cNvSpPr>
+          <p:nvPr>
+            <p:ph type="sldNum" sz="quarter" idx="12"/>
+          </p:nvPr>
+        </p:nvSpPr>
+        <p:spPr/>
+        <p:txBody>
+          <a:bodyPr/>
+          <a:lstStyle/>
+          <a:p>
+            <a:pPr>
+              <a:defRPr/>
+            </a:pPr>
+            <a:r>
+              <a:rPr lang="en-US" altLang="ja-JP"/>
+              <a:t>    </a:t>
+            </a:r>
+            <a:fld id="{B2782DEB-472A-4FE5-AC34-C17109CF5A91}" type="slidenum">
+              <a:rPr lang="en-US" altLang="ja-JP" smtClean="0"/>
+              <a:pPr>
+                <a:defRPr/>
+              </a:pPr>
+              <a:t>24</a:t>
+            </a:fld>
+            <a:r>
+              <a:rPr lang="en-US" altLang="ja-JP"/>
+              <a:t> / 24</a:t>
+            </a:r>
+          </a:p>
+        </p:txBody>
+      </p:sp>
+      <p:sp>
+        <p:nvSpPr>
+          <p:cNvPr id="4" name="タイトル 3">
+            <a:extLst>
+              <a:ext uri="{FF2B5EF4-FFF2-40B4-BE49-F238E27FC236}">
+                <a16:creationId xmlns:a16="http://schemas.microsoft.com/office/drawing/2014/main" id="{2BD3D8D3-0A89-4EA4-B8FC-9F2DF63F75EE}"/>
+              </a:ext>
+            </a:extLst>
+          </p:cNvPr>
+          <p:cNvSpPr>
+            <a:spLocks noGrp="1"/>
+          </p:cNvSpPr>
+          <p:nvPr>
+            <p:ph type="title"/>
+          </p:nvPr>
+        </p:nvSpPr>
+        <p:spPr/>
+        <p:txBody>
+          <a:bodyPr/>
+          <a:lstStyle/>
+          <a:p>
+            <a:r>
+              <a:rPr kumimoji="1" lang="ja-JP" altLang="en-US"/>
+              <a:t>証明書の透明性</a:t>
+            </a:r>
+            <a:r>
+              <a:rPr kumimoji="1" lang="en-US" altLang="ja-JP"/>
+              <a:t>CT</a:t>
+            </a:r>
+            <a:endParaRPr kumimoji="1" lang="ja-JP" altLang="en-US"/>
+          </a:p>
+        </p:txBody>
+      </p:sp>
+      <p:pic>
+        <p:nvPicPr>
+          <p:cNvPr id="6" name="図 5">
+            <a:extLst>
+              <a:ext uri="{FF2B5EF4-FFF2-40B4-BE49-F238E27FC236}">
+                <a16:creationId xmlns:a16="http://schemas.microsoft.com/office/drawing/2014/main" id="{4D3FFA84-7BDF-4CE3-984D-EAE1EE2E43AC}"/>
+              </a:ext>
+            </a:extLst>
+          </p:cNvPr>
+          <p:cNvPicPr>
+            <a:picLocks noChangeAspect="1"/>
+          </p:cNvPicPr>
+          <p:nvPr/>
+        </p:nvPicPr>
+        <p:blipFill>
+          <a:blip r:embed="rId2">
+            <a:extLst>
+              <a:ext uri="{28A0092B-C50C-407E-A947-70E740481C1C}">
+                <a14:useLocalDpi xmlns:a14="http://schemas.microsoft.com/office/drawing/2010/main" val="0"/>
+              </a:ext>
+            </a:extLst>
+          </a:blip>
+          <a:stretch>
+            <a:fillRect/>
+          </a:stretch>
+        </p:blipFill>
+        <p:spPr>
+          <a:xfrm>
+            <a:off x="1675711" y="4381329"/>
+            <a:ext cx="5792578" cy="2324271"/>
+          </a:xfrm>
+          <a:prstGeom prst="rect">
+            <a:avLst/>
+          </a:prstGeom>
+        </p:spPr>
+      </p:pic>
+    </p:spTree>
+    <p:extLst>
+      <p:ext uri="{BB962C8B-B14F-4D97-AF65-F5344CB8AC3E}">
+        <p14:creationId xmlns:p14="http://schemas.microsoft.com/office/powerpoint/2010/main" val="217022751"/>
+      </p:ext>
+    </p:extLst>
+  </p:cSld>
+  <p:clrMapOvr>
+    <a:masterClrMapping/>
+  </p:clrMapOvr>
+</p:sld>
+</file>
+
+<file path=ppt/slides/slide25.xml><?xml version="1.0" encoding="utf-8"?>
+<p:sld xmlns:a="http://schemas.openxmlformats.org/drawingml/2006/main" xmlns:r="http://schemas.openxmlformats.org/officeDocument/2006/relationships" xmlns:p="http://schemas.openxmlformats.org/presentationml/2006/main">
+  <p:cSld>
+    <p:spTree>
+      <p:nvGrpSpPr>
+        <p:cNvPr id="1" name=""/>
+        <p:cNvGrpSpPr/>
+        <p:nvPr/>
+      </p:nvGrpSpPr>
+      <p:grpSpPr>
+        <a:xfrm>
+          <a:off x="0" y="0"/>
+          <a:ext cx="0" cy="0"/>
+          <a:chOff x="0" y="0"/>
+          <a:chExt cx="0" cy="0"/>
+        </a:xfrm>
+      </p:grpSpPr>
+      <p:sp>
+        <p:nvSpPr>
+          <p:cNvPr id="2" name="コンテンツ プレースホルダー 1">
+            <a:extLst>
+              <a:ext uri="{FF2B5EF4-FFF2-40B4-BE49-F238E27FC236}">
+                <a16:creationId xmlns:a16="http://schemas.microsoft.com/office/drawing/2014/main" id="{F38943FF-18C8-4DA9-A2E4-51A864B952DE}"/>
+              </a:ext>
+            </a:extLst>
+          </p:cNvPr>
+          <p:cNvSpPr>
+            <a:spLocks noGrp="1"/>
+          </p:cNvSpPr>
+          <p:nvPr>
+            <p:ph idx="1"/>
+          </p:nvPr>
+        </p:nvSpPr>
+        <p:spPr/>
+        <p:txBody>
+          <a:bodyPr/>
+          <a:lstStyle/>
+          <a:p>
+            <a:r>
+              <a:rPr kumimoji="1" lang="ja-JP" altLang="en-US"/>
+              <a:t>一般ユーザ</a:t>
+            </a:r>
+            <a:endParaRPr kumimoji="1" lang="en-US" altLang="ja-JP"/>
+          </a:p>
+          <a:p>
+            <a:pPr lvl="1"/>
+            <a:r>
+              <a:rPr kumimoji="1" lang="ja-JP" altLang="en-US"/>
+              <a:t>アクセスした証明書に</a:t>
+            </a:r>
+            <a:r>
+              <a:rPr kumimoji="1" lang="en-US" altLang="ja-JP"/>
+              <a:t>SCT</a:t>
+            </a:r>
+            <a:r>
+              <a:rPr kumimoji="1" lang="ja-JP" altLang="en-US"/>
+              <a:t>が無いと怪しい</a:t>
+            </a:r>
+            <a:endParaRPr kumimoji="1" lang="en-US" altLang="ja-JP"/>
+          </a:p>
+          <a:p>
+            <a:pPr lvl="1"/>
+            <a:r>
+              <a:rPr lang="en-US" altLang="ja-JP"/>
+              <a:t>SCT</a:t>
+            </a:r>
+            <a:r>
+              <a:rPr lang="ja-JP" altLang="en-US"/>
+              <a:t>があったもそれがログサーバに無いと怪しい</a:t>
+            </a:r>
+            <a:endParaRPr lang="en-US" altLang="ja-JP"/>
+          </a:p>
+          <a:p>
+            <a:r>
+              <a:rPr kumimoji="1" lang="ja-JP" altLang="en-US"/>
+              <a:t>サービス事業者</a:t>
+            </a:r>
+            <a:endParaRPr kumimoji="1" lang="en-US" altLang="ja-JP"/>
+          </a:p>
+          <a:p>
+            <a:pPr lvl="1"/>
+            <a:r>
+              <a:rPr kumimoji="1" lang="ja-JP" altLang="en-US"/>
+              <a:t>自分のサイトで不正な証明書が発行されていないか監視可能</a:t>
+            </a:r>
+            <a:endParaRPr kumimoji="1" lang="en-US" altLang="ja-JP"/>
+          </a:p>
+          <a:p>
+            <a:pPr lvl="2"/>
+            <a:r>
+              <a:rPr kumimoji="1" lang="en-US" altLang="ja-JP"/>
+              <a:t>Symantec</a:t>
+            </a:r>
+            <a:r>
+              <a:rPr kumimoji="1" lang="ja-JP" altLang="en-US"/>
+              <a:t>が不正な証明書を発行したことを検知 </a:t>
+            </a:r>
+            <a:r>
+              <a:rPr kumimoji="1" lang="en-US" altLang="ja-JP"/>
+              <a:t>(2015)</a:t>
+            </a:r>
+            <a:endParaRPr kumimoji="1" lang="ja-JP" altLang="en-US"/>
+          </a:p>
+        </p:txBody>
+      </p:sp>
+      <p:sp>
+        <p:nvSpPr>
+          <p:cNvPr id="3" name="スライド番号プレースホルダー 2">
+            <a:extLst>
+              <a:ext uri="{FF2B5EF4-FFF2-40B4-BE49-F238E27FC236}">
+                <a16:creationId xmlns:a16="http://schemas.microsoft.com/office/drawing/2014/main" id="{AB643355-70C1-4526-875A-17B40CEA432B}"/>
+              </a:ext>
+            </a:extLst>
+          </p:cNvPr>
+          <p:cNvSpPr>
+            <a:spLocks noGrp="1"/>
+          </p:cNvSpPr>
+          <p:nvPr>
+            <p:ph type="sldNum" sz="quarter" idx="12"/>
+          </p:nvPr>
+        </p:nvSpPr>
+        <p:spPr/>
+        <p:txBody>
+          <a:bodyPr/>
+          <a:lstStyle/>
+          <a:p>
+            <a:pPr>
+              <a:defRPr/>
+            </a:pPr>
+            <a:r>
+              <a:rPr lang="en-US" altLang="ja-JP"/>
+              <a:t>    </a:t>
+            </a:r>
+            <a:fld id="{B2782DEB-472A-4FE5-AC34-C17109CF5A91}" type="slidenum">
+              <a:rPr lang="en-US" altLang="ja-JP" smtClean="0"/>
+              <a:pPr>
+                <a:defRPr/>
+              </a:pPr>
+              <a:t>25</a:t>
+            </a:fld>
+            <a:r>
+              <a:rPr lang="en-US" altLang="ja-JP"/>
+              <a:t> / 24</a:t>
+            </a:r>
+          </a:p>
+        </p:txBody>
+      </p:sp>
+      <p:sp>
+        <p:nvSpPr>
+          <p:cNvPr id="4" name="タイトル 3">
+            <a:extLst>
+              <a:ext uri="{FF2B5EF4-FFF2-40B4-BE49-F238E27FC236}">
+                <a16:creationId xmlns:a16="http://schemas.microsoft.com/office/drawing/2014/main" id="{207AB9BE-30BD-407A-83B8-89645A81B157}"/>
+              </a:ext>
+            </a:extLst>
+          </p:cNvPr>
+          <p:cNvSpPr>
+            <a:spLocks noGrp="1"/>
+          </p:cNvSpPr>
+          <p:nvPr>
+            <p:ph type="title"/>
+          </p:nvPr>
+        </p:nvSpPr>
+        <p:spPr/>
+        <p:txBody>
+          <a:bodyPr/>
+          <a:lstStyle/>
+          <a:p>
+            <a:r>
+              <a:rPr kumimoji="1" lang="en-US" altLang="ja-JP"/>
+              <a:t>CT</a:t>
+            </a:r>
+            <a:r>
+              <a:rPr kumimoji="1" lang="ja-JP" altLang="en-US"/>
+              <a:t>の利点</a:t>
+            </a:r>
+          </a:p>
+        </p:txBody>
+      </p:sp>
+      <p:pic>
+        <p:nvPicPr>
+          <p:cNvPr id="6" name="図 5">
+            <a:extLst>
+              <a:ext uri="{FF2B5EF4-FFF2-40B4-BE49-F238E27FC236}">
+                <a16:creationId xmlns:a16="http://schemas.microsoft.com/office/drawing/2014/main" id="{18E98039-B68F-4EFB-A576-FA23E187BAA4}"/>
+              </a:ext>
+            </a:extLst>
+          </p:cNvPr>
+          <p:cNvPicPr>
+            <a:picLocks noChangeAspect="1"/>
+          </p:cNvPicPr>
+          <p:nvPr/>
+        </p:nvPicPr>
+        <p:blipFill>
+          <a:blip r:embed="rId2">
+            <a:extLst>
+              <a:ext uri="{28A0092B-C50C-407E-A947-70E740481C1C}">
+                <a14:useLocalDpi xmlns:a14="http://schemas.microsoft.com/office/drawing/2010/main" val="0"/>
+              </a:ext>
+            </a:extLst>
+          </a:blip>
+          <a:stretch>
+            <a:fillRect/>
+          </a:stretch>
+        </p:blipFill>
+        <p:spPr>
+          <a:xfrm>
+            <a:off x="1615638" y="3645023"/>
+            <a:ext cx="5476642" cy="2953695"/>
+          </a:xfrm>
+          <a:prstGeom prst="rect">
+            <a:avLst/>
+          </a:prstGeom>
+        </p:spPr>
+      </p:pic>
+    </p:spTree>
+    <p:extLst>
+      <p:ext uri="{BB962C8B-B14F-4D97-AF65-F5344CB8AC3E}">
+        <p14:creationId xmlns:p14="http://schemas.microsoft.com/office/powerpoint/2010/main" val="1577799144"/>
+      </p:ext>
+    </p:extLst>
+  </p:cSld>
+  <p:clrMapOvr>
+    <a:masterClrMapping/>
+  </p:clrMapOvr>
+</p:sld>
+</file>
+
+<file path=ppt/slides/slide26.xml><?xml version="1.0" encoding="utf-8"?>
+<p:sld xmlns:a="http://schemas.openxmlformats.org/drawingml/2006/main" xmlns:r="http://schemas.openxmlformats.org/officeDocument/2006/relationships" xmlns:p="http://schemas.openxmlformats.org/presentationml/2006/main">
+  <p:cSld>
+    <p:spTree>
+      <p:nvGrpSpPr>
+        <p:cNvPr id="1" name=""/>
+        <p:cNvGrpSpPr/>
+        <p:nvPr/>
+      </p:nvGrpSpPr>
+      <p:grpSpPr>
+        <a:xfrm>
+          <a:off x="0" y="0"/>
+          <a:ext cx="0" cy="0"/>
+          <a:chOff x="0" y="0"/>
+          <a:chExt cx="0" cy="0"/>
+        </a:xfrm>
+      </p:grpSpPr>
+      <p:sp>
+        <p:nvSpPr>
+          <p:cNvPr id="2" name="コンテンツ プレースホルダー 1">
+            <a:extLst>
+              <a:ext uri="{FF2B5EF4-FFF2-40B4-BE49-F238E27FC236}">
+                <a16:creationId xmlns:a16="http://schemas.microsoft.com/office/drawing/2014/main" id="{4E961224-9888-459A-9E04-C992904D422C}"/>
+              </a:ext>
+            </a:extLst>
+          </p:cNvPr>
+          <p:cNvSpPr>
+            <a:spLocks noGrp="1"/>
+          </p:cNvSpPr>
+          <p:nvPr>
+            <p:ph idx="1"/>
+          </p:nvPr>
+        </p:nvSpPr>
+        <p:spPr/>
+        <p:txBody>
+          <a:bodyPr/>
+          <a:lstStyle/>
+          <a:p>
+            <a:r>
+              <a:rPr kumimoji="1" lang="ja-JP" altLang="en-US"/>
+              <a:t>一般ユーザ</a:t>
+            </a:r>
+            <a:endParaRPr kumimoji="1" lang="en-US" altLang="ja-JP"/>
+          </a:p>
+          <a:p>
+            <a:pPr lvl="1"/>
+            <a:r>
+              <a:rPr lang="en-US" altLang="ja-JP"/>
+              <a:t>SCT</a:t>
+            </a:r>
+            <a:r>
+              <a:rPr lang="ja-JP" altLang="en-US"/>
+              <a:t>の妥当性確認のためにログサーバにアクセス</a:t>
+            </a:r>
+            <a:endParaRPr lang="en-US" altLang="ja-JP"/>
+          </a:p>
+          <a:p>
+            <a:pPr lvl="2"/>
+            <a:r>
+              <a:rPr kumimoji="1" lang="ja-JP" altLang="en-US"/>
+              <a:t>自分がどのサイトを見ようとしているかログサーバに伝わる</a:t>
+            </a:r>
+            <a:endParaRPr kumimoji="1" lang="en-US" altLang="ja-JP"/>
+          </a:p>
+          <a:p>
+            <a:pPr lvl="2"/>
+            <a:r>
+              <a:rPr kumimoji="1" lang="en-US" altLang="ja-JP"/>
+              <a:t>OCSP</a:t>
+            </a:r>
+            <a:r>
+              <a:rPr kumimoji="1" lang="ja-JP" altLang="en-US"/>
+              <a:t>と同様の問題点</a:t>
+            </a:r>
+            <a:endParaRPr kumimoji="1" lang="en-US" altLang="ja-JP"/>
+          </a:p>
+          <a:p>
+            <a:r>
+              <a:rPr kumimoji="1" lang="ja-JP" altLang="en-US"/>
+              <a:t>サービス事業者</a:t>
+            </a:r>
+            <a:endParaRPr kumimoji="1" lang="en-US" altLang="ja-JP"/>
+          </a:p>
+          <a:p>
+            <a:pPr lvl="1"/>
+            <a:r>
+              <a:rPr kumimoji="1" lang="en-US" altLang="ja-JP"/>
+              <a:t>CA</a:t>
+            </a:r>
+            <a:r>
+              <a:rPr kumimoji="1" lang="ja-JP" altLang="en-US"/>
+              <a:t>に証明書を発行してもらう前にログサーバに知らせる必要</a:t>
+            </a:r>
+            <a:endParaRPr kumimoji="1" lang="en-US" altLang="ja-JP"/>
+          </a:p>
+          <a:p>
+            <a:pPr lvl="2"/>
+            <a:r>
+              <a:rPr kumimoji="1" lang="ja-JP" altLang="en-US"/>
+              <a:t>ドメイン名を隠しておきたいなどがログサーバに公開される</a:t>
+            </a:r>
+            <a:endParaRPr kumimoji="1" lang="en-US" altLang="ja-JP"/>
+          </a:p>
+          <a:p>
+            <a:r>
+              <a:rPr kumimoji="1" lang="ja-JP" altLang="en-US"/>
+              <a:t>解決案を検討中</a:t>
+            </a:r>
+            <a:endParaRPr kumimoji="1" lang="en-US" altLang="ja-JP"/>
+          </a:p>
+          <a:p>
+            <a:r>
+              <a:rPr kumimoji="1" lang="ja-JP" altLang="en-US"/>
+              <a:t>その他</a:t>
+            </a:r>
+            <a:endParaRPr kumimoji="1" lang="en-US" altLang="ja-JP"/>
+          </a:p>
+          <a:p>
+            <a:pPr lvl="1"/>
+            <a:r>
+              <a:rPr kumimoji="1" lang="ja-JP" altLang="en-US"/>
+              <a:t>ログサーバは世界中の証明書を収集できる</a:t>
+            </a:r>
+            <a:endParaRPr kumimoji="1" lang="en-US" altLang="ja-JP"/>
+          </a:p>
+          <a:p>
+            <a:pPr lvl="1"/>
+            <a:r>
+              <a:rPr kumimoji="1" lang="ja-JP" altLang="en-US"/>
+              <a:t>特定の業者に権力が集中</a:t>
+            </a:r>
+            <a:endParaRPr kumimoji="1" lang="en-US" altLang="ja-JP"/>
+          </a:p>
+          <a:p>
+            <a:pPr lvl="1"/>
+            <a:r>
+              <a:rPr kumimoji="1" lang="ja-JP" altLang="en-US"/>
+              <a:t>運営者が不正をしないか</a:t>
+            </a:r>
+            <a:r>
+              <a:rPr kumimoji="1" lang="en-US" altLang="ja-JP"/>
+              <a:t>?</a:t>
+            </a:r>
+          </a:p>
+        </p:txBody>
+      </p:sp>
+      <p:sp>
+        <p:nvSpPr>
+          <p:cNvPr id="3" name="スライド番号プレースホルダー 2">
+            <a:extLst>
+              <a:ext uri="{FF2B5EF4-FFF2-40B4-BE49-F238E27FC236}">
+                <a16:creationId xmlns:a16="http://schemas.microsoft.com/office/drawing/2014/main" id="{1AD27254-2156-460F-AB2B-761AC52781E0}"/>
+              </a:ext>
+            </a:extLst>
+          </p:cNvPr>
+          <p:cNvSpPr>
+            <a:spLocks noGrp="1"/>
+          </p:cNvSpPr>
+          <p:nvPr>
+            <p:ph type="sldNum" sz="quarter" idx="12"/>
+          </p:nvPr>
+        </p:nvSpPr>
+        <p:spPr/>
+        <p:txBody>
+          <a:bodyPr/>
+          <a:lstStyle/>
+          <a:p>
+            <a:pPr>
+              <a:defRPr/>
+            </a:pPr>
+            <a:r>
+              <a:rPr lang="en-US" altLang="ja-JP"/>
+              <a:t>    </a:t>
+            </a:r>
+            <a:fld id="{B2782DEB-472A-4FE5-AC34-C17109CF5A91}" type="slidenum">
+              <a:rPr lang="en-US" altLang="ja-JP" smtClean="0"/>
+              <a:pPr>
+                <a:defRPr/>
+              </a:pPr>
+              <a:t>26</a:t>
+            </a:fld>
+            <a:r>
+              <a:rPr lang="en-US" altLang="ja-JP"/>
+              <a:t> / 24</a:t>
+            </a:r>
+          </a:p>
+        </p:txBody>
+      </p:sp>
+      <p:sp>
+        <p:nvSpPr>
+          <p:cNvPr id="4" name="タイトル 3">
+            <a:extLst>
+              <a:ext uri="{FF2B5EF4-FFF2-40B4-BE49-F238E27FC236}">
+                <a16:creationId xmlns:a16="http://schemas.microsoft.com/office/drawing/2014/main" id="{91E58212-E153-4EC4-B90E-FBF478AE2BC2}"/>
+              </a:ext>
+            </a:extLst>
+          </p:cNvPr>
+          <p:cNvSpPr>
+            <a:spLocks noGrp="1"/>
+          </p:cNvSpPr>
+          <p:nvPr>
+            <p:ph type="title"/>
+          </p:nvPr>
+        </p:nvSpPr>
+        <p:spPr/>
+        <p:txBody>
+          <a:bodyPr/>
+          <a:lstStyle/>
+          <a:p>
+            <a:r>
+              <a:rPr kumimoji="1" lang="en-US" altLang="ja-JP"/>
+              <a:t>CT</a:t>
+            </a:r>
+            <a:r>
+              <a:rPr kumimoji="1" lang="ja-JP" altLang="en-US"/>
+              <a:t>の問題点</a:t>
+            </a:r>
+          </a:p>
+        </p:txBody>
+      </p:sp>
+    </p:spTree>
+    <p:extLst>
+      <p:ext uri="{BB962C8B-B14F-4D97-AF65-F5344CB8AC3E}">
+        <p14:creationId xmlns:p14="http://schemas.microsoft.com/office/powerpoint/2010/main" val="2001668621"/>
       </p:ext>
     </p:extLst>
   </p:cSld>

--- a/lec/anninbon8.pptx
+++ b/lec/anninbon8.pptx
@@ -5,10 +5,10 @@
     <p:sldMasterId id="2147483706" r:id="rId1"/>
   </p:sldMasterIdLst>
   <p:notesMasterIdLst>
-    <p:notesMasterId r:id="rId28"/>
+    <p:notesMasterId r:id="rId43"/>
   </p:notesMasterIdLst>
   <p:handoutMasterIdLst>
-    <p:handoutMasterId r:id="rId29"/>
+    <p:handoutMasterId r:id="rId44"/>
   </p:handoutMasterIdLst>
   <p:sldIdLst>
     <p:sldId id="552" r:id="rId2"/>
@@ -37,6 +37,21 @@
     <p:sldId id="645" r:id="rId25"/>
     <p:sldId id="646" r:id="rId26"/>
     <p:sldId id="647" r:id="rId27"/>
+    <p:sldId id="648" r:id="rId28"/>
+    <p:sldId id="649" r:id="rId29"/>
+    <p:sldId id="650" r:id="rId30"/>
+    <p:sldId id="651" r:id="rId31"/>
+    <p:sldId id="652" r:id="rId32"/>
+    <p:sldId id="653" r:id="rId33"/>
+    <p:sldId id="654" r:id="rId34"/>
+    <p:sldId id="655" r:id="rId35"/>
+    <p:sldId id="656" r:id="rId36"/>
+    <p:sldId id="657" r:id="rId37"/>
+    <p:sldId id="658" r:id="rId38"/>
+    <p:sldId id="659" r:id="rId39"/>
+    <p:sldId id="660" r:id="rId40"/>
+    <p:sldId id="661" r:id="rId41"/>
+    <p:sldId id="662" r:id="rId42"/>
   </p:sldIdLst>
   <p:sldSz cx="9144000" cy="6858000" type="screen4x3"/>
   <p:notesSz cx="7099300" cy="10234613"/>
@@ -196,6 +211,21 @@
             <p14:sldId id="645"/>
             <p14:sldId id="646"/>
             <p14:sldId id="647"/>
+            <p14:sldId id="648"/>
+            <p14:sldId id="649"/>
+            <p14:sldId id="650"/>
+            <p14:sldId id="651"/>
+            <p14:sldId id="652"/>
+            <p14:sldId id="653"/>
+            <p14:sldId id="654"/>
+            <p14:sldId id="655"/>
+            <p14:sldId id="656"/>
+            <p14:sldId id="657"/>
+            <p14:sldId id="658"/>
+            <p14:sldId id="659"/>
+            <p14:sldId id="660"/>
+            <p14:sldId id="661"/>
+            <p14:sldId id="662"/>
           </p14:sldIdLst>
         </p14:section>
       </p14:sectionLst>
@@ -7613,6 +7643,1185 @@
 </p:sld>
 </file>
 
+<file path=ppt/slides/slide27.xml><?xml version="1.0" encoding="utf-8"?>
+<p:sld xmlns:a="http://schemas.openxmlformats.org/drawingml/2006/main" xmlns:r="http://schemas.openxmlformats.org/officeDocument/2006/relationships" xmlns:p="http://schemas.openxmlformats.org/presentationml/2006/main">
+  <p:cSld>
+    <p:spTree>
+      <p:nvGrpSpPr>
+        <p:cNvPr id="1" name=""/>
+        <p:cNvGrpSpPr/>
+        <p:nvPr/>
+      </p:nvGrpSpPr>
+      <p:grpSpPr>
+        <a:xfrm>
+          <a:off x="0" y="0"/>
+          <a:ext cx="0" cy="0"/>
+          <a:chOff x="0" y="0"/>
+          <a:chExt cx="0" cy="0"/>
+        </a:xfrm>
+      </p:grpSpPr>
+      <p:sp>
+        <p:nvSpPr>
+          <p:cNvPr id="2" name="コンテンツ プレースホルダー 1">
+            <a:extLst>
+              <a:ext uri="{FF2B5EF4-FFF2-40B4-BE49-F238E27FC236}">
+                <a16:creationId xmlns:a16="http://schemas.microsoft.com/office/drawing/2014/main" id="{B85D75A0-4DAD-4392-8991-B6577ABCBD52}"/>
+              </a:ext>
+            </a:extLst>
+          </p:cNvPr>
+          <p:cNvSpPr>
+            <a:spLocks noGrp="1"/>
+          </p:cNvSpPr>
+          <p:nvPr>
+            <p:ph idx="1"/>
+          </p:nvPr>
+        </p:nvSpPr>
+        <p:spPr/>
+        <p:txBody>
+          <a:bodyPr/>
+          <a:lstStyle/>
+          <a:p>
+            <a:r>
+              <a:rPr kumimoji="1" lang="en-US" altLang="ja-JP"/>
+              <a:t>HTTP</a:t>
+            </a:r>
+            <a:r>
+              <a:rPr kumimoji="1" lang="ja-JP" altLang="en-US"/>
+              <a:t>を安全に通信するためのプロトコル</a:t>
+            </a:r>
+            <a:endParaRPr kumimoji="1" lang="en-US" altLang="ja-JP"/>
+          </a:p>
+          <a:p>
+            <a:pPr lvl="1"/>
+            <a:r>
+              <a:rPr kumimoji="1" lang="en-US" altLang="ja-JP"/>
+              <a:t>2021</a:t>
+            </a:r>
+            <a:r>
+              <a:rPr kumimoji="1" lang="ja-JP" altLang="en-US"/>
+              <a:t>年の時点で最新</a:t>
+            </a:r>
+            <a:endParaRPr kumimoji="1" lang="en-US" altLang="ja-JP"/>
+          </a:p>
+          <a:p>
+            <a:pPr lvl="1"/>
+            <a:r>
+              <a:rPr lang="en-US" altLang="ja-JP"/>
+              <a:t>TLS 1.2</a:t>
+            </a:r>
+            <a:r>
+              <a:rPr lang="ja-JP" altLang="en-US"/>
+              <a:t>までに見つかっていた様々な問題の改善</a:t>
+            </a:r>
+            <a:endParaRPr lang="en-US" altLang="ja-JP"/>
+          </a:p>
+          <a:p>
+            <a:r>
+              <a:rPr lang="ja-JP" altLang="en-US"/>
+              <a:t>特長</a:t>
+            </a:r>
+            <a:endParaRPr lang="en-US" altLang="ja-JP"/>
+          </a:p>
+          <a:p>
+            <a:pPr lvl="1"/>
+            <a:r>
+              <a:rPr kumimoji="1" lang="ja-JP" altLang="en-US"/>
+              <a:t>性能の向上</a:t>
+            </a:r>
+            <a:endParaRPr kumimoji="1" lang="en-US" altLang="ja-JP"/>
+          </a:p>
+          <a:p>
+            <a:pPr lvl="2"/>
+            <a:r>
+              <a:rPr kumimoji="1" lang="ja-JP" altLang="en-US"/>
+              <a:t>ハンドシェイクの効率化</a:t>
+            </a:r>
+            <a:endParaRPr kumimoji="1" lang="en-US" altLang="ja-JP"/>
+          </a:p>
+          <a:p>
+            <a:pPr lvl="1"/>
+            <a:r>
+              <a:rPr kumimoji="1" lang="ja-JP" altLang="en-US"/>
+              <a:t>安全性の向上</a:t>
+            </a:r>
+            <a:endParaRPr kumimoji="1" lang="en-US" altLang="ja-JP"/>
+          </a:p>
+          <a:p>
+            <a:pPr lvl="2"/>
+            <a:r>
+              <a:rPr kumimoji="1" lang="ja-JP" altLang="en-US"/>
+              <a:t>暗号化アルゴリズムの整備</a:t>
+            </a:r>
+            <a:endParaRPr kumimoji="1" lang="en-US" altLang="ja-JP"/>
+          </a:p>
+          <a:p>
+            <a:pPr lvl="2"/>
+            <a:r>
+              <a:rPr kumimoji="1" lang="ja-JP" altLang="en-US"/>
+              <a:t>新しい鍵導出アルゴリズム</a:t>
+            </a:r>
+            <a:endParaRPr kumimoji="1" lang="en-US" altLang="ja-JP"/>
+          </a:p>
+          <a:p>
+            <a:pPr lvl="2"/>
+            <a:r>
+              <a:rPr kumimoji="1" lang="ja-JP" altLang="en-US"/>
+              <a:t>形式検証</a:t>
+            </a:r>
+            <a:endParaRPr kumimoji="1" lang="en-US" altLang="ja-JP"/>
+          </a:p>
+          <a:p>
+            <a:pPr lvl="2"/>
+            <a:r>
+              <a:rPr kumimoji="1" lang="ja-JP" altLang="en-US"/>
+              <a:t>認証付き暗号</a:t>
+            </a:r>
+            <a:endParaRPr kumimoji="1" lang="en-US" altLang="ja-JP"/>
+          </a:p>
+          <a:p>
+            <a:pPr lvl="2"/>
+            <a:r>
+              <a:rPr kumimoji="1" lang="ja-JP" altLang="en-US"/>
+              <a:t>前方秘匿性</a:t>
+            </a:r>
+          </a:p>
+          <a:p>
+            <a:pPr lvl="1"/>
+            <a:endParaRPr kumimoji="1" lang="ja-JP" altLang="en-US"/>
+          </a:p>
+        </p:txBody>
+      </p:sp>
+      <p:sp>
+        <p:nvSpPr>
+          <p:cNvPr id="3" name="スライド番号プレースホルダー 2">
+            <a:extLst>
+              <a:ext uri="{FF2B5EF4-FFF2-40B4-BE49-F238E27FC236}">
+                <a16:creationId xmlns:a16="http://schemas.microsoft.com/office/drawing/2014/main" id="{1FC8EA79-B0FE-4AA6-8D03-F2593ED12610}"/>
+              </a:ext>
+            </a:extLst>
+          </p:cNvPr>
+          <p:cNvSpPr>
+            <a:spLocks noGrp="1"/>
+          </p:cNvSpPr>
+          <p:nvPr>
+            <p:ph type="sldNum" sz="quarter" idx="12"/>
+          </p:nvPr>
+        </p:nvSpPr>
+        <p:spPr/>
+        <p:txBody>
+          <a:bodyPr/>
+          <a:lstStyle/>
+          <a:p>
+            <a:pPr>
+              <a:defRPr/>
+            </a:pPr>
+            <a:r>
+              <a:rPr lang="en-US" altLang="ja-JP"/>
+              <a:t>    </a:t>
+            </a:r>
+            <a:fld id="{B2782DEB-472A-4FE5-AC34-C17109CF5A91}" type="slidenum">
+              <a:rPr lang="en-US" altLang="ja-JP" smtClean="0"/>
+              <a:pPr>
+                <a:defRPr/>
+              </a:pPr>
+              <a:t>27</a:t>
+            </a:fld>
+            <a:r>
+              <a:rPr lang="en-US" altLang="ja-JP"/>
+              <a:t> / 24</a:t>
+            </a:r>
+          </a:p>
+        </p:txBody>
+      </p:sp>
+      <p:sp>
+        <p:nvSpPr>
+          <p:cNvPr id="4" name="タイトル 3">
+            <a:extLst>
+              <a:ext uri="{FF2B5EF4-FFF2-40B4-BE49-F238E27FC236}">
+                <a16:creationId xmlns:a16="http://schemas.microsoft.com/office/drawing/2014/main" id="{DD62AC7D-19D4-4FC4-ADEA-DD53FEE75A10}"/>
+              </a:ext>
+            </a:extLst>
+          </p:cNvPr>
+          <p:cNvSpPr>
+            <a:spLocks noGrp="1"/>
+          </p:cNvSpPr>
+          <p:nvPr>
+            <p:ph type="title"/>
+          </p:nvPr>
+        </p:nvSpPr>
+        <p:spPr/>
+        <p:txBody>
+          <a:bodyPr/>
+          <a:lstStyle/>
+          <a:p>
+            <a:r>
+              <a:rPr kumimoji="1" lang="en-US" altLang="ja-JP"/>
+              <a:t>TLS 1.3</a:t>
+            </a:r>
+            <a:endParaRPr kumimoji="1" lang="ja-JP" altLang="en-US"/>
+          </a:p>
+        </p:txBody>
+      </p:sp>
+    </p:spTree>
+    <p:extLst>
+      <p:ext uri="{BB962C8B-B14F-4D97-AF65-F5344CB8AC3E}">
+        <p14:creationId xmlns:p14="http://schemas.microsoft.com/office/powerpoint/2010/main" val="1250103855"/>
+      </p:ext>
+    </p:extLst>
+  </p:cSld>
+  <p:clrMapOvr>
+    <a:masterClrMapping/>
+  </p:clrMapOvr>
+</p:sld>
+</file>
+
+<file path=ppt/slides/slide28.xml><?xml version="1.0" encoding="utf-8"?>
+<p:sld xmlns:a="http://schemas.openxmlformats.org/drawingml/2006/main" xmlns:r="http://schemas.openxmlformats.org/officeDocument/2006/relationships" xmlns:p="http://schemas.openxmlformats.org/presentationml/2006/main">
+  <p:cSld>
+    <p:spTree>
+      <p:nvGrpSpPr>
+        <p:cNvPr id="1" name=""/>
+        <p:cNvGrpSpPr/>
+        <p:nvPr/>
+      </p:nvGrpSpPr>
+      <p:grpSpPr>
+        <a:xfrm>
+          <a:off x="0" y="0"/>
+          <a:ext cx="0" cy="0"/>
+          <a:chOff x="0" y="0"/>
+          <a:chExt cx="0" cy="0"/>
+        </a:xfrm>
+      </p:grpSpPr>
+      <p:sp>
+        <p:nvSpPr>
+          <p:cNvPr id="2" name="コンテンツ プレースホルダー 1">
+            <a:extLst>
+              <a:ext uri="{FF2B5EF4-FFF2-40B4-BE49-F238E27FC236}">
+                <a16:creationId xmlns:a16="http://schemas.microsoft.com/office/drawing/2014/main" id="{2774BDAF-6E97-40A8-A743-E09F461567CF}"/>
+              </a:ext>
+            </a:extLst>
+          </p:cNvPr>
+          <p:cNvSpPr>
+            <a:spLocks noGrp="1"/>
+          </p:cNvSpPr>
+          <p:nvPr>
+            <p:ph idx="1"/>
+          </p:nvPr>
+        </p:nvSpPr>
+        <p:spPr/>
+        <p:txBody>
+          <a:bodyPr/>
+          <a:lstStyle/>
+          <a:p>
+            <a:endParaRPr kumimoji="1" lang="en-US" altLang="ja-JP"/>
+          </a:p>
+          <a:p>
+            <a:endParaRPr lang="en-US" altLang="ja-JP"/>
+          </a:p>
+          <a:p>
+            <a:endParaRPr kumimoji="1" lang="en-US" altLang="ja-JP"/>
+          </a:p>
+          <a:p>
+            <a:endParaRPr lang="en-US" altLang="ja-JP"/>
+          </a:p>
+          <a:p>
+            <a:endParaRPr kumimoji="1" lang="en-US" altLang="ja-JP"/>
+          </a:p>
+          <a:p>
+            <a:endParaRPr lang="en-US" altLang="ja-JP"/>
+          </a:p>
+          <a:p>
+            <a:endParaRPr kumimoji="1" lang="en-US" altLang="ja-JP"/>
+          </a:p>
+          <a:p>
+            <a:endParaRPr lang="en-US" altLang="ja-JP"/>
+          </a:p>
+          <a:p>
+            <a:r>
+              <a:rPr kumimoji="1" lang="ja-JP" altLang="en-US"/>
+              <a:t>暗号化通信が始まるまで</a:t>
+            </a:r>
+            <a:r>
+              <a:rPr kumimoji="1" lang="en-US" altLang="ja-JP"/>
+              <a:t>3</a:t>
+            </a:r>
+            <a:r>
+              <a:rPr kumimoji="1" lang="ja-JP" altLang="en-US"/>
+              <a:t>回やりとり</a:t>
+            </a:r>
+          </a:p>
+        </p:txBody>
+      </p:sp>
+      <p:sp>
+        <p:nvSpPr>
+          <p:cNvPr id="3" name="スライド番号プレースホルダー 2">
+            <a:extLst>
+              <a:ext uri="{FF2B5EF4-FFF2-40B4-BE49-F238E27FC236}">
+                <a16:creationId xmlns:a16="http://schemas.microsoft.com/office/drawing/2014/main" id="{97F19684-86DB-4BE5-ABAC-A0F60631F41C}"/>
+              </a:ext>
+            </a:extLst>
+          </p:cNvPr>
+          <p:cNvSpPr>
+            <a:spLocks noGrp="1"/>
+          </p:cNvSpPr>
+          <p:nvPr>
+            <p:ph type="sldNum" sz="quarter" idx="12"/>
+          </p:nvPr>
+        </p:nvSpPr>
+        <p:spPr/>
+        <p:txBody>
+          <a:bodyPr/>
+          <a:lstStyle/>
+          <a:p>
+            <a:pPr>
+              <a:defRPr/>
+            </a:pPr>
+            <a:r>
+              <a:rPr lang="en-US" altLang="ja-JP"/>
+              <a:t>    </a:t>
+            </a:r>
+            <a:fld id="{B2782DEB-472A-4FE5-AC34-C17109CF5A91}" type="slidenum">
+              <a:rPr lang="en-US" altLang="ja-JP" smtClean="0"/>
+              <a:pPr>
+                <a:defRPr/>
+              </a:pPr>
+              <a:t>28</a:t>
+            </a:fld>
+            <a:r>
+              <a:rPr lang="en-US" altLang="ja-JP"/>
+              <a:t> / 24</a:t>
+            </a:r>
+          </a:p>
+        </p:txBody>
+      </p:sp>
+      <p:sp>
+        <p:nvSpPr>
+          <p:cNvPr id="4" name="タイトル 3">
+            <a:extLst>
+              <a:ext uri="{FF2B5EF4-FFF2-40B4-BE49-F238E27FC236}">
+                <a16:creationId xmlns:a16="http://schemas.microsoft.com/office/drawing/2014/main" id="{A477657C-C230-4D58-8DDA-5AB2FD6D7871}"/>
+              </a:ext>
+            </a:extLst>
+          </p:cNvPr>
+          <p:cNvSpPr>
+            <a:spLocks noGrp="1"/>
+          </p:cNvSpPr>
+          <p:nvPr>
+            <p:ph type="title"/>
+          </p:nvPr>
+        </p:nvSpPr>
+        <p:spPr/>
+        <p:txBody>
+          <a:bodyPr/>
+          <a:lstStyle/>
+          <a:p>
+            <a:r>
+              <a:rPr kumimoji="1" lang="en-US" altLang="ja-JP"/>
+              <a:t>TLS 1.2</a:t>
+            </a:r>
+            <a:r>
+              <a:rPr kumimoji="1" lang="ja-JP" altLang="en-US"/>
+              <a:t>の通信プロトコル</a:t>
+            </a:r>
+          </a:p>
+        </p:txBody>
+      </p:sp>
+      <p:pic>
+        <p:nvPicPr>
+          <p:cNvPr id="6" name="図 5">
+            <a:extLst>
+              <a:ext uri="{FF2B5EF4-FFF2-40B4-BE49-F238E27FC236}">
+                <a16:creationId xmlns:a16="http://schemas.microsoft.com/office/drawing/2014/main" id="{1545DFC5-79DE-47C3-98AE-6D937672C9ED}"/>
+              </a:ext>
+            </a:extLst>
+          </p:cNvPr>
+          <p:cNvPicPr>
+            <a:picLocks noChangeAspect="1"/>
+          </p:cNvPicPr>
+          <p:nvPr/>
+        </p:nvPicPr>
+        <p:blipFill>
+          <a:blip r:embed="rId2"/>
+          <a:stretch>
+            <a:fillRect/>
+          </a:stretch>
+        </p:blipFill>
+        <p:spPr>
+          <a:xfrm>
+            <a:off x="35496" y="663840"/>
+            <a:ext cx="6085992" cy="4608512"/>
+          </a:xfrm>
+          <a:prstGeom prst="rect">
+            <a:avLst/>
+          </a:prstGeom>
+        </p:spPr>
+      </p:pic>
+      <p:sp>
+        <p:nvSpPr>
+          <p:cNvPr id="7" name="テキスト ボックス 6">
+            <a:extLst>
+              <a:ext uri="{FF2B5EF4-FFF2-40B4-BE49-F238E27FC236}">
+                <a16:creationId xmlns:a16="http://schemas.microsoft.com/office/drawing/2014/main" id="{34E69D5E-6315-4578-93AF-7528ACF93179}"/>
+              </a:ext>
+            </a:extLst>
+          </p:cNvPr>
+          <p:cNvSpPr txBox="1"/>
+          <p:nvPr/>
+        </p:nvSpPr>
+        <p:spPr>
+          <a:xfrm>
+            <a:off x="4644008" y="642381"/>
+            <a:ext cx="1455848" cy="369332"/>
+          </a:xfrm>
+          <a:prstGeom prst="rect">
+            <a:avLst/>
+          </a:prstGeom>
+          <a:noFill/>
+          <a:ln w="19050" cap="rnd">
+            <a:noFill/>
+          </a:ln>
+        </p:spPr>
+        <p:txBody>
+          <a:bodyPr wrap="none" rtlCol="0">
+            <a:spAutoFit/>
+          </a:bodyPr>
+          <a:lstStyle/>
+          <a:p>
+            <a:r>
+              <a:rPr kumimoji="1" lang="ja-JP" altLang="en-US">
+                <a:latin typeface="游ゴシック" panose="020B0400000000000000" pitchFamily="50" charset="-128"/>
+                <a:ea typeface="游ゴシック" panose="020B0400000000000000" pitchFamily="50" charset="-128"/>
+                <a:cs typeface="Courier New" pitchFamily="49" charset="0"/>
+              </a:rPr>
+              <a:t>暗認本</a:t>
+            </a:r>
+            <a:r>
+              <a:rPr kumimoji="1" lang="en-US" altLang="ja-JP">
+                <a:latin typeface="游ゴシック" panose="020B0400000000000000" pitchFamily="50" charset="-128"/>
+                <a:ea typeface="游ゴシック" panose="020B0400000000000000" pitchFamily="50" charset="-128"/>
+                <a:cs typeface="Courier New" pitchFamily="49" charset="0"/>
+              </a:rPr>
+              <a:t>p.217</a:t>
+            </a:r>
+            <a:endParaRPr kumimoji="1" lang="ja-JP" altLang="en-US">
+              <a:latin typeface="游ゴシック" panose="020B0400000000000000" pitchFamily="50" charset="-128"/>
+              <a:ea typeface="游ゴシック" panose="020B0400000000000000" pitchFamily="50" charset="-128"/>
+              <a:cs typeface="Courier New" pitchFamily="49" charset="0"/>
+            </a:endParaRPr>
+          </a:p>
+        </p:txBody>
+      </p:sp>
+      <p:sp>
+        <p:nvSpPr>
+          <p:cNvPr id="8" name="テキスト ボックス 7">
+            <a:extLst>
+              <a:ext uri="{FF2B5EF4-FFF2-40B4-BE49-F238E27FC236}">
+                <a16:creationId xmlns:a16="http://schemas.microsoft.com/office/drawing/2014/main" id="{90D00F4D-D1EC-42CC-82DE-CE15BC1E24B4}"/>
+              </a:ext>
+            </a:extLst>
+          </p:cNvPr>
+          <p:cNvSpPr txBox="1"/>
+          <p:nvPr/>
+        </p:nvSpPr>
+        <p:spPr>
+          <a:xfrm>
+            <a:off x="6393083" y="3909775"/>
+            <a:ext cx="2492990" cy="369332"/>
+          </a:xfrm>
+          <a:prstGeom prst="rect">
+            <a:avLst/>
+          </a:prstGeom>
+          <a:noFill/>
+          <a:ln w="19050" cap="rnd">
+            <a:noFill/>
+          </a:ln>
+        </p:spPr>
+        <p:txBody>
+          <a:bodyPr wrap="none" rtlCol="0">
+            <a:spAutoFit/>
+          </a:bodyPr>
+          <a:lstStyle/>
+          <a:p>
+            <a:r>
+              <a:rPr kumimoji="1" lang="ja-JP" altLang="en-US">
+                <a:latin typeface="游ゴシック" panose="020B0400000000000000" pitchFamily="50" charset="-128"/>
+                <a:ea typeface="游ゴシック" panose="020B0400000000000000" pitchFamily="50" charset="-128"/>
+                <a:cs typeface="Courier New" pitchFamily="49" charset="0"/>
+              </a:rPr>
+              <a:t>ここから暗号化始まる</a:t>
+            </a:r>
+          </a:p>
+        </p:txBody>
+      </p:sp>
+      <p:sp>
+        <p:nvSpPr>
+          <p:cNvPr id="9" name="テキスト ボックス 8">
+            <a:extLst>
+              <a:ext uri="{FF2B5EF4-FFF2-40B4-BE49-F238E27FC236}">
+                <a16:creationId xmlns:a16="http://schemas.microsoft.com/office/drawing/2014/main" id="{474876FD-CBC3-458B-BE87-F722A001D160}"/>
+              </a:ext>
+            </a:extLst>
+          </p:cNvPr>
+          <p:cNvSpPr txBox="1"/>
+          <p:nvPr/>
+        </p:nvSpPr>
+        <p:spPr>
+          <a:xfrm>
+            <a:off x="6399490" y="1745684"/>
+            <a:ext cx="2262158" cy="369332"/>
+          </a:xfrm>
+          <a:prstGeom prst="rect">
+            <a:avLst/>
+          </a:prstGeom>
+          <a:noFill/>
+          <a:ln w="19050" cap="rnd">
+            <a:noFill/>
+          </a:ln>
+        </p:spPr>
+        <p:txBody>
+          <a:bodyPr wrap="none" rtlCol="0">
+            <a:spAutoFit/>
+          </a:bodyPr>
+          <a:lstStyle/>
+          <a:p>
+            <a:r>
+              <a:rPr kumimoji="1" lang="ja-JP" altLang="en-US">
+                <a:latin typeface="游ゴシック" panose="020B0400000000000000" pitchFamily="50" charset="-128"/>
+                <a:ea typeface="游ゴシック" panose="020B0400000000000000" pitchFamily="50" charset="-128"/>
+                <a:cs typeface="Courier New" pitchFamily="49" charset="0"/>
+              </a:rPr>
+              <a:t>通信パラメータ送信</a:t>
+            </a:r>
+          </a:p>
+        </p:txBody>
+      </p:sp>
+      <p:sp>
+        <p:nvSpPr>
+          <p:cNvPr id="10" name="テキスト ボックス 9">
+            <a:extLst>
+              <a:ext uri="{FF2B5EF4-FFF2-40B4-BE49-F238E27FC236}">
+                <a16:creationId xmlns:a16="http://schemas.microsoft.com/office/drawing/2014/main" id="{2588BE98-1959-42C1-8B27-900BD61D63DC}"/>
+              </a:ext>
+            </a:extLst>
+          </p:cNvPr>
+          <p:cNvSpPr txBox="1"/>
+          <p:nvPr/>
+        </p:nvSpPr>
+        <p:spPr>
+          <a:xfrm>
+            <a:off x="6378844" y="2314727"/>
+            <a:ext cx="2723823" cy="646331"/>
+          </a:xfrm>
+          <a:prstGeom prst="rect">
+            <a:avLst/>
+          </a:prstGeom>
+          <a:noFill/>
+          <a:ln w="19050" cap="rnd">
+            <a:noFill/>
+          </a:ln>
+        </p:spPr>
+        <p:txBody>
+          <a:bodyPr wrap="none" rtlCol="0">
+            <a:spAutoFit/>
+          </a:bodyPr>
+          <a:lstStyle/>
+          <a:p>
+            <a:r>
+              <a:rPr kumimoji="1" lang="ja-JP" altLang="en-US">
+                <a:latin typeface="游ゴシック" panose="020B0400000000000000" pitchFamily="50" charset="-128"/>
+                <a:ea typeface="游ゴシック" panose="020B0400000000000000" pitchFamily="50" charset="-128"/>
+                <a:cs typeface="Courier New" pitchFamily="49" charset="0"/>
+              </a:rPr>
+              <a:t>サーバの返事</a:t>
+            </a:r>
+            <a:endParaRPr kumimoji="1" lang="en-US" altLang="ja-JP">
+              <a:latin typeface="游ゴシック" panose="020B0400000000000000" pitchFamily="50" charset="-128"/>
+              <a:ea typeface="游ゴシック" panose="020B0400000000000000" pitchFamily="50" charset="-128"/>
+              <a:cs typeface="Courier New" pitchFamily="49" charset="0"/>
+            </a:endParaRPr>
+          </a:p>
+          <a:p>
+            <a:r>
+              <a:rPr kumimoji="1" lang="ja-JP" altLang="en-US">
+                <a:latin typeface="游ゴシック" panose="020B0400000000000000" pitchFamily="50" charset="-128"/>
+                <a:ea typeface="游ゴシック" panose="020B0400000000000000" pitchFamily="50" charset="-128"/>
+                <a:cs typeface="Courier New" pitchFamily="49" charset="0"/>
+              </a:rPr>
+              <a:t>証明書・鍵交換情報など</a:t>
+            </a:r>
+          </a:p>
+        </p:txBody>
+      </p:sp>
+      <p:sp>
+        <p:nvSpPr>
+          <p:cNvPr id="11" name="テキスト ボックス 10">
+            <a:extLst>
+              <a:ext uri="{FF2B5EF4-FFF2-40B4-BE49-F238E27FC236}">
+                <a16:creationId xmlns:a16="http://schemas.microsoft.com/office/drawing/2014/main" id="{A1800E13-CB80-438B-8580-E508E6318DF5}"/>
+              </a:ext>
+            </a:extLst>
+          </p:cNvPr>
+          <p:cNvSpPr txBox="1"/>
+          <p:nvPr/>
+        </p:nvSpPr>
+        <p:spPr>
+          <a:xfrm>
+            <a:off x="6411336" y="3105834"/>
+            <a:ext cx="2262158" cy="646331"/>
+          </a:xfrm>
+          <a:prstGeom prst="rect">
+            <a:avLst/>
+          </a:prstGeom>
+          <a:noFill/>
+          <a:ln w="19050" cap="rnd">
+            <a:noFill/>
+          </a:ln>
+        </p:spPr>
+        <p:txBody>
+          <a:bodyPr wrap="none" rtlCol="0">
+            <a:spAutoFit/>
+          </a:bodyPr>
+          <a:lstStyle/>
+          <a:p>
+            <a:r>
+              <a:rPr kumimoji="1" lang="ja-JP" altLang="en-US">
+                <a:latin typeface="游ゴシック" panose="020B0400000000000000" pitchFamily="50" charset="-128"/>
+                <a:ea typeface="游ゴシック" panose="020B0400000000000000" pitchFamily="50" charset="-128"/>
+                <a:cs typeface="Courier New" pitchFamily="49" charset="0"/>
+              </a:rPr>
+              <a:t>クライアントの返事</a:t>
+            </a:r>
+            <a:endParaRPr kumimoji="1" lang="en-US" altLang="ja-JP">
+              <a:latin typeface="游ゴシック" panose="020B0400000000000000" pitchFamily="50" charset="-128"/>
+              <a:ea typeface="游ゴシック" panose="020B0400000000000000" pitchFamily="50" charset="-128"/>
+              <a:cs typeface="Courier New" pitchFamily="49" charset="0"/>
+            </a:endParaRPr>
+          </a:p>
+          <a:p>
+            <a:r>
+              <a:rPr kumimoji="1" lang="ja-JP" altLang="en-US">
+                <a:latin typeface="游ゴシック" panose="020B0400000000000000" pitchFamily="50" charset="-128"/>
+                <a:ea typeface="游ゴシック" panose="020B0400000000000000" pitchFamily="50" charset="-128"/>
+                <a:cs typeface="Courier New" pitchFamily="49" charset="0"/>
+              </a:rPr>
+              <a:t>鍵交換情報など</a:t>
+            </a:r>
+          </a:p>
+        </p:txBody>
+      </p:sp>
+    </p:spTree>
+    <p:extLst>
+      <p:ext uri="{BB962C8B-B14F-4D97-AF65-F5344CB8AC3E}">
+        <p14:creationId xmlns:p14="http://schemas.microsoft.com/office/powerpoint/2010/main" val="3257052020"/>
+      </p:ext>
+    </p:extLst>
+  </p:cSld>
+  <p:clrMapOvr>
+    <a:masterClrMapping/>
+  </p:clrMapOvr>
+</p:sld>
+</file>
+
+<file path=ppt/slides/slide29.xml><?xml version="1.0" encoding="utf-8"?>
+<p:sld xmlns:a="http://schemas.openxmlformats.org/drawingml/2006/main" xmlns:r="http://schemas.openxmlformats.org/officeDocument/2006/relationships" xmlns:p="http://schemas.openxmlformats.org/presentationml/2006/main">
+  <p:cSld>
+    <p:spTree>
+      <p:nvGrpSpPr>
+        <p:cNvPr id="1" name=""/>
+        <p:cNvGrpSpPr/>
+        <p:nvPr/>
+      </p:nvGrpSpPr>
+      <p:grpSpPr>
+        <a:xfrm>
+          <a:off x="0" y="0"/>
+          <a:ext cx="0" cy="0"/>
+          <a:chOff x="0" y="0"/>
+          <a:chExt cx="0" cy="0"/>
+        </a:xfrm>
+      </p:grpSpPr>
+      <p:sp>
+        <p:nvSpPr>
+          <p:cNvPr id="2" name="コンテンツ プレースホルダー 1">
+            <a:extLst>
+              <a:ext uri="{FF2B5EF4-FFF2-40B4-BE49-F238E27FC236}">
+                <a16:creationId xmlns:a16="http://schemas.microsoft.com/office/drawing/2014/main" id="{216CA117-D0F0-4008-8340-3F6FB4B9B23E}"/>
+              </a:ext>
+            </a:extLst>
+          </p:cNvPr>
+          <p:cNvSpPr>
+            <a:spLocks noGrp="1"/>
+          </p:cNvSpPr>
+          <p:nvPr>
+            <p:ph idx="1"/>
+          </p:nvPr>
+        </p:nvSpPr>
+        <p:spPr/>
+        <p:txBody>
+          <a:bodyPr/>
+          <a:lstStyle/>
+          <a:p>
+            <a:endParaRPr kumimoji="1" lang="en-US" altLang="ja-JP"/>
+          </a:p>
+          <a:p>
+            <a:endParaRPr lang="en-US" altLang="ja-JP"/>
+          </a:p>
+          <a:p>
+            <a:endParaRPr kumimoji="1" lang="en-US" altLang="ja-JP"/>
+          </a:p>
+          <a:p>
+            <a:endParaRPr lang="en-US" altLang="ja-JP"/>
+          </a:p>
+          <a:p>
+            <a:endParaRPr kumimoji="1" lang="en-US" altLang="ja-JP"/>
+          </a:p>
+          <a:p>
+            <a:endParaRPr lang="en-US" altLang="ja-JP"/>
+          </a:p>
+          <a:p>
+            <a:endParaRPr kumimoji="1" lang="en-US" altLang="ja-JP"/>
+          </a:p>
+          <a:p>
+            <a:endParaRPr kumimoji="1" lang="en-US" altLang="ja-JP"/>
+          </a:p>
+          <a:p>
+            <a:r>
+              <a:rPr kumimoji="1" lang="ja-JP" altLang="en-US"/>
+              <a:t>暗号化通信が始まるまで</a:t>
+            </a:r>
+            <a:r>
+              <a:rPr lang="en-US" altLang="ja-JP"/>
+              <a:t>1</a:t>
+            </a:r>
+            <a:r>
+              <a:rPr kumimoji="1" lang="ja-JP" altLang="en-US"/>
+              <a:t>回やりとり</a:t>
+            </a:r>
+          </a:p>
+          <a:p>
+            <a:pPr lvl="1"/>
+            <a:r>
+              <a:rPr kumimoji="1" lang="en-US" altLang="ja-JP"/>
+              <a:t>Application data</a:t>
+            </a:r>
+            <a:r>
+              <a:rPr kumimoji="1" lang="ja-JP" altLang="en-US"/>
+              <a:t>が送信されるまでの通信回数も</a:t>
+            </a:r>
+            <a:r>
+              <a:rPr kumimoji="1" lang="en-US" altLang="ja-JP"/>
+              <a:t>1</a:t>
+            </a:r>
+            <a:r>
+              <a:rPr kumimoji="1" lang="ja-JP" altLang="en-US"/>
+              <a:t>回減</a:t>
+            </a:r>
+            <a:endParaRPr kumimoji="1" lang="en-US" altLang="ja-JP"/>
+          </a:p>
+          <a:p>
+            <a:pPr lvl="1"/>
+            <a:r>
+              <a:rPr lang="en-US" altLang="ja-JP"/>
+              <a:t>(option) PKS</a:t>
+            </a:r>
+            <a:r>
+              <a:rPr lang="ja-JP" altLang="en-US"/>
+              <a:t>があれば</a:t>
+            </a:r>
+            <a:r>
+              <a:rPr lang="en-US" altLang="ja-JP"/>
+              <a:t>0-RTT</a:t>
+            </a:r>
+            <a:r>
+              <a:rPr lang="ja-JP" altLang="en-US"/>
+              <a:t>で暗号化通信が始まるモードも</a:t>
+            </a:r>
+            <a:endParaRPr kumimoji="1" lang="ja-JP" altLang="en-US"/>
+          </a:p>
+        </p:txBody>
+      </p:sp>
+      <p:sp>
+        <p:nvSpPr>
+          <p:cNvPr id="3" name="スライド番号プレースホルダー 2">
+            <a:extLst>
+              <a:ext uri="{FF2B5EF4-FFF2-40B4-BE49-F238E27FC236}">
+                <a16:creationId xmlns:a16="http://schemas.microsoft.com/office/drawing/2014/main" id="{6D34FCEC-557F-41C7-A171-493F1A3170B4}"/>
+              </a:ext>
+            </a:extLst>
+          </p:cNvPr>
+          <p:cNvSpPr>
+            <a:spLocks noGrp="1"/>
+          </p:cNvSpPr>
+          <p:nvPr>
+            <p:ph type="sldNum" sz="quarter" idx="12"/>
+          </p:nvPr>
+        </p:nvSpPr>
+        <p:spPr/>
+        <p:txBody>
+          <a:bodyPr/>
+          <a:lstStyle/>
+          <a:p>
+            <a:pPr>
+              <a:defRPr/>
+            </a:pPr>
+            <a:r>
+              <a:rPr lang="en-US" altLang="ja-JP"/>
+              <a:t>    </a:t>
+            </a:r>
+            <a:fld id="{B2782DEB-472A-4FE5-AC34-C17109CF5A91}" type="slidenum">
+              <a:rPr lang="en-US" altLang="ja-JP" smtClean="0"/>
+              <a:pPr>
+                <a:defRPr/>
+              </a:pPr>
+              <a:t>29</a:t>
+            </a:fld>
+            <a:r>
+              <a:rPr lang="en-US" altLang="ja-JP"/>
+              <a:t> / 24</a:t>
+            </a:r>
+          </a:p>
+        </p:txBody>
+      </p:sp>
+      <p:sp>
+        <p:nvSpPr>
+          <p:cNvPr id="4" name="タイトル 3">
+            <a:extLst>
+              <a:ext uri="{FF2B5EF4-FFF2-40B4-BE49-F238E27FC236}">
+                <a16:creationId xmlns:a16="http://schemas.microsoft.com/office/drawing/2014/main" id="{62D5F864-7914-47BB-AF07-6FB0C2B11959}"/>
+              </a:ext>
+            </a:extLst>
+          </p:cNvPr>
+          <p:cNvSpPr>
+            <a:spLocks noGrp="1"/>
+          </p:cNvSpPr>
+          <p:nvPr>
+            <p:ph type="title"/>
+          </p:nvPr>
+        </p:nvSpPr>
+        <p:spPr/>
+        <p:txBody>
+          <a:bodyPr/>
+          <a:lstStyle/>
+          <a:p>
+            <a:r>
+              <a:rPr kumimoji="1" lang="en-US" altLang="ja-JP"/>
+              <a:t>TLS 1.3</a:t>
+            </a:r>
+            <a:r>
+              <a:rPr kumimoji="1" lang="ja-JP" altLang="en-US"/>
+              <a:t>の通信プロトコル</a:t>
+            </a:r>
+          </a:p>
+        </p:txBody>
+      </p:sp>
+      <p:pic>
+        <p:nvPicPr>
+          <p:cNvPr id="6" name="図 5">
+            <a:extLst>
+              <a:ext uri="{FF2B5EF4-FFF2-40B4-BE49-F238E27FC236}">
+                <a16:creationId xmlns:a16="http://schemas.microsoft.com/office/drawing/2014/main" id="{48D32876-D17C-4BE9-852B-90CB96B4CEF3}"/>
+              </a:ext>
+            </a:extLst>
+          </p:cNvPr>
+          <p:cNvPicPr>
+            <a:picLocks noChangeAspect="1"/>
+          </p:cNvPicPr>
+          <p:nvPr/>
+        </p:nvPicPr>
+        <p:blipFill>
+          <a:blip r:embed="rId2"/>
+          <a:stretch>
+            <a:fillRect/>
+          </a:stretch>
+        </p:blipFill>
+        <p:spPr>
+          <a:xfrm>
+            <a:off x="35496" y="692696"/>
+            <a:ext cx="7499210" cy="4242974"/>
+          </a:xfrm>
+          <a:prstGeom prst="rect">
+            <a:avLst/>
+          </a:prstGeom>
+        </p:spPr>
+      </p:pic>
+      <p:sp>
+        <p:nvSpPr>
+          <p:cNvPr id="7" name="テキスト ボックス 6">
+            <a:extLst>
+              <a:ext uri="{FF2B5EF4-FFF2-40B4-BE49-F238E27FC236}">
+                <a16:creationId xmlns:a16="http://schemas.microsoft.com/office/drawing/2014/main" id="{80F6EB2F-57C8-4084-9153-29E660D9C924}"/>
+              </a:ext>
+            </a:extLst>
+          </p:cNvPr>
+          <p:cNvSpPr txBox="1"/>
+          <p:nvPr/>
+        </p:nvSpPr>
+        <p:spPr>
+          <a:xfrm>
+            <a:off x="6112400" y="671984"/>
+            <a:ext cx="1455848" cy="369332"/>
+          </a:xfrm>
+          <a:prstGeom prst="rect">
+            <a:avLst/>
+          </a:prstGeom>
+          <a:noFill/>
+          <a:ln w="19050" cap="rnd">
+            <a:noFill/>
+          </a:ln>
+        </p:spPr>
+        <p:txBody>
+          <a:bodyPr wrap="none" rtlCol="0">
+            <a:spAutoFit/>
+          </a:bodyPr>
+          <a:lstStyle/>
+          <a:p>
+            <a:r>
+              <a:rPr kumimoji="1" lang="ja-JP" altLang="en-US">
+                <a:latin typeface="游ゴシック" panose="020B0400000000000000" pitchFamily="50" charset="-128"/>
+                <a:ea typeface="游ゴシック" panose="020B0400000000000000" pitchFamily="50" charset="-128"/>
+                <a:cs typeface="Courier New" pitchFamily="49" charset="0"/>
+              </a:rPr>
+              <a:t>暗認本</a:t>
+            </a:r>
+            <a:r>
+              <a:rPr kumimoji="1" lang="en-US" altLang="ja-JP">
+                <a:latin typeface="游ゴシック" panose="020B0400000000000000" pitchFamily="50" charset="-128"/>
+                <a:ea typeface="游ゴシック" panose="020B0400000000000000" pitchFamily="50" charset="-128"/>
+                <a:cs typeface="Courier New" pitchFamily="49" charset="0"/>
+              </a:rPr>
+              <a:t>p.218</a:t>
+            </a:r>
+            <a:endParaRPr kumimoji="1" lang="ja-JP" altLang="en-US">
+              <a:latin typeface="游ゴシック" panose="020B0400000000000000" pitchFamily="50" charset="-128"/>
+              <a:ea typeface="游ゴシック" panose="020B0400000000000000" pitchFamily="50" charset="-128"/>
+              <a:cs typeface="Courier New" pitchFamily="49" charset="0"/>
+            </a:endParaRPr>
+          </a:p>
+        </p:txBody>
+      </p:sp>
+      <p:sp>
+        <p:nvSpPr>
+          <p:cNvPr id="8" name="テキスト ボックス 7">
+            <a:extLst>
+              <a:ext uri="{FF2B5EF4-FFF2-40B4-BE49-F238E27FC236}">
+                <a16:creationId xmlns:a16="http://schemas.microsoft.com/office/drawing/2014/main" id="{92BEA17F-48BC-4A12-9B1A-DA8B7A3173A7}"/>
+              </a:ext>
+            </a:extLst>
+          </p:cNvPr>
+          <p:cNvSpPr txBox="1"/>
+          <p:nvPr/>
+        </p:nvSpPr>
+        <p:spPr>
+          <a:xfrm>
+            <a:off x="7438465" y="1340768"/>
+            <a:ext cx="1721946" cy="646331"/>
+          </a:xfrm>
+          <a:prstGeom prst="rect">
+            <a:avLst/>
+          </a:prstGeom>
+          <a:noFill/>
+          <a:ln w="19050" cap="rnd">
+            <a:noFill/>
+          </a:ln>
+        </p:spPr>
+        <p:txBody>
+          <a:bodyPr wrap="none" rtlCol="0">
+            <a:spAutoFit/>
+          </a:bodyPr>
+          <a:lstStyle/>
+          <a:p>
+            <a:r>
+              <a:rPr kumimoji="1" lang="en-US" altLang="ja-JP">
+                <a:latin typeface="游ゴシック" panose="020B0400000000000000" pitchFamily="50" charset="-128"/>
+                <a:ea typeface="游ゴシック" panose="020B0400000000000000" pitchFamily="50" charset="-128"/>
+                <a:cs typeface="Courier New" pitchFamily="49" charset="0"/>
+              </a:rPr>
+              <a:t>KS : DH</a:t>
+            </a:r>
+            <a:r>
+              <a:rPr kumimoji="1" lang="ja-JP" altLang="en-US">
+                <a:latin typeface="游ゴシック" panose="020B0400000000000000" pitchFamily="50" charset="-128"/>
+                <a:ea typeface="游ゴシック" panose="020B0400000000000000" pitchFamily="50" charset="-128"/>
+                <a:cs typeface="Courier New" pitchFamily="49" charset="0"/>
+              </a:rPr>
+              <a:t>鍵共有</a:t>
+            </a:r>
+            <a:br>
+              <a:rPr kumimoji="1" lang="en-US" altLang="ja-JP">
+                <a:latin typeface="游ゴシック" panose="020B0400000000000000" pitchFamily="50" charset="-128"/>
+                <a:ea typeface="游ゴシック" panose="020B0400000000000000" pitchFamily="50" charset="-128"/>
+                <a:cs typeface="Courier New" pitchFamily="49" charset="0"/>
+              </a:rPr>
+            </a:br>
+            <a:r>
+              <a:rPr kumimoji="1" lang="ja-JP" altLang="en-US">
+                <a:latin typeface="游ゴシック" panose="020B0400000000000000" pitchFamily="50" charset="-128"/>
+                <a:ea typeface="游ゴシック" panose="020B0400000000000000" pitchFamily="50" charset="-128"/>
+                <a:cs typeface="Courier New" pitchFamily="49" charset="0"/>
+              </a:rPr>
+              <a:t>のための情報</a:t>
+            </a:r>
+          </a:p>
+        </p:txBody>
+      </p:sp>
+      <p:sp>
+        <p:nvSpPr>
+          <p:cNvPr id="9" name="テキスト ボックス 8">
+            <a:extLst>
+              <a:ext uri="{FF2B5EF4-FFF2-40B4-BE49-F238E27FC236}">
+                <a16:creationId xmlns:a16="http://schemas.microsoft.com/office/drawing/2014/main" id="{C94A47BF-5965-4CE8-B3E1-CD7F69226EFC}"/>
+              </a:ext>
+            </a:extLst>
+          </p:cNvPr>
+          <p:cNvSpPr txBox="1"/>
+          <p:nvPr/>
+        </p:nvSpPr>
+        <p:spPr>
+          <a:xfrm>
+            <a:off x="7438465" y="1937418"/>
+            <a:ext cx="1531188" cy="646331"/>
+          </a:xfrm>
+          <a:prstGeom prst="rect">
+            <a:avLst/>
+          </a:prstGeom>
+          <a:noFill/>
+          <a:ln w="19050" cap="rnd">
+            <a:noFill/>
+          </a:ln>
+        </p:spPr>
+        <p:txBody>
+          <a:bodyPr wrap="none" rtlCol="0">
+            <a:spAutoFit/>
+          </a:bodyPr>
+          <a:lstStyle/>
+          <a:p>
+            <a:r>
+              <a:rPr kumimoji="1" lang="en-US" altLang="ja-JP">
+                <a:latin typeface="游ゴシック" panose="020B0400000000000000" pitchFamily="50" charset="-128"/>
+                <a:ea typeface="游ゴシック" panose="020B0400000000000000" pitchFamily="50" charset="-128"/>
+                <a:cs typeface="Courier New" pitchFamily="49" charset="0"/>
+              </a:rPr>
+              <a:t>PKS</a:t>
+            </a:r>
+            <a:r>
+              <a:rPr lang="ja-JP" altLang="en-US">
+                <a:latin typeface="游ゴシック" panose="020B0400000000000000" pitchFamily="50" charset="-128"/>
+                <a:ea typeface="游ゴシック" panose="020B0400000000000000" pitchFamily="50" charset="-128"/>
+                <a:cs typeface="Courier New" pitchFamily="49" charset="0"/>
+              </a:rPr>
+              <a:t> </a:t>
+            </a:r>
+            <a:r>
+              <a:rPr lang="en-US" altLang="ja-JP">
+                <a:latin typeface="游ゴシック" panose="020B0400000000000000" pitchFamily="50" charset="-128"/>
+                <a:ea typeface="游ゴシック" panose="020B0400000000000000" pitchFamily="50" charset="-128"/>
+                <a:cs typeface="Courier New" pitchFamily="49" charset="0"/>
+              </a:rPr>
+              <a:t>:</a:t>
+            </a:r>
+            <a:r>
+              <a:rPr lang="ja-JP" altLang="en-US">
+                <a:latin typeface="游ゴシック" panose="020B0400000000000000" pitchFamily="50" charset="-128"/>
+                <a:ea typeface="游ゴシック" panose="020B0400000000000000" pitchFamily="50" charset="-128"/>
+                <a:cs typeface="Courier New" pitchFamily="49" charset="0"/>
+              </a:rPr>
+              <a:t> </a:t>
+            </a:r>
+            <a:r>
+              <a:rPr kumimoji="1" lang="ja-JP" altLang="en-US">
+                <a:latin typeface="游ゴシック" panose="020B0400000000000000" pitchFamily="50" charset="-128"/>
+                <a:ea typeface="游ゴシック" panose="020B0400000000000000" pitchFamily="50" charset="-128"/>
+                <a:cs typeface="Courier New" pitchFamily="49" charset="0"/>
+              </a:rPr>
+              <a:t>事前鍵</a:t>
+            </a:r>
+            <a:endParaRPr kumimoji="1" lang="en-US" altLang="ja-JP">
+              <a:latin typeface="游ゴシック" panose="020B0400000000000000" pitchFamily="50" charset="-128"/>
+              <a:ea typeface="游ゴシック" panose="020B0400000000000000" pitchFamily="50" charset="-128"/>
+              <a:cs typeface="Courier New" pitchFamily="49" charset="0"/>
+            </a:endParaRPr>
+          </a:p>
+          <a:p>
+            <a:r>
+              <a:rPr kumimoji="1" lang="ja-JP" altLang="en-US">
+                <a:latin typeface="游ゴシック" panose="020B0400000000000000" pitchFamily="50" charset="-128"/>
+                <a:ea typeface="游ゴシック" panose="020B0400000000000000" pitchFamily="50" charset="-128"/>
+                <a:cs typeface="Courier New" pitchFamily="49" charset="0"/>
+              </a:rPr>
+              <a:t>共有情報</a:t>
+            </a:r>
+          </a:p>
+        </p:txBody>
+      </p:sp>
+      <p:sp>
+        <p:nvSpPr>
+          <p:cNvPr id="10" name="テキスト ボックス 9">
+            <a:extLst>
+              <a:ext uri="{FF2B5EF4-FFF2-40B4-BE49-F238E27FC236}">
+                <a16:creationId xmlns:a16="http://schemas.microsoft.com/office/drawing/2014/main" id="{116A76C4-F321-400B-9F9D-776CE425A2EB}"/>
+              </a:ext>
+            </a:extLst>
+          </p:cNvPr>
+          <p:cNvSpPr txBox="1"/>
+          <p:nvPr/>
+        </p:nvSpPr>
+        <p:spPr>
+          <a:xfrm>
+            <a:off x="7506984" y="2534068"/>
+            <a:ext cx="1569660" cy="646331"/>
+          </a:xfrm>
+          <a:prstGeom prst="rect">
+            <a:avLst/>
+          </a:prstGeom>
+          <a:noFill/>
+          <a:ln w="19050" cap="rnd">
+            <a:noFill/>
+          </a:ln>
+        </p:spPr>
+        <p:txBody>
+          <a:bodyPr wrap="none" rtlCol="0">
+            <a:spAutoFit/>
+          </a:bodyPr>
+          <a:lstStyle/>
+          <a:p>
+            <a:r>
+              <a:rPr kumimoji="1" lang="ja-JP" altLang="en-US">
+                <a:latin typeface="游ゴシック" panose="020B0400000000000000" pitchFamily="50" charset="-128"/>
+                <a:ea typeface="游ゴシック" panose="020B0400000000000000" pitchFamily="50" charset="-128"/>
+                <a:cs typeface="Courier New" pitchFamily="49" charset="0"/>
+              </a:rPr>
+              <a:t>ここから</a:t>
+            </a:r>
+            <a:endParaRPr kumimoji="1" lang="en-US" altLang="ja-JP">
+              <a:latin typeface="游ゴシック" panose="020B0400000000000000" pitchFamily="50" charset="-128"/>
+              <a:ea typeface="游ゴシック" panose="020B0400000000000000" pitchFamily="50" charset="-128"/>
+              <a:cs typeface="Courier New" pitchFamily="49" charset="0"/>
+            </a:endParaRPr>
+          </a:p>
+          <a:p>
+            <a:r>
+              <a:rPr kumimoji="1" lang="ja-JP" altLang="en-US">
+                <a:latin typeface="游ゴシック" panose="020B0400000000000000" pitchFamily="50" charset="-128"/>
+                <a:ea typeface="游ゴシック" panose="020B0400000000000000" pitchFamily="50" charset="-128"/>
+                <a:cs typeface="Courier New" pitchFamily="49" charset="0"/>
+              </a:rPr>
+              <a:t>暗号化始まる</a:t>
+            </a:r>
+          </a:p>
+        </p:txBody>
+      </p:sp>
+    </p:spTree>
+    <p:extLst>
+      <p:ext uri="{BB962C8B-B14F-4D97-AF65-F5344CB8AC3E}">
+        <p14:creationId xmlns:p14="http://schemas.microsoft.com/office/powerpoint/2010/main" val="790664289"/>
+      </p:ext>
+    </p:extLst>
+  </p:cSld>
+  <p:clrMapOvr>
+    <a:masterClrMapping/>
+  </p:clrMapOvr>
+</p:sld>
+</file>
+
 <file path=ppt/slides/slide3.xml><?xml version="1.0" encoding="utf-8"?>
 <p:sld xmlns:a="http://schemas.openxmlformats.org/drawingml/2006/main" xmlns:r="http://schemas.openxmlformats.org/officeDocument/2006/relationships" xmlns:p="http://schemas.openxmlformats.org/presentationml/2006/main">
   <p:cSld>
@@ -7915,6 +9124,3808 @@
 </p:sld>
 </file>
 
+<file path=ppt/slides/slide30.xml><?xml version="1.0" encoding="utf-8"?>
+<p:sld xmlns:a="http://schemas.openxmlformats.org/drawingml/2006/main" xmlns:r="http://schemas.openxmlformats.org/officeDocument/2006/relationships" xmlns:p="http://schemas.openxmlformats.org/presentationml/2006/main">
+  <p:cSld>
+    <p:spTree>
+      <p:nvGrpSpPr>
+        <p:cNvPr id="1" name=""/>
+        <p:cNvGrpSpPr/>
+        <p:nvPr/>
+      </p:nvGrpSpPr>
+      <p:grpSpPr>
+        <a:xfrm>
+          <a:off x="0" y="0"/>
+          <a:ext cx="0" cy="0"/>
+          <a:chOff x="0" y="0"/>
+          <a:chExt cx="0" cy="0"/>
+        </a:xfrm>
+      </p:grpSpPr>
+      <mc:AlternateContent xmlns:mc="http://schemas.openxmlformats.org/markup-compatibility/2006" xmlns:a14="http://schemas.microsoft.com/office/drawing/2010/main">
+        <mc:Choice Requires="a14">
+          <p:sp>
+            <p:nvSpPr>
+              <p:cNvPr id="2" name="コンテンツ プレースホルダー 1">
+                <a:extLst>
+                  <a:ext uri="{FF2B5EF4-FFF2-40B4-BE49-F238E27FC236}">
+                    <a16:creationId xmlns:a16="http://schemas.microsoft.com/office/drawing/2014/main" id="{1DF304B5-4375-4ADE-8BF4-34A61C5F1358}"/>
+                  </a:ext>
+                </a:extLst>
+              </p:cNvPr>
+              <p:cNvSpPr>
+                <a:spLocks noGrp="1"/>
+              </p:cNvSpPr>
+              <p:nvPr>
+                <p:ph idx="1"/>
+              </p:nvPr>
+            </p:nvSpPr>
+            <p:spPr/>
+            <p:txBody>
+              <a:bodyPr/>
+              <a:lstStyle/>
+              <a:p>
+                <a:r>
+                  <a:rPr lang="en-US" altLang="ja-JP"/>
+                  <a:t>TLS 1.2</a:t>
+                </a:r>
+                <a:r>
+                  <a:rPr lang="ja-JP" altLang="en-US"/>
+                  <a:t>まで</a:t>
+                </a:r>
+                <a:endParaRPr lang="en-US" altLang="ja-JP"/>
+              </a:p>
+              <a:p>
+                <a:pPr lvl="1"/>
+                <a:r>
+                  <a:rPr kumimoji="1" lang="ja-JP" altLang="en-US"/>
+                  <a:t>後方互換性のために安全ではない暗号技術を保持</a:t>
+                </a:r>
+                <a:endParaRPr kumimoji="1" lang="en-US" altLang="ja-JP"/>
+              </a:p>
+              <a:p>
+                <a:pPr lvl="1"/>
+                <a:r>
+                  <a:rPr kumimoji="1" lang="ja-JP" altLang="en-US"/>
+                  <a:t>ダウングレード攻撃 </a:t>
+                </a:r>
+                <a:r>
+                  <a:rPr kumimoji="1" lang="en-US" altLang="ja-JP"/>
+                  <a:t>: </a:t>
+                </a:r>
+                <a:r>
+                  <a:rPr kumimoji="1" lang="ja-JP" altLang="en-US"/>
+                  <a:t>強制的に古いバージョンの暗号を強制</a:t>
+                </a:r>
+                <a:endParaRPr kumimoji="1" lang="en-US" altLang="ja-JP"/>
+              </a:p>
+              <a:p>
+                <a:r>
+                  <a:rPr lang="en-US" altLang="ja-JP"/>
+                  <a:t>TLS 1.3</a:t>
+                </a:r>
+              </a:p>
+              <a:p>
+                <a:pPr lvl="1"/>
+                <a:r>
+                  <a:rPr kumimoji="1" lang="en-US" altLang="ja-JP"/>
+                  <a:t>MD5, SHA-1, 3DES, RC4</a:t>
+                </a:r>
+                <a:r>
+                  <a:rPr kumimoji="1" lang="ja-JP" altLang="en-US"/>
+                  <a:t>などの禁止</a:t>
+                </a:r>
+                <a:endParaRPr kumimoji="1" lang="en-US" altLang="ja-JP"/>
+              </a:p>
+              <a:p>
+                <a:pPr lvl="1"/>
+                <a:r>
+                  <a:rPr lang="en-US" altLang="ja-JP"/>
+                  <a:t>EdDSA ,</a:t>
+                </a:r>
+                <a:r>
+                  <a:rPr lang="ja-JP" altLang="en-US"/>
+                  <a:t> </a:t>
+                </a:r>
+                <a:r>
+                  <a:rPr lang="en-US" altLang="ja-JP"/>
+                  <a:t>ChaCha20</a:t>
+                </a:r>
+                <a:r>
+                  <a:rPr lang="ja-JP" altLang="en-US"/>
+                  <a:t>などの追加</a:t>
+                </a:r>
+                <a:endParaRPr lang="en-US" altLang="ja-JP"/>
+              </a:p>
+              <a:p>
+                <a:r>
+                  <a:rPr kumimoji="1" lang="en-US" altLang="ja-JP"/>
+                  <a:t>EdDSA (Edwards-curve DSA)</a:t>
+                </a:r>
+              </a:p>
+              <a:p>
+                <a:pPr lvl="1"/>
+                <a:r>
+                  <a:rPr kumimoji="1" lang="ja-JP" altLang="en-US"/>
+                  <a:t>楕円曲線の新しいパラメータ</a:t>
+                </a:r>
+                <a:r>
+                  <a:rPr kumimoji="1" lang="en-US" altLang="ja-JP"/>
+                  <a:t>Curve25519</a:t>
+                </a:r>
+              </a:p>
+              <a:p>
+                <a:pPr lvl="1"/>
+                <a:r>
+                  <a:rPr kumimoji="1" lang="ja-JP" altLang="en-US"/>
+                  <a:t>素数が</a:t>
+                </a:r>
+                <a14:m>
+                  <m:oMath xmlns:m="http://schemas.openxmlformats.org/officeDocument/2006/math">
+                    <m:sSup>
+                      <m:sSupPr>
+                        <m:ctrlPr>
+                          <a:rPr kumimoji="1" lang="en-US" altLang="ja-JP" b="0" i="1" smtClean="0">
+                            <a:latin typeface="Cambria Math" panose="02040503050406030204" pitchFamily="18" charset="0"/>
+                          </a:rPr>
+                        </m:ctrlPr>
+                      </m:sSupPr>
+                      <m:e>
+                        <m:r>
+                          <a:rPr kumimoji="1" lang="en-US" altLang="ja-JP" b="0" i="1" smtClean="0">
+                            <a:latin typeface="Cambria Math" panose="02040503050406030204" pitchFamily="18" charset="0"/>
+                          </a:rPr>
+                          <m:t>2</m:t>
+                        </m:r>
+                      </m:e>
+                      <m:sup>
+                        <m:r>
+                          <a:rPr kumimoji="1" lang="en-US" altLang="ja-JP" b="0" i="1" smtClean="0">
+                            <a:latin typeface="Cambria Math" panose="02040503050406030204" pitchFamily="18" charset="0"/>
+                          </a:rPr>
+                          <m:t>255</m:t>
+                        </m:r>
+                      </m:sup>
+                    </m:sSup>
+                    <m:r>
+                      <a:rPr kumimoji="1" lang="en-US" altLang="ja-JP" b="0" i="1" smtClean="0">
+                        <a:latin typeface="Cambria Math" panose="02040503050406030204" pitchFamily="18" charset="0"/>
+                      </a:rPr>
+                      <m:t>−19</m:t>
+                    </m:r>
+                  </m:oMath>
+                </a14:m>
+                <a:r>
+                  <a:rPr kumimoji="1" lang="ja-JP" altLang="en-US"/>
+                  <a:t>なので</a:t>
+                </a:r>
+                <a:endParaRPr kumimoji="1" lang="en-US" altLang="ja-JP"/>
+              </a:p>
+              <a:p>
+                <a:pPr lvl="1"/>
+                <a:r>
+                  <a:rPr kumimoji="1" lang="ja-JP" altLang="en-US"/>
+                  <a:t>より高速でよりサイドチャネル攻撃を受けにくい曲線</a:t>
+                </a:r>
+              </a:p>
+            </p:txBody>
+          </p:sp>
+        </mc:Choice>
+        <mc:Fallback xmlns="">
+          <p:sp>
+            <p:nvSpPr>
+              <p:cNvPr id="2" name="コンテンツ プレースホルダー 1">
+                <a:extLst>
+                  <a:ext uri="{FF2B5EF4-FFF2-40B4-BE49-F238E27FC236}">
+                    <a16:creationId xmlns:a16="http://schemas.microsoft.com/office/drawing/2014/main" id="{1DF304B5-4375-4ADE-8BF4-34A61C5F1358}"/>
+                  </a:ext>
+                </a:extLst>
+              </p:cNvPr>
+              <p:cNvSpPr>
+                <a:spLocks noGrp="1" noRot="1" noChangeAspect="1" noMove="1" noResize="1" noEditPoints="1" noAdjustHandles="1" noChangeArrowheads="1" noChangeShapeType="1" noTextEdit="1"/>
+              </p:cNvSpPr>
+              <p:nvPr>
+                <p:ph idx="1"/>
+              </p:nvPr>
+            </p:nvSpPr>
+            <p:spPr>
+              <a:blipFill>
+                <a:blip r:embed="rId2"/>
+                <a:stretch>
+                  <a:fillRect l="-1200" t="-1454"/>
+                </a:stretch>
+              </a:blipFill>
+            </p:spPr>
+            <p:txBody>
+              <a:bodyPr/>
+              <a:lstStyle/>
+              <a:p>
+                <a:r>
+                  <a:rPr lang="ja-JP" altLang="en-US">
+                    <a:noFill/>
+                  </a:rPr>
+                  <a:t> </a:t>
+                </a:r>
+              </a:p>
+            </p:txBody>
+          </p:sp>
+        </mc:Fallback>
+      </mc:AlternateContent>
+      <p:sp>
+        <p:nvSpPr>
+          <p:cNvPr id="3" name="スライド番号プレースホルダー 2">
+            <a:extLst>
+              <a:ext uri="{FF2B5EF4-FFF2-40B4-BE49-F238E27FC236}">
+                <a16:creationId xmlns:a16="http://schemas.microsoft.com/office/drawing/2014/main" id="{4FF1DE43-2674-4648-982E-E0362713ED92}"/>
+              </a:ext>
+            </a:extLst>
+          </p:cNvPr>
+          <p:cNvSpPr>
+            <a:spLocks noGrp="1"/>
+          </p:cNvSpPr>
+          <p:nvPr>
+            <p:ph type="sldNum" sz="quarter" idx="12"/>
+          </p:nvPr>
+        </p:nvSpPr>
+        <p:spPr/>
+        <p:txBody>
+          <a:bodyPr/>
+          <a:lstStyle/>
+          <a:p>
+            <a:pPr>
+              <a:defRPr/>
+            </a:pPr>
+            <a:r>
+              <a:rPr lang="en-US" altLang="ja-JP"/>
+              <a:t>    </a:t>
+            </a:r>
+            <a:fld id="{B2782DEB-472A-4FE5-AC34-C17109CF5A91}" type="slidenum">
+              <a:rPr lang="en-US" altLang="ja-JP" smtClean="0"/>
+              <a:pPr>
+                <a:defRPr/>
+              </a:pPr>
+              <a:t>30</a:t>
+            </a:fld>
+            <a:r>
+              <a:rPr lang="en-US" altLang="ja-JP"/>
+              <a:t> / 24</a:t>
+            </a:r>
+          </a:p>
+        </p:txBody>
+      </p:sp>
+      <p:sp>
+        <p:nvSpPr>
+          <p:cNvPr id="4" name="タイトル 3">
+            <a:extLst>
+              <a:ext uri="{FF2B5EF4-FFF2-40B4-BE49-F238E27FC236}">
+                <a16:creationId xmlns:a16="http://schemas.microsoft.com/office/drawing/2014/main" id="{6039337D-5F89-4335-8BAA-88B1C2DB91AF}"/>
+              </a:ext>
+            </a:extLst>
+          </p:cNvPr>
+          <p:cNvSpPr>
+            <a:spLocks noGrp="1"/>
+          </p:cNvSpPr>
+          <p:nvPr>
+            <p:ph type="title"/>
+          </p:nvPr>
+        </p:nvSpPr>
+        <p:spPr/>
+        <p:txBody>
+          <a:bodyPr/>
+          <a:lstStyle/>
+          <a:p>
+            <a:r>
+              <a:rPr kumimoji="1" lang="ja-JP" altLang="en-US"/>
+              <a:t>暗号化アルゴリズムの整備</a:t>
+            </a:r>
+          </a:p>
+        </p:txBody>
+      </p:sp>
+    </p:spTree>
+    <p:extLst>
+      <p:ext uri="{BB962C8B-B14F-4D97-AF65-F5344CB8AC3E}">
+        <p14:creationId xmlns:p14="http://schemas.microsoft.com/office/powerpoint/2010/main" val="2148117936"/>
+      </p:ext>
+    </p:extLst>
+  </p:cSld>
+  <p:clrMapOvr>
+    <a:masterClrMapping/>
+  </p:clrMapOvr>
+</p:sld>
+</file>
+
+<file path=ppt/slides/slide31.xml><?xml version="1.0" encoding="utf-8"?>
+<p:sld xmlns:a="http://schemas.openxmlformats.org/drawingml/2006/main" xmlns:r="http://schemas.openxmlformats.org/officeDocument/2006/relationships" xmlns:p="http://schemas.openxmlformats.org/presentationml/2006/main">
+  <p:cSld>
+    <p:spTree>
+      <p:nvGrpSpPr>
+        <p:cNvPr id="1" name=""/>
+        <p:cNvGrpSpPr/>
+        <p:nvPr/>
+      </p:nvGrpSpPr>
+      <p:grpSpPr>
+        <a:xfrm>
+          <a:off x="0" y="0"/>
+          <a:ext cx="0" cy="0"/>
+          <a:chOff x="0" y="0"/>
+          <a:chExt cx="0" cy="0"/>
+        </a:xfrm>
+      </p:grpSpPr>
+      <p:sp>
+        <p:nvSpPr>
+          <p:cNvPr id="2" name="コンテンツ プレースホルダー 1">
+            <a:extLst>
+              <a:ext uri="{FF2B5EF4-FFF2-40B4-BE49-F238E27FC236}">
+                <a16:creationId xmlns:a16="http://schemas.microsoft.com/office/drawing/2014/main" id="{B01DDFDC-EAB4-4A28-A13F-B759E04A16A9}"/>
+              </a:ext>
+            </a:extLst>
+          </p:cNvPr>
+          <p:cNvSpPr>
+            <a:spLocks noGrp="1"/>
+          </p:cNvSpPr>
+          <p:nvPr>
+            <p:ph idx="1"/>
+          </p:nvPr>
+        </p:nvSpPr>
+        <p:spPr/>
+        <p:txBody>
+          <a:bodyPr/>
+          <a:lstStyle/>
+          <a:p>
+            <a:r>
+              <a:rPr kumimoji="1" lang="ja-JP" altLang="en-US"/>
+              <a:t>経緯</a:t>
+            </a:r>
+            <a:endParaRPr kumimoji="1" lang="en-US" altLang="ja-JP"/>
+          </a:p>
+          <a:p>
+            <a:pPr lvl="1"/>
+            <a:r>
+              <a:rPr kumimoji="1" lang="en-US" altLang="ja-JP"/>
+              <a:t>NIST</a:t>
+            </a:r>
+            <a:r>
+              <a:rPr kumimoji="1" lang="ja-JP" altLang="en-US"/>
+              <a:t>が定めた擬似乱数生成アルゴリズム</a:t>
+            </a:r>
+            <a:r>
+              <a:rPr kumimoji="1" lang="en-US" altLang="ja-JP"/>
+              <a:t>Dual_EC_DRB</a:t>
+            </a:r>
+          </a:p>
+          <a:p>
+            <a:pPr lvl="2"/>
+            <a:r>
+              <a:rPr kumimoji="1" lang="en-US" altLang="ja-JP"/>
+              <a:t>2013</a:t>
+            </a:r>
+            <a:r>
+              <a:rPr kumimoji="1" lang="ja-JP" altLang="en-US"/>
+              <a:t>年バックドアがあると報道</a:t>
+            </a:r>
+            <a:endParaRPr kumimoji="1" lang="en-US" altLang="ja-JP"/>
+          </a:p>
+          <a:p>
+            <a:pPr lvl="2"/>
+            <a:r>
+              <a:rPr kumimoji="1" lang="ja-JP" altLang="en-US"/>
+              <a:t>その他の暗号技術</a:t>
+            </a:r>
+            <a:r>
+              <a:rPr kumimoji="1" lang="en-US" altLang="ja-JP"/>
+              <a:t>(NIST P-256</a:t>
+            </a:r>
+            <a:r>
+              <a:rPr kumimoji="1" lang="ja-JP" altLang="en-US"/>
+              <a:t>など</a:t>
+            </a:r>
+            <a:r>
+              <a:rPr kumimoji="1" lang="en-US" altLang="ja-JP"/>
+              <a:t>)</a:t>
+            </a:r>
+            <a:r>
+              <a:rPr kumimoji="1" lang="ja-JP" altLang="en-US"/>
+              <a:t>は大丈夫</a:t>
+            </a:r>
+            <a:r>
+              <a:rPr kumimoji="1" lang="en-US" altLang="ja-JP"/>
+              <a:t>?</a:t>
+            </a:r>
+          </a:p>
+          <a:p>
+            <a:r>
+              <a:rPr kumimoji="1" lang="en-US" altLang="ja-JP"/>
+              <a:t>SafeCurves : </a:t>
+            </a:r>
+            <a:r>
+              <a:rPr kumimoji="1" lang="en-US" altLang="ja-JP">
+                <a:solidFill>
+                  <a:srgbClr val="FF0000"/>
+                </a:solidFill>
+                <a:hlinkClick r:id="rId2">
+                  <a:extLst>
+                    <a:ext uri="{A12FA001-AC4F-418D-AE19-62706E023703}">
+                      <ahyp:hlinkClr xmlns:ahyp="http://schemas.microsoft.com/office/drawing/2018/hyperlinkcolor" val="tx"/>
+                    </a:ext>
+                  </a:extLst>
+                </a:hlinkClick>
+              </a:rPr>
+              <a:t>https://safecurves.cr.yp.to/rigid.html</a:t>
+            </a:r>
+            <a:endParaRPr kumimoji="1" lang="en-US" altLang="ja-JP"/>
+          </a:p>
+          <a:p>
+            <a:pPr lvl="1"/>
+            <a:endParaRPr kumimoji="1" lang="ja-JP" altLang="en-US"/>
+          </a:p>
+        </p:txBody>
+      </p:sp>
+      <p:sp>
+        <p:nvSpPr>
+          <p:cNvPr id="3" name="スライド番号プレースホルダー 2">
+            <a:extLst>
+              <a:ext uri="{FF2B5EF4-FFF2-40B4-BE49-F238E27FC236}">
+                <a16:creationId xmlns:a16="http://schemas.microsoft.com/office/drawing/2014/main" id="{8131047C-A6FE-464B-8CFF-19C1E803FF05}"/>
+              </a:ext>
+            </a:extLst>
+          </p:cNvPr>
+          <p:cNvSpPr>
+            <a:spLocks noGrp="1"/>
+          </p:cNvSpPr>
+          <p:nvPr>
+            <p:ph type="sldNum" sz="quarter" idx="12"/>
+          </p:nvPr>
+        </p:nvSpPr>
+        <p:spPr/>
+        <p:txBody>
+          <a:bodyPr/>
+          <a:lstStyle/>
+          <a:p>
+            <a:pPr>
+              <a:defRPr/>
+            </a:pPr>
+            <a:r>
+              <a:rPr lang="en-US" altLang="ja-JP"/>
+              <a:t>    </a:t>
+            </a:r>
+            <a:fld id="{B2782DEB-472A-4FE5-AC34-C17109CF5A91}" type="slidenum">
+              <a:rPr lang="en-US" altLang="ja-JP" smtClean="0"/>
+              <a:pPr>
+                <a:defRPr/>
+              </a:pPr>
+              <a:t>31</a:t>
+            </a:fld>
+            <a:r>
+              <a:rPr lang="en-US" altLang="ja-JP"/>
+              <a:t> / 24</a:t>
+            </a:r>
+          </a:p>
+        </p:txBody>
+      </p:sp>
+      <p:sp>
+        <p:nvSpPr>
+          <p:cNvPr id="4" name="タイトル 3">
+            <a:extLst>
+              <a:ext uri="{FF2B5EF4-FFF2-40B4-BE49-F238E27FC236}">
+                <a16:creationId xmlns:a16="http://schemas.microsoft.com/office/drawing/2014/main" id="{605DF6A4-41C5-454B-AC97-6C594B60B52D}"/>
+              </a:ext>
+            </a:extLst>
+          </p:cNvPr>
+          <p:cNvSpPr>
+            <a:spLocks noGrp="1"/>
+          </p:cNvSpPr>
+          <p:nvPr>
+            <p:ph type="title"/>
+          </p:nvPr>
+        </p:nvSpPr>
+        <p:spPr/>
+        <p:txBody>
+          <a:bodyPr/>
+          <a:lstStyle/>
+          <a:p>
+            <a:r>
+              <a:rPr kumimoji="1" lang="ja-JP" altLang="en-US"/>
+              <a:t>パラメータ選択の恣意性</a:t>
+            </a:r>
+          </a:p>
+        </p:txBody>
+      </p:sp>
+      <p:pic>
+        <p:nvPicPr>
+          <p:cNvPr id="6" name="図 5">
+            <a:extLst>
+              <a:ext uri="{FF2B5EF4-FFF2-40B4-BE49-F238E27FC236}">
+                <a16:creationId xmlns:a16="http://schemas.microsoft.com/office/drawing/2014/main" id="{825C6F77-BA7E-4DBE-944D-DDDABC9C9D0E}"/>
+              </a:ext>
+            </a:extLst>
+          </p:cNvPr>
+          <p:cNvPicPr>
+            <a:picLocks noChangeAspect="1"/>
+          </p:cNvPicPr>
+          <p:nvPr/>
+        </p:nvPicPr>
+        <p:blipFill>
+          <a:blip r:embed="rId3">
+            <a:extLst>
+              <a:ext uri="{28A0092B-C50C-407E-A947-70E740481C1C}">
+                <a14:useLocalDpi xmlns:a14="http://schemas.microsoft.com/office/drawing/2010/main" val="0"/>
+              </a:ext>
+            </a:extLst>
+          </a:blip>
+          <a:stretch>
+            <a:fillRect/>
+          </a:stretch>
+        </p:blipFill>
+        <p:spPr>
+          <a:xfrm>
+            <a:off x="1203417" y="3263271"/>
+            <a:ext cx="6652338" cy="3384376"/>
+          </a:xfrm>
+          <a:prstGeom prst="rect">
+            <a:avLst/>
+          </a:prstGeom>
+        </p:spPr>
+      </p:pic>
+    </p:spTree>
+    <p:extLst>
+      <p:ext uri="{BB962C8B-B14F-4D97-AF65-F5344CB8AC3E}">
+        <p14:creationId xmlns:p14="http://schemas.microsoft.com/office/powerpoint/2010/main" val="3601886467"/>
+      </p:ext>
+    </p:extLst>
+  </p:cSld>
+  <p:clrMapOvr>
+    <a:masterClrMapping/>
+  </p:clrMapOvr>
+</p:sld>
+</file>
+
+<file path=ppt/slides/slide32.xml><?xml version="1.0" encoding="utf-8"?>
+<p:sld xmlns:a="http://schemas.openxmlformats.org/drawingml/2006/main" xmlns:r="http://schemas.openxmlformats.org/officeDocument/2006/relationships" xmlns:p="http://schemas.openxmlformats.org/presentationml/2006/main">
+  <p:cSld>
+    <p:spTree>
+      <p:nvGrpSpPr>
+        <p:cNvPr id="1" name=""/>
+        <p:cNvGrpSpPr/>
+        <p:nvPr/>
+      </p:nvGrpSpPr>
+      <p:grpSpPr>
+        <a:xfrm>
+          <a:off x="0" y="0"/>
+          <a:ext cx="0" cy="0"/>
+          <a:chOff x="0" y="0"/>
+          <a:chExt cx="0" cy="0"/>
+        </a:xfrm>
+      </p:grpSpPr>
+      <mc:AlternateContent xmlns:mc="http://schemas.openxmlformats.org/markup-compatibility/2006" xmlns:a14="http://schemas.microsoft.com/office/drawing/2010/main">
+        <mc:Choice Requires="a14">
+          <p:sp>
+            <p:nvSpPr>
+              <p:cNvPr id="2" name="コンテンツ プレースホルダー 1">
+                <a:extLst>
+                  <a:ext uri="{FF2B5EF4-FFF2-40B4-BE49-F238E27FC236}">
+                    <a16:creationId xmlns:a16="http://schemas.microsoft.com/office/drawing/2014/main" id="{832304E2-BBC1-4AAE-826E-8FAB798CF02E}"/>
+                  </a:ext>
+                </a:extLst>
+              </p:cNvPr>
+              <p:cNvSpPr>
+                <a:spLocks noGrp="1"/>
+              </p:cNvSpPr>
+              <p:nvPr>
+                <p:ph idx="1"/>
+              </p:nvPr>
+            </p:nvSpPr>
+            <p:spPr/>
+            <p:txBody>
+              <a:bodyPr/>
+              <a:lstStyle/>
+              <a:p>
+                <a:r>
+                  <a:rPr lang="en-US" altLang="ja-JP"/>
+                  <a:t>HKDF (HMAC-based Key Derivation Function)</a:t>
+                </a:r>
+              </a:p>
+              <a:p>
+                <a:pPr lvl="1"/>
+                <a:r>
+                  <a:rPr kumimoji="1" lang="en-US" altLang="ja-JP"/>
+                  <a:t>HMAC</a:t>
+                </a:r>
+                <a:r>
+                  <a:rPr kumimoji="1" lang="ja-JP" altLang="en-US"/>
+                  <a:t>を利用した鍵導出関数</a:t>
+                </a:r>
+                <a:endParaRPr kumimoji="1" lang="en-US" altLang="ja-JP"/>
+              </a:p>
+              <a:p>
+                <a:pPr lvl="1"/>
+                <a:r>
+                  <a:rPr kumimoji="1" lang="ja-JP" altLang="en-US"/>
+                  <a:t>短いシードから秘密鍵に利用できる安全な擬似乱数を生成</a:t>
+                </a:r>
+                <a:endParaRPr kumimoji="1" lang="en-US" altLang="ja-JP"/>
+              </a:p>
+              <a:p>
+                <a:r>
+                  <a:rPr kumimoji="1" lang="en-US" altLang="ja-JP"/>
+                  <a:t>HKDF-Extract</a:t>
+                </a:r>
+              </a:p>
+              <a:p>
+                <a:pPr lvl="1"/>
+                <a:r>
+                  <a:rPr kumimoji="1" lang="en-US" altLang="ja-JP"/>
+                  <a:t>salt : </a:t>
+                </a:r>
+                <a:r>
+                  <a:rPr kumimoji="1" lang="ja-JP" altLang="en-US"/>
+                  <a:t>秘密ではないランダムな値</a:t>
+                </a:r>
+                <a:r>
+                  <a:rPr kumimoji="1" lang="en-US" altLang="ja-JP"/>
+                  <a:t>, x : DH</a:t>
+                </a:r>
+                <a:r>
+                  <a:rPr kumimoji="1" lang="ja-JP" altLang="en-US"/>
+                  <a:t>鍵共有などの結果</a:t>
+                </a:r>
+                <a:endParaRPr kumimoji="1" lang="en-US" altLang="ja-JP"/>
+              </a:p>
+              <a:p>
+                <a:pPr lvl="1"/>
+                <a:r>
+                  <a:rPr lang="en-US" altLang="ja-JP"/>
+                  <a:t>prk = HMAC(salt, x)</a:t>
+                </a:r>
+              </a:p>
+              <a:p>
+                <a:r>
+                  <a:rPr kumimoji="1" lang="en-US" altLang="ja-JP"/>
+                  <a:t>H</a:t>
+                </a:r>
+                <a:r>
+                  <a:rPr lang="en-US" altLang="ja-JP"/>
+                  <a:t>KDF-Expand</a:t>
+                </a:r>
+              </a:p>
+              <a:p>
+                <a:pPr lvl="1"/>
+                <a:r>
+                  <a:rPr kumimoji="1" lang="en-US" altLang="ja-JP"/>
+                  <a:t>prk</a:t>
+                </a:r>
+                <a:r>
+                  <a:rPr kumimoji="1" lang="ja-JP" altLang="en-US"/>
+                  <a:t>と付加情報</a:t>
+                </a:r>
+                <a:r>
+                  <a:rPr kumimoji="1" lang="en-US" altLang="ja-JP"/>
+                  <a:t>info</a:t>
+                </a:r>
+                <a:r>
+                  <a:rPr kumimoji="1" lang="ja-JP" altLang="en-US"/>
+                  <a:t>から複数の安全な擬似乱数を生成</a:t>
+                </a:r>
+                <a:endParaRPr kumimoji="1" lang="en-US" altLang="ja-JP"/>
+              </a:p>
+              <a:p>
+                <a:pPr lvl="2"/>
+                <a14:m>
+                  <m:oMath xmlns:m="http://schemas.openxmlformats.org/officeDocument/2006/math">
+                    <m:sSub>
+                      <m:sSubPr>
+                        <m:ctrlPr>
+                          <a:rPr kumimoji="1" lang="en-US" altLang="ja-JP" b="0" i="1" smtClean="0">
+                            <a:latin typeface="Cambria Math" panose="02040503050406030204" pitchFamily="18" charset="0"/>
+                          </a:rPr>
+                        </m:ctrlPr>
+                      </m:sSubPr>
+                      <m:e>
+                        <m:r>
+                          <a:rPr kumimoji="1" lang="en-US" altLang="ja-JP" b="0" i="1" smtClean="0">
+                            <a:latin typeface="Cambria Math" panose="02040503050406030204" pitchFamily="18" charset="0"/>
+                          </a:rPr>
+                          <m:t>𝑇</m:t>
+                        </m:r>
+                      </m:e>
+                      <m:sub>
+                        <m:r>
+                          <a:rPr kumimoji="1" lang="en-US" altLang="ja-JP" b="0" i="1" smtClean="0">
+                            <a:latin typeface="Cambria Math" panose="02040503050406030204" pitchFamily="18" charset="0"/>
+                          </a:rPr>
+                          <m:t>1</m:t>
+                        </m:r>
+                      </m:sub>
+                    </m:sSub>
+                    <m:r>
+                      <a:rPr kumimoji="1" lang="en-US" altLang="ja-JP" b="0" i="1" smtClean="0">
+                        <a:latin typeface="Cambria Math" panose="02040503050406030204" pitchFamily="18" charset="0"/>
+                      </a:rPr>
+                      <m:t>=</m:t>
+                    </m:r>
+                    <m:r>
+                      <a:rPr kumimoji="1" lang="en-US" altLang="ja-JP" b="0" i="1" smtClean="0">
+                        <a:latin typeface="Cambria Math" panose="02040503050406030204" pitchFamily="18" charset="0"/>
+                      </a:rPr>
+                      <m:t>𝐻𝑀𝐴𝐶</m:t>
+                    </m:r>
+                    <m:d>
+                      <m:dPr>
+                        <m:ctrlPr>
+                          <a:rPr kumimoji="1" lang="en-US" altLang="ja-JP" b="0" i="1" smtClean="0">
+                            <a:latin typeface="Cambria Math" panose="02040503050406030204" pitchFamily="18" charset="0"/>
+                          </a:rPr>
+                        </m:ctrlPr>
+                      </m:dPr>
+                      <m:e>
+                        <m:r>
+                          <a:rPr kumimoji="1" lang="en-US" altLang="ja-JP" b="0" i="1" smtClean="0">
+                            <a:latin typeface="Cambria Math" panose="02040503050406030204" pitchFamily="18" charset="0"/>
+                          </a:rPr>
+                          <m:t>𝑝𝑟𝑘</m:t>
+                        </m:r>
+                        <m:r>
+                          <a:rPr kumimoji="1" lang="en-US" altLang="ja-JP" b="0" i="1" smtClean="0">
+                            <a:latin typeface="Cambria Math" panose="02040503050406030204" pitchFamily="18" charset="0"/>
+                          </a:rPr>
+                          <m:t>, ""</m:t>
+                        </m:r>
+                        <m:d>
+                          <m:dPr>
+                            <m:begChr m:val="|"/>
+                            <m:endChr m:val="|"/>
+                            <m:ctrlPr>
+                              <a:rPr kumimoji="1" lang="en-US" altLang="ja-JP" b="0" i="1" smtClean="0">
+                                <a:latin typeface="Cambria Math" panose="02040503050406030204" pitchFamily="18" charset="0"/>
+                              </a:rPr>
+                            </m:ctrlPr>
+                          </m:dPr>
+                          <m:e>
+                            <m:r>
+                              <m:rPr>
+                                <m:sty m:val="p"/>
+                              </m:rPr>
+                              <a:rPr kumimoji="1" lang="en-US" altLang="ja-JP" b="0" i="1" smtClean="0">
+                                <a:latin typeface="Cambria Math" panose="02040503050406030204" pitchFamily="18" charset="0"/>
+                              </a:rPr>
+                              <m:t>info</m:t>
+                            </m:r>
+                          </m:e>
+                        </m:d>
+                        <m:r>
+                          <a:rPr kumimoji="1" lang="en-US" altLang="ja-JP" b="0" i="1" smtClean="0">
+                            <a:latin typeface="Cambria Math" panose="02040503050406030204" pitchFamily="18" charset="0"/>
+                          </a:rPr>
+                          <m:t>1</m:t>
+                        </m:r>
+                      </m:e>
+                    </m:d>
+                  </m:oMath>
+                </a14:m>
+                <a:endParaRPr kumimoji="1" lang="en-US" altLang="ja-JP" b="0"/>
+              </a:p>
+              <a:p>
+                <a:pPr lvl="2"/>
+                <a14:m>
+                  <m:oMath xmlns:m="http://schemas.openxmlformats.org/officeDocument/2006/math">
+                    <m:sSub>
+                      <m:sSubPr>
+                        <m:ctrlPr>
+                          <a:rPr kumimoji="1" lang="en-US" altLang="ja-JP" b="0" i="1" smtClean="0">
+                            <a:latin typeface="Cambria Math" panose="02040503050406030204" pitchFamily="18" charset="0"/>
+                          </a:rPr>
+                        </m:ctrlPr>
+                      </m:sSubPr>
+                      <m:e>
+                        <m:r>
+                          <a:rPr kumimoji="1" lang="en-US" altLang="ja-JP" b="0" i="1" smtClean="0">
+                            <a:latin typeface="Cambria Math" panose="02040503050406030204" pitchFamily="18" charset="0"/>
+                          </a:rPr>
+                          <m:t>𝑇</m:t>
+                        </m:r>
+                      </m:e>
+                      <m:sub>
+                        <m:r>
+                          <a:rPr kumimoji="1" lang="en-US" altLang="ja-JP" b="0" i="1" smtClean="0">
+                            <a:latin typeface="Cambria Math" panose="02040503050406030204" pitchFamily="18" charset="0"/>
+                          </a:rPr>
+                          <m:t>2</m:t>
+                        </m:r>
+                      </m:sub>
+                    </m:sSub>
+                    <m:r>
+                      <a:rPr kumimoji="1" lang="en-US" altLang="ja-JP" b="0" i="1" smtClean="0">
+                        <a:latin typeface="Cambria Math" panose="02040503050406030204" pitchFamily="18" charset="0"/>
+                      </a:rPr>
+                      <m:t>=</m:t>
+                    </m:r>
+                    <m:r>
+                      <a:rPr kumimoji="1" lang="en-US" altLang="ja-JP" b="0" i="1" smtClean="0">
+                        <a:latin typeface="Cambria Math" panose="02040503050406030204" pitchFamily="18" charset="0"/>
+                      </a:rPr>
+                      <m:t>𝐻𝑀𝐴𝐶</m:t>
+                    </m:r>
+                    <m:d>
+                      <m:dPr>
+                        <m:ctrlPr>
+                          <a:rPr kumimoji="1" lang="en-US" altLang="ja-JP" b="0" i="1" smtClean="0">
+                            <a:latin typeface="Cambria Math" panose="02040503050406030204" pitchFamily="18" charset="0"/>
+                          </a:rPr>
+                        </m:ctrlPr>
+                      </m:dPr>
+                      <m:e>
+                        <m:r>
+                          <a:rPr kumimoji="1" lang="en-US" altLang="ja-JP" b="0" i="1" smtClean="0">
+                            <a:latin typeface="Cambria Math" panose="02040503050406030204" pitchFamily="18" charset="0"/>
+                          </a:rPr>
+                          <m:t>𝑝𝑟𝑘</m:t>
+                        </m:r>
+                        <m:r>
+                          <a:rPr kumimoji="1" lang="en-US" altLang="ja-JP" b="0" i="1" smtClean="0">
+                            <a:latin typeface="Cambria Math" panose="02040503050406030204" pitchFamily="18" charset="0"/>
+                          </a:rPr>
+                          <m:t>, </m:t>
+                        </m:r>
+                        <m:sSub>
+                          <m:sSubPr>
+                            <m:ctrlPr>
+                              <a:rPr kumimoji="1" lang="en-US" altLang="ja-JP" b="0" i="1" smtClean="0">
+                                <a:latin typeface="Cambria Math" panose="02040503050406030204" pitchFamily="18" charset="0"/>
+                              </a:rPr>
+                            </m:ctrlPr>
+                          </m:sSubPr>
+                          <m:e>
+                            <m:r>
+                              <a:rPr kumimoji="1" lang="en-US" altLang="ja-JP" b="0" i="1" smtClean="0">
+                                <a:latin typeface="Cambria Math" panose="02040503050406030204" pitchFamily="18" charset="0"/>
+                              </a:rPr>
+                              <m:t>𝑇</m:t>
+                            </m:r>
+                          </m:e>
+                          <m:sub>
+                            <m:r>
+                              <a:rPr kumimoji="1" lang="en-US" altLang="ja-JP" b="0" i="1" smtClean="0">
+                                <a:latin typeface="Cambria Math" panose="02040503050406030204" pitchFamily="18" charset="0"/>
+                              </a:rPr>
+                              <m:t>1</m:t>
+                            </m:r>
+                          </m:sub>
+                        </m:sSub>
+                        <m:d>
+                          <m:dPr>
+                            <m:begChr m:val="|"/>
+                            <m:endChr m:val="|"/>
+                            <m:ctrlPr>
+                              <a:rPr kumimoji="1" lang="en-US" altLang="ja-JP" b="0" i="1" smtClean="0">
+                                <a:latin typeface="Cambria Math" panose="02040503050406030204" pitchFamily="18" charset="0"/>
+                              </a:rPr>
+                            </m:ctrlPr>
+                          </m:dPr>
+                          <m:e>
+                            <m:r>
+                              <m:rPr>
+                                <m:sty m:val="p"/>
+                              </m:rPr>
+                              <a:rPr kumimoji="1" lang="en-US" altLang="ja-JP" b="0" i="1" smtClean="0">
+                                <a:latin typeface="Cambria Math" panose="02040503050406030204" pitchFamily="18" charset="0"/>
+                              </a:rPr>
+                              <m:t>info</m:t>
+                            </m:r>
+                          </m:e>
+                        </m:d>
+                        <m:r>
+                          <a:rPr kumimoji="1" lang="en-US" altLang="ja-JP" b="0" i="1" smtClean="0">
+                            <a:latin typeface="Cambria Math" panose="02040503050406030204" pitchFamily="18" charset="0"/>
+                          </a:rPr>
+                          <m:t>2</m:t>
+                        </m:r>
+                      </m:e>
+                    </m:d>
+                  </m:oMath>
+                </a14:m>
+                <a:endParaRPr kumimoji="1" lang="en-US" altLang="ja-JP" b="0"/>
+              </a:p>
+              <a:p>
+                <a:pPr lvl="2"/>
+                <a14:m>
+                  <m:oMath xmlns:m="http://schemas.openxmlformats.org/officeDocument/2006/math">
+                    <m:sSub>
+                      <m:sSubPr>
+                        <m:ctrlPr>
+                          <a:rPr kumimoji="1" lang="en-US" altLang="ja-JP" b="0" i="1" smtClean="0">
+                            <a:latin typeface="Cambria Math" panose="02040503050406030204" pitchFamily="18" charset="0"/>
+                          </a:rPr>
+                        </m:ctrlPr>
+                      </m:sSubPr>
+                      <m:e>
+                        <m:r>
+                          <a:rPr kumimoji="1" lang="en-US" altLang="ja-JP" b="0" i="1" smtClean="0">
+                            <a:latin typeface="Cambria Math" panose="02040503050406030204" pitchFamily="18" charset="0"/>
+                          </a:rPr>
+                          <m:t>𝑇</m:t>
+                        </m:r>
+                      </m:e>
+                      <m:sub>
+                        <m:r>
+                          <a:rPr kumimoji="1" lang="en-US" altLang="ja-JP" b="0" i="1" smtClean="0">
+                            <a:latin typeface="Cambria Math" panose="02040503050406030204" pitchFamily="18" charset="0"/>
+                          </a:rPr>
+                          <m:t>3</m:t>
+                        </m:r>
+                      </m:sub>
+                    </m:sSub>
+                    <m:r>
+                      <a:rPr kumimoji="1" lang="en-US" altLang="ja-JP" b="0" i="1" smtClean="0">
+                        <a:latin typeface="Cambria Math" panose="02040503050406030204" pitchFamily="18" charset="0"/>
+                      </a:rPr>
+                      <m:t>=</m:t>
+                    </m:r>
+                    <m:r>
+                      <a:rPr kumimoji="1" lang="en-US" altLang="ja-JP" b="0" i="1" smtClean="0">
+                        <a:latin typeface="Cambria Math" panose="02040503050406030204" pitchFamily="18" charset="0"/>
+                      </a:rPr>
+                      <m:t>𝐻𝑀𝐴𝐶</m:t>
+                    </m:r>
+                    <m:r>
+                      <a:rPr kumimoji="1" lang="en-US" altLang="ja-JP" b="0" i="1" smtClean="0">
+                        <a:latin typeface="Cambria Math" panose="02040503050406030204" pitchFamily="18" charset="0"/>
+                      </a:rPr>
+                      <m:t>(</m:t>
+                    </m:r>
+                    <m:r>
+                      <a:rPr kumimoji="1" lang="en-US" altLang="ja-JP" b="0" i="1" smtClean="0">
+                        <a:latin typeface="Cambria Math" panose="02040503050406030204" pitchFamily="18" charset="0"/>
+                      </a:rPr>
+                      <m:t>𝑝𝑟𝑘</m:t>
+                    </m:r>
+                    <m:r>
+                      <a:rPr kumimoji="1" lang="en-US" altLang="ja-JP" b="0" i="1" smtClean="0">
+                        <a:latin typeface="Cambria Math" panose="02040503050406030204" pitchFamily="18" charset="0"/>
+                      </a:rPr>
+                      <m:t>, </m:t>
+                    </m:r>
+                    <m:sSub>
+                      <m:sSubPr>
+                        <m:ctrlPr>
+                          <a:rPr kumimoji="1" lang="en-US" altLang="ja-JP" b="0" i="1" smtClean="0">
+                            <a:latin typeface="Cambria Math" panose="02040503050406030204" pitchFamily="18" charset="0"/>
+                          </a:rPr>
+                        </m:ctrlPr>
+                      </m:sSubPr>
+                      <m:e>
+                        <m:r>
+                          <a:rPr kumimoji="1" lang="en-US" altLang="ja-JP" b="0" i="1" smtClean="0">
+                            <a:latin typeface="Cambria Math" panose="02040503050406030204" pitchFamily="18" charset="0"/>
+                          </a:rPr>
+                          <m:t>𝑇</m:t>
+                        </m:r>
+                      </m:e>
+                      <m:sub>
+                        <m:r>
+                          <a:rPr kumimoji="1" lang="en-US" altLang="ja-JP" b="0" i="1" smtClean="0">
+                            <a:latin typeface="Cambria Math" panose="02040503050406030204" pitchFamily="18" charset="0"/>
+                          </a:rPr>
+                          <m:t>2</m:t>
+                        </m:r>
+                      </m:sub>
+                    </m:sSub>
+                    <m:d>
+                      <m:dPr>
+                        <m:begChr m:val="|"/>
+                        <m:endChr m:val="|"/>
+                        <m:ctrlPr>
+                          <a:rPr kumimoji="1" lang="en-US" altLang="ja-JP" b="0" i="1" smtClean="0">
+                            <a:latin typeface="Cambria Math" panose="02040503050406030204" pitchFamily="18" charset="0"/>
+                          </a:rPr>
+                        </m:ctrlPr>
+                      </m:dPr>
+                      <m:e>
+                        <m:r>
+                          <m:rPr>
+                            <m:sty m:val="p"/>
+                          </m:rPr>
+                          <a:rPr kumimoji="1" lang="en-US" altLang="ja-JP" b="0" i="1" smtClean="0">
+                            <a:latin typeface="Cambria Math" panose="02040503050406030204" pitchFamily="18" charset="0"/>
+                          </a:rPr>
+                          <m:t>info</m:t>
+                        </m:r>
+                      </m:e>
+                    </m:d>
+                    <m:r>
+                      <a:rPr kumimoji="1" lang="en-US" altLang="ja-JP" b="0" i="1" smtClean="0">
+                        <a:latin typeface="Cambria Math" panose="02040503050406030204" pitchFamily="18" charset="0"/>
+                      </a:rPr>
+                      <m:t>3)</m:t>
+                    </m:r>
+                  </m:oMath>
+                </a14:m>
+                <a:endParaRPr kumimoji="1" lang="en-US" altLang="ja-JP"/>
+              </a:p>
+              <a:p>
+                <a:r>
+                  <a:rPr kumimoji="1" lang="en-US" altLang="ja-JP"/>
+                  <a:t>Derive-Secret</a:t>
+                </a:r>
+                <a:endParaRPr lang="en-US" altLang="ja-JP"/>
+              </a:p>
+              <a:p>
+                <a:pPr lvl="1"/>
+                <a:r>
+                  <a:rPr kumimoji="1" lang="en-US" altLang="ja-JP"/>
+                  <a:t>info</a:t>
+                </a:r>
+                <a:r>
+                  <a:rPr kumimoji="1" lang="ja-JP" altLang="en-US"/>
+                  <a:t>にヘッダ情報を付与して</a:t>
+                </a:r>
+                <a:r>
+                  <a:rPr kumimoji="1" lang="en-US" altLang="ja-JP"/>
+                  <a:t>HKDF-Expand</a:t>
+                </a:r>
+                <a:r>
+                  <a:rPr kumimoji="1" lang="ja-JP" altLang="en-US"/>
+                  <a:t>を呼び出す</a:t>
+                </a:r>
+              </a:p>
+            </p:txBody>
+          </p:sp>
+        </mc:Choice>
+        <mc:Fallback xmlns="">
+          <p:sp>
+            <p:nvSpPr>
+              <p:cNvPr id="2" name="コンテンツ プレースホルダー 1">
+                <a:extLst>
+                  <a:ext uri="{FF2B5EF4-FFF2-40B4-BE49-F238E27FC236}">
+                    <a16:creationId xmlns:a16="http://schemas.microsoft.com/office/drawing/2014/main" id="{832304E2-BBC1-4AAE-826E-8FAB798CF02E}"/>
+                  </a:ext>
+                </a:extLst>
+              </p:cNvPr>
+              <p:cNvSpPr>
+                <a:spLocks noGrp="1" noRot="1" noChangeAspect="1" noMove="1" noResize="1" noEditPoints="1" noAdjustHandles="1" noChangeArrowheads="1" noChangeShapeType="1" noTextEdit="1"/>
+              </p:cNvSpPr>
+              <p:nvPr>
+                <p:ph idx="1"/>
+              </p:nvPr>
+            </p:nvSpPr>
+            <p:spPr>
+              <a:blipFill>
+                <a:blip r:embed="rId2"/>
+                <a:stretch>
+                  <a:fillRect l="-1200" t="-1142" b="-9450"/>
+                </a:stretch>
+              </a:blipFill>
+            </p:spPr>
+            <p:txBody>
+              <a:bodyPr/>
+              <a:lstStyle/>
+              <a:p>
+                <a:r>
+                  <a:rPr lang="ja-JP" altLang="en-US">
+                    <a:noFill/>
+                  </a:rPr>
+                  <a:t> </a:t>
+                </a:r>
+              </a:p>
+            </p:txBody>
+          </p:sp>
+        </mc:Fallback>
+      </mc:AlternateContent>
+      <p:sp>
+        <p:nvSpPr>
+          <p:cNvPr id="3" name="スライド番号プレースホルダー 2">
+            <a:extLst>
+              <a:ext uri="{FF2B5EF4-FFF2-40B4-BE49-F238E27FC236}">
+                <a16:creationId xmlns:a16="http://schemas.microsoft.com/office/drawing/2014/main" id="{D75B8295-E56B-4FEB-B0E9-972C3D9C8BEF}"/>
+              </a:ext>
+            </a:extLst>
+          </p:cNvPr>
+          <p:cNvSpPr>
+            <a:spLocks noGrp="1"/>
+          </p:cNvSpPr>
+          <p:nvPr>
+            <p:ph type="sldNum" sz="quarter" idx="12"/>
+          </p:nvPr>
+        </p:nvSpPr>
+        <p:spPr/>
+        <p:txBody>
+          <a:bodyPr/>
+          <a:lstStyle/>
+          <a:p>
+            <a:pPr>
+              <a:defRPr/>
+            </a:pPr>
+            <a:r>
+              <a:rPr lang="en-US" altLang="ja-JP"/>
+              <a:t>    </a:t>
+            </a:r>
+            <a:fld id="{B2782DEB-472A-4FE5-AC34-C17109CF5A91}" type="slidenum">
+              <a:rPr lang="en-US" altLang="ja-JP" smtClean="0"/>
+              <a:pPr>
+                <a:defRPr/>
+              </a:pPr>
+              <a:t>32</a:t>
+            </a:fld>
+            <a:r>
+              <a:rPr lang="en-US" altLang="ja-JP"/>
+              <a:t> / 24</a:t>
+            </a:r>
+          </a:p>
+        </p:txBody>
+      </p:sp>
+      <p:sp>
+        <p:nvSpPr>
+          <p:cNvPr id="4" name="タイトル 3">
+            <a:extLst>
+              <a:ext uri="{FF2B5EF4-FFF2-40B4-BE49-F238E27FC236}">
+                <a16:creationId xmlns:a16="http://schemas.microsoft.com/office/drawing/2014/main" id="{25D2294A-DF67-4616-AA9B-B85BBBECBC4E}"/>
+              </a:ext>
+            </a:extLst>
+          </p:cNvPr>
+          <p:cNvSpPr>
+            <a:spLocks noGrp="1"/>
+          </p:cNvSpPr>
+          <p:nvPr>
+            <p:ph type="title"/>
+          </p:nvPr>
+        </p:nvSpPr>
+        <p:spPr/>
+        <p:txBody>
+          <a:bodyPr/>
+          <a:lstStyle/>
+          <a:p>
+            <a:r>
+              <a:rPr kumimoji="1" lang="ja-JP" altLang="en-US"/>
+              <a:t>新しい鍵導出アルゴリズム</a:t>
+            </a:r>
+          </a:p>
+        </p:txBody>
+      </p:sp>
+    </p:spTree>
+    <p:extLst>
+      <p:ext uri="{BB962C8B-B14F-4D97-AF65-F5344CB8AC3E}">
+        <p14:creationId xmlns:p14="http://schemas.microsoft.com/office/powerpoint/2010/main" val="1402270072"/>
+      </p:ext>
+    </p:extLst>
+  </p:cSld>
+  <p:clrMapOvr>
+    <a:masterClrMapping/>
+  </p:clrMapOvr>
+</p:sld>
+</file>
+
+<file path=ppt/slides/slide33.xml><?xml version="1.0" encoding="utf-8"?>
+<p:sld xmlns:a="http://schemas.openxmlformats.org/drawingml/2006/main" xmlns:r="http://schemas.openxmlformats.org/officeDocument/2006/relationships" xmlns:p="http://schemas.openxmlformats.org/presentationml/2006/main">
+  <p:cSld>
+    <p:spTree>
+      <p:nvGrpSpPr>
+        <p:cNvPr id="1" name=""/>
+        <p:cNvGrpSpPr/>
+        <p:nvPr/>
+      </p:nvGrpSpPr>
+      <p:grpSpPr>
+        <a:xfrm>
+          <a:off x="0" y="0"/>
+          <a:ext cx="0" cy="0"/>
+          <a:chOff x="0" y="0"/>
+          <a:chExt cx="0" cy="0"/>
+        </a:xfrm>
+      </p:grpSpPr>
+      <p:sp>
+        <p:nvSpPr>
+          <p:cNvPr id="2" name="コンテンツ プレースホルダー 1">
+            <a:extLst>
+              <a:ext uri="{FF2B5EF4-FFF2-40B4-BE49-F238E27FC236}">
+                <a16:creationId xmlns:a16="http://schemas.microsoft.com/office/drawing/2014/main" id="{907EAF35-7EC5-4F20-B101-B7A9E88C2381}"/>
+              </a:ext>
+            </a:extLst>
+          </p:cNvPr>
+          <p:cNvSpPr>
+            <a:spLocks noGrp="1"/>
+          </p:cNvSpPr>
+          <p:nvPr>
+            <p:ph idx="1"/>
+          </p:nvPr>
+        </p:nvSpPr>
+        <p:spPr/>
+        <p:txBody>
+          <a:bodyPr/>
+          <a:lstStyle/>
+          <a:p>
+            <a:r>
+              <a:rPr kumimoji="1" lang="ja-JP" altLang="en-US"/>
+              <a:t>概要 </a:t>
+            </a:r>
+            <a:r>
+              <a:rPr kumimoji="1" lang="en-US" altLang="ja-JP"/>
+              <a:t>: </a:t>
+            </a:r>
+            <a:r>
+              <a:rPr kumimoji="1" lang="ja-JP" altLang="en-US"/>
+              <a:t>詳細は</a:t>
+            </a:r>
+            <a:r>
+              <a:rPr kumimoji="1" lang="en-US" altLang="ja-JP"/>
+              <a:t>RFC-8446</a:t>
+            </a:r>
+            <a:r>
+              <a:rPr kumimoji="1" lang="ja-JP" altLang="en-US"/>
+              <a:t>参照</a:t>
+            </a:r>
+            <a:endParaRPr kumimoji="1" lang="en-US" altLang="ja-JP"/>
+          </a:p>
+          <a:p>
+            <a:endParaRPr lang="en-US" altLang="ja-JP"/>
+          </a:p>
+          <a:p>
+            <a:endParaRPr kumimoji="1" lang="en-US" altLang="ja-JP"/>
+          </a:p>
+          <a:p>
+            <a:endParaRPr lang="en-US" altLang="ja-JP"/>
+          </a:p>
+          <a:p>
+            <a:endParaRPr kumimoji="1" lang="en-US" altLang="ja-JP"/>
+          </a:p>
+          <a:p>
+            <a:endParaRPr lang="en-US" altLang="ja-JP"/>
+          </a:p>
+          <a:p>
+            <a:endParaRPr kumimoji="1" lang="en-US" altLang="ja-JP"/>
+          </a:p>
+          <a:p>
+            <a:endParaRPr lang="en-US" altLang="ja-JP"/>
+          </a:p>
+          <a:p>
+            <a:endParaRPr kumimoji="1" lang="en-US" altLang="ja-JP"/>
+          </a:p>
+          <a:p>
+            <a:endParaRPr lang="en-US" altLang="ja-JP"/>
+          </a:p>
+          <a:p>
+            <a:pPr marL="218250" lvl="1" indent="0">
+              <a:buNone/>
+            </a:pPr>
+            <a:r>
+              <a:rPr kumimoji="1" lang="ja-JP" altLang="en-US"/>
+              <a:t>ドラフトではマスターシークレット→メインシークレット</a:t>
+            </a:r>
+          </a:p>
+        </p:txBody>
+      </p:sp>
+      <p:sp>
+        <p:nvSpPr>
+          <p:cNvPr id="3" name="スライド番号プレースホルダー 2">
+            <a:extLst>
+              <a:ext uri="{FF2B5EF4-FFF2-40B4-BE49-F238E27FC236}">
+                <a16:creationId xmlns:a16="http://schemas.microsoft.com/office/drawing/2014/main" id="{9E6146EA-5B2D-4893-8DA9-91897979EA3A}"/>
+              </a:ext>
+            </a:extLst>
+          </p:cNvPr>
+          <p:cNvSpPr>
+            <a:spLocks noGrp="1"/>
+          </p:cNvSpPr>
+          <p:nvPr>
+            <p:ph type="sldNum" sz="quarter" idx="12"/>
+          </p:nvPr>
+        </p:nvSpPr>
+        <p:spPr/>
+        <p:txBody>
+          <a:bodyPr/>
+          <a:lstStyle/>
+          <a:p>
+            <a:pPr>
+              <a:defRPr/>
+            </a:pPr>
+            <a:r>
+              <a:rPr lang="en-US" altLang="ja-JP"/>
+              <a:t>    </a:t>
+            </a:r>
+            <a:fld id="{B2782DEB-472A-4FE5-AC34-C17109CF5A91}" type="slidenum">
+              <a:rPr lang="en-US" altLang="ja-JP" smtClean="0"/>
+              <a:pPr>
+                <a:defRPr/>
+              </a:pPr>
+              <a:t>33</a:t>
+            </a:fld>
+            <a:r>
+              <a:rPr lang="en-US" altLang="ja-JP"/>
+              <a:t> / 24</a:t>
+            </a:r>
+          </a:p>
+        </p:txBody>
+      </p:sp>
+      <p:sp>
+        <p:nvSpPr>
+          <p:cNvPr id="4" name="タイトル 3">
+            <a:extLst>
+              <a:ext uri="{FF2B5EF4-FFF2-40B4-BE49-F238E27FC236}">
+                <a16:creationId xmlns:a16="http://schemas.microsoft.com/office/drawing/2014/main" id="{E59A0EF0-3651-4511-8D5F-612F368C52E9}"/>
+              </a:ext>
+            </a:extLst>
+          </p:cNvPr>
+          <p:cNvSpPr>
+            <a:spLocks noGrp="1"/>
+          </p:cNvSpPr>
+          <p:nvPr>
+            <p:ph type="title"/>
+          </p:nvPr>
+        </p:nvSpPr>
+        <p:spPr/>
+        <p:txBody>
+          <a:bodyPr/>
+          <a:lstStyle/>
+          <a:p>
+            <a:r>
+              <a:rPr kumimoji="1" lang="ja-JP" altLang="en-US"/>
+              <a:t>鍵導出手順</a:t>
+            </a:r>
+          </a:p>
+        </p:txBody>
+      </p:sp>
+      <p:pic>
+        <p:nvPicPr>
+          <p:cNvPr id="6" name="図 5">
+            <a:extLst>
+              <a:ext uri="{FF2B5EF4-FFF2-40B4-BE49-F238E27FC236}">
+                <a16:creationId xmlns:a16="http://schemas.microsoft.com/office/drawing/2014/main" id="{88D89ECE-BEBD-43B7-9D00-84EE165CF7A7}"/>
+              </a:ext>
+            </a:extLst>
+          </p:cNvPr>
+          <p:cNvPicPr>
+            <a:picLocks noChangeAspect="1"/>
+          </p:cNvPicPr>
+          <p:nvPr/>
+        </p:nvPicPr>
+        <p:blipFill>
+          <a:blip r:embed="rId2">
+            <a:extLst>
+              <a:ext uri="{28A0092B-C50C-407E-A947-70E740481C1C}">
+                <a14:useLocalDpi xmlns:a14="http://schemas.microsoft.com/office/drawing/2010/main" val="0"/>
+              </a:ext>
+            </a:extLst>
+          </a:blip>
+          <a:stretch>
+            <a:fillRect/>
+          </a:stretch>
+        </p:blipFill>
+        <p:spPr>
+          <a:xfrm>
+            <a:off x="611560" y="1124744"/>
+            <a:ext cx="7138829" cy="5184576"/>
+          </a:xfrm>
+          <a:prstGeom prst="rect">
+            <a:avLst/>
+          </a:prstGeom>
+        </p:spPr>
+      </p:pic>
+    </p:spTree>
+    <p:extLst>
+      <p:ext uri="{BB962C8B-B14F-4D97-AF65-F5344CB8AC3E}">
+        <p14:creationId xmlns:p14="http://schemas.microsoft.com/office/powerpoint/2010/main" val="2259019928"/>
+      </p:ext>
+    </p:extLst>
+  </p:cSld>
+  <p:clrMapOvr>
+    <a:masterClrMapping/>
+  </p:clrMapOvr>
+</p:sld>
+</file>
+
+<file path=ppt/slides/slide34.xml><?xml version="1.0" encoding="utf-8"?>
+<p:sld xmlns:a="http://schemas.openxmlformats.org/drawingml/2006/main" xmlns:r="http://schemas.openxmlformats.org/officeDocument/2006/relationships" xmlns:p="http://schemas.openxmlformats.org/presentationml/2006/main">
+  <p:cSld>
+    <p:spTree>
+      <p:nvGrpSpPr>
+        <p:cNvPr id="1" name=""/>
+        <p:cNvGrpSpPr/>
+        <p:nvPr/>
+      </p:nvGrpSpPr>
+      <p:grpSpPr>
+        <a:xfrm>
+          <a:off x="0" y="0"/>
+          <a:ext cx="0" cy="0"/>
+          <a:chOff x="0" y="0"/>
+          <a:chExt cx="0" cy="0"/>
+        </a:xfrm>
+      </p:grpSpPr>
+      <p:sp>
+        <p:nvSpPr>
+          <p:cNvPr id="2" name="コンテンツ プレースホルダー 1">
+            <a:extLst>
+              <a:ext uri="{FF2B5EF4-FFF2-40B4-BE49-F238E27FC236}">
+                <a16:creationId xmlns:a16="http://schemas.microsoft.com/office/drawing/2014/main" id="{E4A12F44-D3F1-4893-B8D6-A882BB6F8583}"/>
+              </a:ext>
+            </a:extLst>
+          </p:cNvPr>
+          <p:cNvSpPr>
+            <a:spLocks noGrp="1"/>
+          </p:cNvSpPr>
+          <p:nvPr>
+            <p:ph idx="1"/>
+          </p:nvPr>
+        </p:nvSpPr>
+        <p:spPr/>
+        <p:txBody>
+          <a:bodyPr/>
+          <a:lstStyle/>
+          <a:p>
+            <a:r>
+              <a:rPr kumimoji="1" lang="ja-JP" altLang="en-US"/>
+              <a:t>現代暗号</a:t>
+            </a:r>
+            <a:endParaRPr kumimoji="1" lang="en-US" altLang="ja-JP"/>
+          </a:p>
+          <a:p>
+            <a:pPr lvl="1"/>
+            <a:r>
+              <a:rPr kumimoji="1" lang="ja-JP" altLang="en-US"/>
+              <a:t>計算量的安全性に基づく理論的な評価</a:t>
+            </a:r>
+            <a:endParaRPr kumimoji="1" lang="en-US" altLang="ja-JP"/>
+          </a:p>
+          <a:p>
+            <a:pPr lvl="1"/>
+            <a:r>
+              <a:rPr kumimoji="1" lang="ja-JP" altLang="en-US"/>
+              <a:t>複数の暗号技術を組み合わせたときの評価は完全ではない</a:t>
+            </a:r>
+            <a:endParaRPr kumimoji="1" lang="en-US" altLang="ja-JP"/>
+          </a:p>
+          <a:p>
+            <a:pPr lvl="1"/>
+            <a:r>
+              <a:rPr kumimoji="1" lang="ja-JP" altLang="en-US"/>
+              <a:t>実装の不具合による攻撃</a:t>
+            </a:r>
+            <a:endParaRPr kumimoji="1" lang="en-US" altLang="ja-JP"/>
+          </a:p>
+          <a:p>
+            <a:r>
+              <a:rPr kumimoji="1" lang="ja-JP" altLang="en-US"/>
+              <a:t>形式手法 </a:t>
+            </a:r>
+            <a:r>
+              <a:rPr kumimoji="1" lang="en-US" altLang="ja-JP"/>
+              <a:t>(formal method)</a:t>
+            </a:r>
+          </a:p>
+          <a:p>
+            <a:pPr lvl="1"/>
+            <a:r>
+              <a:rPr kumimoji="1" lang="ja-JP" altLang="en-US"/>
+              <a:t>プロトコルの安全性を</a:t>
+            </a:r>
+            <a:r>
+              <a:rPr lang="ja-JP" altLang="en-US"/>
+              <a:t>自動検証ツール</a:t>
+            </a:r>
+            <a:r>
+              <a:rPr lang="en-US" altLang="ja-JP"/>
+              <a:t>(</a:t>
+            </a:r>
+            <a:r>
+              <a:rPr kumimoji="1" lang="ja-JP" altLang="en-US"/>
+              <a:t>プログラム</a:t>
+            </a:r>
+            <a:r>
+              <a:rPr kumimoji="1" lang="en-US" altLang="ja-JP"/>
+              <a:t>)</a:t>
+            </a:r>
+            <a:r>
+              <a:rPr kumimoji="1" lang="ja-JP" altLang="en-US"/>
+              <a:t>で判定</a:t>
+            </a:r>
+            <a:endParaRPr lang="en-US" altLang="ja-JP"/>
+          </a:p>
+          <a:p>
+            <a:r>
+              <a:rPr lang="ja-JP" altLang="en-US"/>
+              <a:t>モデル検証</a:t>
+            </a:r>
+            <a:r>
+              <a:rPr lang="en-US" altLang="ja-JP"/>
+              <a:t>(e.g., ProVerif)</a:t>
+            </a:r>
+          </a:p>
+          <a:p>
+            <a:pPr lvl="1"/>
+            <a:r>
+              <a:rPr lang="ja-JP" altLang="en-US"/>
+              <a:t>プロトコルをモデル化</a:t>
+            </a:r>
+            <a:endParaRPr lang="en-US" altLang="ja-JP"/>
+          </a:p>
+          <a:p>
+            <a:pPr lvl="2"/>
+            <a:r>
+              <a:rPr lang="ja-JP" altLang="en-US"/>
+              <a:t>数式を用いて厳密化</a:t>
+            </a:r>
+            <a:endParaRPr lang="en-US" altLang="ja-JP"/>
+          </a:p>
+          <a:p>
+            <a:pPr lvl="1"/>
+            <a:r>
+              <a:rPr lang="ja-JP" altLang="en-US"/>
+              <a:t>モデルをツールに入力</a:t>
+            </a:r>
+            <a:endParaRPr lang="en-US" altLang="ja-JP"/>
+          </a:p>
+          <a:p>
+            <a:pPr lvl="2"/>
+            <a:r>
+              <a:rPr lang="ja-JP" altLang="en-US"/>
+              <a:t>問題があれば出力</a:t>
+            </a:r>
+            <a:endParaRPr lang="en-US" altLang="ja-JP"/>
+          </a:p>
+          <a:p>
+            <a:pPr lvl="1"/>
+            <a:r>
+              <a:rPr lang="ja-JP" altLang="en-US"/>
+              <a:t>問題が見つからなかったと</a:t>
+            </a:r>
+            <a:br>
+              <a:rPr lang="en-US" altLang="ja-JP"/>
+            </a:br>
+            <a:r>
+              <a:rPr lang="ja-JP" altLang="en-US"/>
+              <a:t>いって安全とは限らない</a:t>
+            </a:r>
+            <a:endParaRPr lang="en-US" altLang="ja-JP"/>
+          </a:p>
+          <a:p>
+            <a:endParaRPr lang="en-US" altLang="ja-JP"/>
+          </a:p>
+        </p:txBody>
+      </p:sp>
+      <p:sp>
+        <p:nvSpPr>
+          <p:cNvPr id="3" name="スライド番号プレースホルダー 2">
+            <a:extLst>
+              <a:ext uri="{FF2B5EF4-FFF2-40B4-BE49-F238E27FC236}">
+                <a16:creationId xmlns:a16="http://schemas.microsoft.com/office/drawing/2014/main" id="{DE39AFDB-713B-4AE6-9A30-144499197AB0}"/>
+              </a:ext>
+            </a:extLst>
+          </p:cNvPr>
+          <p:cNvSpPr>
+            <a:spLocks noGrp="1"/>
+          </p:cNvSpPr>
+          <p:nvPr>
+            <p:ph type="sldNum" sz="quarter" idx="12"/>
+          </p:nvPr>
+        </p:nvSpPr>
+        <p:spPr/>
+        <p:txBody>
+          <a:bodyPr/>
+          <a:lstStyle/>
+          <a:p>
+            <a:pPr>
+              <a:defRPr/>
+            </a:pPr>
+            <a:r>
+              <a:rPr lang="en-US" altLang="ja-JP"/>
+              <a:t>    </a:t>
+            </a:r>
+            <a:fld id="{B2782DEB-472A-4FE5-AC34-C17109CF5A91}" type="slidenum">
+              <a:rPr lang="en-US" altLang="ja-JP" smtClean="0"/>
+              <a:pPr>
+                <a:defRPr/>
+              </a:pPr>
+              <a:t>34</a:t>
+            </a:fld>
+            <a:r>
+              <a:rPr lang="en-US" altLang="ja-JP"/>
+              <a:t> / 24</a:t>
+            </a:r>
+          </a:p>
+        </p:txBody>
+      </p:sp>
+      <p:sp>
+        <p:nvSpPr>
+          <p:cNvPr id="4" name="タイトル 3">
+            <a:extLst>
+              <a:ext uri="{FF2B5EF4-FFF2-40B4-BE49-F238E27FC236}">
+                <a16:creationId xmlns:a16="http://schemas.microsoft.com/office/drawing/2014/main" id="{BD58DA2E-7D50-4743-B44B-D7C612FAD573}"/>
+              </a:ext>
+            </a:extLst>
+          </p:cNvPr>
+          <p:cNvSpPr>
+            <a:spLocks noGrp="1"/>
+          </p:cNvSpPr>
+          <p:nvPr>
+            <p:ph type="title"/>
+          </p:nvPr>
+        </p:nvSpPr>
+        <p:spPr/>
+        <p:txBody>
+          <a:bodyPr/>
+          <a:lstStyle/>
+          <a:p>
+            <a:r>
+              <a:rPr kumimoji="1" lang="ja-JP" altLang="en-US"/>
+              <a:t>形式手法による安全性検証</a:t>
+            </a:r>
+          </a:p>
+        </p:txBody>
+      </p:sp>
+      <p:pic>
+        <p:nvPicPr>
+          <p:cNvPr id="6" name="図 5">
+            <a:extLst>
+              <a:ext uri="{FF2B5EF4-FFF2-40B4-BE49-F238E27FC236}">
+                <a16:creationId xmlns:a16="http://schemas.microsoft.com/office/drawing/2014/main" id="{BA4482D1-7F05-46D5-94CC-AACDEAFF7B1B}"/>
+              </a:ext>
+            </a:extLst>
+          </p:cNvPr>
+          <p:cNvPicPr>
+            <a:picLocks noChangeAspect="1"/>
+          </p:cNvPicPr>
+          <p:nvPr/>
+        </p:nvPicPr>
+        <p:blipFill>
+          <a:blip r:embed="rId2"/>
+          <a:stretch>
+            <a:fillRect/>
+          </a:stretch>
+        </p:blipFill>
+        <p:spPr>
+          <a:xfrm>
+            <a:off x="5580112" y="3645023"/>
+            <a:ext cx="1872208" cy="3014307"/>
+          </a:xfrm>
+          <a:prstGeom prst="rect">
+            <a:avLst/>
+          </a:prstGeom>
+        </p:spPr>
+      </p:pic>
+    </p:spTree>
+    <p:extLst>
+      <p:ext uri="{BB962C8B-B14F-4D97-AF65-F5344CB8AC3E}">
+        <p14:creationId xmlns:p14="http://schemas.microsoft.com/office/powerpoint/2010/main" val="849203057"/>
+      </p:ext>
+    </p:extLst>
+  </p:cSld>
+  <p:clrMapOvr>
+    <a:masterClrMapping/>
+  </p:clrMapOvr>
+</p:sld>
+</file>
+
+<file path=ppt/slides/slide35.xml><?xml version="1.0" encoding="utf-8"?>
+<p:sld xmlns:a="http://schemas.openxmlformats.org/drawingml/2006/main" xmlns:r="http://schemas.openxmlformats.org/officeDocument/2006/relationships" xmlns:p="http://schemas.openxmlformats.org/presentationml/2006/main">
+  <p:cSld>
+    <p:spTree>
+      <p:nvGrpSpPr>
+        <p:cNvPr id="1" name=""/>
+        <p:cNvGrpSpPr/>
+        <p:nvPr/>
+      </p:nvGrpSpPr>
+      <p:grpSpPr>
+        <a:xfrm>
+          <a:off x="0" y="0"/>
+          <a:ext cx="0" cy="0"/>
+          <a:chOff x="0" y="0"/>
+          <a:chExt cx="0" cy="0"/>
+        </a:xfrm>
+      </p:grpSpPr>
+      <p:sp>
+        <p:nvSpPr>
+          <p:cNvPr id="2" name="コンテンツ プレースホルダー 1">
+            <a:extLst>
+              <a:ext uri="{FF2B5EF4-FFF2-40B4-BE49-F238E27FC236}">
+                <a16:creationId xmlns:a16="http://schemas.microsoft.com/office/drawing/2014/main" id="{AB688005-DF84-4F21-BAB5-CD8F6DE58D21}"/>
+              </a:ext>
+            </a:extLst>
+          </p:cNvPr>
+          <p:cNvSpPr>
+            <a:spLocks noGrp="1"/>
+          </p:cNvSpPr>
+          <p:nvPr>
+            <p:ph idx="1"/>
+          </p:nvPr>
+        </p:nvSpPr>
+        <p:spPr/>
+        <p:txBody>
+          <a:bodyPr/>
+          <a:lstStyle/>
+          <a:p>
+            <a:r>
+              <a:rPr kumimoji="1" lang="ja-JP" altLang="en-US"/>
+              <a:t>コンピュータと人間が対話しながら安全性を証明</a:t>
+            </a:r>
+            <a:endParaRPr kumimoji="1" lang="en-US" altLang="ja-JP"/>
+          </a:p>
+          <a:p>
+            <a:pPr lvl="1"/>
+            <a:r>
+              <a:rPr kumimoji="1" lang="ja-JP" altLang="en-US"/>
+              <a:t>コンピュータに推論のヒントを与えながら厳密性をチェック</a:t>
+            </a:r>
+            <a:endParaRPr kumimoji="1" lang="en-US" altLang="ja-JP"/>
+          </a:p>
+          <a:p>
+            <a:pPr lvl="1"/>
+            <a:r>
+              <a:rPr lang="en-US" altLang="ja-JP"/>
+              <a:t>e.g., EasyCrypt</a:t>
+            </a:r>
+          </a:p>
+          <a:p>
+            <a:pPr lvl="1"/>
+            <a:r>
+              <a:rPr kumimoji="1" lang="ja-JP" altLang="en-US"/>
+              <a:t>安全性が示せたら確かに安全</a:t>
+            </a:r>
+            <a:endParaRPr kumimoji="1" lang="en-US" altLang="ja-JP"/>
+          </a:p>
+          <a:p>
+            <a:endParaRPr lang="en-US" altLang="ja-JP"/>
+          </a:p>
+          <a:p>
+            <a:pPr lvl="1"/>
+            <a:r>
+              <a:rPr kumimoji="1" lang="ja-JP" altLang="en-US"/>
+              <a:t>安全性が示されたプロトコルから</a:t>
+            </a:r>
+            <a:br>
+              <a:rPr kumimoji="1" lang="en-US" altLang="ja-JP"/>
+            </a:br>
+            <a:r>
+              <a:rPr kumimoji="1" lang="ja-JP" altLang="en-US"/>
+              <a:t>実際に動くコードを自動生成</a:t>
+            </a:r>
+          </a:p>
+        </p:txBody>
+      </p:sp>
+      <p:sp>
+        <p:nvSpPr>
+          <p:cNvPr id="3" name="スライド番号プレースホルダー 2">
+            <a:extLst>
+              <a:ext uri="{FF2B5EF4-FFF2-40B4-BE49-F238E27FC236}">
+                <a16:creationId xmlns:a16="http://schemas.microsoft.com/office/drawing/2014/main" id="{DE8701AB-96D9-44C9-9817-941D577ABE04}"/>
+              </a:ext>
+            </a:extLst>
+          </p:cNvPr>
+          <p:cNvSpPr>
+            <a:spLocks noGrp="1"/>
+          </p:cNvSpPr>
+          <p:nvPr>
+            <p:ph type="sldNum" sz="quarter" idx="12"/>
+          </p:nvPr>
+        </p:nvSpPr>
+        <p:spPr/>
+        <p:txBody>
+          <a:bodyPr/>
+          <a:lstStyle/>
+          <a:p>
+            <a:pPr>
+              <a:defRPr/>
+            </a:pPr>
+            <a:r>
+              <a:rPr lang="en-US" altLang="ja-JP"/>
+              <a:t>    </a:t>
+            </a:r>
+            <a:fld id="{B2782DEB-472A-4FE5-AC34-C17109CF5A91}" type="slidenum">
+              <a:rPr lang="en-US" altLang="ja-JP" smtClean="0"/>
+              <a:pPr>
+                <a:defRPr/>
+              </a:pPr>
+              <a:t>35</a:t>
+            </a:fld>
+            <a:r>
+              <a:rPr lang="en-US" altLang="ja-JP"/>
+              <a:t> / 24</a:t>
+            </a:r>
+          </a:p>
+        </p:txBody>
+      </p:sp>
+      <p:sp>
+        <p:nvSpPr>
+          <p:cNvPr id="4" name="タイトル 3">
+            <a:extLst>
+              <a:ext uri="{FF2B5EF4-FFF2-40B4-BE49-F238E27FC236}">
+                <a16:creationId xmlns:a16="http://schemas.microsoft.com/office/drawing/2014/main" id="{1615621F-5EF1-41D5-80D1-B34AB8FC17AC}"/>
+              </a:ext>
+            </a:extLst>
+          </p:cNvPr>
+          <p:cNvSpPr>
+            <a:spLocks noGrp="1"/>
+          </p:cNvSpPr>
+          <p:nvPr>
+            <p:ph type="title"/>
+          </p:nvPr>
+        </p:nvSpPr>
+        <p:spPr/>
+        <p:txBody>
+          <a:bodyPr/>
+          <a:lstStyle/>
+          <a:p>
+            <a:r>
+              <a:rPr kumimoji="1" lang="ja-JP" altLang="en-US"/>
+              <a:t>定理証明</a:t>
+            </a:r>
+          </a:p>
+        </p:txBody>
+      </p:sp>
+      <p:pic>
+        <p:nvPicPr>
+          <p:cNvPr id="6" name="図 5">
+            <a:extLst>
+              <a:ext uri="{FF2B5EF4-FFF2-40B4-BE49-F238E27FC236}">
+                <a16:creationId xmlns:a16="http://schemas.microsoft.com/office/drawing/2014/main" id="{3A292DA9-BB82-4E55-AAFC-3FED79135C24}"/>
+              </a:ext>
+            </a:extLst>
+          </p:cNvPr>
+          <p:cNvPicPr>
+            <a:picLocks noChangeAspect="1"/>
+          </p:cNvPicPr>
+          <p:nvPr/>
+        </p:nvPicPr>
+        <p:blipFill>
+          <a:blip r:embed="rId2"/>
+          <a:stretch>
+            <a:fillRect/>
+          </a:stretch>
+        </p:blipFill>
+        <p:spPr>
+          <a:xfrm>
+            <a:off x="5292080" y="1916832"/>
+            <a:ext cx="3586066" cy="3672408"/>
+          </a:xfrm>
+          <a:prstGeom prst="rect">
+            <a:avLst/>
+          </a:prstGeom>
+        </p:spPr>
+      </p:pic>
+    </p:spTree>
+    <p:extLst>
+      <p:ext uri="{BB962C8B-B14F-4D97-AF65-F5344CB8AC3E}">
+        <p14:creationId xmlns:p14="http://schemas.microsoft.com/office/powerpoint/2010/main" val="363302728"/>
+      </p:ext>
+    </p:extLst>
+  </p:cSld>
+  <p:clrMapOvr>
+    <a:masterClrMapping/>
+  </p:clrMapOvr>
+</p:sld>
+</file>
+
+<file path=ppt/slides/slide36.xml><?xml version="1.0" encoding="utf-8"?>
+<p:sld xmlns:a="http://schemas.openxmlformats.org/drawingml/2006/main" xmlns:r="http://schemas.openxmlformats.org/officeDocument/2006/relationships" xmlns:p="http://schemas.openxmlformats.org/presentationml/2006/main">
+  <p:cSld>
+    <p:spTree>
+      <p:nvGrpSpPr>
+        <p:cNvPr id="1" name=""/>
+        <p:cNvGrpSpPr/>
+        <p:nvPr/>
+      </p:nvGrpSpPr>
+      <p:grpSpPr>
+        <a:xfrm>
+          <a:off x="0" y="0"/>
+          <a:ext cx="0" cy="0"/>
+          <a:chOff x="0" y="0"/>
+          <a:chExt cx="0" cy="0"/>
+        </a:xfrm>
+      </p:grpSpPr>
+      <p:sp>
+        <p:nvSpPr>
+          <p:cNvPr id="2" name="コンテンツ プレースホルダー 1">
+            <a:extLst>
+              <a:ext uri="{FF2B5EF4-FFF2-40B4-BE49-F238E27FC236}">
+                <a16:creationId xmlns:a16="http://schemas.microsoft.com/office/drawing/2014/main" id="{7CEC0B7F-3214-4F49-8424-B98522A29C04}"/>
+              </a:ext>
+            </a:extLst>
+          </p:cNvPr>
+          <p:cNvSpPr>
+            <a:spLocks noGrp="1"/>
+          </p:cNvSpPr>
+          <p:nvPr>
+            <p:ph idx="1"/>
+          </p:nvPr>
+        </p:nvSpPr>
+        <p:spPr/>
+        <p:txBody>
+          <a:bodyPr/>
+          <a:lstStyle/>
+          <a:p>
+            <a:r>
+              <a:rPr lang="en-US" altLang="ja-JP"/>
+              <a:t>AEAD(Authenticated Encryption with Associated Data)</a:t>
+            </a:r>
+          </a:p>
+          <a:p>
+            <a:pPr lvl="1"/>
+            <a:r>
+              <a:rPr kumimoji="1" lang="ja-JP" altLang="en-US"/>
+              <a:t>秘匿性と完全性の両方を同時に満たす暗号</a:t>
+            </a:r>
+            <a:endParaRPr kumimoji="1" lang="en-US" altLang="ja-JP"/>
+          </a:p>
+          <a:p>
+            <a:pPr lvl="1"/>
+            <a:endParaRPr lang="en-US" altLang="ja-JP"/>
+          </a:p>
+          <a:p>
+            <a:pPr lvl="1"/>
+            <a:endParaRPr kumimoji="1" lang="en-US" altLang="ja-JP"/>
+          </a:p>
+          <a:p>
+            <a:pPr lvl="1"/>
+            <a:endParaRPr lang="en-US" altLang="ja-JP"/>
+          </a:p>
+          <a:p>
+            <a:pPr lvl="1"/>
+            <a:endParaRPr kumimoji="1" lang="en-US" altLang="ja-JP"/>
+          </a:p>
+          <a:p>
+            <a:pPr lvl="1"/>
+            <a:endParaRPr lang="en-US" altLang="ja-JP"/>
+          </a:p>
+          <a:p>
+            <a:pPr lvl="1"/>
+            <a:r>
+              <a:rPr kumimoji="1" lang="ja-JP" altLang="en-US"/>
+              <a:t>共通鍵暗号と</a:t>
+            </a:r>
+            <a:r>
+              <a:rPr kumimoji="1" lang="en-US" altLang="ja-JP"/>
+              <a:t>MAC</a:t>
+            </a:r>
+            <a:r>
+              <a:rPr kumimoji="1" lang="ja-JP" altLang="en-US"/>
+              <a:t>の組み合わせで実現</a:t>
+            </a:r>
+            <a:endParaRPr kumimoji="1" lang="en-US" altLang="ja-JP"/>
+          </a:p>
+          <a:p>
+            <a:pPr lvl="2"/>
+            <a:r>
+              <a:rPr kumimoji="1" lang="ja-JP" altLang="en-US"/>
+              <a:t>組み合わせ方法や実装によって安全でないことも</a:t>
+            </a:r>
+            <a:endParaRPr kumimoji="1" lang="en-US" altLang="ja-JP"/>
+          </a:p>
+          <a:p>
+            <a:r>
+              <a:rPr kumimoji="1" lang="en-US" altLang="ja-JP"/>
+              <a:t>TLS 1.3</a:t>
+            </a:r>
+            <a:r>
+              <a:rPr kumimoji="1" lang="ja-JP" altLang="en-US"/>
+              <a:t>では</a:t>
+            </a:r>
+            <a:r>
+              <a:rPr kumimoji="1" lang="en-US" altLang="ja-JP"/>
+              <a:t>AEAD</a:t>
+            </a:r>
+            <a:r>
+              <a:rPr kumimoji="1" lang="ja-JP" altLang="en-US"/>
+              <a:t>が必須</a:t>
+            </a:r>
+            <a:endParaRPr kumimoji="1" lang="en-US" altLang="ja-JP"/>
+          </a:p>
+          <a:p>
+            <a:pPr lvl="1"/>
+            <a:r>
+              <a:rPr kumimoji="1" lang="ja-JP" altLang="en-US"/>
+              <a:t>従来の</a:t>
+            </a:r>
+            <a:r>
+              <a:rPr kumimoji="1" lang="en-US" altLang="ja-JP"/>
+              <a:t>CBC</a:t>
+            </a:r>
+            <a:r>
+              <a:rPr kumimoji="1" lang="ja-JP" altLang="en-US"/>
+              <a:t>モードなどは削除</a:t>
+            </a:r>
+          </a:p>
+        </p:txBody>
+      </p:sp>
+      <p:sp>
+        <p:nvSpPr>
+          <p:cNvPr id="3" name="スライド番号プレースホルダー 2">
+            <a:extLst>
+              <a:ext uri="{FF2B5EF4-FFF2-40B4-BE49-F238E27FC236}">
+                <a16:creationId xmlns:a16="http://schemas.microsoft.com/office/drawing/2014/main" id="{105C3099-0771-4F57-9603-B80EBB98ABF2}"/>
+              </a:ext>
+            </a:extLst>
+          </p:cNvPr>
+          <p:cNvSpPr>
+            <a:spLocks noGrp="1"/>
+          </p:cNvSpPr>
+          <p:nvPr>
+            <p:ph type="sldNum" sz="quarter" idx="12"/>
+          </p:nvPr>
+        </p:nvSpPr>
+        <p:spPr/>
+        <p:txBody>
+          <a:bodyPr/>
+          <a:lstStyle/>
+          <a:p>
+            <a:pPr>
+              <a:defRPr/>
+            </a:pPr>
+            <a:r>
+              <a:rPr lang="en-US" altLang="ja-JP"/>
+              <a:t>    </a:t>
+            </a:r>
+            <a:fld id="{B2782DEB-472A-4FE5-AC34-C17109CF5A91}" type="slidenum">
+              <a:rPr lang="en-US" altLang="ja-JP" smtClean="0"/>
+              <a:pPr>
+                <a:defRPr/>
+              </a:pPr>
+              <a:t>36</a:t>
+            </a:fld>
+            <a:r>
+              <a:rPr lang="en-US" altLang="ja-JP"/>
+              <a:t> / 24</a:t>
+            </a:r>
+          </a:p>
+        </p:txBody>
+      </p:sp>
+      <p:sp>
+        <p:nvSpPr>
+          <p:cNvPr id="4" name="タイトル 3">
+            <a:extLst>
+              <a:ext uri="{FF2B5EF4-FFF2-40B4-BE49-F238E27FC236}">
+                <a16:creationId xmlns:a16="http://schemas.microsoft.com/office/drawing/2014/main" id="{32993E3F-C05E-4FCA-B957-CC0E6F8A35B2}"/>
+              </a:ext>
+            </a:extLst>
+          </p:cNvPr>
+          <p:cNvSpPr>
+            <a:spLocks noGrp="1"/>
+          </p:cNvSpPr>
+          <p:nvPr>
+            <p:ph type="title"/>
+          </p:nvPr>
+        </p:nvSpPr>
+        <p:spPr/>
+        <p:txBody>
+          <a:bodyPr/>
+          <a:lstStyle/>
+          <a:p>
+            <a:r>
+              <a:rPr kumimoji="1" lang="ja-JP" altLang="en-US"/>
+              <a:t>認証付き暗号</a:t>
+            </a:r>
+          </a:p>
+        </p:txBody>
+      </p:sp>
+      <p:graphicFrame>
+        <p:nvGraphicFramePr>
+          <p:cNvPr id="5" name="表 5">
+            <a:extLst>
+              <a:ext uri="{FF2B5EF4-FFF2-40B4-BE49-F238E27FC236}">
+                <a16:creationId xmlns:a16="http://schemas.microsoft.com/office/drawing/2014/main" id="{5595BEE4-5338-4591-9CC6-4633B8A687FD}"/>
+              </a:ext>
+            </a:extLst>
+          </p:cNvPr>
+          <p:cNvGraphicFramePr>
+            <a:graphicFrameLocks noGrp="1"/>
+          </p:cNvGraphicFramePr>
+          <p:nvPr>
+            <p:extLst>
+              <p:ext uri="{D42A27DB-BD31-4B8C-83A1-F6EECF244321}">
+                <p14:modId xmlns:p14="http://schemas.microsoft.com/office/powerpoint/2010/main" val="692809827"/>
+              </p:ext>
+            </p:extLst>
+          </p:nvPr>
+        </p:nvGraphicFramePr>
+        <p:xfrm>
+          <a:off x="1187624" y="1784319"/>
+          <a:ext cx="6464618" cy="1828800"/>
+        </p:xfrm>
+        <a:graphic>
+          <a:graphicData uri="http://schemas.openxmlformats.org/drawingml/2006/table">
+            <a:tbl>
+              <a:tblPr firstRow="1" bandRow="1">
+                <a:tableStyleId>{5C22544A-7EE6-4342-B048-85BDC9FD1C3A}</a:tableStyleId>
+              </a:tblPr>
+              <a:tblGrid>
+                <a:gridCol w="2400618">
+                  <a:extLst>
+                    <a:ext uri="{9D8B030D-6E8A-4147-A177-3AD203B41FA5}">
+                      <a16:colId xmlns:a16="http://schemas.microsoft.com/office/drawing/2014/main" val="493123754"/>
+                    </a:ext>
+                  </a:extLst>
+                </a:gridCol>
+                <a:gridCol w="2032000">
+                  <a:extLst>
+                    <a:ext uri="{9D8B030D-6E8A-4147-A177-3AD203B41FA5}">
+                      <a16:colId xmlns:a16="http://schemas.microsoft.com/office/drawing/2014/main" val="2757951664"/>
+                    </a:ext>
+                  </a:extLst>
+                </a:gridCol>
+                <a:gridCol w="2032000">
+                  <a:extLst>
+                    <a:ext uri="{9D8B030D-6E8A-4147-A177-3AD203B41FA5}">
+                      <a16:colId xmlns:a16="http://schemas.microsoft.com/office/drawing/2014/main" val="92103595"/>
+                    </a:ext>
+                  </a:extLst>
+                </a:gridCol>
+              </a:tblGrid>
+              <a:tr h="370840">
+                <a:tc>
+                  <a:txBody>
+                    <a:bodyPr/>
+                    <a:lstStyle/>
+                    <a:p>
+                      <a:r>
+                        <a:rPr kumimoji="1" lang="ja-JP" altLang="en-US" sz="2400"/>
+                        <a:t>暗号技術＼性質</a:t>
+                      </a:r>
+                    </a:p>
+                  </a:txBody>
+                  <a:tcPr/>
+                </a:tc>
+                <a:tc>
+                  <a:txBody>
+                    <a:bodyPr/>
+                    <a:lstStyle/>
+                    <a:p>
+                      <a:r>
+                        <a:rPr kumimoji="1" lang="ja-JP" altLang="en-US" sz="2400"/>
+                        <a:t>秘匿性</a:t>
+                      </a:r>
+                    </a:p>
+                  </a:txBody>
+                  <a:tcPr/>
+                </a:tc>
+                <a:tc>
+                  <a:txBody>
+                    <a:bodyPr/>
+                    <a:lstStyle/>
+                    <a:p>
+                      <a:r>
+                        <a:rPr kumimoji="1" lang="ja-JP" altLang="en-US" sz="2400"/>
+                        <a:t>完全性</a:t>
+                      </a:r>
+                    </a:p>
+                  </a:txBody>
+                  <a:tcPr/>
+                </a:tc>
+                <a:extLst>
+                  <a:ext uri="{0D108BD9-81ED-4DB2-BD59-A6C34878D82A}">
+                    <a16:rowId xmlns:a16="http://schemas.microsoft.com/office/drawing/2014/main" val="2383195352"/>
+                  </a:ext>
+                </a:extLst>
+              </a:tr>
+              <a:tr h="370840">
+                <a:tc>
+                  <a:txBody>
+                    <a:bodyPr/>
+                    <a:lstStyle/>
+                    <a:p>
+                      <a:r>
+                        <a:rPr kumimoji="1" lang="ja-JP" altLang="en-US" sz="2400"/>
+                        <a:t>共通鍵暗号</a:t>
+                      </a:r>
+                    </a:p>
+                  </a:txBody>
+                  <a:tcPr/>
+                </a:tc>
+                <a:tc>
+                  <a:txBody>
+                    <a:bodyPr/>
+                    <a:lstStyle/>
+                    <a:p>
+                      <a:r>
+                        <a:rPr kumimoji="1" lang="ja-JP" altLang="en-US" sz="2400"/>
+                        <a:t>ある</a:t>
+                      </a:r>
+                    </a:p>
+                  </a:txBody>
+                  <a:tcPr/>
+                </a:tc>
+                <a:tc>
+                  <a:txBody>
+                    <a:bodyPr/>
+                    <a:lstStyle/>
+                    <a:p>
+                      <a:r>
+                        <a:rPr kumimoji="1" lang="ja-JP" altLang="en-US" sz="2400"/>
+                        <a:t>無い</a:t>
+                      </a:r>
+                    </a:p>
+                  </a:txBody>
+                  <a:tcPr/>
+                </a:tc>
+                <a:extLst>
+                  <a:ext uri="{0D108BD9-81ED-4DB2-BD59-A6C34878D82A}">
+                    <a16:rowId xmlns:a16="http://schemas.microsoft.com/office/drawing/2014/main" val="1439618280"/>
+                  </a:ext>
+                </a:extLst>
+              </a:tr>
+              <a:tr h="370840">
+                <a:tc>
+                  <a:txBody>
+                    <a:bodyPr/>
+                    <a:lstStyle/>
+                    <a:p>
+                      <a:r>
+                        <a:rPr kumimoji="1" lang="en-US" altLang="ja-JP" sz="2400"/>
+                        <a:t>MAC</a:t>
+                      </a:r>
+                      <a:endParaRPr kumimoji="1" lang="ja-JP" altLang="en-US" sz="2400"/>
+                    </a:p>
+                  </a:txBody>
+                  <a:tcPr/>
+                </a:tc>
+                <a:tc>
+                  <a:txBody>
+                    <a:bodyPr/>
+                    <a:lstStyle/>
+                    <a:p>
+                      <a:r>
+                        <a:rPr kumimoji="1" lang="ja-JP" altLang="en-US" sz="2400"/>
+                        <a:t>無い</a:t>
+                      </a:r>
+                    </a:p>
+                  </a:txBody>
+                  <a:tcPr/>
+                </a:tc>
+                <a:tc>
+                  <a:txBody>
+                    <a:bodyPr/>
+                    <a:lstStyle/>
+                    <a:p>
+                      <a:r>
+                        <a:rPr kumimoji="1" lang="ja-JP" altLang="en-US" sz="2400"/>
+                        <a:t>ある</a:t>
+                      </a:r>
+                    </a:p>
+                  </a:txBody>
+                  <a:tcPr/>
+                </a:tc>
+                <a:extLst>
+                  <a:ext uri="{0D108BD9-81ED-4DB2-BD59-A6C34878D82A}">
+                    <a16:rowId xmlns:a16="http://schemas.microsoft.com/office/drawing/2014/main" val="1931604347"/>
+                  </a:ext>
+                </a:extLst>
+              </a:tr>
+              <a:tr h="370840">
+                <a:tc>
+                  <a:txBody>
+                    <a:bodyPr/>
+                    <a:lstStyle/>
+                    <a:p>
+                      <a:r>
+                        <a:rPr kumimoji="1" lang="en-US" altLang="ja-JP" sz="2400"/>
+                        <a:t>AEAD</a:t>
+                      </a:r>
+                      <a:endParaRPr kumimoji="1" lang="ja-JP" altLang="en-US" sz="2400"/>
+                    </a:p>
+                  </a:txBody>
+                  <a:tcPr/>
+                </a:tc>
+                <a:tc>
+                  <a:txBody>
+                    <a:bodyPr/>
+                    <a:lstStyle/>
+                    <a:p>
+                      <a:r>
+                        <a:rPr kumimoji="1" lang="ja-JP" altLang="en-US" sz="2400"/>
+                        <a:t>ある</a:t>
+                      </a:r>
+                    </a:p>
+                  </a:txBody>
+                  <a:tcPr/>
+                </a:tc>
+                <a:tc>
+                  <a:txBody>
+                    <a:bodyPr/>
+                    <a:lstStyle/>
+                    <a:p>
+                      <a:r>
+                        <a:rPr kumimoji="1" lang="ja-JP" altLang="en-US" sz="2400"/>
+                        <a:t>ある</a:t>
+                      </a:r>
+                    </a:p>
+                  </a:txBody>
+                  <a:tcPr/>
+                </a:tc>
+                <a:extLst>
+                  <a:ext uri="{0D108BD9-81ED-4DB2-BD59-A6C34878D82A}">
+                    <a16:rowId xmlns:a16="http://schemas.microsoft.com/office/drawing/2014/main" val="3827829539"/>
+                  </a:ext>
+                </a:extLst>
+              </a:tr>
+            </a:tbl>
+          </a:graphicData>
+        </a:graphic>
+      </p:graphicFrame>
+    </p:spTree>
+    <p:extLst>
+      <p:ext uri="{BB962C8B-B14F-4D97-AF65-F5344CB8AC3E}">
+        <p14:creationId xmlns:p14="http://schemas.microsoft.com/office/powerpoint/2010/main" val="2754418001"/>
+      </p:ext>
+    </p:extLst>
+  </p:cSld>
+  <p:clrMapOvr>
+    <a:masterClrMapping/>
+  </p:clrMapOvr>
+</p:sld>
+</file>
+
+<file path=ppt/slides/slide37.xml><?xml version="1.0" encoding="utf-8"?>
+<p:sld xmlns:a="http://schemas.openxmlformats.org/drawingml/2006/main" xmlns:r="http://schemas.openxmlformats.org/officeDocument/2006/relationships" xmlns:p="http://schemas.openxmlformats.org/presentationml/2006/main">
+  <p:cSld>
+    <p:spTree>
+      <p:nvGrpSpPr>
+        <p:cNvPr id="1" name=""/>
+        <p:cNvGrpSpPr/>
+        <p:nvPr/>
+      </p:nvGrpSpPr>
+      <p:grpSpPr>
+        <a:xfrm>
+          <a:off x="0" y="0"/>
+          <a:ext cx="0" cy="0"/>
+          <a:chOff x="0" y="0"/>
+          <a:chExt cx="0" cy="0"/>
+        </a:xfrm>
+      </p:grpSpPr>
+      <p:pic>
+        <p:nvPicPr>
+          <p:cNvPr id="6" name="図 5">
+            <a:extLst>
+              <a:ext uri="{FF2B5EF4-FFF2-40B4-BE49-F238E27FC236}">
+                <a16:creationId xmlns:a16="http://schemas.microsoft.com/office/drawing/2014/main" id="{A2051A20-2E8D-4BB1-A0AE-1821894261B2}"/>
+              </a:ext>
+            </a:extLst>
+          </p:cNvPr>
+          <p:cNvPicPr>
+            <a:picLocks noChangeAspect="1"/>
+          </p:cNvPicPr>
+          <p:nvPr/>
+        </p:nvPicPr>
+        <p:blipFill>
+          <a:blip r:embed="rId2">
+            <a:extLst>
+              <a:ext uri="{28A0092B-C50C-407E-A947-70E740481C1C}">
+                <a14:useLocalDpi xmlns:a14="http://schemas.microsoft.com/office/drawing/2010/main" val="0"/>
+              </a:ext>
+            </a:extLst>
+          </a:blip>
+          <a:stretch>
+            <a:fillRect/>
+          </a:stretch>
+        </p:blipFill>
+        <p:spPr>
+          <a:xfrm>
+            <a:off x="1619671" y="2420888"/>
+            <a:ext cx="7347757" cy="3600400"/>
+          </a:xfrm>
+          <a:prstGeom prst="rect">
+            <a:avLst/>
+          </a:prstGeom>
+        </p:spPr>
+      </p:pic>
+      <mc:AlternateContent xmlns:mc="http://schemas.openxmlformats.org/markup-compatibility/2006" xmlns:a14="http://schemas.microsoft.com/office/drawing/2010/main">
+        <mc:Choice Requires="a14">
+          <p:sp>
+            <p:nvSpPr>
+              <p:cNvPr id="2" name="コンテンツ プレースホルダー 1">
+                <a:extLst>
+                  <a:ext uri="{FF2B5EF4-FFF2-40B4-BE49-F238E27FC236}">
+                    <a16:creationId xmlns:a16="http://schemas.microsoft.com/office/drawing/2014/main" id="{AE0CC8BB-D8FB-478B-A2E5-C9C82D18EBDE}"/>
+                  </a:ext>
+                </a:extLst>
+              </p:cNvPr>
+              <p:cNvSpPr>
+                <a:spLocks noGrp="1"/>
+              </p:cNvSpPr>
+              <p:nvPr>
+                <p:ph idx="1"/>
+              </p:nvPr>
+            </p:nvSpPr>
+            <p:spPr/>
+            <p:txBody>
+              <a:bodyPr/>
+              <a:lstStyle/>
+              <a:p>
+                <a:r>
+                  <a:rPr kumimoji="1" lang="ja-JP" altLang="en-US"/>
+                  <a:t>入力 </a:t>
+                </a:r>
+                <a:r>
+                  <a:rPr kumimoji="1" lang="en-US" altLang="ja-JP"/>
+                  <a:t>: </a:t>
+                </a:r>
+                <a:r>
+                  <a:rPr kumimoji="1" lang="ja-JP" altLang="en-US"/>
+                  <a:t>平文</a:t>
+                </a:r>
+                <a:r>
+                  <a:rPr kumimoji="1" lang="en-US" altLang="ja-JP"/>
+                  <a:t>m, </a:t>
+                </a:r>
+                <a:r>
+                  <a:rPr kumimoji="1" lang="ja-JP" altLang="en-US"/>
+                  <a:t>ナンス</a:t>
+                </a:r>
+                <a:r>
+                  <a:rPr kumimoji="1" lang="en-US" altLang="ja-JP"/>
+                  <a:t>n, </a:t>
+                </a:r>
+                <a:r>
+                  <a:rPr kumimoji="1" lang="ja-JP" altLang="en-US"/>
+                  <a:t>秘密鍵</a:t>
+                </a:r>
+                <a:r>
+                  <a:rPr kumimoji="1" lang="en-US" altLang="ja-JP"/>
+                  <a:t>s, </a:t>
+                </a:r>
+                <a:r>
+                  <a:rPr kumimoji="1" lang="ja-JP" altLang="en-US"/>
+                  <a:t>関連データ</a:t>
+                </a:r>
+                <a:r>
+                  <a:rPr kumimoji="1" lang="en-US" altLang="ja-JP"/>
+                  <a:t>d</a:t>
+                </a:r>
+              </a:p>
+              <a:p>
+                <a:pPr lvl="1"/>
+                <a:r>
+                  <a:rPr kumimoji="1" lang="ja-JP" altLang="en-US"/>
+                  <a:t>ナンス</a:t>
+                </a:r>
+                <a:r>
+                  <a:rPr kumimoji="1" lang="en-US" altLang="ja-JP"/>
+                  <a:t>n</a:t>
+                </a:r>
+                <a:r>
+                  <a:rPr kumimoji="1" lang="ja-JP" altLang="en-US"/>
+                  <a:t>は同じ値を再利用してはいけない</a:t>
+                </a:r>
+                <a:endParaRPr kumimoji="1" lang="en-US" altLang="ja-JP"/>
+              </a:p>
+              <a:p>
+                <a:pPr lvl="1"/>
+                <a:r>
+                  <a:rPr kumimoji="1" lang="ja-JP" altLang="en-US"/>
+                  <a:t>関連データは暗号化されないが改竄防止対象となる</a:t>
+                </a:r>
+                <a:endParaRPr kumimoji="1" lang="en-US" altLang="ja-JP"/>
+              </a:p>
+              <a:p>
+                <a:r>
+                  <a:rPr kumimoji="1" lang="ja-JP" altLang="en-US"/>
+                  <a:t>出力 </a:t>
+                </a:r>
+                <a:r>
+                  <a:rPr kumimoji="1" lang="en-US" altLang="ja-JP"/>
+                  <a:t>: </a:t>
+                </a:r>
+                <a:r>
+                  <a:rPr kumimoji="1" lang="ja-JP" altLang="en-US"/>
+                  <a:t>暗号文</a:t>
+                </a:r>
+                <a:r>
+                  <a:rPr kumimoji="1" lang="en-US" altLang="ja-JP"/>
+                  <a:t>c, </a:t>
+                </a:r>
+                <a:r>
+                  <a:rPr kumimoji="1" lang="ja-JP" altLang="en-US"/>
+                  <a:t>認証タグ</a:t>
+                </a:r>
+                <a:r>
+                  <a:rPr kumimoji="1" lang="en-US" altLang="ja-JP"/>
+                  <a:t>t</a:t>
+                </a:r>
+              </a:p>
+              <a:p>
+                <a:endParaRPr lang="en-US" altLang="ja-JP"/>
+              </a:p>
+              <a:p>
+                <a:endParaRPr kumimoji="1" lang="en-US" altLang="ja-JP"/>
+              </a:p>
+              <a:p>
+                <a:endParaRPr lang="en-US" altLang="ja-JP"/>
+              </a:p>
+              <a:p>
+                <a:endParaRPr kumimoji="1" lang="en-US" altLang="ja-JP"/>
+              </a:p>
+              <a:p>
+                <a:r>
+                  <a:rPr kumimoji="1" lang="ja-JP" altLang="en-US"/>
+                  <a:t>攻撃者は正当な</a:t>
+                </a:r>
+                <a14:m>
+                  <m:oMath xmlns:m="http://schemas.openxmlformats.org/officeDocument/2006/math">
+                    <m:r>
+                      <a:rPr kumimoji="1" lang="en-US" altLang="ja-JP" b="0" i="1" smtClean="0">
+                        <a:latin typeface="Cambria Math" panose="02040503050406030204" pitchFamily="18" charset="0"/>
+                      </a:rPr>
+                      <m:t>(</m:t>
+                    </m:r>
+                    <m:r>
+                      <a:rPr kumimoji="1" lang="en-US" altLang="ja-JP" b="0" i="1" smtClean="0">
+                        <a:latin typeface="Cambria Math" panose="02040503050406030204" pitchFamily="18" charset="0"/>
+                      </a:rPr>
+                      <m:t>𝑐</m:t>
+                    </m:r>
+                    <m:r>
+                      <a:rPr kumimoji="1" lang="en-US" altLang="ja-JP" b="0" i="1" smtClean="0">
+                        <a:latin typeface="Cambria Math" panose="02040503050406030204" pitchFamily="18" charset="0"/>
+                      </a:rPr>
+                      <m:t>,</m:t>
+                    </m:r>
+                    <m:r>
+                      <a:rPr kumimoji="1" lang="en-US" altLang="ja-JP" b="0" i="1" smtClean="0">
+                        <a:latin typeface="Cambria Math" panose="02040503050406030204" pitchFamily="18" charset="0"/>
+                      </a:rPr>
+                      <m:t>𝑡</m:t>
+                    </m:r>
+                    <m:r>
+                      <a:rPr kumimoji="1" lang="en-US" altLang="ja-JP" b="0" i="1" smtClean="0">
+                        <a:latin typeface="Cambria Math" panose="02040503050406030204" pitchFamily="18" charset="0"/>
+                      </a:rPr>
+                      <m:t>)</m:t>
+                    </m:r>
+                  </m:oMath>
+                </a14:m>
+                <a:r>
+                  <a:rPr kumimoji="1" lang="ja-JP" altLang="en-US"/>
+                  <a:t>を</a:t>
+                </a:r>
+                <a:br>
+                  <a:rPr kumimoji="1" lang="en-US" altLang="ja-JP"/>
+                </a:br>
+                <a:r>
+                  <a:rPr kumimoji="1" lang="ja-JP" altLang="en-US"/>
+                  <a:t>多数入手しても偽の</a:t>
+                </a:r>
+                <a14:m>
+                  <m:oMath xmlns:m="http://schemas.openxmlformats.org/officeDocument/2006/math">
+                    <m:r>
+                      <a:rPr kumimoji="1" lang="en-US" altLang="ja-JP" b="0" i="1" smtClean="0">
+                        <a:latin typeface="Cambria Math" panose="02040503050406030204" pitchFamily="18" charset="0"/>
+                      </a:rPr>
+                      <m:t>(</m:t>
+                    </m:r>
+                    <m:sSup>
+                      <m:sSupPr>
+                        <m:ctrlPr>
+                          <a:rPr kumimoji="1" lang="en-US" altLang="ja-JP" b="0" i="1" smtClean="0">
+                            <a:latin typeface="Cambria Math" panose="02040503050406030204" pitchFamily="18" charset="0"/>
+                          </a:rPr>
+                        </m:ctrlPr>
+                      </m:sSupPr>
+                      <m:e>
+                        <m:r>
+                          <a:rPr kumimoji="1" lang="en-US" altLang="ja-JP" b="0" i="1" smtClean="0">
+                            <a:latin typeface="Cambria Math" panose="02040503050406030204" pitchFamily="18" charset="0"/>
+                          </a:rPr>
+                          <m:t>𝑐</m:t>
+                        </m:r>
+                      </m:e>
+                      <m:sup>
+                        <m:r>
+                          <a:rPr kumimoji="1" lang="en-US" altLang="ja-JP" b="0" i="1" smtClean="0">
+                            <a:latin typeface="Cambria Math" panose="02040503050406030204" pitchFamily="18" charset="0"/>
+                          </a:rPr>
+                          <m:t>′</m:t>
+                        </m:r>
+                      </m:sup>
+                    </m:sSup>
+                    <m:r>
+                      <a:rPr kumimoji="1" lang="en-US" altLang="ja-JP" b="0" i="1" smtClean="0">
+                        <a:latin typeface="Cambria Math" panose="02040503050406030204" pitchFamily="18" charset="0"/>
+                      </a:rPr>
+                      <m:t>,</m:t>
+                    </m:r>
+                    <m:sSup>
+                      <m:sSupPr>
+                        <m:ctrlPr>
+                          <a:rPr kumimoji="1" lang="en-US" altLang="ja-JP" b="0" i="1" smtClean="0">
+                            <a:latin typeface="Cambria Math" panose="02040503050406030204" pitchFamily="18" charset="0"/>
+                          </a:rPr>
+                        </m:ctrlPr>
+                      </m:sSupPr>
+                      <m:e>
+                        <m:r>
+                          <a:rPr kumimoji="1" lang="en-US" altLang="ja-JP" b="0" i="1" smtClean="0">
+                            <a:latin typeface="Cambria Math" panose="02040503050406030204" pitchFamily="18" charset="0"/>
+                          </a:rPr>
+                          <m:t>𝑡</m:t>
+                        </m:r>
+                      </m:e>
+                      <m:sup>
+                        <m:r>
+                          <a:rPr kumimoji="1" lang="en-US" altLang="ja-JP" b="0" i="1" smtClean="0">
+                            <a:latin typeface="Cambria Math" panose="02040503050406030204" pitchFamily="18" charset="0"/>
+                          </a:rPr>
+                          <m:t>′</m:t>
+                        </m:r>
+                      </m:sup>
+                    </m:sSup>
+                    <m:r>
+                      <a:rPr kumimoji="1" lang="en-US" altLang="ja-JP" b="0" i="1" smtClean="0">
+                        <a:latin typeface="Cambria Math" panose="02040503050406030204" pitchFamily="18" charset="0"/>
+                      </a:rPr>
+                      <m:t>)</m:t>
+                    </m:r>
+                  </m:oMath>
+                </a14:m>
+                <a:r>
+                  <a:rPr kumimoji="1" lang="ja-JP" altLang="en-US"/>
+                  <a:t>は作れない</a:t>
+                </a:r>
+                <a:endParaRPr kumimoji="1" lang="en-US" altLang="ja-JP"/>
+              </a:p>
+              <a:p>
+                <a:pPr lvl="1"/>
+                <a14:m>
+                  <m:oMath xmlns:m="http://schemas.openxmlformats.org/officeDocument/2006/math">
+                    <m:r>
+                      <a:rPr kumimoji="1" lang="en-US" altLang="ja-JP" b="0" i="1" smtClean="0">
+                        <a:latin typeface="Cambria Math" panose="02040503050406030204" pitchFamily="18" charset="0"/>
+                      </a:rPr>
+                      <m:t>(</m:t>
+                    </m:r>
+                    <m:r>
+                      <a:rPr kumimoji="1" lang="en-US" altLang="ja-JP" b="0" i="1" smtClean="0">
+                        <a:latin typeface="Cambria Math" panose="02040503050406030204" pitchFamily="18" charset="0"/>
+                      </a:rPr>
+                      <m:t>𝑐</m:t>
+                    </m:r>
+                    <m:r>
+                      <a:rPr kumimoji="1" lang="en-US" altLang="ja-JP" b="0" i="1" smtClean="0">
+                        <a:latin typeface="Cambria Math" panose="02040503050406030204" pitchFamily="18" charset="0"/>
+                      </a:rPr>
+                      <m:t>,</m:t>
+                    </m:r>
+                    <m:r>
+                      <a:rPr kumimoji="1" lang="en-US" altLang="ja-JP" b="0" i="1" smtClean="0">
+                        <a:latin typeface="Cambria Math" panose="02040503050406030204" pitchFamily="18" charset="0"/>
+                      </a:rPr>
+                      <m:t>𝑡</m:t>
+                    </m:r>
+                    <m:r>
+                      <a:rPr kumimoji="1" lang="en-US" altLang="ja-JP" b="0" i="1" smtClean="0">
+                        <a:latin typeface="Cambria Math" panose="02040503050406030204" pitchFamily="18" charset="0"/>
+                      </a:rPr>
+                      <m:t>)</m:t>
+                    </m:r>
+                  </m:oMath>
+                </a14:m>
+                <a:r>
+                  <a:rPr kumimoji="1" lang="ja-JP" altLang="en-US"/>
+                  <a:t>が正当なら作ったのは本人</a:t>
+                </a:r>
+              </a:p>
+            </p:txBody>
+          </p:sp>
+        </mc:Choice>
+        <mc:Fallback xmlns="">
+          <p:sp>
+            <p:nvSpPr>
+              <p:cNvPr id="2" name="コンテンツ プレースホルダー 1">
+                <a:extLst>
+                  <a:ext uri="{FF2B5EF4-FFF2-40B4-BE49-F238E27FC236}">
+                    <a16:creationId xmlns:a16="http://schemas.microsoft.com/office/drawing/2014/main" id="{AE0CC8BB-D8FB-478B-A2E5-C9C82D18EBDE}"/>
+                  </a:ext>
+                </a:extLst>
+              </p:cNvPr>
+              <p:cNvSpPr>
+                <a:spLocks noGrp="1" noRot="1" noChangeAspect="1" noMove="1" noResize="1" noEditPoints="1" noAdjustHandles="1" noChangeArrowheads="1" noChangeShapeType="1" noTextEdit="1"/>
+              </p:cNvSpPr>
+              <p:nvPr>
+                <p:ph idx="1"/>
+              </p:nvPr>
+            </p:nvSpPr>
+            <p:spPr>
+              <a:blipFill>
+                <a:blip r:embed="rId3"/>
+                <a:stretch>
+                  <a:fillRect l="-1200" t="-1454" b="-1454"/>
+                </a:stretch>
+              </a:blipFill>
+            </p:spPr>
+            <p:txBody>
+              <a:bodyPr/>
+              <a:lstStyle/>
+              <a:p>
+                <a:r>
+                  <a:rPr lang="ja-JP" altLang="en-US">
+                    <a:noFill/>
+                  </a:rPr>
+                  <a:t> </a:t>
+                </a:r>
+              </a:p>
+            </p:txBody>
+          </p:sp>
+        </mc:Fallback>
+      </mc:AlternateContent>
+      <p:sp>
+        <p:nvSpPr>
+          <p:cNvPr id="3" name="スライド番号プレースホルダー 2">
+            <a:extLst>
+              <a:ext uri="{FF2B5EF4-FFF2-40B4-BE49-F238E27FC236}">
+                <a16:creationId xmlns:a16="http://schemas.microsoft.com/office/drawing/2014/main" id="{DB73B947-FFBE-4E68-90D5-E604C61EAE60}"/>
+              </a:ext>
+            </a:extLst>
+          </p:cNvPr>
+          <p:cNvSpPr>
+            <a:spLocks noGrp="1"/>
+          </p:cNvSpPr>
+          <p:nvPr>
+            <p:ph type="sldNum" sz="quarter" idx="12"/>
+          </p:nvPr>
+        </p:nvSpPr>
+        <p:spPr/>
+        <p:txBody>
+          <a:bodyPr/>
+          <a:lstStyle/>
+          <a:p>
+            <a:pPr>
+              <a:defRPr/>
+            </a:pPr>
+            <a:r>
+              <a:rPr lang="en-US" altLang="ja-JP"/>
+              <a:t>    </a:t>
+            </a:r>
+            <a:fld id="{B2782DEB-472A-4FE5-AC34-C17109CF5A91}" type="slidenum">
+              <a:rPr lang="en-US" altLang="ja-JP" smtClean="0"/>
+              <a:pPr>
+                <a:defRPr/>
+              </a:pPr>
+              <a:t>37</a:t>
+            </a:fld>
+            <a:r>
+              <a:rPr lang="en-US" altLang="ja-JP"/>
+              <a:t> / 24</a:t>
+            </a:r>
+          </a:p>
+        </p:txBody>
+      </p:sp>
+      <p:sp>
+        <p:nvSpPr>
+          <p:cNvPr id="4" name="タイトル 3">
+            <a:extLst>
+              <a:ext uri="{FF2B5EF4-FFF2-40B4-BE49-F238E27FC236}">
+                <a16:creationId xmlns:a16="http://schemas.microsoft.com/office/drawing/2014/main" id="{3C6200CF-96A2-4D6F-9D9E-77AA3FC4F81B}"/>
+              </a:ext>
+            </a:extLst>
+          </p:cNvPr>
+          <p:cNvSpPr>
+            <a:spLocks noGrp="1"/>
+          </p:cNvSpPr>
+          <p:nvPr>
+            <p:ph type="title"/>
+          </p:nvPr>
+        </p:nvSpPr>
+        <p:spPr/>
+        <p:txBody>
+          <a:bodyPr/>
+          <a:lstStyle/>
+          <a:p>
+            <a:r>
+              <a:rPr kumimoji="1" lang="en-US" altLang="ja-JP"/>
+              <a:t>AEAD</a:t>
+            </a:r>
+            <a:r>
+              <a:rPr kumimoji="1" lang="ja-JP" altLang="en-US"/>
+              <a:t>のアルゴリズム</a:t>
+            </a:r>
+          </a:p>
+        </p:txBody>
+      </p:sp>
+    </p:spTree>
+    <p:extLst>
+      <p:ext uri="{BB962C8B-B14F-4D97-AF65-F5344CB8AC3E}">
+        <p14:creationId xmlns:p14="http://schemas.microsoft.com/office/powerpoint/2010/main" val="146927539"/>
+      </p:ext>
+    </p:extLst>
+  </p:cSld>
+  <p:clrMapOvr>
+    <a:masterClrMapping/>
+  </p:clrMapOvr>
+</p:sld>
+</file>
+
+<file path=ppt/slides/slide38.xml><?xml version="1.0" encoding="utf-8"?>
+<p:sld xmlns:a="http://schemas.openxmlformats.org/drawingml/2006/main" xmlns:r="http://schemas.openxmlformats.org/officeDocument/2006/relationships" xmlns:p="http://schemas.openxmlformats.org/presentationml/2006/main">
+  <p:cSld>
+    <p:spTree>
+      <p:nvGrpSpPr>
+        <p:cNvPr id="1" name=""/>
+        <p:cNvGrpSpPr/>
+        <p:nvPr/>
+      </p:nvGrpSpPr>
+      <p:grpSpPr>
+        <a:xfrm>
+          <a:off x="0" y="0"/>
+          <a:ext cx="0" cy="0"/>
+          <a:chOff x="0" y="0"/>
+          <a:chExt cx="0" cy="0"/>
+        </a:xfrm>
+      </p:grpSpPr>
+      <p:sp>
+        <p:nvSpPr>
+          <p:cNvPr id="2" name="コンテンツ プレースホルダー 1">
+            <a:extLst>
+              <a:ext uri="{FF2B5EF4-FFF2-40B4-BE49-F238E27FC236}">
+                <a16:creationId xmlns:a16="http://schemas.microsoft.com/office/drawing/2014/main" id="{ABB638DD-725C-4121-A012-BF53377AA053}"/>
+              </a:ext>
+            </a:extLst>
+          </p:cNvPr>
+          <p:cNvSpPr>
+            <a:spLocks noGrp="1"/>
+          </p:cNvSpPr>
+          <p:nvPr>
+            <p:ph idx="1"/>
+          </p:nvPr>
+        </p:nvSpPr>
+        <p:spPr/>
+        <p:txBody>
+          <a:bodyPr/>
+          <a:lstStyle/>
+          <a:p>
+            <a:r>
+              <a:rPr kumimoji="1" lang="en-US" altLang="ja-JP"/>
+              <a:t>TLS 1.3</a:t>
+            </a:r>
+            <a:r>
+              <a:rPr kumimoji="1" lang="ja-JP" altLang="en-US"/>
+              <a:t>で定義された</a:t>
+            </a:r>
+            <a:r>
+              <a:rPr kumimoji="1" lang="en-US" altLang="ja-JP"/>
+              <a:t>AEAD</a:t>
+            </a:r>
+          </a:p>
+          <a:p>
+            <a:endParaRPr lang="en-US" altLang="ja-JP"/>
+          </a:p>
+          <a:p>
+            <a:endParaRPr kumimoji="1" lang="en-US" altLang="ja-JP"/>
+          </a:p>
+          <a:p>
+            <a:endParaRPr lang="en-US" altLang="ja-JP"/>
+          </a:p>
+          <a:p>
+            <a:r>
+              <a:rPr kumimoji="1" lang="en-US" altLang="ja-JP"/>
+              <a:t>AES-GCM</a:t>
+            </a:r>
+            <a:r>
+              <a:rPr kumimoji="1" lang="ja-JP" altLang="en-US"/>
+              <a:t>と</a:t>
+            </a:r>
+            <a:r>
+              <a:rPr kumimoji="1" lang="en-US" altLang="ja-JP"/>
+              <a:t>AES-CCM</a:t>
+            </a:r>
+            <a:r>
+              <a:rPr kumimoji="1" lang="ja-JP" altLang="en-US"/>
+              <a:t>の比較</a:t>
+            </a:r>
+            <a:endParaRPr kumimoji="1" lang="en-US" altLang="ja-JP"/>
+          </a:p>
+          <a:p>
+            <a:pPr lvl="1"/>
+            <a:r>
+              <a:rPr kumimoji="1" lang="ja-JP" altLang="en-US"/>
+              <a:t>暗号化方法は同じで認証方法が異なる</a:t>
+            </a:r>
+            <a:endParaRPr kumimoji="1" lang="en-US" altLang="ja-JP"/>
+          </a:p>
+          <a:p>
+            <a:pPr lvl="2"/>
+            <a:r>
+              <a:rPr lang="en-US" altLang="ja-JP"/>
+              <a:t>CBC-MAC</a:t>
+            </a:r>
+            <a:r>
+              <a:rPr lang="ja-JP" altLang="en-US"/>
+              <a:t>はブロック暗号を用いた</a:t>
+            </a:r>
+            <a:r>
+              <a:rPr lang="en-US" altLang="ja-JP"/>
+              <a:t>MAC</a:t>
+            </a:r>
+          </a:p>
+          <a:p>
+            <a:pPr lvl="2"/>
+            <a:r>
+              <a:rPr kumimoji="1" lang="en-US" altLang="ja-JP"/>
+              <a:t>AES2</a:t>
+            </a:r>
+            <a:r>
+              <a:rPr kumimoji="1" lang="ja-JP" altLang="en-US"/>
+              <a:t>回分なので</a:t>
+            </a:r>
+            <a:r>
+              <a:rPr kumimoji="1" lang="en-US" altLang="ja-JP"/>
+              <a:t>AES-GCM</a:t>
+            </a:r>
+            <a:r>
+              <a:rPr kumimoji="1" lang="ja-JP" altLang="en-US"/>
+              <a:t>よりは遅い</a:t>
+            </a:r>
+            <a:endParaRPr kumimoji="1" lang="en-US" altLang="ja-JP"/>
+          </a:p>
+          <a:p>
+            <a:pPr lvl="1"/>
+            <a:r>
+              <a:rPr kumimoji="1" lang="ja-JP" altLang="en-US"/>
+              <a:t>速度比較</a:t>
+            </a:r>
+            <a:endParaRPr kumimoji="1" lang="en-US" altLang="ja-JP"/>
+          </a:p>
+        </p:txBody>
+      </p:sp>
+      <p:sp>
+        <p:nvSpPr>
+          <p:cNvPr id="3" name="スライド番号プレースホルダー 2">
+            <a:extLst>
+              <a:ext uri="{FF2B5EF4-FFF2-40B4-BE49-F238E27FC236}">
+                <a16:creationId xmlns:a16="http://schemas.microsoft.com/office/drawing/2014/main" id="{43ACE9E0-81C7-4593-BD4E-126031CAAB37}"/>
+              </a:ext>
+            </a:extLst>
+          </p:cNvPr>
+          <p:cNvSpPr>
+            <a:spLocks noGrp="1"/>
+          </p:cNvSpPr>
+          <p:nvPr>
+            <p:ph type="sldNum" sz="quarter" idx="12"/>
+          </p:nvPr>
+        </p:nvSpPr>
+        <p:spPr/>
+        <p:txBody>
+          <a:bodyPr/>
+          <a:lstStyle/>
+          <a:p>
+            <a:pPr>
+              <a:defRPr/>
+            </a:pPr>
+            <a:r>
+              <a:rPr lang="en-US" altLang="ja-JP"/>
+              <a:t>    </a:t>
+            </a:r>
+            <a:fld id="{B2782DEB-472A-4FE5-AC34-C17109CF5A91}" type="slidenum">
+              <a:rPr lang="en-US" altLang="ja-JP" smtClean="0"/>
+              <a:pPr>
+                <a:defRPr/>
+              </a:pPr>
+              <a:t>38</a:t>
+            </a:fld>
+            <a:r>
+              <a:rPr lang="en-US" altLang="ja-JP"/>
+              <a:t> / 24</a:t>
+            </a:r>
+          </a:p>
+        </p:txBody>
+      </p:sp>
+      <p:sp>
+        <p:nvSpPr>
+          <p:cNvPr id="4" name="タイトル 3">
+            <a:extLst>
+              <a:ext uri="{FF2B5EF4-FFF2-40B4-BE49-F238E27FC236}">
+                <a16:creationId xmlns:a16="http://schemas.microsoft.com/office/drawing/2014/main" id="{9153AE8A-6382-4E18-8522-1D96832EE070}"/>
+              </a:ext>
+            </a:extLst>
+          </p:cNvPr>
+          <p:cNvSpPr>
+            <a:spLocks noGrp="1"/>
+          </p:cNvSpPr>
+          <p:nvPr>
+            <p:ph type="title"/>
+          </p:nvPr>
+        </p:nvSpPr>
+        <p:spPr/>
+        <p:txBody>
+          <a:bodyPr/>
+          <a:lstStyle/>
+          <a:p>
+            <a:r>
+              <a:rPr lang="en-US" altLang="ja-JP"/>
+              <a:t>AEAD</a:t>
+            </a:r>
+            <a:r>
+              <a:rPr lang="ja-JP" altLang="en-US"/>
+              <a:t>の例</a:t>
+            </a:r>
+            <a:endParaRPr kumimoji="1" lang="ja-JP" altLang="en-US"/>
+          </a:p>
+        </p:txBody>
+      </p:sp>
+      <p:graphicFrame>
+        <p:nvGraphicFramePr>
+          <p:cNvPr id="5" name="表 5">
+            <a:extLst>
+              <a:ext uri="{FF2B5EF4-FFF2-40B4-BE49-F238E27FC236}">
+                <a16:creationId xmlns:a16="http://schemas.microsoft.com/office/drawing/2014/main" id="{F6F7A0FD-7CC5-45BF-BC96-63A3731D256B}"/>
+              </a:ext>
+            </a:extLst>
+          </p:cNvPr>
+          <p:cNvGraphicFramePr>
+            <a:graphicFrameLocks noGrp="1"/>
+          </p:cNvGraphicFramePr>
+          <p:nvPr>
+            <p:extLst>
+              <p:ext uri="{D42A27DB-BD31-4B8C-83A1-F6EECF244321}">
+                <p14:modId xmlns:p14="http://schemas.microsoft.com/office/powerpoint/2010/main" val="929087413"/>
+              </p:ext>
+            </p:extLst>
+          </p:nvPr>
+        </p:nvGraphicFramePr>
+        <p:xfrm>
+          <a:off x="412819" y="1196752"/>
+          <a:ext cx="8333169" cy="1752600"/>
+        </p:xfrm>
+        <a:graphic>
+          <a:graphicData uri="http://schemas.openxmlformats.org/drawingml/2006/table">
+            <a:tbl>
+              <a:tblPr firstRow="1" bandRow="1">
+                <a:tableStyleId>{5C22544A-7EE6-4342-B048-85BDC9FD1C3A}</a:tableStyleId>
+              </a:tblPr>
+              <a:tblGrid>
+                <a:gridCol w="2271459">
+                  <a:extLst>
+                    <a:ext uri="{9D8B030D-6E8A-4147-A177-3AD203B41FA5}">
+                      <a16:colId xmlns:a16="http://schemas.microsoft.com/office/drawing/2014/main" val="2276751549"/>
+                    </a:ext>
+                  </a:extLst>
+                </a:gridCol>
+                <a:gridCol w="1941830">
+                  <a:extLst>
+                    <a:ext uri="{9D8B030D-6E8A-4147-A177-3AD203B41FA5}">
+                      <a16:colId xmlns:a16="http://schemas.microsoft.com/office/drawing/2014/main" val="1791686140"/>
+                    </a:ext>
+                  </a:extLst>
+                </a:gridCol>
+                <a:gridCol w="2595880">
+                  <a:extLst>
+                    <a:ext uri="{9D8B030D-6E8A-4147-A177-3AD203B41FA5}">
+                      <a16:colId xmlns:a16="http://schemas.microsoft.com/office/drawing/2014/main" val="16030370"/>
+                    </a:ext>
+                  </a:extLst>
+                </a:gridCol>
+                <a:gridCol w="1524000">
+                  <a:extLst>
+                    <a:ext uri="{9D8B030D-6E8A-4147-A177-3AD203B41FA5}">
+                      <a16:colId xmlns:a16="http://schemas.microsoft.com/office/drawing/2014/main" val="999823019"/>
+                    </a:ext>
+                  </a:extLst>
+                </a:gridCol>
+              </a:tblGrid>
+              <a:tr h="370840">
+                <a:tc>
+                  <a:txBody>
+                    <a:bodyPr/>
+                    <a:lstStyle/>
+                    <a:p>
+                      <a:r>
+                        <a:rPr kumimoji="1" lang="en-US" altLang="ja-JP"/>
+                        <a:t>AEAD</a:t>
+                      </a:r>
+                      <a:endParaRPr kumimoji="1" lang="ja-JP" altLang="en-US"/>
+                    </a:p>
+                  </a:txBody>
+                  <a:tcPr/>
+                </a:tc>
+                <a:tc>
+                  <a:txBody>
+                    <a:bodyPr/>
+                    <a:lstStyle/>
+                    <a:p>
+                      <a:r>
+                        <a:rPr kumimoji="1" lang="ja-JP" altLang="en-US"/>
+                        <a:t>暗号化方法</a:t>
+                      </a:r>
+                    </a:p>
+                  </a:txBody>
+                  <a:tcPr/>
+                </a:tc>
+                <a:tc>
+                  <a:txBody>
+                    <a:bodyPr/>
+                    <a:lstStyle/>
+                    <a:p>
+                      <a:r>
+                        <a:rPr kumimoji="1" lang="ja-JP" altLang="en-US"/>
+                        <a:t>認証</a:t>
+                      </a:r>
+                    </a:p>
+                  </a:txBody>
+                  <a:tcPr/>
+                </a:tc>
+                <a:tc>
+                  <a:txBody>
+                    <a:bodyPr/>
+                    <a:lstStyle/>
+                    <a:p>
+                      <a:r>
+                        <a:rPr kumimoji="1" lang="ja-JP" altLang="en-US"/>
+                        <a:t>鍵長</a:t>
+                      </a:r>
+                    </a:p>
+                  </a:txBody>
+                  <a:tcPr/>
+                </a:tc>
+                <a:extLst>
+                  <a:ext uri="{0D108BD9-81ED-4DB2-BD59-A6C34878D82A}">
+                    <a16:rowId xmlns:a16="http://schemas.microsoft.com/office/drawing/2014/main" val="3569426024"/>
+                  </a:ext>
+                </a:extLst>
+              </a:tr>
+              <a:tr h="370840">
+                <a:tc>
+                  <a:txBody>
+                    <a:bodyPr/>
+                    <a:lstStyle/>
+                    <a:p>
+                      <a:r>
+                        <a:rPr kumimoji="1" lang="en-US" altLang="ja-JP"/>
+                        <a:t>AES-GCM</a:t>
+                      </a:r>
+                      <a:endParaRPr kumimoji="1" lang="ja-JP" altLang="en-US"/>
+                    </a:p>
+                  </a:txBody>
+                  <a:tcPr/>
+                </a:tc>
+                <a:tc>
+                  <a:txBody>
+                    <a:bodyPr/>
+                    <a:lstStyle/>
+                    <a:p>
+                      <a:r>
+                        <a:rPr kumimoji="1" lang="en-US" altLang="ja-JP"/>
+                        <a:t>AES</a:t>
+                      </a:r>
+                      <a:r>
+                        <a:rPr kumimoji="1" lang="ja-JP" altLang="en-US"/>
+                        <a:t>の</a:t>
+                      </a:r>
+                      <a:r>
+                        <a:rPr kumimoji="1" lang="en-US" altLang="ja-JP"/>
+                        <a:t>CTR</a:t>
+                      </a:r>
+                      <a:r>
+                        <a:rPr kumimoji="1" lang="ja-JP" altLang="en-US"/>
+                        <a:t>モード</a:t>
+                      </a:r>
+                    </a:p>
+                  </a:txBody>
+                  <a:tcPr/>
+                </a:tc>
+                <a:tc>
+                  <a:txBody>
+                    <a:bodyPr/>
+                    <a:lstStyle/>
+                    <a:p>
+                      <a:r>
+                        <a:rPr kumimoji="1" lang="ja-JP" altLang="en-US"/>
+                        <a:t>有限体を使った</a:t>
+                      </a:r>
+                      <a:r>
+                        <a:rPr kumimoji="1" lang="en-US" altLang="ja-JP"/>
+                        <a:t>GHASH</a:t>
+                      </a:r>
+                      <a:endParaRPr kumimoji="1" lang="ja-JP" altLang="en-US"/>
+                    </a:p>
+                  </a:txBody>
+                  <a:tcPr/>
+                </a:tc>
+                <a:tc>
+                  <a:txBody>
+                    <a:bodyPr/>
+                    <a:lstStyle/>
+                    <a:p>
+                      <a:r>
+                        <a:rPr kumimoji="1" lang="en-US" altLang="ja-JP"/>
+                        <a:t>128/256</a:t>
+                      </a:r>
+                      <a:r>
+                        <a:rPr kumimoji="1" lang="ja-JP" altLang="en-US"/>
+                        <a:t>ビット</a:t>
+                      </a:r>
+                    </a:p>
+                  </a:txBody>
+                  <a:tcPr/>
+                </a:tc>
+                <a:extLst>
+                  <a:ext uri="{0D108BD9-81ED-4DB2-BD59-A6C34878D82A}">
+                    <a16:rowId xmlns:a16="http://schemas.microsoft.com/office/drawing/2014/main" val="3114519542"/>
+                  </a:ext>
+                </a:extLst>
+              </a:tr>
+              <a:tr h="370840">
+                <a:tc>
+                  <a:txBody>
+                    <a:bodyPr/>
+                    <a:lstStyle/>
+                    <a:p>
+                      <a:r>
+                        <a:rPr kumimoji="1" lang="en-US" altLang="ja-JP"/>
+                        <a:t>AES-CCM</a:t>
+                      </a:r>
+                      <a:endParaRPr kumimoji="1" lang="ja-JP" altLang="en-US"/>
+                    </a:p>
+                  </a:txBody>
+                  <a:tcPr/>
+                </a:tc>
+                <a:tc>
+                  <a:txBody>
+                    <a:bodyPr/>
+                    <a:lstStyle/>
+                    <a:p>
+                      <a:r>
+                        <a:rPr kumimoji="1" lang="en-US" altLang="ja-JP"/>
+                        <a:t>AES</a:t>
+                      </a:r>
+                      <a:r>
+                        <a:rPr kumimoji="1" lang="ja-JP" altLang="en-US"/>
+                        <a:t>の</a:t>
+                      </a:r>
+                      <a:r>
+                        <a:rPr kumimoji="1" lang="en-US" altLang="ja-JP"/>
+                        <a:t>CTR</a:t>
+                      </a:r>
+                      <a:r>
+                        <a:rPr kumimoji="1" lang="ja-JP" altLang="en-US"/>
+                        <a:t>モード</a:t>
+                      </a:r>
+                    </a:p>
+                  </a:txBody>
+                  <a:tcPr/>
+                </a:tc>
+                <a:tc>
+                  <a:txBody>
+                    <a:bodyPr/>
+                    <a:lstStyle/>
+                    <a:p>
+                      <a:r>
+                        <a:rPr kumimoji="1" lang="en-US" altLang="ja-JP"/>
+                        <a:t>CBC-MAC</a:t>
+                      </a:r>
+                      <a:endParaRPr kumimoji="1" lang="ja-JP" altLang="en-US"/>
+                    </a:p>
+                  </a:txBody>
+                  <a:tcPr/>
+                </a:tc>
+                <a:tc>
+                  <a:txBody>
+                    <a:bodyPr/>
+                    <a:lstStyle/>
+                    <a:p>
+                      <a:r>
+                        <a:rPr kumimoji="1" lang="en-US" altLang="ja-JP"/>
+                        <a:t>128</a:t>
+                      </a:r>
+                      <a:r>
+                        <a:rPr kumimoji="1" lang="ja-JP" altLang="en-US"/>
+                        <a:t>ビット</a:t>
+                      </a:r>
+                    </a:p>
+                  </a:txBody>
+                  <a:tcPr/>
+                </a:tc>
+                <a:extLst>
+                  <a:ext uri="{0D108BD9-81ED-4DB2-BD59-A6C34878D82A}">
+                    <a16:rowId xmlns:a16="http://schemas.microsoft.com/office/drawing/2014/main" val="407556628"/>
+                  </a:ext>
+                </a:extLst>
+              </a:tr>
+              <a:tr h="370840">
+                <a:tc>
+                  <a:txBody>
+                    <a:bodyPr/>
+                    <a:lstStyle/>
+                    <a:p>
+                      <a:r>
+                        <a:rPr kumimoji="1" lang="en-US" altLang="ja-JP"/>
+                        <a:t>ChaCha20-Poly1305</a:t>
+                      </a:r>
+                      <a:endParaRPr kumimoji="1" lang="ja-JP" altLang="en-US"/>
+                    </a:p>
+                  </a:txBody>
+                  <a:tcPr/>
+                </a:tc>
+                <a:tc>
+                  <a:txBody>
+                    <a:bodyPr/>
+                    <a:lstStyle/>
+                    <a:p>
+                      <a:r>
+                        <a:rPr kumimoji="1" lang="en-US" altLang="ja-JP"/>
+                        <a:t>ChaCha20</a:t>
+                      </a:r>
+                      <a:endParaRPr kumimoji="1" lang="ja-JP" altLang="en-US"/>
+                    </a:p>
+                  </a:txBody>
+                  <a:tcPr/>
+                </a:tc>
+                <a:tc>
+                  <a:txBody>
+                    <a:bodyPr/>
+                    <a:lstStyle/>
+                    <a:p>
+                      <a:r>
+                        <a:rPr kumimoji="1" lang="en-US" altLang="ja-JP"/>
+                        <a:t>Poly1305</a:t>
+                      </a:r>
+                      <a:endParaRPr kumimoji="1" lang="ja-JP" altLang="en-US"/>
+                    </a:p>
+                  </a:txBody>
+                  <a:tcPr/>
+                </a:tc>
+                <a:tc>
+                  <a:txBody>
+                    <a:bodyPr/>
+                    <a:lstStyle/>
+                    <a:p>
+                      <a:r>
+                        <a:rPr kumimoji="1" lang="en-US" altLang="ja-JP"/>
+                        <a:t>256</a:t>
+                      </a:r>
+                      <a:r>
+                        <a:rPr kumimoji="1" lang="ja-JP" altLang="en-US"/>
+                        <a:t>ビット</a:t>
+                      </a:r>
+                    </a:p>
+                  </a:txBody>
+                  <a:tcPr/>
+                </a:tc>
+                <a:extLst>
+                  <a:ext uri="{0D108BD9-81ED-4DB2-BD59-A6C34878D82A}">
+                    <a16:rowId xmlns:a16="http://schemas.microsoft.com/office/drawing/2014/main" val="3082688873"/>
+                  </a:ext>
+                </a:extLst>
+              </a:tr>
+            </a:tbl>
+          </a:graphicData>
+        </a:graphic>
+      </p:graphicFrame>
+      <p:graphicFrame>
+        <p:nvGraphicFramePr>
+          <p:cNvPr id="10" name="表 10">
+            <a:extLst>
+              <a:ext uri="{FF2B5EF4-FFF2-40B4-BE49-F238E27FC236}">
+                <a16:creationId xmlns:a16="http://schemas.microsoft.com/office/drawing/2014/main" id="{66D6BE25-332D-4742-AFC1-EC3ECC038263}"/>
+              </a:ext>
+            </a:extLst>
+          </p:cNvPr>
+          <p:cNvGraphicFramePr>
+            <a:graphicFrameLocks noGrp="1"/>
+          </p:cNvGraphicFramePr>
+          <p:nvPr>
+            <p:extLst>
+              <p:ext uri="{D42A27DB-BD31-4B8C-83A1-F6EECF244321}">
+                <p14:modId xmlns:p14="http://schemas.microsoft.com/office/powerpoint/2010/main" val="3202910746"/>
+              </p:ext>
+            </p:extLst>
+          </p:nvPr>
+        </p:nvGraphicFramePr>
+        <p:xfrm>
+          <a:off x="1331640" y="5330016"/>
+          <a:ext cx="6335459" cy="1483360"/>
+        </p:xfrm>
+        <a:graphic>
+          <a:graphicData uri="http://schemas.openxmlformats.org/drawingml/2006/table">
+            <a:tbl>
+              <a:tblPr firstRow="1" bandRow="1">
+                <a:tableStyleId>{5C22544A-7EE6-4342-B048-85BDC9FD1C3A}</a:tableStyleId>
+              </a:tblPr>
+              <a:tblGrid>
+                <a:gridCol w="2271459">
+                  <a:extLst>
+                    <a:ext uri="{9D8B030D-6E8A-4147-A177-3AD203B41FA5}">
+                      <a16:colId xmlns:a16="http://schemas.microsoft.com/office/drawing/2014/main" val="2925399076"/>
+                    </a:ext>
+                  </a:extLst>
+                </a:gridCol>
+                <a:gridCol w="2032000">
+                  <a:extLst>
+                    <a:ext uri="{9D8B030D-6E8A-4147-A177-3AD203B41FA5}">
+                      <a16:colId xmlns:a16="http://schemas.microsoft.com/office/drawing/2014/main" val="2725965808"/>
+                    </a:ext>
+                  </a:extLst>
+                </a:gridCol>
+                <a:gridCol w="2032000">
+                  <a:extLst>
+                    <a:ext uri="{9D8B030D-6E8A-4147-A177-3AD203B41FA5}">
+                      <a16:colId xmlns:a16="http://schemas.microsoft.com/office/drawing/2014/main" val="2838496354"/>
+                    </a:ext>
+                  </a:extLst>
+                </a:gridCol>
+              </a:tblGrid>
+              <a:tr h="370840">
+                <a:tc>
+                  <a:txBody>
+                    <a:bodyPr/>
+                    <a:lstStyle/>
+                    <a:p>
+                      <a:r>
+                        <a:rPr kumimoji="1" lang="en-US" altLang="ja-JP"/>
+                        <a:t>AEAD</a:t>
+                      </a:r>
+                      <a:endParaRPr kumimoji="1" lang="ja-JP" altLang="en-US"/>
+                    </a:p>
+                  </a:txBody>
+                  <a:tcPr/>
+                </a:tc>
+                <a:tc>
+                  <a:txBody>
+                    <a:bodyPr/>
+                    <a:lstStyle/>
+                    <a:p>
+                      <a:r>
+                        <a:rPr kumimoji="1" lang="en-US" altLang="ja-JP"/>
+                        <a:t>Intel</a:t>
+                      </a:r>
+                      <a:r>
+                        <a:rPr kumimoji="1" lang="ja-JP" altLang="en-US"/>
+                        <a:t>系</a:t>
+                      </a:r>
+                      <a:r>
+                        <a:rPr kumimoji="1" lang="en-US" altLang="ja-JP"/>
+                        <a:t>CPU</a:t>
+                      </a:r>
+                      <a:endParaRPr kumimoji="1" lang="ja-JP" altLang="en-US"/>
+                    </a:p>
+                  </a:txBody>
+                  <a:tcPr/>
+                </a:tc>
+                <a:tc>
+                  <a:txBody>
+                    <a:bodyPr/>
+                    <a:lstStyle/>
+                    <a:p>
+                      <a:r>
+                        <a:rPr kumimoji="1" lang="ja-JP" altLang="en-US"/>
+                        <a:t>組み込み系</a:t>
+                      </a:r>
+                      <a:r>
+                        <a:rPr kumimoji="1" lang="en-US" altLang="ja-JP"/>
+                        <a:t>CPU</a:t>
+                      </a:r>
+                      <a:endParaRPr kumimoji="1" lang="ja-JP" altLang="en-US"/>
+                    </a:p>
+                  </a:txBody>
+                  <a:tcPr/>
+                </a:tc>
+                <a:extLst>
+                  <a:ext uri="{0D108BD9-81ED-4DB2-BD59-A6C34878D82A}">
+                    <a16:rowId xmlns:a16="http://schemas.microsoft.com/office/drawing/2014/main" val="387532015"/>
+                  </a:ext>
+                </a:extLst>
+              </a:tr>
+              <a:tr h="370840">
+                <a:tc>
+                  <a:txBody>
+                    <a:bodyPr/>
+                    <a:lstStyle/>
+                    <a:p>
+                      <a:r>
+                        <a:rPr kumimoji="1" lang="en-US" altLang="ja-JP"/>
+                        <a:t>AES-GCM</a:t>
+                      </a:r>
+                      <a:endParaRPr kumimoji="1" lang="ja-JP" altLang="en-US"/>
+                    </a:p>
+                  </a:txBody>
+                  <a:tcPr/>
+                </a:tc>
+                <a:tc>
+                  <a:txBody>
+                    <a:bodyPr/>
+                    <a:lstStyle/>
+                    <a:p>
+                      <a:pPr algn="ctr"/>
+                      <a:r>
+                        <a:rPr kumimoji="1" lang="ja-JP" altLang="en-US"/>
+                        <a:t>◎</a:t>
+                      </a:r>
+                    </a:p>
+                  </a:txBody>
+                  <a:tcPr/>
+                </a:tc>
+                <a:tc>
+                  <a:txBody>
+                    <a:bodyPr/>
+                    <a:lstStyle/>
+                    <a:p>
+                      <a:pPr algn="ctr"/>
+                      <a:r>
+                        <a:rPr kumimoji="1" lang="ja-JP" altLang="en-US"/>
+                        <a:t>○</a:t>
+                      </a:r>
+                    </a:p>
+                  </a:txBody>
+                  <a:tcPr/>
+                </a:tc>
+                <a:extLst>
+                  <a:ext uri="{0D108BD9-81ED-4DB2-BD59-A6C34878D82A}">
+                    <a16:rowId xmlns:a16="http://schemas.microsoft.com/office/drawing/2014/main" val="2453342739"/>
+                  </a:ext>
+                </a:extLst>
+              </a:tr>
+              <a:tr h="370840">
+                <a:tc>
+                  <a:txBody>
+                    <a:bodyPr/>
+                    <a:lstStyle/>
+                    <a:p>
+                      <a:r>
+                        <a:rPr kumimoji="1" lang="en-US" altLang="ja-JP"/>
+                        <a:t>AES-CCM</a:t>
+                      </a:r>
+                      <a:endParaRPr kumimoji="1" lang="ja-JP" altLang="en-US"/>
+                    </a:p>
+                  </a:txBody>
+                  <a:tcPr/>
+                </a:tc>
+                <a:tc>
+                  <a:txBody>
+                    <a:bodyPr/>
+                    <a:lstStyle/>
+                    <a:p>
+                      <a:pPr algn="ctr"/>
+                      <a:r>
+                        <a:rPr kumimoji="1" lang="ja-JP" altLang="en-US"/>
+                        <a:t>△</a:t>
+                      </a:r>
+                    </a:p>
+                  </a:txBody>
+                  <a:tcPr/>
+                </a:tc>
+                <a:tc>
+                  <a:txBody>
+                    <a:bodyPr/>
+                    <a:lstStyle/>
+                    <a:p>
+                      <a:pPr algn="ctr"/>
+                      <a:r>
+                        <a:rPr kumimoji="1" lang="ja-JP" altLang="en-US"/>
+                        <a:t>△</a:t>
+                      </a:r>
+                    </a:p>
+                  </a:txBody>
+                  <a:tcPr/>
+                </a:tc>
+                <a:extLst>
+                  <a:ext uri="{0D108BD9-81ED-4DB2-BD59-A6C34878D82A}">
+                    <a16:rowId xmlns:a16="http://schemas.microsoft.com/office/drawing/2014/main" val="3749307693"/>
+                  </a:ext>
+                </a:extLst>
+              </a:tr>
+              <a:tr h="370840">
+                <a:tc>
+                  <a:txBody>
+                    <a:bodyPr/>
+                    <a:lstStyle/>
+                    <a:p>
+                      <a:r>
+                        <a:rPr kumimoji="1" lang="en-US" altLang="ja-JP"/>
+                        <a:t>ChaCha20-Poly1305</a:t>
+                      </a:r>
+                      <a:endParaRPr kumimoji="1" lang="ja-JP" altLang="en-US"/>
+                    </a:p>
+                  </a:txBody>
+                  <a:tcPr/>
+                </a:tc>
+                <a:tc>
+                  <a:txBody>
+                    <a:bodyPr/>
+                    <a:lstStyle/>
+                    <a:p>
+                      <a:pPr algn="ctr"/>
+                      <a:r>
+                        <a:rPr kumimoji="1" lang="ja-JP" altLang="en-US"/>
+                        <a:t>○</a:t>
+                      </a:r>
+                    </a:p>
+                  </a:txBody>
+                  <a:tcPr/>
+                </a:tc>
+                <a:tc>
+                  <a:txBody>
+                    <a:bodyPr/>
+                    <a:lstStyle/>
+                    <a:p>
+                      <a:pPr algn="ctr"/>
+                      <a:r>
+                        <a:rPr kumimoji="1" lang="ja-JP" altLang="en-US"/>
+                        <a:t>◎</a:t>
+                      </a:r>
+                    </a:p>
+                  </a:txBody>
+                  <a:tcPr/>
+                </a:tc>
+                <a:extLst>
+                  <a:ext uri="{0D108BD9-81ED-4DB2-BD59-A6C34878D82A}">
+                    <a16:rowId xmlns:a16="http://schemas.microsoft.com/office/drawing/2014/main" val="2568394203"/>
+                  </a:ext>
+                </a:extLst>
+              </a:tr>
+            </a:tbl>
+          </a:graphicData>
+        </a:graphic>
+      </p:graphicFrame>
+    </p:spTree>
+    <p:extLst>
+      <p:ext uri="{BB962C8B-B14F-4D97-AF65-F5344CB8AC3E}">
+        <p14:creationId xmlns:p14="http://schemas.microsoft.com/office/powerpoint/2010/main" val="1295039240"/>
+      </p:ext>
+    </p:extLst>
+  </p:cSld>
+  <p:clrMapOvr>
+    <a:masterClrMapping/>
+  </p:clrMapOvr>
+</p:sld>
+</file>
+
+<file path=ppt/slides/slide39.xml><?xml version="1.0" encoding="utf-8"?>
+<p:sld xmlns:a="http://schemas.openxmlformats.org/drawingml/2006/main" xmlns:r="http://schemas.openxmlformats.org/officeDocument/2006/relationships" xmlns:p="http://schemas.openxmlformats.org/presentationml/2006/main">
+  <p:cSld>
+    <p:spTree>
+      <p:nvGrpSpPr>
+        <p:cNvPr id="1" name=""/>
+        <p:cNvGrpSpPr/>
+        <p:nvPr/>
+      </p:nvGrpSpPr>
+      <p:grpSpPr>
+        <a:xfrm>
+          <a:off x="0" y="0"/>
+          <a:ext cx="0" cy="0"/>
+          <a:chOff x="0" y="0"/>
+          <a:chExt cx="0" cy="0"/>
+        </a:xfrm>
+      </p:grpSpPr>
+      <p:pic>
+        <p:nvPicPr>
+          <p:cNvPr id="7" name="図 6">
+            <a:extLst>
+              <a:ext uri="{FF2B5EF4-FFF2-40B4-BE49-F238E27FC236}">
+                <a16:creationId xmlns:a16="http://schemas.microsoft.com/office/drawing/2014/main" id="{5332E56E-C03F-45D6-B27B-02645F4E7CC4}"/>
+              </a:ext>
+            </a:extLst>
+          </p:cNvPr>
+          <p:cNvPicPr>
+            <a:picLocks noChangeAspect="1"/>
+          </p:cNvPicPr>
+          <p:nvPr/>
+        </p:nvPicPr>
+        <p:blipFill>
+          <a:blip r:embed="rId2">
+            <a:extLst>
+              <a:ext uri="{28A0092B-C50C-407E-A947-70E740481C1C}">
+                <a14:useLocalDpi xmlns:a14="http://schemas.microsoft.com/office/drawing/2010/main" val="0"/>
+              </a:ext>
+            </a:extLst>
+          </a:blip>
+          <a:stretch>
+            <a:fillRect/>
+          </a:stretch>
+        </p:blipFill>
+        <p:spPr>
+          <a:xfrm>
+            <a:off x="827583" y="998612"/>
+            <a:ext cx="7559727" cy="5310708"/>
+          </a:xfrm>
+          <a:prstGeom prst="rect">
+            <a:avLst/>
+          </a:prstGeom>
+        </p:spPr>
+      </p:pic>
+      <p:sp>
+        <p:nvSpPr>
+          <p:cNvPr id="2" name="コンテンツ プレースホルダー 1">
+            <a:extLst>
+              <a:ext uri="{FF2B5EF4-FFF2-40B4-BE49-F238E27FC236}">
+                <a16:creationId xmlns:a16="http://schemas.microsoft.com/office/drawing/2014/main" id="{ABB638DD-725C-4121-A012-BF53377AA053}"/>
+              </a:ext>
+            </a:extLst>
+          </p:cNvPr>
+          <p:cNvSpPr>
+            <a:spLocks noGrp="1"/>
+          </p:cNvSpPr>
+          <p:nvPr>
+            <p:ph idx="1"/>
+          </p:nvPr>
+        </p:nvSpPr>
+        <p:spPr/>
+        <p:txBody>
+          <a:bodyPr/>
+          <a:lstStyle/>
+          <a:p>
+            <a:r>
+              <a:rPr kumimoji="1" lang="en-US" altLang="ja-JP"/>
+              <a:t>AES-GCM</a:t>
+            </a:r>
+            <a:r>
+              <a:rPr kumimoji="1" lang="ja-JP" altLang="en-US"/>
+              <a:t>の暗号化</a:t>
+            </a:r>
+            <a:endParaRPr kumimoji="1" lang="en-US" altLang="ja-JP"/>
+          </a:p>
+        </p:txBody>
+      </p:sp>
+      <p:sp>
+        <p:nvSpPr>
+          <p:cNvPr id="3" name="スライド番号プレースホルダー 2">
+            <a:extLst>
+              <a:ext uri="{FF2B5EF4-FFF2-40B4-BE49-F238E27FC236}">
+                <a16:creationId xmlns:a16="http://schemas.microsoft.com/office/drawing/2014/main" id="{43ACE9E0-81C7-4593-BD4E-126031CAAB37}"/>
+              </a:ext>
+            </a:extLst>
+          </p:cNvPr>
+          <p:cNvSpPr>
+            <a:spLocks noGrp="1"/>
+          </p:cNvSpPr>
+          <p:nvPr>
+            <p:ph type="sldNum" sz="quarter" idx="12"/>
+          </p:nvPr>
+        </p:nvSpPr>
+        <p:spPr/>
+        <p:txBody>
+          <a:bodyPr/>
+          <a:lstStyle/>
+          <a:p>
+            <a:pPr>
+              <a:defRPr/>
+            </a:pPr>
+            <a:r>
+              <a:rPr lang="en-US" altLang="ja-JP"/>
+              <a:t>    </a:t>
+            </a:r>
+            <a:fld id="{B2782DEB-472A-4FE5-AC34-C17109CF5A91}" type="slidenum">
+              <a:rPr lang="en-US" altLang="ja-JP" smtClean="0"/>
+              <a:pPr>
+                <a:defRPr/>
+              </a:pPr>
+              <a:t>39</a:t>
+            </a:fld>
+            <a:r>
+              <a:rPr lang="en-US" altLang="ja-JP"/>
+              <a:t> / 24</a:t>
+            </a:r>
+          </a:p>
+        </p:txBody>
+      </p:sp>
+      <p:sp>
+        <p:nvSpPr>
+          <p:cNvPr id="4" name="タイトル 3">
+            <a:extLst>
+              <a:ext uri="{FF2B5EF4-FFF2-40B4-BE49-F238E27FC236}">
+                <a16:creationId xmlns:a16="http://schemas.microsoft.com/office/drawing/2014/main" id="{9153AE8A-6382-4E18-8522-1D96832EE070}"/>
+              </a:ext>
+            </a:extLst>
+          </p:cNvPr>
+          <p:cNvSpPr>
+            <a:spLocks noGrp="1"/>
+          </p:cNvSpPr>
+          <p:nvPr>
+            <p:ph type="title"/>
+          </p:nvPr>
+        </p:nvSpPr>
+        <p:spPr/>
+        <p:txBody>
+          <a:bodyPr/>
+          <a:lstStyle/>
+          <a:p>
+            <a:r>
+              <a:rPr lang="en-US" altLang="ja-JP"/>
+              <a:t>AES-GCM</a:t>
+            </a:r>
+            <a:endParaRPr kumimoji="1" lang="ja-JP" altLang="en-US"/>
+          </a:p>
+        </p:txBody>
+      </p:sp>
+    </p:spTree>
+    <p:extLst>
+      <p:ext uri="{BB962C8B-B14F-4D97-AF65-F5344CB8AC3E}">
+        <p14:creationId xmlns:p14="http://schemas.microsoft.com/office/powerpoint/2010/main" val="28874277"/>
+      </p:ext>
+    </p:extLst>
+  </p:cSld>
+  <p:clrMapOvr>
+    <a:masterClrMapping/>
+  </p:clrMapOvr>
+</p:sld>
+</file>
+
 <file path=ppt/slides/slide4.xml><?xml version="1.0" encoding="utf-8"?>
 <p:sld xmlns:a="http://schemas.openxmlformats.org/drawingml/2006/main" xmlns:r="http://schemas.openxmlformats.org/officeDocument/2006/relationships" xmlns:p="http://schemas.openxmlformats.org/presentationml/2006/main">
   <p:cSld>
@@ -8090,6 +13101,703 @@
     <p:extLst>
       <p:ext uri="{BB962C8B-B14F-4D97-AF65-F5344CB8AC3E}">
         <p14:creationId xmlns:p14="http://schemas.microsoft.com/office/powerpoint/2010/main" val="1457288832"/>
+      </p:ext>
+    </p:extLst>
+  </p:cSld>
+  <p:clrMapOvr>
+    <a:masterClrMapping/>
+  </p:clrMapOvr>
+</p:sld>
+</file>
+
+<file path=ppt/slides/slide40.xml><?xml version="1.0" encoding="utf-8"?>
+<p:sld xmlns:a="http://schemas.openxmlformats.org/drawingml/2006/main" xmlns:r="http://schemas.openxmlformats.org/officeDocument/2006/relationships" xmlns:p="http://schemas.openxmlformats.org/presentationml/2006/main">
+  <p:cSld>
+    <p:spTree>
+      <p:nvGrpSpPr>
+        <p:cNvPr id="1" name=""/>
+        <p:cNvGrpSpPr/>
+        <p:nvPr/>
+      </p:nvGrpSpPr>
+      <p:grpSpPr>
+        <a:xfrm>
+          <a:off x="0" y="0"/>
+          <a:ext cx="0" cy="0"/>
+          <a:chOff x="0" y="0"/>
+          <a:chExt cx="0" cy="0"/>
+        </a:xfrm>
+      </p:grpSpPr>
+      <p:pic>
+        <p:nvPicPr>
+          <p:cNvPr id="6" name="図 5">
+            <a:extLst>
+              <a:ext uri="{FF2B5EF4-FFF2-40B4-BE49-F238E27FC236}">
+                <a16:creationId xmlns:a16="http://schemas.microsoft.com/office/drawing/2014/main" id="{A90E44B5-06BD-4558-91BE-0C8A15499CF7}"/>
+              </a:ext>
+            </a:extLst>
+          </p:cNvPr>
+          <p:cNvPicPr>
+            <a:picLocks noChangeAspect="1"/>
+          </p:cNvPicPr>
+          <p:nvPr/>
+        </p:nvPicPr>
+        <p:blipFill>
+          <a:blip r:embed="rId2">
+            <a:extLst>
+              <a:ext uri="{28A0092B-C50C-407E-A947-70E740481C1C}">
+                <a14:useLocalDpi xmlns:a14="http://schemas.microsoft.com/office/drawing/2010/main" val="0"/>
+              </a:ext>
+            </a:extLst>
+          </a:blip>
+          <a:stretch>
+            <a:fillRect/>
+          </a:stretch>
+        </p:blipFill>
+        <p:spPr>
+          <a:xfrm>
+            <a:off x="683568" y="1196752"/>
+            <a:ext cx="7560840" cy="4886193"/>
+          </a:xfrm>
+          <a:prstGeom prst="rect">
+            <a:avLst/>
+          </a:prstGeom>
+        </p:spPr>
+      </p:pic>
+      <p:sp>
+        <p:nvSpPr>
+          <p:cNvPr id="2" name="コンテンツ プレースホルダー 1">
+            <a:extLst>
+              <a:ext uri="{FF2B5EF4-FFF2-40B4-BE49-F238E27FC236}">
+                <a16:creationId xmlns:a16="http://schemas.microsoft.com/office/drawing/2014/main" id="{9440E9BA-F907-4CAD-8C7F-B1B392ED2143}"/>
+              </a:ext>
+            </a:extLst>
+          </p:cNvPr>
+          <p:cNvSpPr>
+            <a:spLocks noGrp="1"/>
+          </p:cNvSpPr>
+          <p:nvPr>
+            <p:ph idx="1"/>
+          </p:nvPr>
+        </p:nvSpPr>
+        <p:spPr/>
+        <p:txBody>
+          <a:bodyPr/>
+          <a:lstStyle/>
+          <a:p>
+            <a:r>
+              <a:rPr kumimoji="1" lang="ja-JP" altLang="en-US"/>
+              <a:t>暗号化概略</a:t>
+            </a:r>
+          </a:p>
+        </p:txBody>
+      </p:sp>
+      <p:sp>
+        <p:nvSpPr>
+          <p:cNvPr id="3" name="スライド番号プレースホルダー 2">
+            <a:extLst>
+              <a:ext uri="{FF2B5EF4-FFF2-40B4-BE49-F238E27FC236}">
+                <a16:creationId xmlns:a16="http://schemas.microsoft.com/office/drawing/2014/main" id="{E328088F-43B7-4275-948A-B7A9C5EC4DF9}"/>
+              </a:ext>
+            </a:extLst>
+          </p:cNvPr>
+          <p:cNvSpPr>
+            <a:spLocks noGrp="1"/>
+          </p:cNvSpPr>
+          <p:nvPr>
+            <p:ph type="sldNum" sz="quarter" idx="12"/>
+          </p:nvPr>
+        </p:nvSpPr>
+        <p:spPr/>
+        <p:txBody>
+          <a:bodyPr/>
+          <a:lstStyle/>
+          <a:p>
+            <a:pPr>
+              <a:defRPr/>
+            </a:pPr>
+            <a:r>
+              <a:rPr lang="en-US" altLang="ja-JP"/>
+              <a:t>    </a:t>
+            </a:r>
+            <a:fld id="{B2782DEB-472A-4FE5-AC34-C17109CF5A91}" type="slidenum">
+              <a:rPr lang="en-US" altLang="ja-JP" smtClean="0"/>
+              <a:pPr>
+                <a:defRPr/>
+              </a:pPr>
+              <a:t>40</a:t>
+            </a:fld>
+            <a:r>
+              <a:rPr lang="en-US" altLang="ja-JP"/>
+              <a:t> / 24</a:t>
+            </a:r>
+          </a:p>
+        </p:txBody>
+      </p:sp>
+      <p:sp>
+        <p:nvSpPr>
+          <p:cNvPr id="4" name="タイトル 3">
+            <a:extLst>
+              <a:ext uri="{FF2B5EF4-FFF2-40B4-BE49-F238E27FC236}">
+                <a16:creationId xmlns:a16="http://schemas.microsoft.com/office/drawing/2014/main" id="{AC7FA736-BAE0-444E-BDBC-228A252F5183}"/>
+              </a:ext>
+            </a:extLst>
+          </p:cNvPr>
+          <p:cNvSpPr>
+            <a:spLocks noGrp="1"/>
+          </p:cNvSpPr>
+          <p:nvPr>
+            <p:ph type="title"/>
+          </p:nvPr>
+        </p:nvSpPr>
+        <p:spPr/>
+        <p:txBody>
+          <a:bodyPr/>
+          <a:lstStyle/>
+          <a:p>
+            <a:r>
+              <a:rPr kumimoji="1" lang="en-US" altLang="ja-JP"/>
+              <a:t>ChaCha-20 Poly1305</a:t>
+            </a:r>
+            <a:endParaRPr kumimoji="1" lang="ja-JP" altLang="en-US"/>
+          </a:p>
+        </p:txBody>
+      </p:sp>
+    </p:spTree>
+    <p:extLst>
+      <p:ext uri="{BB962C8B-B14F-4D97-AF65-F5344CB8AC3E}">
+        <p14:creationId xmlns:p14="http://schemas.microsoft.com/office/powerpoint/2010/main" val="2347025188"/>
+      </p:ext>
+    </p:extLst>
+  </p:cSld>
+  <p:clrMapOvr>
+    <a:masterClrMapping/>
+  </p:clrMapOvr>
+</p:sld>
+</file>
+
+<file path=ppt/slides/slide41.xml><?xml version="1.0" encoding="utf-8"?>
+<p:sld xmlns:a="http://schemas.openxmlformats.org/drawingml/2006/main" xmlns:r="http://schemas.openxmlformats.org/officeDocument/2006/relationships" xmlns:p="http://schemas.openxmlformats.org/presentationml/2006/main">
+  <p:cSld>
+    <p:spTree>
+      <p:nvGrpSpPr>
+        <p:cNvPr id="1" name=""/>
+        <p:cNvGrpSpPr/>
+        <p:nvPr/>
+      </p:nvGrpSpPr>
+      <p:grpSpPr>
+        <a:xfrm>
+          <a:off x="0" y="0"/>
+          <a:ext cx="0" cy="0"/>
+          <a:chOff x="0" y="0"/>
+          <a:chExt cx="0" cy="0"/>
+        </a:xfrm>
+      </p:grpSpPr>
+      <mc:AlternateContent xmlns:mc="http://schemas.openxmlformats.org/markup-compatibility/2006">
+        <mc:Choice xmlns:a14="http://schemas.microsoft.com/office/drawing/2010/main" Requires="a14">
+          <p:sp>
+            <p:nvSpPr>
+              <p:cNvPr id="2" name="コンテンツ プレースホルダー 1">
+                <a:extLst>
+                  <a:ext uri="{FF2B5EF4-FFF2-40B4-BE49-F238E27FC236}">
+                    <a16:creationId xmlns:a16="http://schemas.microsoft.com/office/drawing/2014/main" id="{5C941F8A-9BD4-4BA2-BAAA-2D71EF46352C}"/>
+                  </a:ext>
+                </a:extLst>
+              </p:cNvPr>
+              <p:cNvSpPr>
+                <a:spLocks noGrp="1"/>
+              </p:cNvSpPr>
+              <p:nvPr>
+                <p:ph idx="1"/>
+              </p:nvPr>
+            </p:nvSpPr>
+            <p:spPr/>
+            <p:txBody>
+              <a:bodyPr/>
+              <a:lstStyle/>
+              <a:p>
+                <a14:m>
+                  <m:oMath xmlns:m="http://schemas.openxmlformats.org/officeDocument/2006/math">
+                    <m:r>
+                      <a:rPr kumimoji="1" lang="en-US" altLang="ja-JP" b="0" i="1" smtClean="0">
+                        <a:latin typeface="Cambria Math" panose="02040503050406030204" pitchFamily="18" charset="0"/>
+                      </a:rPr>
+                      <m:t>𝑝</m:t>
+                    </m:r>
+                    <m:r>
+                      <a:rPr kumimoji="1" lang="en-US" altLang="ja-JP" b="0" i="1" smtClean="0">
+                        <a:latin typeface="Cambria Math" panose="02040503050406030204" pitchFamily="18" charset="0"/>
+                      </a:rPr>
+                      <m:t>=</m:t>
+                    </m:r>
+                    <m:sSup>
+                      <m:sSupPr>
+                        <m:ctrlPr>
+                          <a:rPr kumimoji="1" lang="en-US" altLang="ja-JP" b="0" i="1" smtClean="0">
+                            <a:latin typeface="Cambria Math" panose="02040503050406030204" pitchFamily="18" charset="0"/>
+                          </a:rPr>
+                        </m:ctrlPr>
+                      </m:sSupPr>
+                      <m:e>
+                        <m:r>
+                          <a:rPr kumimoji="1" lang="en-US" altLang="ja-JP" b="0" i="1" smtClean="0">
+                            <a:latin typeface="Cambria Math" panose="02040503050406030204" pitchFamily="18" charset="0"/>
+                          </a:rPr>
+                          <m:t>2</m:t>
+                        </m:r>
+                      </m:e>
+                      <m:sup>
+                        <m:r>
+                          <a:rPr kumimoji="1" lang="en-US" altLang="ja-JP" b="0" i="1" smtClean="0">
+                            <a:latin typeface="Cambria Math" panose="02040503050406030204" pitchFamily="18" charset="0"/>
+                          </a:rPr>
+                          <m:t>130</m:t>
+                        </m:r>
+                      </m:sup>
+                    </m:sSup>
+                    <m:r>
+                      <a:rPr kumimoji="1" lang="en-US" altLang="ja-JP" b="0" i="1" smtClean="0">
+                        <a:latin typeface="Cambria Math" panose="02040503050406030204" pitchFamily="18" charset="0"/>
+                      </a:rPr>
+                      <m:t>−5</m:t>
+                    </m:r>
+                  </m:oMath>
+                </a14:m>
+                <a:endParaRPr kumimoji="1" lang="en-US" altLang="ja-JP"/>
+              </a:p>
+              <a:p>
+                <a:pPr lvl="1"/>
+                <a:r>
+                  <a:rPr lang="en-US" altLang="ja-JP"/>
+                  <a:t>256bit</a:t>
+                </a:r>
+                <a:r>
+                  <a:rPr lang="ja-JP" altLang="en-US"/>
+                  <a:t>の秘密鍵</a:t>
+                </a:r>
+                <a14:m>
+                  <m:oMath xmlns:m="http://schemas.openxmlformats.org/officeDocument/2006/math">
+                    <m:r>
+                      <a:rPr lang="en-US" altLang="ja-JP" b="0" i="1" smtClean="0">
+                        <a:latin typeface="Cambria Math" panose="02040503050406030204" pitchFamily="18" charset="0"/>
+                      </a:rPr>
+                      <m:t>𝑆</m:t>
+                    </m:r>
+                  </m:oMath>
+                </a14:m>
+                <a:r>
+                  <a:rPr kumimoji="1" lang="ja-JP" altLang="en-US"/>
+                  <a:t>から</a:t>
+                </a:r>
+                <a:r>
+                  <a:rPr kumimoji="1" lang="en-US" altLang="ja-JP"/>
+                  <a:t>124bit</a:t>
+                </a:r>
+                <a:r>
+                  <a:rPr kumimoji="1" lang="ja-JP" altLang="en-US"/>
+                  <a:t>の整数</a:t>
+                </a:r>
+                <a14:m>
+                  <m:oMath xmlns:m="http://schemas.openxmlformats.org/officeDocument/2006/math">
+                    <m:r>
+                      <a:rPr kumimoji="1" lang="en-US" altLang="ja-JP" b="0" i="1" smtClean="0">
+                        <a:latin typeface="Cambria Math" panose="02040503050406030204" pitchFamily="18" charset="0"/>
+                      </a:rPr>
+                      <m:t>𝑟</m:t>
+                    </m:r>
+                  </m:oMath>
+                </a14:m>
+                <a:r>
+                  <a:rPr kumimoji="1" lang="ja-JP" altLang="en-US"/>
+                  <a:t>と</a:t>
+                </a:r>
+                <a:r>
+                  <a:rPr kumimoji="1" lang="en-US" altLang="ja-JP"/>
+                  <a:t>128bit</a:t>
+                </a:r>
+                <a:r>
+                  <a:rPr kumimoji="1" lang="ja-JP" altLang="en-US"/>
+                  <a:t>の整数</a:t>
+                </a:r>
+                <a:r>
+                  <a:rPr kumimoji="1" lang="en-US" altLang="ja-JP"/>
+                  <a:t>b</a:t>
+                </a:r>
+                <a:r>
+                  <a:rPr kumimoji="1" lang="ja-JP" altLang="en-US"/>
+                  <a:t>を生成</a:t>
+                </a:r>
+                <a:endParaRPr kumimoji="1" lang="en-US" altLang="ja-JP"/>
+              </a:p>
+              <a:p>
+                <a:pPr lvl="1"/>
+                <a14:m>
+                  <m:oMath xmlns:m="http://schemas.openxmlformats.org/officeDocument/2006/math">
+                    <m:r>
+                      <a:rPr kumimoji="1" lang="en-US" altLang="ja-JP" b="0" i="1" smtClean="0">
+                        <a:latin typeface="Cambria Math" panose="02040503050406030204" pitchFamily="18" charset="0"/>
+                      </a:rPr>
+                      <m:t>𝑎</m:t>
+                    </m:r>
+                    <m:r>
+                      <a:rPr kumimoji="1" lang="en-US" altLang="ja-JP" b="0" i="0" smtClean="0">
+                        <a:latin typeface="Cambria Math" panose="02040503050406030204" pitchFamily="18" charset="0"/>
+                      </a:rPr>
+                      <m:t>=0</m:t>
+                    </m:r>
+                  </m:oMath>
+                </a14:m>
+                <a:endParaRPr kumimoji="1" lang="en-US" altLang="ja-JP" b="0"/>
+              </a:p>
+              <a:p>
+                <a:pPr lvl="1"/>
+                <a:r>
+                  <a:rPr kumimoji="1" lang="ja-JP" altLang="en-US"/>
+                  <a:t>平文</a:t>
+                </a:r>
+                <a14:m>
+                  <m:oMath xmlns:m="http://schemas.openxmlformats.org/officeDocument/2006/math">
+                    <m:r>
+                      <a:rPr kumimoji="1" lang="en-US" altLang="ja-JP" b="0" i="1" smtClean="0">
+                        <a:latin typeface="Cambria Math" panose="02040503050406030204" pitchFamily="18" charset="0"/>
+                      </a:rPr>
+                      <m:t>𝑀</m:t>
+                    </m:r>
+                  </m:oMath>
+                </a14:m>
+                <a:r>
+                  <a:rPr kumimoji="1" lang="ja-JP" altLang="en-US"/>
+                  <a:t>を</a:t>
+                </a:r>
+                <a:r>
+                  <a:rPr kumimoji="1" lang="en-US" altLang="ja-JP"/>
+                  <a:t>128bit</a:t>
+                </a:r>
+                <a:r>
+                  <a:rPr kumimoji="1" lang="ja-JP" altLang="en-US"/>
+                  <a:t>ずつのブロック</a:t>
+                </a:r>
+                <a14:m>
+                  <m:oMath xmlns:m="http://schemas.openxmlformats.org/officeDocument/2006/math">
+                    <m:sSub>
+                      <m:sSubPr>
+                        <m:ctrlPr>
+                          <a:rPr kumimoji="1" lang="en-US" altLang="ja-JP" b="0" i="1" smtClean="0">
+                            <a:latin typeface="Cambria Math" panose="02040503050406030204" pitchFamily="18" charset="0"/>
+                          </a:rPr>
+                        </m:ctrlPr>
+                      </m:sSubPr>
+                      <m:e>
+                        <m:r>
+                          <a:rPr kumimoji="1" lang="en-US" altLang="ja-JP" b="0" i="1" smtClean="0">
+                            <a:latin typeface="Cambria Math" panose="02040503050406030204" pitchFamily="18" charset="0"/>
+                          </a:rPr>
+                          <m:t>𝑀</m:t>
+                        </m:r>
+                      </m:e>
+                      <m:sub>
+                        <m:r>
+                          <a:rPr kumimoji="1" lang="en-US" altLang="ja-JP" b="0" i="1" smtClean="0">
+                            <a:latin typeface="Cambria Math" panose="02040503050406030204" pitchFamily="18" charset="0"/>
+                          </a:rPr>
+                          <m:t>𝑖</m:t>
+                        </m:r>
+                      </m:sub>
+                    </m:sSub>
+                  </m:oMath>
+                </a14:m>
+                <a:r>
+                  <a:rPr kumimoji="1" lang="ja-JP" altLang="en-US"/>
+                  <a:t>に分割</a:t>
+                </a:r>
+                <a:endParaRPr kumimoji="1" lang="en-US" altLang="ja-JP"/>
+              </a:p>
+              <a:p>
+                <a:pPr lvl="1"/>
+                <a14:m>
+                  <m:oMath xmlns:m="http://schemas.openxmlformats.org/officeDocument/2006/math">
+                    <m:r>
+                      <a:rPr kumimoji="1" lang="en-US" altLang="ja-JP" b="0" i="1" smtClean="0">
+                        <a:latin typeface="Cambria Math" panose="02040503050406030204" pitchFamily="18" charset="0"/>
+                      </a:rPr>
+                      <m:t>𝑎</m:t>
+                    </m:r>
+                    <m:r>
+                      <a:rPr kumimoji="1" lang="en-US" altLang="ja-JP" b="0" i="1" smtClean="0">
+                        <a:latin typeface="Cambria Math" panose="02040503050406030204" pitchFamily="18" charset="0"/>
+                      </a:rPr>
+                      <m:t>=0</m:t>
+                    </m:r>
+                  </m:oMath>
+                </a14:m>
+                <a:r>
+                  <a:rPr kumimoji="1" lang="ja-JP" altLang="en-US" b="0"/>
+                  <a:t>が初期値</a:t>
+                </a:r>
+                <a:r>
+                  <a:rPr kumimoji="1" lang="en-US" altLang="ja-JP" b="0"/>
+                  <a:t>, </a:t>
+                </a:r>
+                <a14:m>
+                  <m:oMath xmlns:m="http://schemas.openxmlformats.org/officeDocument/2006/math">
+                    <m:r>
+                      <a:rPr kumimoji="1" lang="en-US" altLang="ja-JP" b="0" i="1" smtClean="0">
+                        <a:latin typeface="Cambria Math" panose="02040503050406030204" pitchFamily="18" charset="0"/>
+                      </a:rPr>
+                      <m:t>𝑎</m:t>
+                    </m:r>
+                    <m:r>
+                      <a:rPr kumimoji="1" lang="en-US" altLang="ja-JP" b="0" i="1" smtClean="0">
+                        <a:latin typeface="Cambria Math" panose="02040503050406030204" pitchFamily="18" charset="0"/>
+                      </a:rPr>
+                      <m:t>=</m:t>
+                    </m:r>
+                    <m:d>
+                      <m:dPr>
+                        <m:ctrlPr>
+                          <a:rPr kumimoji="1" lang="en-US" altLang="ja-JP" b="0" i="1" smtClean="0">
+                            <a:latin typeface="Cambria Math" panose="02040503050406030204" pitchFamily="18" charset="0"/>
+                          </a:rPr>
+                        </m:ctrlPr>
+                      </m:dPr>
+                      <m:e>
+                        <m:d>
+                          <m:dPr>
+                            <m:ctrlPr>
+                              <a:rPr kumimoji="1" lang="en-US" altLang="ja-JP" b="0" i="1" smtClean="0">
+                                <a:latin typeface="Cambria Math" panose="02040503050406030204" pitchFamily="18" charset="0"/>
+                              </a:rPr>
+                            </m:ctrlPr>
+                          </m:dPr>
+                          <m:e>
+                            <m:r>
+                              <a:rPr kumimoji="1" lang="en-US" altLang="ja-JP" b="0" i="1" smtClean="0">
+                                <a:latin typeface="Cambria Math" panose="02040503050406030204" pitchFamily="18" charset="0"/>
+                              </a:rPr>
+                              <m:t>𝑎</m:t>
+                            </m:r>
+                            <m:r>
+                              <a:rPr kumimoji="1" lang="en-US" altLang="ja-JP" b="0" i="1" smtClean="0">
+                                <a:latin typeface="Cambria Math" panose="02040503050406030204" pitchFamily="18" charset="0"/>
+                              </a:rPr>
+                              <m:t>+</m:t>
+                            </m:r>
+                            <m:sSub>
+                              <m:sSubPr>
+                                <m:ctrlPr>
+                                  <a:rPr kumimoji="1" lang="en-US" altLang="ja-JP" b="0" i="1" smtClean="0">
+                                    <a:latin typeface="Cambria Math" panose="02040503050406030204" pitchFamily="18" charset="0"/>
+                                  </a:rPr>
+                                </m:ctrlPr>
+                              </m:sSubPr>
+                              <m:e>
+                                <m:r>
+                                  <a:rPr kumimoji="1" lang="en-US" altLang="ja-JP" b="0" i="1" smtClean="0">
+                                    <a:latin typeface="Cambria Math" panose="02040503050406030204" pitchFamily="18" charset="0"/>
+                                  </a:rPr>
+                                  <m:t>𝑀</m:t>
+                                </m:r>
+                              </m:e>
+                              <m:sub>
+                                <m:r>
+                                  <a:rPr kumimoji="1" lang="en-US" altLang="ja-JP" b="0" i="1" smtClean="0">
+                                    <a:latin typeface="Cambria Math" panose="02040503050406030204" pitchFamily="18" charset="0"/>
+                                  </a:rPr>
+                                  <m:t>𝑖</m:t>
+                                </m:r>
+                              </m:sub>
+                            </m:sSub>
+                          </m:e>
+                        </m:d>
+                        <m:r>
+                          <a:rPr kumimoji="1" lang="en-US" altLang="ja-JP" b="0" i="1" smtClean="0">
+                            <a:latin typeface="Cambria Math" panose="02040503050406030204" pitchFamily="18" charset="0"/>
+                          </a:rPr>
+                          <m:t>𝑟</m:t>
+                        </m:r>
+                      </m:e>
+                    </m:d>
+                    <m:r>
+                      <m:rPr>
+                        <m:sty m:val="p"/>
+                      </m:rPr>
+                      <a:rPr kumimoji="1" lang="en-US" altLang="ja-JP" b="0" i="1" smtClean="0">
+                        <a:latin typeface="Cambria Math" panose="02040503050406030204" pitchFamily="18" charset="0"/>
+                      </a:rPr>
+                      <m:t>mod</m:t>
+                    </m:r>
+                    <m:r>
+                      <a:rPr kumimoji="1" lang="en-US" altLang="ja-JP" b="0" i="1" smtClean="0">
+                        <a:latin typeface="Cambria Math" panose="02040503050406030204" pitchFamily="18" charset="0"/>
+                      </a:rPr>
+                      <m:t> </m:t>
+                    </m:r>
+                    <m:r>
+                      <a:rPr kumimoji="1" lang="en-US" altLang="ja-JP" b="0" i="1" smtClean="0">
+                        <a:latin typeface="Cambria Math" panose="02040503050406030204" pitchFamily="18" charset="0"/>
+                      </a:rPr>
+                      <m:t>𝑝</m:t>
+                    </m:r>
+                  </m:oMath>
+                </a14:m>
+                <a:r>
+                  <a:rPr kumimoji="1" lang="ja-JP" altLang="en-US"/>
+                  <a:t>で更新</a:t>
+                </a:r>
+              </a:p>
+            </p:txBody>
+          </p:sp>
+        </mc:Choice>
+        <mc:Fallback>
+          <p:sp>
+            <p:nvSpPr>
+              <p:cNvPr id="2" name="コンテンツ プレースホルダー 1">
+                <a:extLst>
+                  <a:ext uri="{FF2B5EF4-FFF2-40B4-BE49-F238E27FC236}">
+                    <a16:creationId xmlns:a16="http://schemas.microsoft.com/office/drawing/2014/main" id="{5C941F8A-9BD4-4BA2-BAAA-2D71EF46352C}"/>
+                  </a:ext>
+                </a:extLst>
+              </p:cNvPr>
+              <p:cNvSpPr>
+                <a:spLocks noGrp="1" noRot="1" noChangeAspect="1" noMove="1" noResize="1" noEditPoints="1" noAdjustHandles="1" noChangeArrowheads="1" noChangeShapeType="1" noTextEdit="1"/>
+              </p:cNvSpPr>
+              <p:nvPr>
+                <p:ph idx="1"/>
+              </p:nvPr>
+            </p:nvSpPr>
+            <p:spPr>
+              <a:blipFill>
+                <a:blip r:embed="rId2"/>
+                <a:stretch>
+                  <a:fillRect/>
+                </a:stretch>
+              </a:blipFill>
+            </p:spPr>
+            <p:txBody>
+              <a:bodyPr/>
+              <a:lstStyle/>
+              <a:p>
+                <a:r>
+                  <a:rPr lang="ja-JP" altLang="en-US">
+                    <a:noFill/>
+                  </a:rPr>
+                  <a:t> </a:t>
+                </a:r>
+              </a:p>
+            </p:txBody>
+          </p:sp>
+        </mc:Fallback>
+      </mc:AlternateContent>
+      <p:sp>
+        <p:nvSpPr>
+          <p:cNvPr id="3" name="スライド番号プレースホルダー 2">
+            <a:extLst>
+              <a:ext uri="{FF2B5EF4-FFF2-40B4-BE49-F238E27FC236}">
+                <a16:creationId xmlns:a16="http://schemas.microsoft.com/office/drawing/2014/main" id="{BC29462F-1737-4303-8193-80B95A402CC8}"/>
+              </a:ext>
+            </a:extLst>
+          </p:cNvPr>
+          <p:cNvSpPr>
+            <a:spLocks noGrp="1"/>
+          </p:cNvSpPr>
+          <p:nvPr>
+            <p:ph type="sldNum" sz="quarter" idx="12"/>
+          </p:nvPr>
+        </p:nvSpPr>
+        <p:spPr/>
+        <p:txBody>
+          <a:bodyPr/>
+          <a:lstStyle/>
+          <a:p>
+            <a:pPr>
+              <a:defRPr/>
+            </a:pPr>
+            <a:r>
+              <a:rPr lang="en-US" altLang="ja-JP"/>
+              <a:t>    </a:t>
+            </a:r>
+            <a:fld id="{B2782DEB-472A-4FE5-AC34-C17109CF5A91}" type="slidenum">
+              <a:rPr lang="en-US" altLang="ja-JP" smtClean="0"/>
+              <a:pPr>
+                <a:defRPr/>
+              </a:pPr>
+              <a:t>41</a:t>
+            </a:fld>
+            <a:r>
+              <a:rPr lang="en-US" altLang="ja-JP"/>
+              <a:t> / 24</a:t>
+            </a:r>
+          </a:p>
+        </p:txBody>
+      </p:sp>
+      <p:sp>
+        <p:nvSpPr>
+          <p:cNvPr id="4" name="タイトル 3">
+            <a:extLst>
+              <a:ext uri="{FF2B5EF4-FFF2-40B4-BE49-F238E27FC236}">
+                <a16:creationId xmlns:a16="http://schemas.microsoft.com/office/drawing/2014/main" id="{546AC02D-672A-4A07-8151-23EFBBF0BF3D}"/>
+              </a:ext>
+            </a:extLst>
+          </p:cNvPr>
+          <p:cNvSpPr>
+            <a:spLocks noGrp="1"/>
+          </p:cNvSpPr>
+          <p:nvPr>
+            <p:ph type="title"/>
+          </p:nvPr>
+        </p:nvSpPr>
+        <p:spPr/>
+        <p:txBody>
+          <a:bodyPr/>
+          <a:lstStyle/>
+          <a:p>
+            <a:r>
+              <a:rPr kumimoji="1" lang="en-US" altLang="ja-JP"/>
+              <a:t>Poly1305</a:t>
+            </a:r>
+            <a:endParaRPr kumimoji="1" lang="ja-JP" altLang="en-US"/>
+          </a:p>
+        </p:txBody>
+      </p:sp>
+      <p:pic>
+        <p:nvPicPr>
+          <p:cNvPr id="6" name="図 5">
+            <a:extLst>
+              <a:ext uri="{FF2B5EF4-FFF2-40B4-BE49-F238E27FC236}">
+                <a16:creationId xmlns:a16="http://schemas.microsoft.com/office/drawing/2014/main" id="{C333CC4F-9DC8-4C96-95A3-C195A34A6D76}"/>
+              </a:ext>
+            </a:extLst>
+          </p:cNvPr>
+          <p:cNvPicPr>
+            <a:picLocks noChangeAspect="1"/>
+          </p:cNvPicPr>
+          <p:nvPr/>
+        </p:nvPicPr>
+        <p:blipFill>
+          <a:blip r:embed="rId3">
+            <a:extLst>
+              <a:ext uri="{28A0092B-C50C-407E-A947-70E740481C1C}">
+                <a14:useLocalDpi xmlns:a14="http://schemas.microsoft.com/office/drawing/2010/main" val="0"/>
+              </a:ext>
+            </a:extLst>
+          </a:blip>
+          <a:stretch>
+            <a:fillRect/>
+          </a:stretch>
+        </p:blipFill>
+        <p:spPr>
+          <a:xfrm>
+            <a:off x="1045758" y="3088582"/>
+            <a:ext cx="6982626" cy="3508770"/>
+          </a:xfrm>
+          <a:prstGeom prst="rect">
+            <a:avLst/>
+          </a:prstGeom>
+        </p:spPr>
+      </p:pic>
+    </p:spTree>
+    <p:extLst>
+      <p:ext uri="{BB962C8B-B14F-4D97-AF65-F5344CB8AC3E}">
+        <p14:creationId xmlns:p14="http://schemas.microsoft.com/office/powerpoint/2010/main" val="4254682439"/>
       </p:ext>
     </p:extLst>
   </p:cSld>

--- a/lec/anninbon8.pptx
+++ b/lec/anninbon8.pptx
@@ -5,10 +5,10 @@
     <p:sldMasterId id="2147483706" r:id="rId1"/>
   </p:sldMasterIdLst>
   <p:notesMasterIdLst>
-    <p:notesMasterId r:id="rId43"/>
+    <p:notesMasterId r:id="rId28"/>
   </p:notesMasterIdLst>
   <p:handoutMasterIdLst>
-    <p:handoutMasterId r:id="rId44"/>
+    <p:handoutMasterId r:id="rId29"/>
   </p:handoutMasterIdLst>
   <p:sldIdLst>
     <p:sldId id="552" r:id="rId2"/>
@@ -37,21 +37,6 @@
     <p:sldId id="645" r:id="rId25"/>
     <p:sldId id="646" r:id="rId26"/>
     <p:sldId id="647" r:id="rId27"/>
-    <p:sldId id="648" r:id="rId28"/>
-    <p:sldId id="649" r:id="rId29"/>
-    <p:sldId id="650" r:id="rId30"/>
-    <p:sldId id="651" r:id="rId31"/>
-    <p:sldId id="652" r:id="rId32"/>
-    <p:sldId id="653" r:id="rId33"/>
-    <p:sldId id="654" r:id="rId34"/>
-    <p:sldId id="655" r:id="rId35"/>
-    <p:sldId id="656" r:id="rId36"/>
-    <p:sldId id="657" r:id="rId37"/>
-    <p:sldId id="658" r:id="rId38"/>
-    <p:sldId id="659" r:id="rId39"/>
-    <p:sldId id="660" r:id="rId40"/>
-    <p:sldId id="661" r:id="rId41"/>
-    <p:sldId id="662" r:id="rId42"/>
   </p:sldIdLst>
   <p:sldSz cx="9144000" cy="6858000" type="screen4x3"/>
   <p:notesSz cx="7099300" cy="10234613"/>
@@ -211,21 +196,6 @@
             <p14:sldId id="645"/>
             <p14:sldId id="646"/>
             <p14:sldId id="647"/>
-            <p14:sldId id="648"/>
-            <p14:sldId id="649"/>
-            <p14:sldId id="650"/>
-            <p14:sldId id="651"/>
-            <p14:sldId id="652"/>
-            <p14:sldId id="653"/>
-            <p14:sldId id="654"/>
-            <p14:sldId id="655"/>
-            <p14:sldId id="656"/>
-            <p14:sldId id="657"/>
-            <p14:sldId id="658"/>
-            <p14:sldId id="659"/>
-            <p14:sldId id="660"/>
-            <p14:sldId id="661"/>
-            <p14:sldId id="662"/>
           </p14:sldIdLst>
         </p14:section>
       </p14:sectionLst>
@@ -1530,7 +1500,7 @@
             </a:fld>
             <a:r>
               <a:rPr lang="en-US" altLang="ja-JP"/>
-              <a:t> / 24</a:t>
+              <a:t> / 26</a:t>
             </a:r>
           </a:p>
         </p:txBody>
@@ -2755,48 +2725,6 @@
       </mc:AlternateContent>
       <p:sp>
         <p:nvSpPr>
-          <p:cNvPr id="3" name="スライド番号プレースホルダー 2">
-            <a:extLst>
-              <a:ext uri="{FF2B5EF4-FFF2-40B4-BE49-F238E27FC236}">
-                <a16:creationId xmlns:a16="http://schemas.microsoft.com/office/drawing/2014/main" id="{BDEDCEC9-E5D6-4F86-9FAC-F3763DF1EDF3}"/>
-              </a:ext>
-            </a:extLst>
-          </p:cNvPr>
-          <p:cNvSpPr>
-            <a:spLocks noGrp="1"/>
-          </p:cNvSpPr>
-          <p:nvPr>
-            <p:ph type="sldNum" sz="quarter" idx="12"/>
-          </p:nvPr>
-        </p:nvSpPr>
-        <p:spPr/>
-        <p:txBody>
-          <a:bodyPr/>
-          <a:lstStyle/>
-          <a:p>
-            <a:pPr>
-              <a:defRPr/>
-            </a:pPr>
-            <a:r>
-              <a:rPr lang="en-US" altLang="ja-JP"/>
-              <a:t>    </a:t>
-            </a:r>
-            <a:fld id="{B2782DEB-472A-4FE5-AC34-C17109CF5A91}" type="slidenum">
-              <a:rPr lang="en-US" altLang="ja-JP" smtClean="0"/>
-              <a:pPr>
-                <a:defRPr/>
-              </a:pPr>
-              <a:t>10</a:t>
-            </a:fld>
-            <a:r>
-              <a:rPr lang="en-US" altLang="ja-JP"/>
-              <a:t> / 24</a:t>
-            </a:r>
-          </a:p>
-        </p:txBody>
-      </p:sp>
-      <p:sp>
-        <p:nvSpPr>
           <p:cNvPr id="4" name="タイトル 3">
             <a:extLst>
               <a:ext uri="{FF2B5EF4-FFF2-40B4-BE49-F238E27FC236}">
@@ -2868,6 +2796,48 @@
           </a:prstGeom>
         </p:spPr>
       </p:pic>
+      <p:sp>
+        <p:nvSpPr>
+          <p:cNvPr id="5" name="スライド番号プレースホルダー 4">
+            <a:extLst>
+              <a:ext uri="{FF2B5EF4-FFF2-40B4-BE49-F238E27FC236}">
+                <a16:creationId xmlns:a16="http://schemas.microsoft.com/office/drawing/2014/main" id="{EB174885-1203-41CE-9B09-F8329BB63F92}"/>
+              </a:ext>
+            </a:extLst>
+          </p:cNvPr>
+          <p:cNvSpPr>
+            <a:spLocks noGrp="1"/>
+          </p:cNvSpPr>
+          <p:nvPr>
+            <p:ph type="sldNum" sz="quarter" idx="12"/>
+          </p:nvPr>
+        </p:nvSpPr>
+        <p:spPr/>
+        <p:txBody>
+          <a:bodyPr/>
+          <a:lstStyle/>
+          <a:p>
+            <a:pPr>
+              <a:defRPr/>
+            </a:pPr>
+            <a:r>
+              <a:rPr lang="en-US" altLang="ja-JP"/>
+              <a:t>    </a:t>
+            </a:r>
+            <a:fld id="{B2782DEB-472A-4FE5-AC34-C17109CF5A91}" type="slidenum">
+              <a:rPr lang="en-US" altLang="ja-JP" smtClean="0"/>
+              <a:pPr>
+                <a:defRPr/>
+              </a:pPr>
+              <a:t>10</a:t>
+            </a:fld>
+            <a:r>
+              <a:rPr lang="en-US" altLang="ja-JP"/>
+              <a:t> / 26</a:t>
+            </a:r>
+          </a:p>
+        </p:txBody>
+      </p:sp>
     </p:spTree>
     <p:extLst>
       <p:ext uri="{BB962C8B-B14F-4D97-AF65-F5344CB8AC3E}">
@@ -3318,48 +3288,6 @@
       </mc:AlternateContent>
       <p:sp>
         <p:nvSpPr>
-          <p:cNvPr id="3" name="スライド番号プレースホルダー 2">
-            <a:extLst>
-              <a:ext uri="{FF2B5EF4-FFF2-40B4-BE49-F238E27FC236}">
-                <a16:creationId xmlns:a16="http://schemas.microsoft.com/office/drawing/2014/main" id="{236B36F0-1BFA-4332-8881-B762D5BE5B89}"/>
-              </a:ext>
-            </a:extLst>
-          </p:cNvPr>
-          <p:cNvSpPr>
-            <a:spLocks noGrp="1"/>
-          </p:cNvSpPr>
-          <p:nvPr>
-            <p:ph type="sldNum" sz="quarter" idx="12"/>
-          </p:nvPr>
-        </p:nvSpPr>
-        <p:spPr/>
-        <p:txBody>
-          <a:bodyPr/>
-          <a:lstStyle/>
-          <a:p>
-            <a:pPr>
-              <a:defRPr/>
-            </a:pPr>
-            <a:r>
-              <a:rPr lang="en-US" altLang="ja-JP"/>
-              <a:t>    </a:t>
-            </a:r>
-            <a:fld id="{B2782DEB-472A-4FE5-AC34-C17109CF5A91}" type="slidenum">
-              <a:rPr lang="en-US" altLang="ja-JP" smtClean="0"/>
-              <a:pPr>
-                <a:defRPr/>
-              </a:pPr>
-              <a:t>11</a:t>
-            </a:fld>
-            <a:r>
-              <a:rPr lang="en-US" altLang="ja-JP"/>
-              <a:t> / 24</a:t>
-            </a:r>
-          </a:p>
-        </p:txBody>
-      </p:sp>
-      <p:sp>
-        <p:nvSpPr>
           <p:cNvPr id="4" name="タイトル 3">
             <a:extLst>
               <a:ext uri="{FF2B5EF4-FFF2-40B4-BE49-F238E27FC236}">
@@ -3422,6 +3350,48 @@
           </a:prstGeom>
         </p:spPr>
       </p:pic>
+      <p:sp>
+        <p:nvSpPr>
+          <p:cNvPr id="5" name="スライド番号プレースホルダー 4">
+            <a:extLst>
+              <a:ext uri="{FF2B5EF4-FFF2-40B4-BE49-F238E27FC236}">
+                <a16:creationId xmlns:a16="http://schemas.microsoft.com/office/drawing/2014/main" id="{FF8AE337-BC56-43BD-A26E-0772E52FCA5A}"/>
+              </a:ext>
+            </a:extLst>
+          </p:cNvPr>
+          <p:cNvSpPr>
+            <a:spLocks noGrp="1"/>
+          </p:cNvSpPr>
+          <p:nvPr>
+            <p:ph type="sldNum" sz="quarter" idx="12"/>
+          </p:nvPr>
+        </p:nvSpPr>
+        <p:spPr/>
+        <p:txBody>
+          <a:bodyPr/>
+          <a:lstStyle/>
+          <a:p>
+            <a:pPr>
+              <a:defRPr/>
+            </a:pPr>
+            <a:r>
+              <a:rPr lang="en-US" altLang="ja-JP"/>
+              <a:t>    </a:t>
+            </a:r>
+            <a:fld id="{B2782DEB-472A-4FE5-AC34-C17109CF5A91}" type="slidenum">
+              <a:rPr lang="en-US" altLang="ja-JP" smtClean="0"/>
+              <a:pPr>
+                <a:defRPr/>
+              </a:pPr>
+              <a:t>11</a:t>
+            </a:fld>
+            <a:r>
+              <a:rPr lang="en-US" altLang="ja-JP"/>
+              <a:t> / 26</a:t>
+            </a:r>
+          </a:p>
+        </p:txBody>
+      </p:sp>
     </p:spTree>
     <p:extLst>
       <p:ext uri="{BB962C8B-B14F-4D97-AF65-F5344CB8AC3E}">
@@ -3606,48 +3576,6 @@
       </p:sp>
       <p:sp>
         <p:nvSpPr>
-          <p:cNvPr id="3" name="スライド番号プレースホルダー 2">
-            <a:extLst>
-              <a:ext uri="{FF2B5EF4-FFF2-40B4-BE49-F238E27FC236}">
-                <a16:creationId xmlns:a16="http://schemas.microsoft.com/office/drawing/2014/main" id="{3FD5C5CE-1D17-4535-BD47-AE43F6402C65}"/>
-              </a:ext>
-            </a:extLst>
-          </p:cNvPr>
-          <p:cNvSpPr>
-            <a:spLocks noGrp="1"/>
-          </p:cNvSpPr>
-          <p:nvPr>
-            <p:ph type="sldNum" sz="quarter" idx="12"/>
-          </p:nvPr>
-        </p:nvSpPr>
-        <p:spPr/>
-        <p:txBody>
-          <a:bodyPr/>
-          <a:lstStyle/>
-          <a:p>
-            <a:pPr>
-              <a:defRPr/>
-            </a:pPr>
-            <a:r>
-              <a:rPr lang="en-US" altLang="ja-JP"/>
-              <a:t>    </a:t>
-            </a:r>
-            <a:fld id="{B2782DEB-472A-4FE5-AC34-C17109CF5A91}" type="slidenum">
-              <a:rPr lang="en-US" altLang="ja-JP" smtClean="0"/>
-              <a:pPr>
-                <a:defRPr/>
-              </a:pPr>
-              <a:t>12</a:t>
-            </a:fld>
-            <a:r>
-              <a:rPr lang="en-US" altLang="ja-JP"/>
-              <a:t> / 24</a:t>
-            </a:r>
-          </a:p>
-        </p:txBody>
-      </p:sp>
-      <p:sp>
-        <p:nvSpPr>
           <p:cNvPr id="4" name="タイトル 3">
             <a:extLst>
               <a:ext uri="{FF2B5EF4-FFF2-40B4-BE49-F238E27FC236}">
@@ -3710,6 +3638,48 @@
           </a:prstGeom>
         </p:spPr>
       </p:pic>
+      <p:sp>
+        <p:nvSpPr>
+          <p:cNvPr id="5" name="スライド番号プレースホルダー 4">
+            <a:extLst>
+              <a:ext uri="{FF2B5EF4-FFF2-40B4-BE49-F238E27FC236}">
+                <a16:creationId xmlns:a16="http://schemas.microsoft.com/office/drawing/2014/main" id="{E95474C1-5F7A-4CAC-9AB5-8BC37799C53B}"/>
+              </a:ext>
+            </a:extLst>
+          </p:cNvPr>
+          <p:cNvSpPr>
+            <a:spLocks noGrp="1"/>
+          </p:cNvSpPr>
+          <p:nvPr>
+            <p:ph type="sldNum" sz="quarter" idx="12"/>
+          </p:nvPr>
+        </p:nvSpPr>
+        <p:spPr/>
+        <p:txBody>
+          <a:bodyPr/>
+          <a:lstStyle/>
+          <a:p>
+            <a:pPr>
+              <a:defRPr/>
+            </a:pPr>
+            <a:r>
+              <a:rPr lang="en-US" altLang="ja-JP"/>
+              <a:t>    </a:t>
+            </a:r>
+            <a:fld id="{B2782DEB-472A-4FE5-AC34-C17109CF5A91}" type="slidenum">
+              <a:rPr lang="en-US" altLang="ja-JP" smtClean="0"/>
+              <a:pPr>
+                <a:defRPr/>
+              </a:pPr>
+              <a:t>12</a:t>
+            </a:fld>
+            <a:r>
+              <a:rPr lang="en-US" altLang="ja-JP"/>
+              <a:t> / 26</a:t>
+            </a:r>
+          </a:p>
+        </p:txBody>
+      </p:sp>
     </p:spTree>
     <p:extLst>
       <p:ext uri="{BB962C8B-B14F-4D97-AF65-F5344CB8AC3E}">
@@ -4069,48 +4039,6 @@
       </mc:AlternateContent>
       <p:sp>
         <p:nvSpPr>
-          <p:cNvPr id="3" name="スライド番号プレースホルダー 2">
-            <a:extLst>
-              <a:ext uri="{FF2B5EF4-FFF2-40B4-BE49-F238E27FC236}">
-                <a16:creationId xmlns:a16="http://schemas.microsoft.com/office/drawing/2014/main" id="{CBF22FF6-E1E1-458C-9DCA-5AE28385D2AC}"/>
-              </a:ext>
-            </a:extLst>
-          </p:cNvPr>
-          <p:cNvSpPr>
-            <a:spLocks noGrp="1"/>
-          </p:cNvSpPr>
-          <p:nvPr>
-            <p:ph type="sldNum" sz="quarter" idx="12"/>
-          </p:nvPr>
-        </p:nvSpPr>
-        <p:spPr/>
-        <p:txBody>
-          <a:bodyPr/>
-          <a:lstStyle/>
-          <a:p>
-            <a:pPr>
-              <a:defRPr/>
-            </a:pPr>
-            <a:r>
-              <a:rPr lang="en-US" altLang="ja-JP"/>
-              <a:t>    </a:t>
-            </a:r>
-            <a:fld id="{B2782DEB-472A-4FE5-AC34-C17109CF5A91}" type="slidenum">
-              <a:rPr lang="en-US" altLang="ja-JP" smtClean="0"/>
-              <a:pPr>
-                <a:defRPr/>
-              </a:pPr>
-              <a:t>13</a:t>
-            </a:fld>
-            <a:r>
-              <a:rPr lang="en-US" altLang="ja-JP"/>
-              <a:t> / 24</a:t>
-            </a:r>
-          </a:p>
-        </p:txBody>
-      </p:sp>
-      <p:sp>
-        <p:nvSpPr>
           <p:cNvPr id="4" name="タイトル 3">
             <a:extLst>
               <a:ext uri="{FF2B5EF4-FFF2-40B4-BE49-F238E27FC236}">
@@ -4173,6 +4101,48 @@
           </a:prstGeom>
         </p:spPr>
       </p:pic>
+      <p:sp>
+        <p:nvSpPr>
+          <p:cNvPr id="5" name="スライド番号プレースホルダー 4">
+            <a:extLst>
+              <a:ext uri="{FF2B5EF4-FFF2-40B4-BE49-F238E27FC236}">
+                <a16:creationId xmlns:a16="http://schemas.microsoft.com/office/drawing/2014/main" id="{201BA3BD-A5B7-4287-A140-765057F1E0CE}"/>
+              </a:ext>
+            </a:extLst>
+          </p:cNvPr>
+          <p:cNvSpPr>
+            <a:spLocks noGrp="1"/>
+          </p:cNvSpPr>
+          <p:nvPr>
+            <p:ph type="sldNum" sz="quarter" idx="12"/>
+          </p:nvPr>
+        </p:nvSpPr>
+        <p:spPr/>
+        <p:txBody>
+          <a:bodyPr/>
+          <a:lstStyle/>
+          <a:p>
+            <a:pPr>
+              <a:defRPr/>
+            </a:pPr>
+            <a:r>
+              <a:rPr lang="en-US" altLang="ja-JP"/>
+              <a:t>    </a:t>
+            </a:r>
+            <a:fld id="{B2782DEB-472A-4FE5-AC34-C17109CF5A91}" type="slidenum">
+              <a:rPr lang="en-US" altLang="ja-JP" smtClean="0"/>
+              <a:pPr>
+                <a:defRPr/>
+              </a:pPr>
+              <a:t>13</a:t>
+            </a:fld>
+            <a:r>
+              <a:rPr lang="en-US" altLang="ja-JP"/>
+              <a:t> / 26</a:t>
+            </a:r>
+          </a:p>
+        </p:txBody>
+      </p:sp>
     </p:spTree>
     <p:extLst>
       <p:ext uri="{BB962C8B-B14F-4D97-AF65-F5344CB8AC3E}">
@@ -4233,48 +4203,6 @@
       </p:sp>
       <p:sp>
         <p:nvSpPr>
-          <p:cNvPr id="3" name="スライド番号プレースホルダー 2">
-            <a:extLst>
-              <a:ext uri="{FF2B5EF4-FFF2-40B4-BE49-F238E27FC236}">
-                <a16:creationId xmlns:a16="http://schemas.microsoft.com/office/drawing/2014/main" id="{A814F760-3D34-4AC0-8554-178EC1FA9FEF}"/>
-              </a:ext>
-            </a:extLst>
-          </p:cNvPr>
-          <p:cNvSpPr>
-            <a:spLocks noGrp="1"/>
-          </p:cNvSpPr>
-          <p:nvPr>
-            <p:ph type="sldNum" sz="quarter" idx="12"/>
-          </p:nvPr>
-        </p:nvSpPr>
-        <p:spPr/>
-        <p:txBody>
-          <a:bodyPr/>
-          <a:lstStyle/>
-          <a:p>
-            <a:pPr>
-              <a:defRPr/>
-            </a:pPr>
-            <a:r>
-              <a:rPr lang="en-US" altLang="ja-JP"/>
-              <a:t>    </a:t>
-            </a:r>
-            <a:fld id="{B2782DEB-472A-4FE5-AC34-C17109CF5A91}" type="slidenum">
-              <a:rPr lang="en-US" altLang="ja-JP" smtClean="0"/>
-              <a:pPr>
-                <a:defRPr/>
-              </a:pPr>
-              <a:t>14</a:t>
-            </a:fld>
-            <a:r>
-              <a:rPr lang="en-US" altLang="ja-JP"/>
-              <a:t> / 24</a:t>
-            </a:r>
-          </a:p>
-        </p:txBody>
-      </p:sp>
-      <p:sp>
-        <p:nvSpPr>
           <p:cNvPr id="4" name="タイトル 3">
             <a:extLst>
               <a:ext uri="{FF2B5EF4-FFF2-40B4-BE49-F238E27FC236}">
@@ -4338,6 +4266,48 @@
           </a:prstGeom>
         </p:spPr>
       </p:pic>
+      <p:sp>
+        <p:nvSpPr>
+          <p:cNvPr id="5" name="スライド番号プレースホルダー 4">
+            <a:extLst>
+              <a:ext uri="{FF2B5EF4-FFF2-40B4-BE49-F238E27FC236}">
+                <a16:creationId xmlns:a16="http://schemas.microsoft.com/office/drawing/2014/main" id="{B76BAEC1-21E2-46F0-B1C6-2CF1129681A1}"/>
+              </a:ext>
+            </a:extLst>
+          </p:cNvPr>
+          <p:cNvSpPr>
+            <a:spLocks noGrp="1"/>
+          </p:cNvSpPr>
+          <p:nvPr>
+            <p:ph type="sldNum" sz="quarter" idx="12"/>
+          </p:nvPr>
+        </p:nvSpPr>
+        <p:spPr/>
+        <p:txBody>
+          <a:bodyPr/>
+          <a:lstStyle/>
+          <a:p>
+            <a:pPr>
+              <a:defRPr/>
+            </a:pPr>
+            <a:r>
+              <a:rPr lang="en-US" altLang="ja-JP"/>
+              <a:t>    </a:t>
+            </a:r>
+            <a:fld id="{B2782DEB-472A-4FE5-AC34-C17109CF5A91}" type="slidenum">
+              <a:rPr lang="en-US" altLang="ja-JP" smtClean="0"/>
+              <a:pPr>
+                <a:defRPr/>
+              </a:pPr>
+              <a:t>14</a:t>
+            </a:fld>
+            <a:r>
+              <a:rPr lang="en-US" altLang="ja-JP"/>
+              <a:t> / 26</a:t>
+            </a:r>
+          </a:p>
+        </p:txBody>
+      </p:sp>
     </p:spTree>
     <p:extLst>
       <p:ext uri="{BB962C8B-B14F-4D97-AF65-F5344CB8AC3E}">
@@ -4493,48 +4463,6 @@
       </p:sp>
       <p:sp>
         <p:nvSpPr>
-          <p:cNvPr id="3" name="スライド番号プレースホルダー 2">
-            <a:extLst>
-              <a:ext uri="{FF2B5EF4-FFF2-40B4-BE49-F238E27FC236}">
-                <a16:creationId xmlns:a16="http://schemas.microsoft.com/office/drawing/2014/main" id="{128F5827-A416-4854-B43A-BC73158F0F69}"/>
-              </a:ext>
-            </a:extLst>
-          </p:cNvPr>
-          <p:cNvSpPr>
-            <a:spLocks noGrp="1"/>
-          </p:cNvSpPr>
-          <p:nvPr>
-            <p:ph type="sldNum" sz="quarter" idx="12"/>
-          </p:nvPr>
-        </p:nvSpPr>
-        <p:spPr/>
-        <p:txBody>
-          <a:bodyPr/>
-          <a:lstStyle/>
-          <a:p>
-            <a:pPr>
-              <a:defRPr/>
-            </a:pPr>
-            <a:r>
-              <a:rPr lang="en-US" altLang="ja-JP"/>
-              <a:t>    </a:t>
-            </a:r>
-            <a:fld id="{B2782DEB-472A-4FE5-AC34-C17109CF5A91}" type="slidenum">
-              <a:rPr lang="en-US" altLang="ja-JP" smtClean="0"/>
-              <a:pPr>
-                <a:defRPr/>
-              </a:pPr>
-              <a:t>15</a:t>
-            </a:fld>
-            <a:r>
-              <a:rPr lang="en-US" altLang="ja-JP"/>
-              <a:t> / 24</a:t>
-            </a:r>
-          </a:p>
-        </p:txBody>
-      </p:sp>
-      <p:sp>
-        <p:nvSpPr>
           <p:cNvPr id="4" name="タイトル 3">
             <a:extLst>
               <a:ext uri="{FF2B5EF4-FFF2-40B4-BE49-F238E27FC236}">
@@ -4597,6 +4525,48 @@
           </a:prstGeom>
         </p:spPr>
       </p:pic>
+      <p:sp>
+        <p:nvSpPr>
+          <p:cNvPr id="5" name="スライド番号プレースホルダー 4">
+            <a:extLst>
+              <a:ext uri="{FF2B5EF4-FFF2-40B4-BE49-F238E27FC236}">
+                <a16:creationId xmlns:a16="http://schemas.microsoft.com/office/drawing/2014/main" id="{16C3056D-FAA9-4F59-9DA0-F32F40CF1C7A}"/>
+              </a:ext>
+            </a:extLst>
+          </p:cNvPr>
+          <p:cNvSpPr>
+            <a:spLocks noGrp="1"/>
+          </p:cNvSpPr>
+          <p:nvPr>
+            <p:ph type="sldNum" sz="quarter" idx="12"/>
+          </p:nvPr>
+        </p:nvSpPr>
+        <p:spPr/>
+        <p:txBody>
+          <a:bodyPr/>
+          <a:lstStyle/>
+          <a:p>
+            <a:pPr>
+              <a:defRPr/>
+            </a:pPr>
+            <a:r>
+              <a:rPr lang="en-US" altLang="ja-JP"/>
+              <a:t>    </a:t>
+            </a:r>
+            <a:fld id="{B2782DEB-472A-4FE5-AC34-C17109CF5A91}" type="slidenum">
+              <a:rPr lang="en-US" altLang="ja-JP" smtClean="0"/>
+              <a:pPr>
+                <a:defRPr/>
+              </a:pPr>
+              <a:t>15</a:t>
+            </a:fld>
+            <a:r>
+              <a:rPr lang="en-US" altLang="ja-JP"/>
+              <a:t> / 26</a:t>
+            </a:r>
+          </a:p>
+        </p:txBody>
+      </p:sp>
     </p:spTree>
     <p:extLst>
       <p:ext uri="{BB962C8B-B14F-4D97-AF65-F5344CB8AC3E}">
@@ -4757,48 +4727,6 @@
       </p:sp>
       <p:sp>
         <p:nvSpPr>
-          <p:cNvPr id="3" name="スライド番号プレースホルダー 2">
-            <a:extLst>
-              <a:ext uri="{FF2B5EF4-FFF2-40B4-BE49-F238E27FC236}">
-                <a16:creationId xmlns:a16="http://schemas.microsoft.com/office/drawing/2014/main" id="{BA613C14-93DC-487D-A9B4-F6997DAABD92}"/>
-              </a:ext>
-            </a:extLst>
-          </p:cNvPr>
-          <p:cNvSpPr>
-            <a:spLocks noGrp="1"/>
-          </p:cNvSpPr>
-          <p:nvPr>
-            <p:ph type="sldNum" sz="quarter" idx="12"/>
-          </p:nvPr>
-        </p:nvSpPr>
-        <p:spPr/>
-        <p:txBody>
-          <a:bodyPr/>
-          <a:lstStyle/>
-          <a:p>
-            <a:pPr>
-              <a:defRPr/>
-            </a:pPr>
-            <a:r>
-              <a:rPr lang="en-US" altLang="ja-JP"/>
-              <a:t>    </a:t>
-            </a:r>
-            <a:fld id="{B2782DEB-472A-4FE5-AC34-C17109CF5A91}" type="slidenum">
-              <a:rPr lang="en-US" altLang="ja-JP" smtClean="0"/>
-              <a:pPr>
-                <a:defRPr/>
-              </a:pPr>
-              <a:t>16</a:t>
-            </a:fld>
-            <a:r>
-              <a:rPr lang="en-US" altLang="ja-JP"/>
-              <a:t> / 24</a:t>
-            </a:r>
-          </a:p>
-        </p:txBody>
-      </p:sp>
-      <p:sp>
-        <p:nvSpPr>
           <p:cNvPr id="4" name="タイトル 3">
             <a:extLst>
               <a:ext uri="{FF2B5EF4-FFF2-40B4-BE49-F238E27FC236}">
@@ -4866,6 +4794,48 @@
           </a:prstGeom>
         </p:spPr>
       </p:pic>
+      <p:sp>
+        <p:nvSpPr>
+          <p:cNvPr id="5" name="スライド番号プレースホルダー 4">
+            <a:extLst>
+              <a:ext uri="{FF2B5EF4-FFF2-40B4-BE49-F238E27FC236}">
+                <a16:creationId xmlns:a16="http://schemas.microsoft.com/office/drawing/2014/main" id="{53E0A279-2B76-4E0D-BD1E-CA16B8DFC624}"/>
+              </a:ext>
+            </a:extLst>
+          </p:cNvPr>
+          <p:cNvSpPr>
+            <a:spLocks noGrp="1"/>
+          </p:cNvSpPr>
+          <p:nvPr>
+            <p:ph type="sldNum" sz="quarter" idx="12"/>
+          </p:nvPr>
+        </p:nvSpPr>
+        <p:spPr/>
+        <p:txBody>
+          <a:bodyPr/>
+          <a:lstStyle/>
+          <a:p>
+            <a:pPr>
+              <a:defRPr/>
+            </a:pPr>
+            <a:r>
+              <a:rPr lang="en-US" altLang="ja-JP"/>
+              <a:t>    </a:t>
+            </a:r>
+            <a:fld id="{B2782DEB-472A-4FE5-AC34-C17109CF5A91}" type="slidenum">
+              <a:rPr lang="en-US" altLang="ja-JP" smtClean="0"/>
+              <a:pPr>
+                <a:defRPr/>
+              </a:pPr>
+              <a:t>16</a:t>
+            </a:fld>
+            <a:r>
+              <a:rPr lang="en-US" altLang="ja-JP"/>
+              <a:t> / 26</a:t>
+            </a:r>
+          </a:p>
+        </p:txBody>
+      </p:sp>
     </p:spTree>
     <p:extLst>
       <p:ext uri="{BB962C8B-B14F-4D97-AF65-F5344CB8AC3E}">
@@ -4981,48 +4951,6 @@
       </p:sp>
       <p:sp>
         <p:nvSpPr>
-          <p:cNvPr id="3" name="スライド番号プレースホルダー 2">
-            <a:extLst>
-              <a:ext uri="{FF2B5EF4-FFF2-40B4-BE49-F238E27FC236}">
-                <a16:creationId xmlns:a16="http://schemas.microsoft.com/office/drawing/2014/main" id="{119F626E-EC62-4639-8FF8-08906BF40EB7}"/>
-              </a:ext>
-            </a:extLst>
-          </p:cNvPr>
-          <p:cNvSpPr>
-            <a:spLocks noGrp="1"/>
-          </p:cNvSpPr>
-          <p:nvPr>
-            <p:ph type="sldNum" sz="quarter" idx="12"/>
-          </p:nvPr>
-        </p:nvSpPr>
-        <p:spPr/>
-        <p:txBody>
-          <a:bodyPr/>
-          <a:lstStyle/>
-          <a:p>
-            <a:pPr>
-              <a:defRPr/>
-            </a:pPr>
-            <a:r>
-              <a:rPr lang="en-US" altLang="ja-JP"/>
-              <a:t>    </a:t>
-            </a:r>
-            <a:fld id="{B2782DEB-472A-4FE5-AC34-C17109CF5A91}" type="slidenum">
-              <a:rPr lang="en-US" altLang="ja-JP" smtClean="0"/>
-              <a:pPr>
-                <a:defRPr/>
-              </a:pPr>
-              <a:t>17</a:t>
-            </a:fld>
-            <a:r>
-              <a:rPr lang="en-US" altLang="ja-JP"/>
-              <a:t> / 24</a:t>
-            </a:r>
-          </a:p>
-        </p:txBody>
-      </p:sp>
-      <p:sp>
-        <p:nvSpPr>
           <p:cNvPr id="4" name="タイトル 3">
             <a:extLst>
               <a:ext uri="{FF2B5EF4-FFF2-40B4-BE49-F238E27FC236}">
@@ -5121,6 +5049,48 @@
           </a:prstGeom>
         </p:spPr>
       </p:pic>
+      <p:sp>
+        <p:nvSpPr>
+          <p:cNvPr id="5" name="スライド番号プレースホルダー 4">
+            <a:extLst>
+              <a:ext uri="{FF2B5EF4-FFF2-40B4-BE49-F238E27FC236}">
+                <a16:creationId xmlns:a16="http://schemas.microsoft.com/office/drawing/2014/main" id="{B5B66B07-B184-4C05-8021-B7364AE05093}"/>
+              </a:ext>
+            </a:extLst>
+          </p:cNvPr>
+          <p:cNvSpPr>
+            <a:spLocks noGrp="1"/>
+          </p:cNvSpPr>
+          <p:nvPr>
+            <p:ph type="sldNum" sz="quarter" idx="12"/>
+          </p:nvPr>
+        </p:nvSpPr>
+        <p:spPr/>
+        <p:txBody>
+          <a:bodyPr/>
+          <a:lstStyle/>
+          <a:p>
+            <a:pPr>
+              <a:defRPr/>
+            </a:pPr>
+            <a:r>
+              <a:rPr lang="en-US" altLang="ja-JP"/>
+              <a:t>    </a:t>
+            </a:r>
+            <a:fld id="{B2782DEB-472A-4FE5-AC34-C17109CF5A91}" type="slidenum">
+              <a:rPr lang="en-US" altLang="ja-JP" smtClean="0"/>
+              <a:pPr>
+                <a:defRPr/>
+              </a:pPr>
+              <a:t>17</a:t>
+            </a:fld>
+            <a:r>
+              <a:rPr lang="en-US" altLang="ja-JP"/>
+              <a:t> / 26</a:t>
+            </a:r>
+          </a:p>
+        </p:txBody>
+      </p:sp>
     </p:spTree>
     <p:extLst>
       <p:ext uri="{BB962C8B-B14F-4D97-AF65-F5344CB8AC3E}">
@@ -5236,48 +5206,6 @@
       </p:sp>
       <p:sp>
         <p:nvSpPr>
-          <p:cNvPr id="3" name="スライド番号プレースホルダー 2">
-            <a:extLst>
-              <a:ext uri="{FF2B5EF4-FFF2-40B4-BE49-F238E27FC236}">
-                <a16:creationId xmlns:a16="http://schemas.microsoft.com/office/drawing/2014/main" id="{455CE363-2893-4955-B22D-2EB577B755D5}"/>
-              </a:ext>
-            </a:extLst>
-          </p:cNvPr>
-          <p:cNvSpPr>
-            <a:spLocks noGrp="1"/>
-          </p:cNvSpPr>
-          <p:nvPr>
-            <p:ph type="sldNum" sz="quarter" idx="12"/>
-          </p:nvPr>
-        </p:nvSpPr>
-        <p:spPr/>
-        <p:txBody>
-          <a:bodyPr/>
-          <a:lstStyle/>
-          <a:p>
-            <a:pPr>
-              <a:defRPr/>
-            </a:pPr>
-            <a:r>
-              <a:rPr lang="en-US" altLang="ja-JP"/>
-              <a:t>    </a:t>
-            </a:r>
-            <a:fld id="{B2782DEB-472A-4FE5-AC34-C17109CF5A91}" type="slidenum">
-              <a:rPr lang="en-US" altLang="ja-JP" smtClean="0"/>
-              <a:pPr>
-                <a:defRPr/>
-              </a:pPr>
-              <a:t>18</a:t>
-            </a:fld>
-            <a:r>
-              <a:rPr lang="en-US" altLang="ja-JP"/>
-              <a:t> / 24</a:t>
-            </a:r>
-          </a:p>
-        </p:txBody>
-      </p:sp>
-      <p:sp>
-        <p:nvSpPr>
           <p:cNvPr id="4" name="タイトル 3">
             <a:extLst>
               <a:ext uri="{FF2B5EF4-FFF2-40B4-BE49-F238E27FC236}">
@@ -5340,6 +5268,48 @@
           </a:prstGeom>
         </p:spPr>
       </p:pic>
+      <p:sp>
+        <p:nvSpPr>
+          <p:cNvPr id="5" name="スライド番号プレースホルダー 4">
+            <a:extLst>
+              <a:ext uri="{FF2B5EF4-FFF2-40B4-BE49-F238E27FC236}">
+                <a16:creationId xmlns:a16="http://schemas.microsoft.com/office/drawing/2014/main" id="{95AC9442-CDB3-483B-B5E6-8C53A5632E26}"/>
+              </a:ext>
+            </a:extLst>
+          </p:cNvPr>
+          <p:cNvSpPr>
+            <a:spLocks noGrp="1"/>
+          </p:cNvSpPr>
+          <p:nvPr>
+            <p:ph type="sldNum" sz="quarter" idx="12"/>
+          </p:nvPr>
+        </p:nvSpPr>
+        <p:spPr/>
+        <p:txBody>
+          <a:bodyPr/>
+          <a:lstStyle/>
+          <a:p>
+            <a:pPr>
+              <a:defRPr/>
+            </a:pPr>
+            <a:r>
+              <a:rPr lang="en-US" altLang="ja-JP"/>
+              <a:t>    </a:t>
+            </a:r>
+            <a:fld id="{B2782DEB-472A-4FE5-AC34-C17109CF5A91}" type="slidenum">
+              <a:rPr lang="en-US" altLang="ja-JP" smtClean="0"/>
+              <a:pPr>
+                <a:defRPr/>
+              </a:pPr>
+              <a:t>18</a:t>
+            </a:fld>
+            <a:r>
+              <a:rPr lang="en-US" altLang="ja-JP"/>
+              <a:t> / 26</a:t>
+            </a:r>
+          </a:p>
+        </p:txBody>
+      </p:sp>
     </p:spTree>
     <p:extLst>
       <p:ext uri="{BB962C8B-B14F-4D97-AF65-F5344CB8AC3E}">
@@ -5505,48 +5475,6 @@
       </p:sp>
       <p:sp>
         <p:nvSpPr>
-          <p:cNvPr id="3" name="スライド番号プレースホルダー 2">
-            <a:extLst>
-              <a:ext uri="{FF2B5EF4-FFF2-40B4-BE49-F238E27FC236}">
-                <a16:creationId xmlns:a16="http://schemas.microsoft.com/office/drawing/2014/main" id="{308E87EC-4A02-4359-B832-005189B00815}"/>
-              </a:ext>
-            </a:extLst>
-          </p:cNvPr>
-          <p:cNvSpPr>
-            <a:spLocks noGrp="1"/>
-          </p:cNvSpPr>
-          <p:nvPr>
-            <p:ph type="sldNum" sz="quarter" idx="12"/>
-          </p:nvPr>
-        </p:nvSpPr>
-        <p:spPr/>
-        <p:txBody>
-          <a:bodyPr/>
-          <a:lstStyle/>
-          <a:p>
-            <a:pPr>
-              <a:defRPr/>
-            </a:pPr>
-            <a:r>
-              <a:rPr lang="en-US" altLang="ja-JP"/>
-              <a:t>    </a:t>
-            </a:r>
-            <a:fld id="{B2782DEB-472A-4FE5-AC34-C17109CF5A91}" type="slidenum">
-              <a:rPr lang="en-US" altLang="ja-JP" smtClean="0"/>
-              <a:pPr>
-                <a:defRPr/>
-              </a:pPr>
-              <a:t>19</a:t>
-            </a:fld>
-            <a:r>
-              <a:rPr lang="en-US" altLang="ja-JP"/>
-              <a:t> / 24</a:t>
-            </a:r>
-          </a:p>
-        </p:txBody>
-      </p:sp>
-      <p:sp>
-        <p:nvSpPr>
           <p:cNvPr id="4" name="タイトル 3">
             <a:extLst>
               <a:ext uri="{FF2B5EF4-FFF2-40B4-BE49-F238E27FC236}">
@@ -5618,6 +5546,48 @@
           </a:prstGeom>
         </p:spPr>
       </p:pic>
+      <p:sp>
+        <p:nvSpPr>
+          <p:cNvPr id="5" name="スライド番号プレースホルダー 4">
+            <a:extLst>
+              <a:ext uri="{FF2B5EF4-FFF2-40B4-BE49-F238E27FC236}">
+                <a16:creationId xmlns:a16="http://schemas.microsoft.com/office/drawing/2014/main" id="{A8533F82-5DD5-4465-8502-C620DEC9C046}"/>
+              </a:ext>
+            </a:extLst>
+          </p:cNvPr>
+          <p:cNvSpPr>
+            <a:spLocks noGrp="1"/>
+          </p:cNvSpPr>
+          <p:nvPr>
+            <p:ph type="sldNum" sz="quarter" idx="12"/>
+          </p:nvPr>
+        </p:nvSpPr>
+        <p:spPr/>
+        <p:txBody>
+          <a:bodyPr/>
+          <a:lstStyle/>
+          <a:p>
+            <a:pPr>
+              <a:defRPr/>
+            </a:pPr>
+            <a:r>
+              <a:rPr lang="en-US" altLang="ja-JP"/>
+              <a:t>    </a:t>
+            </a:r>
+            <a:fld id="{B2782DEB-472A-4FE5-AC34-C17109CF5A91}" type="slidenum">
+              <a:rPr lang="en-US" altLang="ja-JP" smtClean="0"/>
+              <a:pPr>
+                <a:defRPr/>
+              </a:pPr>
+              <a:t>19</a:t>
+            </a:fld>
+            <a:r>
+              <a:rPr lang="en-US" altLang="ja-JP"/>
+              <a:t> / 26</a:t>
+            </a:r>
+          </a:p>
+        </p:txBody>
+      </p:sp>
     </p:spTree>
     <p:extLst>
       <p:ext uri="{BB962C8B-B14F-4D97-AF65-F5344CB8AC3E}">
@@ -5759,48 +5729,6 @@
       </p:sp>
       <p:sp>
         <p:nvSpPr>
-          <p:cNvPr id="3" name="スライド番号プレースホルダー 2">
-            <a:extLst>
-              <a:ext uri="{FF2B5EF4-FFF2-40B4-BE49-F238E27FC236}">
-                <a16:creationId xmlns:a16="http://schemas.microsoft.com/office/drawing/2014/main" id="{5435B30C-DA83-4204-98FE-EED861E46189}"/>
-              </a:ext>
-            </a:extLst>
-          </p:cNvPr>
-          <p:cNvSpPr>
-            <a:spLocks noGrp="1"/>
-          </p:cNvSpPr>
-          <p:nvPr>
-            <p:ph type="sldNum" sz="quarter" idx="12"/>
-          </p:nvPr>
-        </p:nvSpPr>
-        <p:spPr/>
-        <p:txBody>
-          <a:bodyPr/>
-          <a:lstStyle/>
-          <a:p>
-            <a:pPr>
-              <a:defRPr/>
-            </a:pPr>
-            <a:r>
-              <a:rPr lang="en-US" altLang="ja-JP"/>
-              <a:t>    </a:t>
-            </a:r>
-            <a:fld id="{B2782DEB-472A-4FE5-AC34-C17109CF5A91}" type="slidenum">
-              <a:rPr lang="en-US" altLang="ja-JP" smtClean="0"/>
-              <a:pPr>
-                <a:defRPr/>
-              </a:pPr>
-              <a:t>2</a:t>
-            </a:fld>
-            <a:r>
-              <a:rPr lang="en-US" altLang="ja-JP"/>
-              <a:t> / 24</a:t>
-            </a:r>
-          </a:p>
-        </p:txBody>
-      </p:sp>
-      <p:sp>
-        <p:nvSpPr>
           <p:cNvPr id="4" name="タイトル 3">
             <a:extLst>
               <a:ext uri="{FF2B5EF4-FFF2-40B4-BE49-F238E27FC236}">
@@ -5902,6 +5830,48 @@
           </a:fontRef>
         </p:style>
       </p:cxnSp>
+      <p:sp>
+        <p:nvSpPr>
+          <p:cNvPr id="5" name="スライド番号プレースホルダー 4">
+            <a:extLst>
+              <a:ext uri="{FF2B5EF4-FFF2-40B4-BE49-F238E27FC236}">
+                <a16:creationId xmlns:a16="http://schemas.microsoft.com/office/drawing/2014/main" id="{A2B7ED7B-2667-44B2-8686-2B09BEC76E16}"/>
+              </a:ext>
+            </a:extLst>
+          </p:cNvPr>
+          <p:cNvSpPr>
+            <a:spLocks noGrp="1"/>
+          </p:cNvSpPr>
+          <p:nvPr>
+            <p:ph type="sldNum" sz="quarter" idx="12"/>
+          </p:nvPr>
+        </p:nvSpPr>
+        <p:spPr/>
+        <p:txBody>
+          <a:bodyPr/>
+          <a:lstStyle/>
+          <a:p>
+            <a:pPr>
+              <a:defRPr/>
+            </a:pPr>
+            <a:r>
+              <a:rPr lang="en-US" altLang="ja-JP"/>
+              <a:t>    </a:t>
+            </a:r>
+            <a:fld id="{B2782DEB-472A-4FE5-AC34-C17109CF5A91}" type="slidenum">
+              <a:rPr lang="en-US" altLang="ja-JP" smtClean="0"/>
+              <a:pPr>
+                <a:defRPr/>
+              </a:pPr>
+              <a:t>2</a:t>
+            </a:fld>
+            <a:r>
+              <a:rPr lang="en-US" altLang="ja-JP"/>
+              <a:t> / 26</a:t>
+            </a:r>
+          </a:p>
+        </p:txBody>
+      </p:sp>
     </p:spTree>
     <p:extLst>
       <p:ext uri="{BB962C8B-B14F-4D97-AF65-F5344CB8AC3E}">
@@ -6088,10 +6058,47 @@
       </p:sp>
       <p:sp>
         <p:nvSpPr>
-          <p:cNvPr id="3" name="スライド番号プレースホルダー 2">
+          <p:cNvPr id="4" name="タイトル 3">
             <a:extLst>
               <a:ext uri="{FF2B5EF4-FFF2-40B4-BE49-F238E27FC236}">
-                <a16:creationId xmlns:a16="http://schemas.microsoft.com/office/drawing/2014/main" id="{6BBC87C7-2EE7-4D6C-A272-0B30B6F1FEC9}"/>
+                <a16:creationId xmlns:a16="http://schemas.microsoft.com/office/drawing/2014/main" id="{4F916E1F-C051-4518-8B5F-8C65E68BEC62}"/>
+              </a:ext>
+            </a:extLst>
+          </p:cNvPr>
+          <p:cNvSpPr>
+            <a:spLocks noGrp="1"/>
+          </p:cNvSpPr>
+          <p:nvPr>
+            <p:ph type="title"/>
+          </p:nvPr>
+        </p:nvSpPr>
+        <p:spPr/>
+        <p:txBody>
+          <a:bodyPr/>
+          <a:lstStyle/>
+          <a:p>
+            <a:r>
+              <a:rPr kumimoji="1" lang="en-US" altLang="ja-JP"/>
+              <a:t>OCSP</a:t>
+            </a:r>
+            <a:r>
+              <a:rPr kumimoji="1" lang="ja-JP" altLang="en-US"/>
+              <a:t>ステープリング</a:t>
+            </a:r>
+            <a:r>
+              <a:rPr kumimoji="1" lang="en-US" altLang="ja-JP"/>
+              <a:t>(stapling)</a:t>
+            </a:r>
+            <a:endParaRPr kumimoji="1" lang="ja-JP" altLang="en-US"/>
+          </a:p>
+        </p:txBody>
+      </p:sp>
+      <p:sp>
+        <p:nvSpPr>
+          <p:cNvPr id="5" name="スライド番号プレースホルダー 4">
+            <a:extLst>
+              <a:ext uri="{FF2B5EF4-FFF2-40B4-BE49-F238E27FC236}">
+                <a16:creationId xmlns:a16="http://schemas.microsoft.com/office/drawing/2014/main" id="{37016236-1B35-46E9-8E73-F19C08B8C587}"/>
               </a:ext>
             </a:extLst>
           </p:cNvPr>
@@ -6123,45 +6130,8 @@
             </a:fld>
             <a:r>
               <a:rPr lang="en-US" altLang="ja-JP"/>
-              <a:t> / 24</a:t>
-            </a:r>
-          </a:p>
-        </p:txBody>
-      </p:sp>
-      <p:sp>
-        <p:nvSpPr>
-          <p:cNvPr id="4" name="タイトル 3">
-            <a:extLst>
-              <a:ext uri="{FF2B5EF4-FFF2-40B4-BE49-F238E27FC236}">
-                <a16:creationId xmlns:a16="http://schemas.microsoft.com/office/drawing/2014/main" id="{4F916E1F-C051-4518-8B5F-8C65E68BEC62}"/>
-              </a:ext>
-            </a:extLst>
-          </p:cNvPr>
-          <p:cNvSpPr>
-            <a:spLocks noGrp="1"/>
-          </p:cNvSpPr>
-          <p:nvPr>
-            <p:ph type="title"/>
-          </p:nvPr>
-        </p:nvSpPr>
-        <p:spPr/>
-        <p:txBody>
-          <a:bodyPr/>
-          <a:lstStyle/>
-          <a:p>
-            <a:r>
-              <a:rPr kumimoji="1" lang="en-US" altLang="ja-JP"/>
-              <a:t>OCSP</a:t>
-            </a:r>
-            <a:r>
-              <a:rPr kumimoji="1" lang="ja-JP" altLang="en-US"/>
-              <a:t>ステープリング</a:t>
-            </a:r>
-            <a:r>
-              <a:rPr kumimoji="1" lang="en-US" altLang="ja-JP"/>
-              <a:t>(stapling)</a:t>
-            </a:r>
-            <a:endParaRPr kumimoji="1" lang="ja-JP" altLang="en-US"/>
+              <a:t> / 26</a:t>
+            </a:r>
           </a:p>
         </p:txBody>
       </p:sp>
@@ -6374,10 +6344,38 @@
       </p:sp>
       <p:sp>
         <p:nvSpPr>
-          <p:cNvPr id="3" name="スライド番号プレースホルダー 2">
+          <p:cNvPr id="4" name="タイトル 3">
             <a:extLst>
               <a:ext uri="{FF2B5EF4-FFF2-40B4-BE49-F238E27FC236}">
-                <a16:creationId xmlns:a16="http://schemas.microsoft.com/office/drawing/2014/main" id="{254B2E55-32E9-4BEE-BE2C-AC7D899A8BD6}"/>
+                <a16:creationId xmlns:a16="http://schemas.microsoft.com/office/drawing/2014/main" id="{3E4ED6C8-C9B5-470D-A688-CE4C9FCCCDDD}"/>
+              </a:ext>
+            </a:extLst>
+          </p:cNvPr>
+          <p:cNvSpPr>
+            <a:spLocks noGrp="1"/>
+          </p:cNvSpPr>
+          <p:nvPr>
+            <p:ph type="title"/>
+          </p:nvPr>
+        </p:nvSpPr>
+        <p:spPr/>
+        <p:txBody>
+          <a:bodyPr/>
+          <a:lstStyle/>
+          <a:p>
+            <a:r>
+              <a:rPr kumimoji="1" lang="ja-JP" altLang="en-US"/>
+              <a:t>証明書の発行方法</a:t>
+            </a:r>
+          </a:p>
+        </p:txBody>
+      </p:sp>
+      <p:sp>
+        <p:nvSpPr>
+          <p:cNvPr id="5" name="スライド番号プレースホルダー 4">
+            <a:extLst>
+              <a:ext uri="{FF2B5EF4-FFF2-40B4-BE49-F238E27FC236}">
+                <a16:creationId xmlns:a16="http://schemas.microsoft.com/office/drawing/2014/main" id="{3F83C663-32B1-44EC-B7A3-AC00F8FFAE63}"/>
               </a:ext>
             </a:extLst>
           </p:cNvPr>
@@ -6409,35 +6407,7 @@
             </a:fld>
             <a:r>
               <a:rPr lang="en-US" altLang="ja-JP"/>
-              <a:t> / 24</a:t>
-            </a:r>
-          </a:p>
-        </p:txBody>
-      </p:sp>
-      <p:sp>
-        <p:nvSpPr>
-          <p:cNvPr id="4" name="タイトル 3">
-            <a:extLst>
-              <a:ext uri="{FF2B5EF4-FFF2-40B4-BE49-F238E27FC236}">
-                <a16:creationId xmlns:a16="http://schemas.microsoft.com/office/drawing/2014/main" id="{3E4ED6C8-C9B5-470D-A688-CE4C9FCCCDDD}"/>
-              </a:ext>
-            </a:extLst>
-          </p:cNvPr>
-          <p:cNvSpPr>
-            <a:spLocks noGrp="1"/>
-          </p:cNvSpPr>
-          <p:nvPr>
-            <p:ph type="title"/>
-          </p:nvPr>
-        </p:nvSpPr>
-        <p:spPr/>
-        <p:txBody>
-          <a:bodyPr/>
-          <a:lstStyle/>
-          <a:p>
-            <a:r>
-              <a:rPr kumimoji="1" lang="ja-JP" altLang="en-US"/>
-              <a:t>証明書の発行方法</a:t>
+              <a:t> / 26</a:t>
             </a:r>
           </a:p>
         </p:txBody>
@@ -6533,48 +6503,6 @@
       </p:sp>
       <p:sp>
         <p:nvSpPr>
-          <p:cNvPr id="3" name="スライド番号プレースホルダー 2">
-            <a:extLst>
-              <a:ext uri="{FF2B5EF4-FFF2-40B4-BE49-F238E27FC236}">
-                <a16:creationId xmlns:a16="http://schemas.microsoft.com/office/drawing/2014/main" id="{C390B1E7-ECC7-4D43-BA65-3EC3CBA07981}"/>
-              </a:ext>
-            </a:extLst>
-          </p:cNvPr>
-          <p:cNvSpPr>
-            <a:spLocks noGrp="1"/>
-          </p:cNvSpPr>
-          <p:nvPr>
-            <p:ph type="sldNum" sz="quarter" idx="12"/>
-          </p:nvPr>
-        </p:nvSpPr>
-        <p:spPr/>
-        <p:txBody>
-          <a:bodyPr/>
-          <a:lstStyle/>
-          <a:p>
-            <a:pPr>
-              <a:defRPr/>
-            </a:pPr>
-            <a:r>
-              <a:rPr lang="en-US" altLang="ja-JP"/>
-              <a:t>    </a:t>
-            </a:r>
-            <a:fld id="{B2782DEB-472A-4FE5-AC34-C17109CF5A91}" type="slidenum">
-              <a:rPr lang="en-US" altLang="ja-JP" smtClean="0"/>
-              <a:pPr>
-                <a:defRPr/>
-              </a:pPr>
-              <a:t>22</a:t>
-            </a:fld>
-            <a:r>
-              <a:rPr lang="en-US" altLang="ja-JP"/>
-              <a:t> / 24</a:t>
-            </a:r>
-          </a:p>
-        </p:txBody>
-      </p:sp>
-      <p:sp>
-        <p:nvSpPr>
           <p:cNvPr id="4" name="タイトル 3">
             <a:extLst>
               <a:ext uri="{FF2B5EF4-FFF2-40B4-BE49-F238E27FC236}">
@@ -6637,6 +6565,48 @@
           </a:prstGeom>
         </p:spPr>
       </p:pic>
+      <p:sp>
+        <p:nvSpPr>
+          <p:cNvPr id="5" name="スライド番号プレースホルダー 4">
+            <a:extLst>
+              <a:ext uri="{FF2B5EF4-FFF2-40B4-BE49-F238E27FC236}">
+                <a16:creationId xmlns:a16="http://schemas.microsoft.com/office/drawing/2014/main" id="{427E409E-D4F0-4F87-916A-ECC74A6A496B}"/>
+              </a:ext>
+            </a:extLst>
+          </p:cNvPr>
+          <p:cNvSpPr>
+            <a:spLocks noGrp="1"/>
+          </p:cNvSpPr>
+          <p:nvPr>
+            <p:ph type="sldNum" sz="quarter" idx="12"/>
+          </p:nvPr>
+        </p:nvSpPr>
+        <p:spPr/>
+        <p:txBody>
+          <a:bodyPr/>
+          <a:lstStyle/>
+          <a:p>
+            <a:pPr>
+              <a:defRPr/>
+            </a:pPr>
+            <a:r>
+              <a:rPr lang="en-US" altLang="ja-JP"/>
+              <a:t>    </a:t>
+            </a:r>
+            <a:fld id="{B2782DEB-472A-4FE5-AC34-C17109CF5A91}" type="slidenum">
+              <a:rPr lang="en-US" altLang="ja-JP" smtClean="0"/>
+              <a:pPr>
+                <a:defRPr/>
+              </a:pPr>
+              <a:t>22</a:t>
+            </a:fld>
+            <a:r>
+              <a:rPr lang="en-US" altLang="ja-JP"/>
+              <a:t> / 26</a:t>
+            </a:r>
+          </a:p>
+        </p:txBody>
+      </p:sp>
     </p:spTree>
     <p:extLst>
       <p:ext uri="{BB962C8B-B14F-4D97-AF65-F5344CB8AC3E}">
@@ -6809,10 +6779,38 @@
       </p:sp>
       <p:sp>
         <p:nvSpPr>
-          <p:cNvPr id="3" name="スライド番号プレースホルダー 2">
+          <p:cNvPr id="4" name="タイトル 3">
             <a:extLst>
               <a:ext uri="{FF2B5EF4-FFF2-40B4-BE49-F238E27FC236}">
-                <a16:creationId xmlns:a16="http://schemas.microsoft.com/office/drawing/2014/main" id="{3A0105AD-C9EF-4C78-A866-7C56DA46D677}"/>
+                <a16:creationId xmlns:a16="http://schemas.microsoft.com/office/drawing/2014/main" id="{926C577F-FFC0-420B-947F-30743FA03D96}"/>
+              </a:ext>
+            </a:extLst>
+          </p:cNvPr>
+          <p:cNvSpPr>
+            <a:spLocks noGrp="1"/>
+          </p:cNvSpPr>
+          <p:nvPr>
+            <p:ph type="title"/>
+          </p:nvPr>
+        </p:nvSpPr>
+        <p:spPr/>
+        <p:txBody>
+          <a:bodyPr/>
+          <a:lstStyle/>
+          <a:p>
+            <a:r>
+              <a:rPr kumimoji="1" lang="ja-JP" altLang="en-US"/>
+              <a:t>その他の認証</a:t>
+            </a:r>
+          </a:p>
+        </p:txBody>
+      </p:sp>
+      <p:sp>
+        <p:nvSpPr>
+          <p:cNvPr id="5" name="スライド番号プレースホルダー 4">
+            <a:extLst>
+              <a:ext uri="{FF2B5EF4-FFF2-40B4-BE49-F238E27FC236}">
+                <a16:creationId xmlns:a16="http://schemas.microsoft.com/office/drawing/2014/main" id="{5A5AEA9A-8230-40C8-A490-5E71B210BBEB}"/>
               </a:ext>
             </a:extLst>
           </p:cNvPr>
@@ -6844,35 +6842,7 @@
             </a:fld>
             <a:r>
               <a:rPr lang="en-US" altLang="ja-JP"/>
-              <a:t> / 24</a:t>
-            </a:r>
-          </a:p>
-        </p:txBody>
-      </p:sp>
-      <p:sp>
-        <p:nvSpPr>
-          <p:cNvPr id="4" name="タイトル 3">
-            <a:extLst>
-              <a:ext uri="{FF2B5EF4-FFF2-40B4-BE49-F238E27FC236}">
-                <a16:creationId xmlns:a16="http://schemas.microsoft.com/office/drawing/2014/main" id="{926C577F-FFC0-420B-947F-30743FA03D96}"/>
-              </a:ext>
-            </a:extLst>
-          </p:cNvPr>
-          <p:cNvSpPr>
-            <a:spLocks noGrp="1"/>
-          </p:cNvSpPr>
-          <p:nvPr>
-            <p:ph type="title"/>
-          </p:nvPr>
-        </p:nvSpPr>
-        <p:spPr/>
-        <p:txBody>
-          <a:bodyPr/>
-          <a:lstStyle/>
-          <a:p>
-            <a:r>
-              <a:rPr kumimoji="1" lang="ja-JP" altLang="en-US"/>
-              <a:t>その他の認証</a:t>
+              <a:t> / 26</a:t>
             </a:r>
           </a:p>
         </p:txBody>
@@ -7060,48 +7030,6 @@
       </p:sp>
       <p:sp>
         <p:nvSpPr>
-          <p:cNvPr id="3" name="スライド番号プレースホルダー 2">
-            <a:extLst>
-              <a:ext uri="{FF2B5EF4-FFF2-40B4-BE49-F238E27FC236}">
-                <a16:creationId xmlns:a16="http://schemas.microsoft.com/office/drawing/2014/main" id="{F580C328-2DDB-4F4F-8727-5F5D9EF6EBC1}"/>
-              </a:ext>
-            </a:extLst>
-          </p:cNvPr>
-          <p:cNvSpPr>
-            <a:spLocks noGrp="1"/>
-          </p:cNvSpPr>
-          <p:nvPr>
-            <p:ph type="sldNum" sz="quarter" idx="12"/>
-          </p:nvPr>
-        </p:nvSpPr>
-        <p:spPr/>
-        <p:txBody>
-          <a:bodyPr/>
-          <a:lstStyle/>
-          <a:p>
-            <a:pPr>
-              <a:defRPr/>
-            </a:pPr>
-            <a:r>
-              <a:rPr lang="en-US" altLang="ja-JP"/>
-              <a:t>    </a:t>
-            </a:r>
-            <a:fld id="{B2782DEB-472A-4FE5-AC34-C17109CF5A91}" type="slidenum">
-              <a:rPr lang="en-US" altLang="ja-JP" smtClean="0"/>
-              <a:pPr>
-                <a:defRPr/>
-              </a:pPr>
-              <a:t>24</a:t>
-            </a:fld>
-            <a:r>
-              <a:rPr lang="en-US" altLang="ja-JP"/>
-              <a:t> / 24</a:t>
-            </a:r>
-          </a:p>
-        </p:txBody>
-      </p:sp>
-      <p:sp>
-        <p:nvSpPr>
           <p:cNvPr id="4" name="タイトル 3">
             <a:extLst>
               <a:ext uri="{FF2B5EF4-FFF2-40B4-BE49-F238E27FC236}">
@@ -7169,6 +7097,48 @@
           </a:prstGeom>
         </p:spPr>
       </p:pic>
+      <p:sp>
+        <p:nvSpPr>
+          <p:cNvPr id="5" name="スライド番号プレースホルダー 4">
+            <a:extLst>
+              <a:ext uri="{FF2B5EF4-FFF2-40B4-BE49-F238E27FC236}">
+                <a16:creationId xmlns:a16="http://schemas.microsoft.com/office/drawing/2014/main" id="{F607ED9A-D344-48CE-B2EA-EFDD04D33AD5}"/>
+              </a:ext>
+            </a:extLst>
+          </p:cNvPr>
+          <p:cNvSpPr>
+            <a:spLocks noGrp="1"/>
+          </p:cNvSpPr>
+          <p:nvPr>
+            <p:ph type="sldNum" sz="quarter" idx="12"/>
+          </p:nvPr>
+        </p:nvSpPr>
+        <p:spPr/>
+        <p:txBody>
+          <a:bodyPr/>
+          <a:lstStyle/>
+          <a:p>
+            <a:pPr>
+              <a:defRPr/>
+            </a:pPr>
+            <a:r>
+              <a:rPr lang="en-US" altLang="ja-JP"/>
+              <a:t>    </a:t>
+            </a:r>
+            <a:fld id="{B2782DEB-472A-4FE5-AC34-C17109CF5A91}" type="slidenum">
+              <a:rPr lang="en-US" altLang="ja-JP" smtClean="0"/>
+              <a:pPr>
+                <a:defRPr/>
+              </a:pPr>
+              <a:t>24</a:t>
+            </a:fld>
+            <a:r>
+              <a:rPr lang="en-US" altLang="ja-JP"/>
+              <a:t> / 26</a:t>
+            </a:r>
+          </a:p>
+        </p:txBody>
+      </p:sp>
     </p:spTree>
     <p:extLst>
       <p:ext uri="{BB962C8B-B14F-4D97-AF65-F5344CB8AC3E}">
@@ -7289,48 +7259,6 @@
       </p:sp>
       <p:sp>
         <p:nvSpPr>
-          <p:cNvPr id="3" name="スライド番号プレースホルダー 2">
-            <a:extLst>
-              <a:ext uri="{FF2B5EF4-FFF2-40B4-BE49-F238E27FC236}">
-                <a16:creationId xmlns:a16="http://schemas.microsoft.com/office/drawing/2014/main" id="{AB643355-70C1-4526-875A-17B40CEA432B}"/>
-              </a:ext>
-            </a:extLst>
-          </p:cNvPr>
-          <p:cNvSpPr>
-            <a:spLocks noGrp="1"/>
-          </p:cNvSpPr>
-          <p:nvPr>
-            <p:ph type="sldNum" sz="quarter" idx="12"/>
-          </p:nvPr>
-        </p:nvSpPr>
-        <p:spPr/>
-        <p:txBody>
-          <a:bodyPr/>
-          <a:lstStyle/>
-          <a:p>
-            <a:pPr>
-              <a:defRPr/>
-            </a:pPr>
-            <a:r>
-              <a:rPr lang="en-US" altLang="ja-JP"/>
-              <a:t>    </a:t>
-            </a:r>
-            <a:fld id="{B2782DEB-472A-4FE5-AC34-C17109CF5A91}" type="slidenum">
-              <a:rPr lang="en-US" altLang="ja-JP" smtClean="0"/>
-              <a:pPr>
-                <a:defRPr/>
-              </a:pPr>
-              <a:t>25</a:t>
-            </a:fld>
-            <a:r>
-              <a:rPr lang="en-US" altLang="ja-JP"/>
-              <a:t> / 24</a:t>
-            </a:r>
-          </a:p>
-        </p:txBody>
-      </p:sp>
-      <p:sp>
-        <p:nvSpPr>
           <p:cNvPr id="4" name="タイトル 3">
             <a:extLst>
               <a:ext uri="{FF2B5EF4-FFF2-40B4-BE49-F238E27FC236}">
@@ -7397,6 +7325,48 @@
           </a:prstGeom>
         </p:spPr>
       </p:pic>
+      <p:sp>
+        <p:nvSpPr>
+          <p:cNvPr id="5" name="スライド番号プレースホルダー 4">
+            <a:extLst>
+              <a:ext uri="{FF2B5EF4-FFF2-40B4-BE49-F238E27FC236}">
+                <a16:creationId xmlns:a16="http://schemas.microsoft.com/office/drawing/2014/main" id="{4846C59E-F18E-4097-8B00-4E2F49EB67F1}"/>
+              </a:ext>
+            </a:extLst>
+          </p:cNvPr>
+          <p:cNvSpPr>
+            <a:spLocks noGrp="1"/>
+          </p:cNvSpPr>
+          <p:nvPr>
+            <p:ph type="sldNum" sz="quarter" idx="12"/>
+          </p:nvPr>
+        </p:nvSpPr>
+        <p:spPr/>
+        <p:txBody>
+          <a:bodyPr/>
+          <a:lstStyle/>
+          <a:p>
+            <a:pPr>
+              <a:defRPr/>
+            </a:pPr>
+            <a:r>
+              <a:rPr lang="en-US" altLang="ja-JP"/>
+              <a:t>    </a:t>
+            </a:r>
+            <a:fld id="{B2782DEB-472A-4FE5-AC34-C17109CF5A91}" type="slidenum">
+              <a:rPr lang="en-US" altLang="ja-JP" smtClean="0"/>
+              <a:pPr>
+                <a:defRPr/>
+              </a:pPr>
+              <a:t>25</a:t>
+            </a:fld>
+            <a:r>
+              <a:rPr lang="en-US" altLang="ja-JP"/>
+              <a:t> / 26</a:t>
+            </a:r>
+          </a:p>
+        </p:txBody>
+      </p:sp>
     </p:spTree>
     <p:extLst>
       <p:ext uri="{BB962C8B-B14F-4D97-AF65-F5344CB8AC3E}">
@@ -7558,10 +7528,42 @@
       </p:sp>
       <p:sp>
         <p:nvSpPr>
-          <p:cNvPr id="3" name="スライド番号プレースホルダー 2">
+          <p:cNvPr id="4" name="タイトル 3">
             <a:extLst>
               <a:ext uri="{FF2B5EF4-FFF2-40B4-BE49-F238E27FC236}">
-                <a16:creationId xmlns:a16="http://schemas.microsoft.com/office/drawing/2014/main" id="{1AD27254-2156-460F-AB2B-761AC52781E0}"/>
+                <a16:creationId xmlns:a16="http://schemas.microsoft.com/office/drawing/2014/main" id="{91E58212-E153-4EC4-B90E-FBF478AE2BC2}"/>
+              </a:ext>
+            </a:extLst>
+          </p:cNvPr>
+          <p:cNvSpPr>
+            <a:spLocks noGrp="1"/>
+          </p:cNvSpPr>
+          <p:nvPr>
+            <p:ph type="title"/>
+          </p:nvPr>
+        </p:nvSpPr>
+        <p:spPr/>
+        <p:txBody>
+          <a:bodyPr/>
+          <a:lstStyle/>
+          <a:p>
+            <a:r>
+              <a:rPr kumimoji="1" lang="en-US" altLang="ja-JP"/>
+              <a:t>CT</a:t>
+            </a:r>
+            <a:r>
+              <a:rPr kumimoji="1" lang="ja-JP" altLang="en-US"/>
+              <a:t>の問題点</a:t>
+            </a:r>
+          </a:p>
+        </p:txBody>
+      </p:sp>
+      <p:sp>
+        <p:nvSpPr>
+          <p:cNvPr id="5" name="スライド番号プレースホルダー 4">
+            <a:extLst>
+              <a:ext uri="{FF2B5EF4-FFF2-40B4-BE49-F238E27FC236}">
+                <a16:creationId xmlns:a16="http://schemas.microsoft.com/office/drawing/2014/main" id="{A38DC4F2-69C2-48EB-9FF1-24F8CE861123}"/>
               </a:ext>
             </a:extLst>
           </p:cNvPr>
@@ -7593,39 +7595,7 @@
             </a:fld>
             <a:r>
               <a:rPr lang="en-US" altLang="ja-JP"/>
-              <a:t> / 24</a:t>
-            </a:r>
-          </a:p>
-        </p:txBody>
-      </p:sp>
-      <p:sp>
-        <p:nvSpPr>
-          <p:cNvPr id="4" name="タイトル 3">
-            <a:extLst>
-              <a:ext uri="{FF2B5EF4-FFF2-40B4-BE49-F238E27FC236}">
-                <a16:creationId xmlns:a16="http://schemas.microsoft.com/office/drawing/2014/main" id="{91E58212-E153-4EC4-B90E-FBF478AE2BC2}"/>
-              </a:ext>
-            </a:extLst>
-          </p:cNvPr>
-          <p:cNvSpPr>
-            <a:spLocks noGrp="1"/>
-          </p:cNvSpPr>
-          <p:nvPr>
-            <p:ph type="title"/>
-          </p:nvPr>
-        </p:nvSpPr>
-        <p:spPr/>
-        <p:txBody>
-          <a:bodyPr/>
-          <a:lstStyle/>
-          <a:p>
-            <a:r>
-              <a:rPr kumimoji="1" lang="en-US" altLang="ja-JP"/>
-              <a:t>CT</a:t>
-            </a:r>
-            <a:r>
-              <a:rPr kumimoji="1" lang="ja-JP" altLang="en-US"/>
-              <a:t>の問題点</a:t>
+              <a:t> / 26</a:t>
             </a:r>
           </a:p>
         </p:txBody>
@@ -7634,1185 +7604,6 @@
     <p:extLst>
       <p:ext uri="{BB962C8B-B14F-4D97-AF65-F5344CB8AC3E}">
         <p14:creationId xmlns:p14="http://schemas.microsoft.com/office/powerpoint/2010/main" val="2001668621"/>
-      </p:ext>
-    </p:extLst>
-  </p:cSld>
-  <p:clrMapOvr>
-    <a:masterClrMapping/>
-  </p:clrMapOvr>
-</p:sld>
-</file>
-
-<file path=ppt/slides/slide27.xml><?xml version="1.0" encoding="utf-8"?>
-<p:sld xmlns:a="http://schemas.openxmlformats.org/drawingml/2006/main" xmlns:r="http://schemas.openxmlformats.org/officeDocument/2006/relationships" xmlns:p="http://schemas.openxmlformats.org/presentationml/2006/main">
-  <p:cSld>
-    <p:spTree>
-      <p:nvGrpSpPr>
-        <p:cNvPr id="1" name=""/>
-        <p:cNvGrpSpPr/>
-        <p:nvPr/>
-      </p:nvGrpSpPr>
-      <p:grpSpPr>
-        <a:xfrm>
-          <a:off x="0" y="0"/>
-          <a:ext cx="0" cy="0"/>
-          <a:chOff x="0" y="0"/>
-          <a:chExt cx="0" cy="0"/>
-        </a:xfrm>
-      </p:grpSpPr>
-      <p:sp>
-        <p:nvSpPr>
-          <p:cNvPr id="2" name="コンテンツ プレースホルダー 1">
-            <a:extLst>
-              <a:ext uri="{FF2B5EF4-FFF2-40B4-BE49-F238E27FC236}">
-                <a16:creationId xmlns:a16="http://schemas.microsoft.com/office/drawing/2014/main" id="{B85D75A0-4DAD-4392-8991-B6577ABCBD52}"/>
-              </a:ext>
-            </a:extLst>
-          </p:cNvPr>
-          <p:cNvSpPr>
-            <a:spLocks noGrp="1"/>
-          </p:cNvSpPr>
-          <p:nvPr>
-            <p:ph idx="1"/>
-          </p:nvPr>
-        </p:nvSpPr>
-        <p:spPr/>
-        <p:txBody>
-          <a:bodyPr/>
-          <a:lstStyle/>
-          <a:p>
-            <a:r>
-              <a:rPr kumimoji="1" lang="en-US" altLang="ja-JP"/>
-              <a:t>HTTP</a:t>
-            </a:r>
-            <a:r>
-              <a:rPr kumimoji="1" lang="ja-JP" altLang="en-US"/>
-              <a:t>を安全に通信するためのプロトコル</a:t>
-            </a:r>
-            <a:endParaRPr kumimoji="1" lang="en-US" altLang="ja-JP"/>
-          </a:p>
-          <a:p>
-            <a:pPr lvl="1"/>
-            <a:r>
-              <a:rPr kumimoji="1" lang="en-US" altLang="ja-JP"/>
-              <a:t>2021</a:t>
-            </a:r>
-            <a:r>
-              <a:rPr kumimoji="1" lang="ja-JP" altLang="en-US"/>
-              <a:t>年の時点で最新</a:t>
-            </a:r>
-            <a:endParaRPr kumimoji="1" lang="en-US" altLang="ja-JP"/>
-          </a:p>
-          <a:p>
-            <a:pPr lvl="1"/>
-            <a:r>
-              <a:rPr lang="en-US" altLang="ja-JP"/>
-              <a:t>TLS 1.2</a:t>
-            </a:r>
-            <a:r>
-              <a:rPr lang="ja-JP" altLang="en-US"/>
-              <a:t>までに見つかっていた様々な問題の改善</a:t>
-            </a:r>
-            <a:endParaRPr lang="en-US" altLang="ja-JP"/>
-          </a:p>
-          <a:p>
-            <a:r>
-              <a:rPr lang="ja-JP" altLang="en-US"/>
-              <a:t>特長</a:t>
-            </a:r>
-            <a:endParaRPr lang="en-US" altLang="ja-JP"/>
-          </a:p>
-          <a:p>
-            <a:pPr lvl="1"/>
-            <a:r>
-              <a:rPr kumimoji="1" lang="ja-JP" altLang="en-US"/>
-              <a:t>性能の向上</a:t>
-            </a:r>
-            <a:endParaRPr kumimoji="1" lang="en-US" altLang="ja-JP"/>
-          </a:p>
-          <a:p>
-            <a:pPr lvl="2"/>
-            <a:r>
-              <a:rPr kumimoji="1" lang="ja-JP" altLang="en-US"/>
-              <a:t>ハンドシェイクの効率化</a:t>
-            </a:r>
-            <a:endParaRPr kumimoji="1" lang="en-US" altLang="ja-JP"/>
-          </a:p>
-          <a:p>
-            <a:pPr lvl="1"/>
-            <a:r>
-              <a:rPr kumimoji="1" lang="ja-JP" altLang="en-US"/>
-              <a:t>安全性の向上</a:t>
-            </a:r>
-            <a:endParaRPr kumimoji="1" lang="en-US" altLang="ja-JP"/>
-          </a:p>
-          <a:p>
-            <a:pPr lvl="2"/>
-            <a:r>
-              <a:rPr kumimoji="1" lang="ja-JP" altLang="en-US"/>
-              <a:t>暗号化アルゴリズムの整備</a:t>
-            </a:r>
-            <a:endParaRPr kumimoji="1" lang="en-US" altLang="ja-JP"/>
-          </a:p>
-          <a:p>
-            <a:pPr lvl="2"/>
-            <a:r>
-              <a:rPr kumimoji="1" lang="ja-JP" altLang="en-US"/>
-              <a:t>新しい鍵導出アルゴリズム</a:t>
-            </a:r>
-            <a:endParaRPr kumimoji="1" lang="en-US" altLang="ja-JP"/>
-          </a:p>
-          <a:p>
-            <a:pPr lvl="2"/>
-            <a:r>
-              <a:rPr kumimoji="1" lang="ja-JP" altLang="en-US"/>
-              <a:t>形式検証</a:t>
-            </a:r>
-            <a:endParaRPr kumimoji="1" lang="en-US" altLang="ja-JP"/>
-          </a:p>
-          <a:p>
-            <a:pPr lvl="2"/>
-            <a:r>
-              <a:rPr kumimoji="1" lang="ja-JP" altLang="en-US"/>
-              <a:t>認証付き暗号</a:t>
-            </a:r>
-            <a:endParaRPr kumimoji="1" lang="en-US" altLang="ja-JP"/>
-          </a:p>
-          <a:p>
-            <a:pPr lvl="2"/>
-            <a:r>
-              <a:rPr kumimoji="1" lang="ja-JP" altLang="en-US"/>
-              <a:t>前方秘匿性</a:t>
-            </a:r>
-          </a:p>
-          <a:p>
-            <a:pPr lvl="1"/>
-            <a:endParaRPr kumimoji="1" lang="ja-JP" altLang="en-US"/>
-          </a:p>
-        </p:txBody>
-      </p:sp>
-      <p:sp>
-        <p:nvSpPr>
-          <p:cNvPr id="3" name="スライド番号プレースホルダー 2">
-            <a:extLst>
-              <a:ext uri="{FF2B5EF4-FFF2-40B4-BE49-F238E27FC236}">
-                <a16:creationId xmlns:a16="http://schemas.microsoft.com/office/drawing/2014/main" id="{1FC8EA79-B0FE-4AA6-8D03-F2593ED12610}"/>
-              </a:ext>
-            </a:extLst>
-          </p:cNvPr>
-          <p:cNvSpPr>
-            <a:spLocks noGrp="1"/>
-          </p:cNvSpPr>
-          <p:nvPr>
-            <p:ph type="sldNum" sz="quarter" idx="12"/>
-          </p:nvPr>
-        </p:nvSpPr>
-        <p:spPr/>
-        <p:txBody>
-          <a:bodyPr/>
-          <a:lstStyle/>
-          <a:p>
-            <a:pPr>
-              <a:defRPr/>
-            </a:pPr>
-            <a:r>
-              <a:rPr lang="en-US" altLang="ja-JP"/>
-              <a:t>    </a:t>
-            </a:r>
-            <a:fld id="{B2782DEB-472A-4FE5-AC34-C17109CF5A91}" type="slidenum">
-              <a:rPr lang="en-US" altLang="ja-JP" smtClean="0"/>
-              <a:pPr>
-                <a:defRPr/>
-              </a:pPr>
-              <a:t>27</a:t>
-            </a:fld>
-            <a:r>
-              <a:rPr lang="en-US" altLang="ja-JP"/>
-              <a:t> / 24</a:t>
-            </a:r>
-          </a:p>
-        </p:txBody>
-      </p:sp>
-      <p:sp>
-        <p:nvSpPr>
-          <p:cNvPr id="4" name="タイトル 3">
-            <a:extLst>
-              <a:ext uri="{FF2B5EF4-FFF2-40B4-BE49-F238E27FC236}">
-                <a16:creationId xmlns:a16="http://schemas.microsoft.com/office/drawing/2014/main" id="{DD62AC7D-19D4-4FC4-ADEA-DD53FEE75A10}"/>
-              </a:ext>
-            </a:extLst>
-          </p:cNvPr>
-          <p:cNvSpPr>
-            <a:spLocks noGrp="1"/>
-          </p:cNvSpPr>
-          <p:nvPr>
-            <p:ph type="title"/>
-          </p:nvPr>
-        </p:nvSpPr>
-        <p:spPr/>
-        <p:txBody>
-          <a:bodyPr/>
-          <a:lstStyle/>
-          <a:p>
-            <a:r>
-              <a:rPr kumimoji="1" lang="en-US" altLang="ja-JP"/>
-              <a:t>TLS 1.3</a:t>
-            </a:r>
-            <a:endParaRPr kumimoji="1" lang="ja-JP" altLang="en-US"/>
-          </a:p>
-        </p:txBody>
-      </p:sp>
-    </p:spTree>
-    <p:extLst>
-      <p:ext uri="{BB962C8B-B14F-4D97-AF65-F5344CB8AC3E}">
-        <p14:creationId xmlns:p14="http://schemas.microsoft.com/office/powerpoint/2010/main" val="1250103855"/>
-      </p:ext>
-    </p:extLst>
-  </p:cSld>
-  <p:clrMapOvr>
-    <a:masterClrMapping/>
-  </p:clrMapOvr>
-</p:sld>
-</file>
-
-<file path=ppt/slides/slide28.xml><?xml version="1.0" encoding="utf-8"?>
-<p:sld xmlns:a="http://schemas.openxmlformats.org/drawingml/2006/main" xmlns:r="http://schemas.openxmlformats.org/officeDocument/2006/relationships" xmlns:p="http://schemas.openxmlformats.org/presentationml/2006/main">
-  <p:cSld>
-    <p:spTree>
-      <p:nvGrpSpPr>
-        <p:cNvPr id="1" name=""/>
-        <p:cNvGrpSpPr/>
-        <p:nvPr/>
-      </p:nvGrpSpPr>
-      <p:grpSpPr>
-        <a:xfrm>
-          <a:off x="0" y="0"/>
-          <a:ext cx="0" cy="0"/>
-          <a:chOff x="0" y="0"/>
-          <a:chExt cx="0" cy="0"/>
-        </a:xfrm>
-      </p:grpSpPr>
-      <p:sp>
-        <p:nvSpPr>
-          <p:cNvPr id="2" name="コンテンツ プレースホルダー 1">
-            <a:extLst>
-              <a:ext uri="{FF2B5EF4-FFF2-40B4-BE49-F238E27FC236}">
-                <a16:creationId xmlns:a16="http://schemas.microsoft.com/office/drawing/2014/main" id="{2774BDAF-6E97-40A8-A743-E09F461567CF}"/>
-              </a:ext>
-            </a:extLst>
-          </p:cNvPr>
-          <p:cNvSpPr>
-            <a:spLocks noGrp="1"/>
-          </p:cNvSpPr>
-          <p:nvPr>
-            <p:ph idx="1"/>
-          </p:nvPr>
-        </p:nvSpPr>
-        <p:spPr/>
-        <p:txBody>
-          <a:bodyPr/>
-          <a:lstStyle/>
-          <a:p>
-            <a:endParaRPr kumimoji="1" lang="en-US" altLang="ja-JP"/>
-          </a:p>
-          <a:p>
-            <a:endParaRPr lang="en-US" altLang="ja-JP"/>
-          </a:p>
-          <a:p>
-            <a:endParaRPr kumimoji="1" lang="en-US" altLang="ja-JP"/>
-          </a:p>
-          <a:p>
-            <a:endParaRPr lang="en-US" altLang="ja-JP"/>
-          </a:p>
-          <a:p>
-            <a:endParaRPr kumimoji="1" lang="en-US" altLang="ja-JP"/>
-          </a:p>
-          <a:p>
-            <a:endParaRPr lang="en-US" altLang="ja-JP"/>
-          </a:p>
-          <a:p>
-            <a:endParaRPr kumimoji="1" lang="en-US" altLang="ja-JP"/>
-          </a:p>
-          <a:p>
-            <a:endParaRPr lang="en-US" altLang="ja-JP"/>
-          </a:p>
-          <a:p>
-            <a:r>
-              <a:rPr kumimoji="1" lang="ja-JP" altLang="en-US"/>
-              <a:t>暗号化通信が始まるまで</a:t>
-            </a:r>
-            <a:r>
-              <a:rPr kumimoji="1" lang="en-US" altLang="ja-JP"/>
-              <a:t>3</a:t>
-            </a:r>
-            <a:r>
-              <a:rPr kumimoji="1" lang="ja-JP" altLang="en-US"/>
-              <a:t>回やりとり</a:t>
-            </a:r>
-          </a:p>
-        </p:txBody>
-      </p:sp>
-      <p:sp>
-        <p:nvSpPr>
-          <p:cNvPr id="3" name="スライド番号プレースホルダー 2">
-            <a:extLst>
-              <a:ext uri="{FF2B5EF4-FFF2-40B4-BE49-F238E27FC236}">
-                <a16:creationId xmlns:a16="http://schemas.microsoft.com/office/drawing/2014/main" id="{97F19684-86DB-4BE5-ABAC-A0F60631F41C}"/>
-              </a:ext>
-            </a:extLst>
-          </p:cNvPr>
-          <p:cNvSpPr>
-            <a:spLocks noGrp="1"/>
-          </p:cNvSpPr>
-          <p:nvPr>
-            <p:ph type="sldNum" sz="quarter" idx="12"/>
-          </p:nvPr>
-        </p:nvSpPr>
-        <p:spPr/>
-        <p:txBody>
-          <a:bodyPr/>
-          <a:lstStyle/>
-          <a:p>
-            <a:pPr>
-              <a:defRPr/>
-            </a:pPr>
-            <a:r>
-              <a:rPr lang="en-US" altLang="ja-JP"/>
-              <a:t>    </a:t>
-            </a:r>
-            <a:fld id="{B2782DEB-472A-4FE5-AC34-C17109CF5A91}" type="slidenum">
-              <a:rPr lang="en-US" altLang="ja-JP" smtClean="0"/>
-              <a:pPr>
-                <a:defRPr/>
-              </a:pPr>
-              <a:t>28</a:t>
-            </a:fld>
-            <a:r>
-              <a:rPr lang="en-US" altLang="ja-JP"/>
-              <a:t> / 24</a:t>
-            </a:r>
-          </a:p>
-        </p:txBody>
-      </p:sp>
-      <p:sp>
-        <p:nvSpPr>
-          <p:cNvPr id="4" name="タイトル 3">
-            <a:extLst>
-              <a:ext uri="{FF2B5EF4-FFF2-40B4-BE49-F238E27FC236}">
-                <a16:creationId xmlns:a16="http://schemas.microsoft.com/office/drawing/2014/main" id="{A477657C-C230-4D58-8DDA-5AB2FD6D7871}"/>
-              </a:ext>
-            </a:extLst>
-          </p:cNvPr>
-          <p:cNvSpPr>
-            <a:spLocks noGrp="1"/>
-          </p:cNvSpPr>
-          <p:nvPr>
-            <p:ph type="title"/>
-          </p:nvPr>
-        </p:nvSpPr>
-        <p:spPr/>
-        <p:txBody>
-          <a:bodyPr/>
-          <a:lstStyle/>
-          <a:p>
-            <a:r>
-              <a:rPr kumimoji="1" lang="en-US" altLang="ja-JP"/>
-              <a:t>TLS 1.2</a:t>
-            </a:r>
-            <a:r>
-              <a:rPr kumimoji="1" lang="ja-JP" altLang="en-US"/>
-              <a:t>の通信プロトコル</a:t>
-            </a:r>
-          </a:p>
-        </p:txBody>
-      </p:sp>
-      <p:pic>
-        <p:nvPicPr>
-          <p:cNvPr id="6" name="図 5">
-            <a:extLst>
-              <a:ext uri="{FF2B5EF4-FFF2-40B4-BE49-F238E27FC236}">
-                <a16:creationId xmlns:a16="http://schemas.microsoft.com/office/drawing/2014/main" id="{1545DFC5-79DE-47C3-98AE-6D937672C9ED}"/>
-              </a:ext>
-            </a:extLst>
-          </p:cNvPr>
-          <p:cNvPicPr>
-            <a:picLocks noChangeAspect="1"/>
-          </p:cNvPicPr>
-          <p:nvPr/>
-        </p:nvPicPr>
-        <p:blipFill>
-          <a:blip r:embed="rId2"/>
-          <a:stretch>
-            <a:fillRect/>
-          </a:stretch>
-        </p:blipFill>
-        <p:spPr>
-          <a:xfrm>
-            <a:off x="35496" y="663840"/>
-            <a:ext cx="6085992" cy="4608512"/>
-          </a:xfrm>
-          <a:prstGeom prst="rect">
-            <a:avLst/>
-          </a:prstGeom>
-        </p:spPr>
-      </p:pic>
-      <p:sp>
-        <p:nvSpPr>
-          <p:cNvPr id="7" name="テキスト ボックス 6">
-            <a:extLst>
-              <a:ext uri="{FF2B5EF4-FFF2-40B4-BE49-F238E27FC236}">
-                <a16:creationId xmlns:a16="http://schemas.microsoft.com/office/drawing/2014/main" id="{34E69D5E-6315-4578-93AF-7528ACF93179}"/>
-              </a:ext>
-            </a:extLst>
-          </p:cNvPr>
-          <p:cNvSpPr txBox="1"/>
-          <p:nvPr/>
-        </p:nvSpPr>
-        <p:spPr>
-          <a:xfrm>
-            <a:off x="4644008" y="642381"/>
-            <a:ext cx="1455848" cy="369332"/>
-          </a:xfrm>
-          <a:prstGeom prst="rect">
-            <a:avLst/>
-          </a:prstGeom>
-          <a:noFill/>
-          <a:ln w="19050" cap="rnd">
-            <a:noFill/>
-          </a:ln>
-        </p:spPr>
-        <p:txBody>
-          <a:bodyPr wrap="none" rtlCol="0">
-            <a:spAutoFit/>
-          </a:bodyPr>
-          <a:lstStyle/>
-          <a:p>
-            <a:r>
-              <a:rPr kumimoji="1" lang="ja-JP" altLang="en-US">
-                <a:latin typeface="游ゴシック" panose="020B0400000000000000" pitchFamily="50" charset="-128"/>
-                <a:ea typeface="游ゴシック" panose="020B0400000000000000" pitchFamily="50" charset="-128"/>
-                <a:cs typeface="Courier New" pitchFamily="49" charset="0"/>
-              </a:rPr>
-              <a:t>暗認本</a:t>
-            </a:r>
-            <a:r>
-              <a:rPr kumimoji="1" lang="en-US" altLang="ja-JP">
-                <a:latin typeface="游ゴシック" panose="020B0400000000000000" pitchFamily="50" charset="-128"/>
-                <a:ea typeface="游ゴシック" panose="020B0400000000000000" pitchFamily="50" charset="-128"/>
-                <a:cs typeface="Courier New" pitchFamily="49" charset="0"/>
-              </a:rPr>
-              <a:t>p.217</a:t>
-            </a:r>
-            <a:endParaRPr kumimoji="1" lang="ja-JP" altLang="en-US">
-              <a:latin typeface="游ゴシック" panose="020B0400000000000000" pitchFamily="50" charset="-128"/>
-              <a:ea typeface="游ゴシック" panose="020B0400000000000000" pitchFamily="50" charset="-128"/>
-              <a:cs typeface="Courier New" pitchFamily="49" charset="0"/>
-            </a:endParaRPr>
-          </a:p>
-        </p:txBody>
-      </p:sp>
-      <p:sp>
-        <p:nvSpPr>
-          <p:cNvPr id="8" name="テキスト ボックス 7">
-            <a:extLst>
-              <a:ext uri="{FF2B5EF4-FFF2-40B4-BE49-F238E27FC236}">
-                <a16:creationId xmlns:a16="http://schemas.microsoft.com/office/drawing/2014/main" id="{90D00F4D-D1EC-42CC-82DE-CE15BC1E24B4}"/>
-              </a:ext>
-            </a:extLst>
-          </p:cNvPr>
-          <p:cNvSpPr txBox="1"/>
-          <p:nvPr/>
-        </p:nvSpPr>
-        <p:spPr>
-          <a:xfrm>
-            <a:off x="6393083" y="3909775"/>
-            <a:ext cx="2492990" cy="369332"/>
-          </a:xfrm>
-          <a:prstGeom prst="rect">
-            <a:avLst/>
-          </a:prstGeom>
-          <a:noFill/>
-          <a:ln w="19050" cap="rnd">
-            <a:noFill/>
-          </a:ln>
-        </p:spPr>
-        <p:txBody>
-          <a:bodyPr wrap="none" rtlCol="0">
-            <a:spAutoFit/>
-          </a:bodyPr>
-          <a:lstStyle/>
-          <a:p>
-            <a:r>
-              <a:rPr kumimoji="1" lang="ja-JP" altLang="en-US">
-                <a:latin typeface="游ゴシック" panose="020B0400000000000000" pitchFamily="50" charset="-128"/>
-                <a:ea typeface="游ゴシック" panose="020B0400000000000000" pitchFamily="50" charset="-128"/>
-                <a:cs typeface="Courier New" pitchFamily="49" charset="0"/>
-              </a:rPr>
-              <a:t>ここから暗号化始まる</a:t>
-            </a:r>
-          </a:p>
-        </p:txBody>
-      </p:sp>
-      <p:sp>
-        <p:nvSpPr>
-          <p:cNvPr id="9" name="テキスト ボックス 8">
-            <a:extLst>
-              <a:ext uri="{FF2B5EF4-FFF2-40B4-BE49-F238E27FC236}">
-                <a16:creationId xmlns:a16="http://schemas.microsoft.com/office/drawing/2014/main" id="{474876FD-CBC3-458B-BE87-F722A001D160}"/>
-              </a:ext>
-            </a:extLst>
-          </p:cNvPr>
-          <p:cNvSpPr txBox="1"/>
-          <p:nvPr/>
-        </p:nvSpPr>
-        <p:spPr>
-          <a:xfrm>
-            <a:off x="6399490" y="1745684"/>
-            <a:ext cx="2262158" cy="369332"/>
-          </a:xfrm>
-          <a:prstGeom prst="rect">
-            <a:avLst/>
-          </a:prstGeom>
-          <a:noFill/>
-          <a:ln w="19050" cap="rnd">
-            <a:noFill/>
-          </a:ln>
-        </p:spPr>
-        <p:txBody>
-          <a:bodyPr wrap="none" rtlCol="0">
-            <a:spAutoFit/>
-          </a:bodyPr>
-          <a:lstStyle/>
-          <a:p>
-            <a:r>
-              <a:rPr kumimoji="1" lang="ja-JP" altLang="en-US">
-                <a:latin typeface="游ゴシック" panose="020B0400000000000000" pitchFamily="50" charset="-128"/>
-                <a:ea typeface="游ゴシック" panose="020B0400000000000000" pitchFamily="50" charset="-128"/>
-                <a:cs typeface="Courier New" pitchFamily="49" charset="0"/>
-              </a:rPr>
-              <a:t>通信パラメータ送信</a:t>
-            </a:r>
-          </a:p>
-        </p:txBody>
-      </p:sp>
-      <p:sp>
-        <p:nvSpPr>
-          <p:cNvPr id="10" name="テキスト ボックス 9">
-            <a:extLst>
-              <a:ext uri="{FF2B5EF4-FFF2-40B4-BE49-F238E27FC236}">
-                <a16:creationId xmlns:a16="http://schemas.microsoft.com/office/drawing/2014/main" id="{2588BE98-1959-42C1-8B27-900BD61D63DC}"/>
-              </a:ext>
-            </a:extLst>
-          </p:cNvPr>
-          <p:cNvSpPr txBox="1"/>
-          <p:nvPr/>
-        </p:nvSpPr>
-        <p:spPr>
-          <a:xfrm>
-            <a:off x="6378844" y="2314727"/>
-            <a:ext cx="2723823" cy="646331"/>
-          </a:xfrm>
-          <a:prstGeom prst="rect">
-            <a:avLst/>
-          </a:prstGeom>
-          <a:noFill/>
-          <a:ln w="19050" cap="rnd">
-            <a:noFill/>
-          </a:ln>
-        </p:spPr>
-        <p:txBody>
-          <a:bodyPr wrap="none" rtlCol="0">
-            <a:spAutoFit/>
-          </a:bodyPr>
-          <a:lstStyle/>
-          <a:p>
-            <a:r>
-              <a:rPr kumimoji="1" lang="ja-JP" altLang="en-US">
-                <a:latin typeface="游ゴシック" panose="020B0400000000000000" pitchFamily="50" charset="-128"/>
-                <a:ea typeface="游ゴシック" panose="020B0400000000000000" pitchFamily="50" charset="-128"/>
-                <a:cs typeface="Courier New" pitchFamily="49" charset="0"/>
-              </a:rPr>
-              <a:t>サーバの返事</a:t>
-            </a:r>
-            <a:endParaRPr kumimoji="1" lang="en-US" altLang="ja-JP">
-              <a:latin typeface="游ゴシック" panose="020B0400000000000000" pitchFamily="50" charset="-128"/>
-              <a:ea typeface="游ゴシック" panose="020B0400000000000000" pitchFamily="50" charset="-128"/>
-              <a:cs typeface="Courier New" pitchFamily="49" charset="0"/>
-            </a:endParaRPr>
-          </a:p>
-          <a:p>
-            <a:r>
-              <a:rPr kumimoji="1" lang="ja-JP" altLang="en-US">
-                <a:latin typeface="游ゴシック" panose="020B0400000000000000" pitchFamily="50" charset="-128"/>
-                <a:ea typeface="游ゴシック" panose="020B0400000000000000" pitchFamily="50" charset="-128"/>
-                <a:cs typeface="Courier New" pitchFamily="49" charset="0"/>
-              </a:rPr>
-              <a:t>証明書・鍵交換情報など</a:t>
-            </a:r>
-          </a:p>
-        </p:txBody>
-      </p:sp>
-      <p:sp>
-        <p:nvSpPr>
-          <p:cNvPr id="11" name="テキスト ボックス 10">
-            <a:extLst>
-              <a:ext uri="{FF2B5EF4-FFF2-40B4-BE49-F238E27FC236}">
-                <a16:creationId xmlns:a16="http://schemas.microsoft.com/office/drawing/2014/main" id="{A1800E13-CB80-438B-8580-E508E6318DF5}"/>
-              </a:ext>
-            </a:extLst>
-          </p:cNvPr>
-          <p:cNvSpPr txBox="1"/>
-          <p:nvPr/>
-        </p:nvSpPr>
-        <p:spPr>
-          <a:xfrm>
-            <a:off x="6411336" y="3105834"/>
-            <a:ext cx="2262158" cy="646331"/>
-          </a:xfrm>
-          <a:prstGeom prst="rect">
-            <a:avLst/>
-          </a:prstGeom>
-          <a:noFill/>
-          <a:ln w="19050" cap="rnd">
-            <a:noFill/>
-          </a:ln>
-        </p:spPr>
-        <p:txBody>
-          <a:bodyPr wrap="none" rtlCol="0">
-            <a:spAutoFit/>
-          </a:bodyPr>
-          <a:lstStyle/>
-          <a:p>
-            <a:r>
-              <a:rPr kumimoji="1" lang="ja-JP" altLang="en-US">
-                <a:latin typeface="游ゴシック" panose="020B0400000000000000" pitchFamily="50" charset="-128"/>
-                <a:ea typeface="游ゴシック" panose="020B0400000000000000" pitchFamily="50" charset="-128"/>
-                <a:cs typeface="Courier New" pitchFamily="49" charset="0"/>
-              </a:rPr>
-              <a:t>クライアントの返事</a:t>
-            </a:r>
-            <a:endParaRPr kumimoji="1" lang="en-US" altLang="ja-JP">
-              <a:latin typeface="游ゴシック" panose="020B0400000000000000" pitchFamily="50" charset="-128"/>
-              <a:ea typeface="游ゴシック" panose="020B0400000000000000" pitchFamily="50" charset="-128"/>
-              <a:cs typeface="Courier New" pitchFamily="49" charset="0"/>
-            </a:endParaRPr>
-          </a:p>
-          <a:p>
-            <a:r>
-              <a:rPr kumimoji="1" lang="ja-JP" altLang="en-US">
-                <a:latin typeface="游ゴシック" panose="020B0400000000000000" pitchFamily="50" charset="-128"/>
-                <a:ea typeface="游ゴシック" panose="020B0400000000000000" pitchFamily="50" charset="-128"/>
-                <a:cs typeface="Courier New" pitchFamily="49" charset="0"/>
-              </a:rPr>
-              <a:t>鍵交換情報など</a:t>
-            </a:r>
-          </a:p>
-        </p:txBody>
-      </p:sp>
-    </p:spTree>
-    <p:extLst>
-      <p:ext uri="{BB962C8B-B14F-4D97-AF65-F5344CB8AC3E}">
-        <p14:creationId xmlns:p14="http://schemas.microsoft.com/office/powerpoint/2010/main" val="3257052020"/>
-      </p:ext>
-    </p:extLst>
-  </p:cSld>
-  <p:clrMapOvr>
-    <a:masterClrMapping/>
-  </p:clrMapOvr>
-</p:sld>
-</file>
-
-<file path=ppt/slides/slide29.xml><?xml version="1.0" encoding="utf-8"?>
-<p:sld xmlns:a="http://schemas.openxmlformats.org/drawingml/2006/main" xmlns:r="http://schemas.openxmlformats.org/officeDocument/2006/relationships" xmlns:p="http://schemas.openxmlformats.org/presentationml/2006/main">
-  <p:cSld>
-    <p:spTree>
-      <p:nvGrpSpPr>
-        <p:cNvPr id="1" name=""/>
-        <p:cNvGrpSpPr/>
-        <p:nvPr/>
-      </p:nvGrpSpPr>
-      <p:grpSpPr>
-        <a:xfrm>
-          <a:off x="0" y="0"/>
-          <a:ext cx="0" cy="0"/>
-          <a:chOff x="0" y="0"/>
-          <a:chExt cx="0" cy="0"/>
-        </a:xfrm>
-      </p:grpSpPr>
-      <p:sp>
-        <p:nvSpPr>
-          <p:cNvPr id="2" name="コンテンツ プレースホルダー 1">
-            <a:extLst>
-              <a:ext uri="{FF2B5EF4-FFF2-40B4-BE49-F238E27FC236}">
-                <a16:creationId xmlns:a16="http://schemas.microsoft.com/office/drawing/2014/main" id="{216CA117-D0F0-4008-8340-3F6FB4B9B23E}"/>
-              </a:ext>
-            </a:extLst>
-          </p:cNvPr>
-          <p:cNvSpPr>
-            <a:spLocks noGrp="1"/>
-          </p:cNvSpPr>
-          <p:nvPr>
-            <p:ph idx="1"/>
-          </p:nvPr>
-        </p:nvSpPr>
-        <p:spPr/>
-        <p:txBody>
-          <a:bodyPr/>
-          <a:lstStyle/>
-          <a:p>
-            <a:endParaRPr kumimoji="1" lang="en-US" altLang="ja-JP"/>
-          </a:p>
-          <a:p>
-            <a:endParaRPr lang="en-US" altLang="ja-JP"/>
-          </a:p>
-          <a:p>
-            <a:endParaRPr kumimoji="1" lang="en-US" altLang="ja-JP"/>
-          </a:p>
-          <a:p>
-            <a:endParaRPr lang="en-US" altLang="ja-JP"/>
-          </a:p>
-          <a:p>
-            <a:endParaRPr kumimoji="1" lang="en-US" altLang="ja-JP"/>
-          </a:p>
-          <a:p>
-            <a:endParaRPr lang="en-US" altLang="ja-JP"/>
-          </a:p>
-          <a:p>
-            <a:endParaRPr kumimoji="1" lang="en-US" altLang="ja-JP"/>
-          </a:p>
-          <a:p>
-            <a:endParaRPr kumimoji="1" lang="en-US" altLang="ja-JP"/>
-          </a:p>
-          <a:p>
-            <a:r>
-              <a:rPr kumimoji="1" lang="ja-JP" altLang="en-US"/>
-              <a:t>暗号化通信が始まるまで</a:t>
-            </a:r>
-            <a:r>
-              <a:rPr lang="en-US" altLang="ja-JP"/>
-              <a:t>1</a:t>
-            </a:r>
-            <a:r>
-              <a:rPr kumimoji="1" lang="ja-JP" altLang="en-US"/>
-              <a:t>回やりとり</a:t>
-            </a:r>
-          </a:p>
-          <a:p>
-            <a:pPr lvl="1"/>
-            <a:r>
-              <a:rPr kumimoji="1" lang="en-US" altLang="ja-JP"/>
-              <a:t>Application data</a:t>
-            </a:r>
-            <a:r>
-              <a:rPr kumimoji="1" lang="ja-JP" altLang="en-US"/>
-              <a:t>が送信されるまでの通信回数も</a:t>
-            </a:r>
-            <a:r>
-              <a:rPr kumimoji="1" lang="en-US" altLang="ja-JP"/>
-              <a:t>1</a:t>
-            </a:r>
-            <a:r>
-              <a:rPr kumimoji="1" lang="ja-JP" altLang="en-US"/>
-              <a:t>回減</a:t>
-            </a:r>
-            <a:endParaRPr kumimoji="1" lang="en-US" altLang="ja-JP"/>
-          </a:p>
-          <a:p>
-            <a:pPr lvl="1"/>
-            <a:r>
-              <a:rPr lang="en-US" altLang="ja-JP"/>
-              <a:t>(option) PKS</a:t>
-            </a:r>
-            <a:r>
-              <a:rPr lang="ja-JP" altLang="en-US"/>
-              <a:t>があれば</a:t>
-            </a:r>
-            <a:r>
-              <a:rPr lang="en-US" altLang="ja-JP"/>
-              <a:t>0-RTT</a:t>
-            </a:r>
-            <a:r>
-              <a:rPr lang="ja-JP" altLang="en-US"/>
-              <a:t>で暗号化通信が始まるモードも</a:t>
-            </a:r>
-            <a:endParaRPr kumimoji="1" lang="ja-JP" altLang="en-US"/>
-          </a:p>
-        </p:txBody>
-      </p:sp>
-      <p:sp>
-        <p:nvSpPr>
-          <p:cNvPr id="3" name="スライド番号プレースホルダー 2">
-            <a:extLst>
-              <a:ext uri="{FF2B5EF4-FFF2-40B4-BE49-F238E27FC236}">
-                <a16:creationId xmlns:a16="http://schemas.microsoft.com/office/drawing/2014/main" id="{6D34FCEC-557F-41C7-A171-493F1A3170B4}"/>
-              </a:ext>
-            </a:extLst>
-          </p:cNvPr>
-          <p:cNvSpPr>
-            <a:spLocks noGrp="1"/>
-          </p:cNvSpPr>
-          <p:nvPr>
-            <p:ph type="sldNum" sz="quarter" idx="12"/>
-          </p:nvPr>
-        </p:nvSpPr>
-        <p:spPr/>
-        <p:txBody>
-          <a:bodyPr/>
-          <a:lstStyle/>
-          <a:p>
-            <a:pPr>
-              <a:defRPr/>
-            </a:pPr>
-            <a:r>
-              <a:rPr lang="en-US" altLang="ja-JP"/>
-              <a:t>    </a:t>
-            </a:r>
-            <a:fld id="{B2782DEB-472A-4FE5-AC34-C17109CF5A91}" type="slidenum">
-              <a:rPr lang="en-US" altLang="ja-JP" smtClean="0"/>
-              <a:pPr>
-                <a:defRPr/>
-              </a:pPr>
-              <a:t>29</a:t>
-            </a:fld>
-            <a:r>
-              <a:rPr lang="en-US" altLang="ja-JP"/>
-              <a:t> / 24</a:t>
-            </a:r>
-          </a:p>
-        </p:txBody>
-      </p:sp>
-      <p:sp>
-        <p:nvSpPr>
-          <p:cNvPr id="4" name="タイトル 3">
-            <a:extLst>
-              <a:ext uri="{FF2B5EF4-FFF2-40B4-BE49-F238E27FC236}">
-                <a16:creationId xmlns:a16="http://schemas.microsoft.com/office/drawing/2014/main" id="{62D5F864-7914-47BB-AF07-6FB0C2B11959}"/>
-              </a:ext>
-            </a:extLst>
-          </p:cNvPr>
-          <p:cNvSpPr>
-            <a:spLocks noGrp="1"/>
-          </p:cNvSpPr>
-          <p:nvPr>
-            <p:ph type="title"/>
-          </p:nvPr>
-        </p:nvSpPr>
-        <p:spPr/>
-        <p:txBody>
-          <a:bodyPr/>
-          <a:lstStyle/>
-          <a:p>
-            <a:r>
-              <a:rPr kumimoji="1" lang="en-US" altLang="ja-JP"/>
-              <a:t>TLS 1.3</a:t>
-            </a:r>
-            <a:r>
-              <a:rPr kumimoji="1" lang="ja-JP" altLang="en-US"/>
-              <a:t>の通信プロトコル</a:t>
-            </a:r>
-          </a:p>
-        </p:txBody>
-      </p:sp>
-      <p:pic>
-        <p:nvPicPr>
-          <p:cNvPr id="6" name="図 5">
-            <a:extLst>
-              <a:ext uri="{FF2B5EF4-FFF2-40B4-BE49-F238E27FC236}">
-                <a16:creationId xmlns:a16="http://schemas.microsoft.com/office/drawing/2014/main" id="{48D32876-D17C-4BE9-852B-90CB96B4CEF3}"/>
-              </a:ext>
-            </a:extLst>
-          </p:cNvPr>
-          <p:cNvPicPr>
-            <a:picLocks noChangeAspect="1"/>
-          </p:cNvPicPr>
-          <p:nvPr/>
-        </p:nvPicPr>
-        <p:blipFill>
-          <a:blip r:embed="rId2"/>
-          <a:stretch>
-            <a:fillRect/>
-          </a:stretch>
-        </p:blipFill>
-        <p:spPr>
-          <a:xfrm>
-            <a:off x="35496" y="692696"/>
-            <a:ext cx="7499210" cy="4242974"/>
-          </a:xfrm>
-          <a:prstGeom prst="rect">
-            <a:avLst/>
-          </a:prstGeom>
-        </p:spPr>
-      </p:pic>
-      <p:sp>
-        <p:nvSpPr>
-          <p:cNvPr id="7" name="テキスト ボックス 6">
-            <a:extLst>
-              <a:ext uri="{FF2B5EF4-FFF2-40B4-BE49-F238E27FC236}">
-                <a16:creationId xmlns:a16="http://schemas.microsoft.com/office/drawing/2014/main" id="{80F6EB2F-57C8-4084-9153-29E660D9C924}"/>
-              </a:ext>
-            </a:extLst>
-          </p:cNvPr>
-          <p:cNvSpPr txBox="1"/>
-          <p:nvPr/>
-        </p:nvSpPr>
-        <p:spPr>
-          <a:xfrm>
-            <a:off x="6112400" y="671984"/>
-            <a:ext cx="1455848" cy="369332"/>
-          </a:xfrm>
-          <a:prstGeom prst="rect">
-            <a:avLst/>
-          </a:prstGeom>
-          <a:noFill/>
-          <a:ln w="19050" cap="rnd">
-            <a:noFill/>
-          </a:ln>
-        </p:spPr>
-        <p:txBody>
-          <a:bodyPr wrap="none" rtlCol="0">
-            <a:spAutoFit/>
-          </a:bodyPr>
-          <a:lstStyle/>
-          <a:p>
-            <a:r>
-              <a:rPr kumimoji="1" lang="ja-JP" altLang="en-US">
-                <a:latin typeface="游ゴシック" panose="020B0400000000000000" pitchFamily="50" charset="-128"/>
-                <a:ea typeface="游ゴシック" panose="020B0400000000000000" pitchFamily="50" charset="-128"/>
-                <a:cs typeface="Courier New" pitchFamily="49" charset="0"/>
-              </a:rPr>
-              <a:t>暗認本</a:t>
-            </a:r>
-            <a:r>
-              <a:rPr kumimoji="1" lang="en-US" altLang="ja-JP">
-                <a:latin typeface="游ゴシック" panose="020B0400000000000000" pitchFamily="50" charset="-128"/>
-                <a:ea typeface="游ゴシック" panose="020B0400000000000000" pitchFamily="50" charset="-128"/>
-                <a:cs typeface="Courier New" pitchFamily="49" charset="0"/>
-              </a:rPr>
-              <a:t>p.218</a:t>
-            </a:r>
-            <a:endParaRPr kumimoji="1" lang="ja-JP" altLang="en-US">
-              <a:latin typeface="游ゴシック" panose="020B0400000000000000" pitchFamily="50" charset="-128"/>
-              <a:ea typeface="游ゴシック" panose="020B0400000000000000" pitchFamily="50" charset="-128"/>
-              <a:cs typeface="Courier New" pitchFamily="49" charset="0"/>
-            </a:endParaRPr>
-          </a:p>
-        </p:txBody>
-      </p:sp>
-      <p:sp>
-        <p:nvSpPr>
-          <p:cNvPr id="8" name="テキスト ボックス 7">
-            <a:extLst>
-              <a:ext uri="{FF2B5EF4-FFF2-40B4-BE49-F238E27FC236}">
-                <a16:creationId xmlns:a16="http://schemas.microsoft.com/office/drawing/2014/main" id="{92BEA17F-48BC-4A12-9B1A-DA8B7A3173A7}"/>
-              </a:ext>
-            </a:extLst>
-          </p:cNvPr>
-          <p:cNvSpPr txBox="1"/>
-          <p:nvPr/>
-        </p:nvSpPr>
-        <p:spPr>
-          <a:xfrm>
-            <a:off x="7438465" y="1340768"/>
-            <a:ext cx="1721946" cy="646331"/>
-          </a:xfrm>
-          <a:prstGeom prst="rect">
-            <a:avLst/>
-          </a:prstGeom>
-          <a:noFill/>
-          <a:ln w="19050" cap="rnd">
-            <a:noFill/>
-          </a:ln>
-        </p:spPr>
-        <p:txBody>
-          <a:bodyPr wrap="none" rtlCol="0">
-            <a:spAutoFit/>
-          </a:bodyPr>
-          <a:lstStyle/>
-          <a:p>
-            <a:r>
-              <a:rPr kumimoji="1" lang="en-US" altLang="ja-JP">
-                <a:latin typeface="游ゴシック" panose="020B0400000000000000" pitchFamily="50" charset="-128"/>
-                <a:ea typeface="游ゴシック" panose="020B0400000000000000" pitchFamily="50" charset="-128"/>
-                <a:cs typeface="Courier New" pitchFamily="49" charset="0"/>
-              </a:rPr>
-              <a:t>KS : DH</a:t>
-            </a:r>
-            <a:r>
-              <a:rPr kumimoji="1" lang="ja-JP" altLang="en-US">
-                <a:latin typeface="游ゴシック" panose="020B0400000000000000" pitchFamily="50" charset="-128"/>
-                <a:ea typeface="游ゴシック" panose="020B0400000000000000" pitchFamily="50" charset="-128"/>
-                <a:cs typeface="Courier New" pitchFamily="49" charset="0"/>
-              </a:rPr>
-              <a:t>鍵共有</a:t>
-            </a:r>
-            <a:br>
-              <a:rPr kumimoji="1" lang="en-US" altLang="ja-JP">
-                <a:latin typeface="游ゴシック" panose="020B0400000000000000" pitchFamily="50" charset="-128"/>
-                <a:ea typeface="游ゴシック" panose="020B0400000000000000" pitchFamily="50" charset="-128"/>
-                <a:cs typeface="Courier New" pitchFamily="49" charset="0"/>
-              </a:rPr>
-            </a:br>
-            <a:r>
-              <a:rPr kumimoji="1" lang="ja-JP" altLang="en-US">
-                <a:latin typeface="游ゴシック" panose="020B0400000000000000" pitchFamily="50" charset="-128"/>
-                <a:ea typeface="游ゴシック" panose="020B0400000000000000" pitchFamily="50" charset="-128"/>
-                <a:cs typeface="Courier New" pitchFamily="49" charset="0"/>
-              </a:rPr>
-              <a:t>のための情報</a:t>
-            </a:r>
-          </a:p>
-        </p:txBody>
-      </p:sp>
-      <p:sp>
-        <p:nvSpPr>
-          <p:cNvPr id="9" name="テキスト ボックス 8">
-            <a:extLst>
-              <a:ext uri="{FF2B5EF4-FFF2-40B4-BE49-F238E27FC236}">
-                <a16:creationId xmlns:a16="http://schemas.microsoft.com/office/drawing/2014/main" id="{C94A47BF-5965-4CE8-B3E1-CD7F69226EFC}"/>
-              </a:ext>
-            </a:extLst>
-          </p:cNvPr>
-          <p:cNvSpPr txBox="1"/>
-          <p:nvPr/>
-        </p:nvSpPr>
-        <p:spPr>
-          <a:xfrm>
-            <a:off x="7438465" y="1937418"/>
-            <a:ext cx="1531188" cy="646331"/>
-          </a:xfrm>
-          <a:prstGeom prst="rect">
-            <a:avLst/>
-          </a:prstGeom>
-          <a:noFill/>
-          <a:ln w="19050" cap="rnd">
-            <a:noFill/>
-          </a:ln>
-        </p:spPr>
-        <p:txBody>
-          <a:bodyPr wrap="none" rtlCol="0">
-            <a:spAutoFit/>
-          </a:bodyPr>
-          <a:lstStyle/>
-          <a:p>
-            <a:r>
-              <a:rPr kumimoji="1" lang="en-US" altLang="ja-JP">
-                <a:latin typeface="游ゴシック" panose="020B0400000000000000" pitchFamily="50" charset="-128"/>
-                <a:ea typeface="游ゴシック" panose="020B0400000000000000" pitchFamily="50" charset="-128"/>
-                <a:cs typeface="Courier New" pitchFamily="49" charset="0"/>
-              </a:rPr>
-              <a:t>PKS</a:t>
-            </a:r>
-            <a:r>
-              <a:rPr lang="ja-JP" altLang="en-US">
-                <a:latin typeface="游ゴシック" panose="020B0400000000000000" pitchFamily="50" charset="-128"/>
-                <a:ea typeface="游ゴシック" panose="020B0400000000000000" pitchFamily="50" charset="-128"/>
-                <a:cs typeface="Courier New" pitchFamily="49" charset="0"/>
-              </a:rPr>
-              <a:t> </a:t>
-            </a:r>
-            <a:r>
-              <a:rPr lang="en-US" altLang="ja-JP">
-                <a:latin typeface="游ゴシック" panose="020B0400000000000000" pitchFamily="50" charset="-128"/>
-                <a:ea typeface="游ゴシック" panose="020B0400000000000000" pitchFamily="50" charset="-128"/>
-                <a:cs typeface="Courier New" pitchFamily="49" charset="0"/>
-              </a:rPr>
-              <a:t>:</a:t>
-            </a:r>
-            <a:r>
-              <a:rPr lang="ja-JP" altLang="en-US">
-                <a:latin typeface="游ゴシック" panose="020B0400000000000000" pitchFamily="50" charset="-128"/>
-                <a:ea typeface="游ゴシック" panose="020B0400000000000000" pitchFamily="50" charset="-128"/>
-                <a:cs typeface="Courier New" pitchFamily="49" charset="0"/>
-              </a:rPr>
-              <a:t> </a:t>
-            </a:r>
-            <a:r>
-              <a:rPr kumimoji="1" lang="ja-JP" altLang="en-US">
-                <a:latin typeface="游ゴシック" panose="020B0400000000000000" pitchFamily="50" charset="-128"/>
-                <a:ea typeface="游ゴシック" panose="020B0400000000000000" pitchFamily="50" charset="-128"/>
-                <a:cs typeface="Courier New" pitchFamily="49" charset="0"/>
-              </a:rPr>
-              <a:t>事前鍵</a:t>
-            </a:r>
-            <a:endParaRPr kumimoji="1" lang="en-US" altLang="ja-JP">
-              <a:latin typeface="游ゴシック" panose="020B0400000000000000" pitchFamily="50" charset="-128"/>
-              <a:ea typeface="游ゴシック" panose="020B0400000000000000" pitchFamily="50" charset="-128"/>
-              <a:cs typeface="Courier New" pitchFamily="49" charset="0"/>
-            </a:endParaRPr>
-          </a:p>
-          <a:p>
-            <a:r>
-              <a:rPr kumimoji="1" lang="ja-JP" altLang="en-US">
-                <a:latin typeface="游ゴシック" panose="020B0400000000000000" pitchFamily="50" charset="-128"/>
-                <a:ea typeface="游ゴシック" panose="020B0400000000000000" pitchFamily="50" charset="-128"/>
-                <a:cs typeface="Courier New" pitchFamily="49" charset="0"/>
-              </a:rPr>
-              <a:t>共有情報</a:t>
-            </a:r>
-          </a:p>
-        </p:txBody>
-      </p:sp>
-      <p:sp>
-        <p:nvSpPr>
-          <p:cNvPr id="10" name="テキスト ボックス 9">
-            <a:extLst>
-              <a:ext uri="{FF2B5EF4-FFF2-40B4-BE49-F238E27FC236}">
-                <a16:creationId xmlns:a16="http://schemas.microsoft.com/office/drawing/2014/main" id="{116A76C4-F321-400B-9F9D-776CE425A2EB}"/>
-              </a:ext>
-            </a:extLst>
-          </p:cNvPr>
-          <p:cNvSpPr txBox="1"/>
-          <p:nvPr/>
-        </p:nvSpPr>
-        <p:spPr>
-          <a:xfrm>
-            <a:off x="7506984" y="2534068"/>
-            <a:ext cx="1569660" cy="646331"/>
-          </a:xfrm>
-          <a:prstGeom prst="rect">
-            <a:avLst/>
-          </a:prstGeom>
-          <a:noFill/>
-          <a:ln w="19050" cap="rnd">
-            <a:noFill/>
-          </a:ln>
-        </p:spPr>
-        <p:txBody>
-          <a:bodyPr wrap="none" rtlCol="0">
-            <a:spAutoFit/>
-          </a:bodyPr>
-          <a:lstStyle/>
-          <a:p>
-            <a:r>
-              <a:rPr kumimoji="1" lang="ja-JP" altLang="en-US">
-                <a:latin typeface="游ゴシック" panose="020B0400000000000000" pitchFamily="50" charset="-128"/>
-                <a:ea typeface="游ゴシック" panose="020B0400000000000000" pitchFamily="50" charset="-128"/>
-                <a:cs typeface="Courier New" pitchFamily="49" charset="0"/>
-              </a:rPr>
-              <a:t>ここから</a:t>
-            </a:r>
-            <a:endParaRPr kumimoji="1" lang="en-US" altLang="ja-JP">
-              <a:latin typeface="游ゴシック" panose="020B0400000000000000" pitchFamily="50" charset="-128"/>
-              <a:ea typeface="游ゴシック" panose="020B0400000000000000" pitchFamily="50" charset="-128"/>
-              <a:cs typeface="Courier New" pitchFamily="49" charset="0"/>
-            </a:endParaRPr>
-          </a:p>
-          <a:p>
-            <a:r>
-              <a:rPr kumimoji="1" lang="ja-JP" altLang="en-US">
-                <a:latin typeface="游ゴシック" panose="020B0400000000000000" pitchFamily="50" charset="-128"/>
-                <a:ea typeface="游ゴシック" panose="020B0400000000000000" pitchFamily="50" charset="-128"/>
-                <a:cs typeface="Courier New" pitchFamily="49" charset="0"/>
-              </a:rPr>
-              <a:t>暗号化始まる</a:t>
-            </a:r>
-          </a:p>
-        </p:txBody>
-      </p:sp>
-    </p:spTree>
-    <p:extLst>
-      <p:ext uri="{BB962C8B-B14F-4D97-AF65-F5344CB8AC3E}">
-        <p14:creationId xmlns:p14="http://schemas.microsoft.com/office/powerpoint/2010/main" val="790664289"/>
       </p:ext>
     </p:extLst>
   </p:cSld>
@@ -9007,48 +7798,6 @@
       </mc:AlternateContent>
       <p:sp>
         <p:nvSpPr>
-          <p:cNvPr id="3" name="スライド番号プレースホルダー 2">
-            <a:extLst>
-              <a:ext uri="{FF2B5EF4-FFF2-40B4-BE49-F238E27FC236}">
-                <a16:creationId xmlns:a16="http://schemas.microsoft.com/office/drawing/2014/main" id="{303851ED-6C25-4CCC-84B2-F1FEA1119ABF}"/>
-              </a:ext>
-            </a:extLst>
-          </p:cNvPr>
-          <p:cNvSpPr>
-            <a:spLocks noGrp="1"/>
-          </p:cNvSpPr>
-          <p:nvPr>
-            <p:ph type="sldNum" sz="quarter" idx="12"/>
-          </p:nvPr>
-        </p:nvSpPr>
-        <p:spPr/>
-        <p:txBody>
-          <a:bodyPr/>
-          <a:lstStyle/>
-          <a:p>
-            <a:pPr>
-              <a:defRPr/>
-            </a:pPr>
-            <a:r>
-              <a:rPr lang="en-US" altLang="ja-JP"/>
-              <a:t>    </a:t>
-            </a:r>
-            <a:fld id="{B2782DEB-472A-4FE5-AC34-C17109CF5A91}" type="slidenum">
-              <a:rPr lang="en-US" altLang="ja-JP" smtClean="0"/>
-              <a:pPr>
-                <a:defRPr/>
-              </a:pPr>
-              <a:t>3</a:t>
-            </a:fld>
-            <a:r>
-              <a:rPr lang="en-US" altLang="ja-JP"/>
-              <a:t> / 24</a:t>
-            </a:r>
-          </a:p>
-        </p:txBody>
-      </p:sp>
-      <p:sp>
-        <p:nvSpPr>
           <p:cNvPr id="4" name="タイトル 3">
             <a:extLst>
               <a:ext uri="{FF2B5EF4-FFF2-40B4-BE49-F238E27FC236}">
@@ -9111,251 +7860,12 @@
           </a:prstGeom>
         </p:spPr>
       </p:pic>
-    </p:spTree>
-    <p:extLst>
-      <p:ext uri="{BB962C8B-B14F-4D97-AF65-F5344CB8AC3E}">
-        <p14:creationId xmlns:p14="http://schemas.microsoft.com/office/powerpoint/2010/main" val="3157572237"/>
-      </p:ext>
-    </p:extLst>
-  </p:cSld>
-  <p:clrMapOvr>
-    <a:masterClrMapping/>
-  </p:clrMapOvr>
-</p:sld>
-</file>
-
-<file path=ppt/slides/slide30.xml><?xml version="1.0" encoding="utf-8"?>
-<p:sld xmlns:a="http://schemas.openxmlformats.org/drawingml/2006/main" xmlns:r="http://schemas.openxmlformats.org/officeDocument/2006/relationships" xmlns:p="http://schemas.openxmlformats.org/presentationml/2006/main">
-  <p:cSld>
-    <p:spTree>
-      <p:nvGrpSpPr>
-        <p:cNvPr id="1" name=""/>
-        <p:cNvGrpSpPr/>
-        <p:nvPr/>
-      </p:nvGrpSpPr>
-      <p:grpSpPr>
-        <a:xfrm>
-          <a:off x="0" y="0"/>
-          <a:ext cx="0" cy="0"/>
-          <a:chOff x="0" y="0"/>
-          <a:chExt cx="0" cy="0"/>
-        </a:xfrm>
-      </p:grpSpPr>
-      <mc:AlternateContent xmlns:mc="http://schemas.openxmlformats.org/markup-compatibility/2006" xmlns:a14="http://schemas.microsoft.com/office/drawing/2010/main">
-        <mc:Choice Requires="a14">
-          <p:sp>
-            <p:nvSpPr>
-              <p:cNvPr id="2" name="コンテンツ プレースホルダー 1">
-                <a:extLst>
-                  <a:ext uri="{FF2B5EF4-FFF2-40B4-BE49-F238E27FC236}">
-                    <a16:creationId xmlns:a16="http://schemas.microsoft.com/office/drawing/2014/main" id="{1DF304B5-4375-4ADE-8BF4-34A61C5F1358}"/>
-                  </a:ext>
-                </a:extLst>
-              </p:cNvPr>
-              <p:cNvSpPr>
-                <a:spLocks noGrp="1"/>
-              </p:cNvSpPr>
-              <p:nvPr>
-                <p:ph idx="1"/>
-              </p:nvPr>
-            </p:nvSpPr>
-            <p:spPr/>
-            <p:txBody>
-              <a:bodyPr/>
-              <a:lstStyle/>
-              <a:p>
-                <a:r>
-                  <a:rPr lang="en-US" altLang="ja-JP"/>
-                  <a:t>TLS 1.2</a:t>
-                </a:r>
-                <a:r>
-                  <a:rPr lang="ja-JP" altLang="en-US"/>
-                  <a:t>まで</a:t>
-                </a:r>
-                <a:endParaRPr lang="en-US" altLang="ja-JP"/>
-              </a:p>
-              <a:p>
-                <a:pPr lvl="1"/>
-                <a:r>
-                  <a:rPr kumimoji="1" lang="ja-JP" altLang="en-US"/>
-                  <a:t>後方互換性のために安全ではない暗号技術を保持</a:t>
-                </a:r>
-                <a:endParaRPr kumimoji="1" lang="en-US" altLang="ja-JP"/>
-              </a:p>
-              <a:p>
-                <a:pPr lvl="1"/>
-                <a:r>
-                  <a:rPr kumimoji="1" lang="ja-JP" altLang="en-US"/>
-                  <a:t>ダウングレード攻撃 </a:t>
-                </a:r>
-                <a:r>
-                  <a:rPr kumimoji="1" lang="en-US" altLang="ja-JP"/>
-                  <a:t>: </a:t>
-                </a:r>
-                <a:r>
-                  <a:rPr kumimoji="1" lang="ja-JP" altLang="en-US"/>
-                  <a:t>強制的に古いバージョンの暗号を強制</a:t>
-                </a:r>
-                <a:endParaRPr kumimoji="1" lang="en-US" altLang="ja-JP"/>
-              </a:p>
-              <a:p>
-                <a:r>
-                  <a:rPr lang="en-US" altLang="ja-JP"/>
-                  <a:t>TLS 1.3</a:t>
-                </a:r>
-              </a:p>
-              <a:p>
-                <a:pPr lvl="1"/>
-                <a:r>
-                  <a:rPr kumimoji="1" lang="en-US" altLang="ja-JP"/>
-                  <a:t>MD5, SHA-1, 3DES, RC4</a:t>
-                </a:r>
-                <a:r>
-                  <a:rPr kumimoji="1" lang="ja-JP" altLang="en-US"/>
-                  <a:t>などの禁止</a:t>
-                </a:r>
-                <a:endParaRPr kumimoji="1" lang="en-US" altLang="ja-JP"/>
-              </a:p>
-              <a:p>
-                <a:pPr lvl="1"/>
-                <a:r>
-                  <a:rPr lang="en-US" altLang="ja-JP"/>
-                  <a:t>EdDSA ,</a:t>
-                </a:r>
-                <a:r>
-                  <a:rPr lang="ja-JP" altLang="en-US"/>
-                  <a:t> </a:t>
-                </a:r>
-                <a:r>
-                  <a:rPr lang="en-US" altLang="ja-JP"/>
-                  <a:t>ChaCha20</a:t>
-                </a:r>
-                <a:r>
-                  <a:rPr lang="ja-JP" altLang="en-US"/>
-                  <a:t>などの追加</a:t>
-                </a:r>
-                <a:endParaRPr lang="en-US" altLang="ja-JP"/>
-              </a:p>
-              <a:p>
-                <a:r>
-                  <a:rPr kumimoji="1" lang="en-US" altLang="ja-JP"/>
-                  <a:t>EdDSA (Edwards-curve DSA)</a:t>
-                </a:r>
-              </a:p>
-              <a:p>
-                <a:pPr lvl="1"/>
-                <a:r>
-                  <a:rPr kumimoji="1" lang="ja-JP" altLang="en-US"/>
-                  <a:t>楕円曲線の新しいパラメータ</a:t>
-                </a:r>
-                <a:r>
-                  <a:rPr kumimoji="1" lang="en-US" altLang="ja-JP"/>
-                  <a:t>Curve25519</a:t>
-                </a:r>
-              </a:p>
-              <a:p>
-                <a:pPr lvl="1"/>
-                <a:r>
-                  <a:rPr kumimoji="1" lang="ja-JP" altLang="en-US"/>
-                  <a:t>素数が</a:t>
-                </a:r>
-                <a14:m>
-                  <m:oMath xmlns:m="http://schemas.openxmlformats.org/officeDocument/2006/math">
-                    <m:sSup>
-                      <m:sSupPr>
-                        <m:ctrlPr>
-                          <a:rPr kumimoji="1" lang="en-US" altLang="ja-JP" b="0" i="1" smtClean="0">
-                            <a:latin typeface="Cambria Math" panose="02040503050406030204" pitchFamily="18" charset="0"/>
-                          </a:rPr>
-                        </m:ctrlPr>
-                      </m:sSupPr>
-                      <m:e>
-                        <m:r>
-                          <a:rPr kumimoji="1" lang="en-US" altLang="ja-JP" b="0" i="1" smtClean="0">
-                            <a:latin typeface="Cambria Math" panose="02040503050406030204" pitchFamily="18" charset="0"/>
-                          </a:rPr>
-                          <m:t>2</m:t>
-                        </m:r>
-                      </m:e>
-                      <m:sup>
-                        <m:r>
-                          <a:rPr kumimoji="1" lang="en-US" altLang="ja-JP" b="0" i="1" smtClean="0">
-                            <a:latin typeface="Cambria Math" panose="02040503050406030204" pitchFamily="18" charset="0"/>
-                          </a:rPr>
-                          <m:t>255</m:t>
-                        </m:r>
-                      </m:sup>
-                    </m:sSup>
-                    <m:r>
-                      <a:rPr kumimoji="1" lang="en-US" altLang="ja-JP" b="0" i="1" smtClean="0">
-                        <a:latin typeface="Cambria Math" panose="02040503050406030204" pitchFamily="18" charset="0"/>
-                      </a:rPr>
-                      <m:t>−19</m:t>
-                    </m:r>
-                  </m:oMath>
-                </a14:m>
-                <a:r>
-                  <a:rPr kumimoji="1" lang="ja-JP" altLang="en-US"/>
-                  <a:t>なので</a:t>
-                </a:r>
-                <a:endParaRPr kumimoji="1" lang="en-US" altLang="ja-JP"/>
-              </a:p>
-              <a:p>
-                <a:pPr lvl="1"/>
-                <a:r>
-                  <a:rPr kumimoji="1" lang="ja-JP" altLang="en-US"/>
-                  <a:t>より高速でよりサイドチャネル攻撃を受けにくい曲線</a:t>
-                </a:r>
-              </a:p>
-            </p:txBody>
-          </p:sp>
-        </mc:Choice>
-        <mc:Fallback xmlns="">
-          <p:sp>
-            <p:nvSpPr>
-              <p:cNvPr id="2" name="コンテンツ プレースホルダー 1">
-                <a:extLst>
-                  <a:ext uri="{FF2B5EF4-FFF2-40B4-BE49-F238E27FC236}">
-                    <a16:creationId xmlns:a16="http://schemas.microsoft.com/office/drawing/2014/main" id="{1DF304B5-4375-4ADE-8BF4-34A61C5F1358}"/>
-                  </a:ext>
-                </a:extLst>
-              </p:cNvPr>
-              <p:cNvSpPr>
-                <a:spLocks noGrp="1" noRot="1" noChangeAspect="1" noMove="1" noResize="1" noEditPoints="1" noAdjustHandles="1" noChangeArrowheads="1" noChangeShapeType="1" noTextEdit="1"/>
-              </p:cNvSpPr>
-              <p:nvPr>
-                <p:ph idx="1"/>
-              </p:nvPr>
-            </p:nvSpPr>
-            <p:spPr>
-              <a:blipFill>
-                <a:blip r:embed="rId2"/>
-                <a:stretch>
-                  <a:fillRect l="-1200" t="-1454"/>
-                </a:stretch>
-              </a:blipFill>
-            </p:spPr>
-            <p:txBody>
-              <a:bodyPr/>
-              <a:lstStyle/>
-              <a:p>
-                <a:r>
-                  <a:rPr lang="ja-JP" altLang="en-US">
-                    <a:noFill/>
-                  </a:rPr>
-                  <a:t> </a:t>
-                </a:r>
-              </a:p>
-            </p:txBody>
-          </p:sp>
-        </mc:Fallback>
-      </mc:AlternateContent>
       <p:sp>
         <p:nvSpPr>
-          <p:cNvPr id="3" name="スライド番号プレースホルダー 2">
+          <p:cNvPr id="5" name="スライド番号プレースホルダー 4">
             <a:extLst>
               <a:ext uri="{FF2B5EF4-FFF2-40B4-BE49-F238E27FC236}">
-                <a16:creationId xmlns:a16="http://schemas.microsoft.com/office/drawing/2014/main" id="{4FF1DE43-2674-4648-982E-E0362713ED92}"/>
+                <a16:creationId xmlns:a16="http://schemas.microsoft.com/office/drawing/2014/main" id="{6C2C4AF6-D0B5-400B-A7E1-8E71E9EAE2AF}"/>
               </a:ext>
             </a:extLst>
           </p:cNvPr>
@@ -9383,39 +7893,11 @@
               <a:pPr>
                 <a:defRPr/>
               </a:pPr>
-              <a:t>30</a:t>
+              <a:t>3</a:t>
             </a:fld>
             <a:r>
               <a:rPr lang="en-US" altLang="ja-JP"/>
-              <a:t> / 24</a:t>
-            </a:r>
-          </a:p>
-        </p:txBody>
-      </p:sp>
-      <p:sp>
-        <p:nvSpPr>
-          <p:cNvPr id="4" name="タイトル 3">
-            <a:extLst>
-              <a:ext uri="{FF2B5EF4-FFF2-40B4-BE49-F238E27FC236}">
-                <a16:creationId xmlns:a16="http://schemas.microsoft.com/office/drawing/2014/main" id="{6039337D-5F89-4335-8BAA-88B1C2DB91AF}"/>
-              </a:ext>
-            </a:extLst>
-          </p:cNvPr>
-          <p:cNvSpPr>
-            <a:spLocks noGrp="1"/>
-          </p:cNvSpPr>
-          <p:nvPr>
-            <p:ph type="title"/>
-          </p:nvPr>
-        </p:nvSpPr>
-        <p:spPr/>
-        <p:txBody>
-          <a:bodyPr/>
-          <a:lstStyle/>
-          <a:p>
-            <a:r>
-              <a:rPr kumimoji="1" lang="ja-JP" altLang="en-US"/>
-              <a:t>暗号化アルゴリズムの整備</a:t>
+              <a:t> / 26</a:t>
             </a:r>
           </a:p>
         </p:txBody>
@@ -9423,3500 +7905,7 @@
     </p:spTree>
     <p:extLst>
       <p:ext uri="{BB962C8B-B14F-4D97-AF65-F5344CB8AC3E}">
-        <p14:creationId xmlns:p14="http://schemas.microsoft.com/office/powerpoint/2010/main" val="2148117936"/>
-      </p:ext>
-    </p:extLst>
-  </p:cSld>
-  <p:clrMapOvr>
-    <a:masterClrMapping/>
-  </p:clrMapOvr>
-</p:sld>
-</file>
-
-<file path=ppt/slides/slide31.xml><?xml version="1.0" encoding="utf-8"?>
-<p:sld xmlns:a="http://schemas.openxmlformats.org/drawingml/2006/main" xmlns:r="http://schemas.openxmlformats.org/officeDocument/2006/relationships" xmlns:p="http://schemas.openxmlformats.org/presentationml/2006/main">
-  <p:cSld>
-    <p:spTree>
-      <p:nvGrpSpPr>
-        <p:cNvPr id="1" name=""/>
-        <p:cNvGrpSpPr/>
-        <p:nvPr/>
-      </p:nvGrpSpPr>
-      <p:grpSpPr>
-        <a:xfrm>
-          <a:off x="0" y="0"/>
-          <a:ext cx="0" cy="0"/>
-          <a:chOff x="0" y="0"/>
-          <a:chExt cx="0" cy="0"/>
-        </a:xfrm>
-      </p:grpSpPr>
-      <p:sp>
-        <p:nvSpPr>
-          <p:cNvPr id="2" name="コンテンツ プレースホルダー 1">
-            <a:extLst>
-              <a:ext uri="{FF2B5EF4-FFF2-40B4-BE49-F238E27FC236}">
-                <a16:creationId xmlns:a16="http://schemas.microsoft.com/office/drawing/2014/main" id="{B01DDFDC-EAB4-4A28-A13F-B759E04A16A9}"/>
-              </a:ext>
-            </a:extLst>
-          </p:cNvPr>
-          <p:cNvSpPr>
-            <a:spLocks noGrp="1"/>
-          </p:cNvSpPr>
-          <p:nvPr>
-            <p:ph idx="1"/>
-          </p:nvPr>
-        </p:nvSpPr>
-        <p:spPr/>
-        <p:txBody>
-          <a:bodyPr/>
-          <a:lstStyle/>
-          <a:p>
-            <a:r>
-              <a:rPr kumimoji="1" lang="ja-JP" altLang="en-US"/>
-              <a:t>経緯</a:t>
-            </a:r>
-            <a:endParaRPr kumimoji="1" lang="en-US" altLang="ja-JP"/>
-          </a:p>
-          <a:p>
-            <a:pPr lvl="1"/>
-            <a:r>
-              <a:rPr kumimoji="1" lang="en-US" altLang="ja-JP"/>
-              <a:t>NIST</a:t>
-            </a:r>
-            <a:r>
-              <a:rPr kumimoji="1" lang="ja-JP" altLang="en-US"/>
-              <a:t>が定めた擬似乱数生成アルゴリズム</a:t>
-            </a:r>
-            <a:r>
-              <a:rPr kumimoji="1" lang="en-US" altLang="ja-JP"/>
-              <a:t>Dual_EC_DRB</a:t>
-            </a:r>
-          </a:p>
-          <a:p>
-            <a:pPr lvl="2"/>
-            <a:r>
-              <a:rPr kumimoji="1" lang="en-US" altLang="ja-JP"/>
-              <a:t>2013</a:t>
-            </a:r>
-            <a:r>
-              <a:rPr kumimoji="1" lang="ja-JP" altLang="en-US"/>
-              <a:t>年バックドアがあると報道</a:t>
-            </a:r>
-            <a:endParaRPr kumimoji="1" lang="en-US" altLang="ja-JP"/>
-          </a:p>
-          <a:p>
-            <a:pPr lvl="2"/>
-            <a:r>
-              <a:rPr kumimoji="1" lang="ja-JP" altLang="en-US"/>
-              <a:t>その他の暗号技術</a:t>
-            </a:r>
-            <a:r>
-              <a:rPr kumimoji="1" lang="en-US" altLang="ja-JP"/>
-              <a:t>(NIST P-256</a:t>
-            </a:r>
-            <a:r>
-              <a:rPr kumimoji="1" lang="ja-JP" altLang="en-US"/>
-              <a:t>など</a:t>
-            </a:r>
-            <a:r>
-              <a:rPr kumimoji="1" lang="en-US" altLang="ja-JP"/>
-              <a:t>)</a:t>
-            </a:r>
-            <a:r>
-              <a:rPr kumimoji="1" lang="ja-JP" altLang="en-US"/>
-              <a:t>は大丈夫</a:t>
-            </a:r>
-            <a:r>
-              <a:rPr kumimoji="1" lang="en-US" altLang="ja-JP"/>
-              <a:t>?</a:t>
-            </a:r>
-          </a:p>
-          <a:p>
-            <a:r>
-              <a:rPr kumimoji="1" lang="en-US" altLang="ja-JP"/>
-              <a:t>SafeCurves : </a:t>
-            </a:r>
-            <a:r>
-              <a:rPr kumimoji="1" lang="en-US" altLang="ja-JP">
-                <a:solidFill>
-                  <a:srgbClr val="FF0000"/>
-                </a:solidFill>
-                <a:hlinkClick r:id="rId2">
-                  <a:extLst>
-                    <a:ext uri="{A12FA001-AC4F-418D-AE19-62706E023703}">
-                      <ahyp:hlinkClr xmlns:ahyp="http://schemas.microsoft.com/office/drawing/2018/hyperlinkcolor" val="tx"/>
-                    </a:ext>
-                  </a:extLst>
-                </a:hlinkClick>
-              </a:rPr>
-              <a:t>https://safecurves.cr.yp.to/rigid.html</a:t>
-            </a:r>
-            <a:endParaRPr kumimoji="1" lang="en-US" altLang="ja-JP"/>
-          </a:p>
-          <a:p>
-            <a:pPr lvl="1"/>
-            <a:endParaRPr kumimoji="1" lang="ja-JP" altLang="en-US"/>
-          </a:p>
-        </p:txBody>
-      </p:sp>
-      <p:sp>
-        <p:nvSpPr>
-          <p:cNvPr id="3" name="スライド番号プレースホルダー 2">
-            <a:extLst>
-              <a:ext uri="{FF2B5EF4-FFF2-40B4-BE49-F238E27FC236}">
-                <a16:creationId xmlns:a16="http://schemas.microsoft.com/office/drawing/2014/main" id="{8131047C-A6FE-464B-8CFF-19C1E803FF05}"/>
-              </a:ext>
-            </a:extLst>
-          </p:cNvPr>
-          <p:cNvSpPr>
-            <a:spLocks noGrp="1"/>
-          </p:cNvSpPr>
-          <p:nvPr>
-            <p:ph type="sldNum" sz="quarter" idx="12"/>
-          </p:nvPr>
-        </p:nvSpPr>
-        <p:spPr/>
-        <p:txBody>
-          <a:bodyPr/>
-          <a:lstStyle/>
-          <a:p>
-            <a:pPr>
-              <a:defRPr/>
-            </a:pPr>
-            <a:r>
-              <a:rPr lang="en-US" altLang="ja-JP"/>
-              <a:t>    </a:t>
-            </a:r>
-            <a:fld id="{B2782DEB-472A-4FE5-AC34-C17109CF5A91}" type="slidenum">
-              <a:rPr lang="en-US" altLang="ja-JP" smtClean="0"/>
-              <a:pPr>
-                <a:defRPr/>
-              </a:pPr>
-              <a:t>31</a:t>
-            </a:fld>
-            <a:r>
-              <a:rPr lang="en-US" altLang="ja-JP"/>
-              <a:t> / 24</a:t>
-            </a:r>
-          </a:p>
-        </p:txBody>
-      </p:sp>
-      <p:sp>
-        <p:nvSpPr>
-          <p:cNvPr id="4" name="タイトル 3">
-            <a:extLst>
-              <a:ext uri="{FF2B5EF4-FFF2-40B4-BE49-F238E27FC236}">
-                <a16:creationId xmlns:a16="http://schemas.microsoft.com/office/drawing/2014/main" id="{605DF6A4-41C5-454B-AC97-6C594B60B52D}"/>
-              </a:ext>
-            </a:extLst>
-          </p:cNvPr>
-          <p:cNvSpPr>
-            <a:spLocks noGrp="1"/>
-          </p:cNvSpPr>
-          <p:nvPr>
-            <p:ph type="title"/>
-          </p:nvPr>
-        </p:nvSpPr>
-        <p:spPr/>
-        <p:txBody>
-          <a:bodyPr/>
-          <a:lstStyle/>
-          <a:p>
-            <a:r>
-              <a:rPr kumimoji="1" lang="ja-JP" altLang="en-US"/>
-              <a:t>パラメータ選択の恣意性</a:t>
-            </a:r>
-          </a:p>
-        </p:txBody>
-      </p:sp>
-      <p:pic>
-        <p:nvPicPr>
-          <p:cNvPr id="6" name="図 5">
-            <a:extLst>
-              <a:ext uri="{FF2B5EF4-FFF2-40B4-BE49-F238E27FC236}">
-                <a16:creationId xmlns:a16="http://schemas.microsoft.com/office/drawing/2014/main" id="{825C6F77-BA7E-4DBE-944D-DDDABC9C9D0E}"/>
-              </a:ext>
-            </a:extLst>
-          </p:cNvPr>
-          <p:cNvPicPr>
-            <a:picLocks noChangeAspect="1"/>
-          </p:cNvPicPr>
-          <p:nvPr/>
-        </p:nvPicPr>
-        <p:blipFill>
-          <a:blip r:embed="rId3">
-            <a:extLst>
-              <a:ext uri="{28A0092B-C50C-407E-A947-70E740481C1C}">
-                <a14:useLocalDpi xmlns:a14="http://schemas.microsoft.com/office/drawing/2010/main" val="0"/>
-              </a:ext>
-            </a:extLst>
-          </a:blip>
-          <a:stretch>
-            <a:fillRect/>
-          </a:stretch>
-        </p:blipFill>
-        <p:spPr>
-          <a:xfrm>
-            <a:off x="1203417" y="3263271"/>
-            <a:ext cx="6652338" cy="3384376"/>
-          </a:xfrm>
-          <a:prstGeom prst="rect">
-            <a:avLst/>
-          </a:prstGeom>
-        </p:spPr>
-      </p:pic>
-    </p:spTree>
-    <p:extLst>
-      <p:ext uri="{BB962C8B-B14F-4D97-AF65-F5344CB8AC3E}">
-        <p14:creationId xmlns:p14="http://schemas.microsoft.com/office/powerpoint/2010/main" val="3601886467"/>
-      </p:ext>
-    </p:extLst>
-  </p:cSld>
-  <p:clrMapOvr>
-    <a:masterClrMapping/>
-  </p:clrMapOvr>
-</p:sld>
-</file>
-
-<file path=ppt/slides/slide32.xml><?xml version="1.0" encoding="utf-8"?>
-<p:sld xmlns:a="http://schemas.openxmlformats.org/drawingml/2006/main" xmlns:r="http://schemas.openxmlformats.org/officeDocument/2006/relationships" xmlns:p="http://schemas.openxmlformats.org/presentationml/2006/main">
-  <p:cSld>
-    <p:spTree>
-      <p:nvGrpSpPr>
-        <p:cNvPr id="1" name=""/>
-        <p:cNvGrpSpPr/>
-        <p:nvPr/>
-      </p:nvGrpSpPr>
-      <p:grpSpPr>
-        <a:xfrm>
-          <a:off x="0" y="0"/>
-          <a:ext cx="0" cy="0"/>
-          <a:chOff x="0" y="0"/>
-          <a:chExt cx="0" cy="0"/>
-        </a:xfrm>
-      </p:grpSpPr>
-      <mc:AlternateContent xmlns:mc="http://schemas.openxmlformats.org/markup-compatibility/2006" xmlns:a14="http://schemas.microsoft.com/office/drawing/2010/main">
-        <mc:Choice Requires="a14">
-          <p:sp>
-            <p:nvSpPr>
-              <p:cNvPr id="2" name="コンテンツ プレースホルダー 1">
-                <a:extLst>
-                  <a:ext uri="{FF2B5EF4-FFF2-40B4-BE49-F238E27FC236}">
-                    <a16:creationId xmlns:a16="http://schemas.microsoft.com/office/drawing/2014/main" id="{832304E2-BBC1-4AAE-826E-8FAB798CF02E}"/>
-                  </a:ext>
-                </a:extLst>
-              </p:cNvPr>
-              <p:cNvSpPr>
-                <a:spLocks noGrp="1"/>
-              </p:cNvSpPr>
-              <p:nvPr>
-                <p:ph idx="1"/>
-              </p:nvPr>
-            </p:nvSpPr>
-            <p:spPr/>
-            <p:txBody>
-              <a:bodyPr/>
-              <a:lstStyle/>
-              <a:p>
-                <a:r>
-                  <a:rPr lang="en-US" altLang="ja-JP"/>
-                  <a:t>HKDF (HMAC-based Key Derivation Function)</a:t>
-                </a:r>
-              </a:p>
-              <a:p>
-                <a:pPr lvl="1"/>
-                <a:r>
-                  <a:rPr kumimoji="1" lang="en-US" altLang="ja-JP"/>
-                  <a:t>HMAC</a:t>
-                </a:r>
-                <a:r>
-                  <a:rPr kumimoji="1" lang="ja-JP" altLang="en-US"/>
-                  <a:t>を利用した鍵導出関数</a:t>
-                </a:r>
-                <a:endParaRPr kumimoji="1" lang="en-US" altLang="ja-JP"/>
-              </a:p>
-              <a:p>
-                <a:pPr lvl="1"/>
-                <a:r>
-                  <a:rPr kumimoji="1" lang="ja-JP" altLang="en-US"/>
-                  <a:t>短いシードから秘密鍵に利用できる安全な擬似乱数を生成</a:t>
-                </a:r>
-                <a:endParaRPr kumimoji="1" lang="en-US" altLang="ja-JP"/>
-              </a:p>
-              <a:p>
-                <a:r>
-                  <a:rPr kumimoji="1" lang="en-US" altLang="ja-JP"/>
-                  <a:t>HKDF-Extract</a:t>
-                </a:r>
-              </a:p>
-              <a:p>
-                <a:pPr lvl="1"/>
-                <a:r>
-                  <a:rPr kumimoji="1" lang="en-US" altLang="ja-JP"/>
-                  <a:t>salt : </a:t>
-                </a:r>
-                <a:r>
-                  <a:rPr kumimoji="1" lang="ja-JP" altLang="en-US"/>
-                  <a:t>秘密ではないランダムな値</a:t>
-                </a:r>
-                <a:r>
-                  <a:rPr kumimoji="1" lang="en-US" altLang="ja-JP"/>
-                  <a:t>, x : DH</a:t>
-                </a:r>
-                <a:r>
-                  <a:rPr kumimoji="1" lang="ja-JP" altLang="en-US"/>
-                  <a:t>鍵共有などの結果</a:t>
-                </a:r>
-                <a:endParaRPr kumimoji="1" lang="en-US" altLang="ja-JP"/>
-              </a:p>
-              <a:p>
-                <a:pPr lvl="1"/>
-                <a:r>
-                  <a:rPr lang="en-US" altLang="ja-JP"/>
-                  <a:t>prk = HMAC(salt, x)</a:t>
-                </a:r>
-              </a:p>
-              <a:p>
-                <a:r>
-                  <a:rPr kumimoji="1" lang="en-US" altLang="ja-JP"/>
-                  <a:t>H</a:t>
-                </a:r>
-                <a:r>
-                  <a:rPr lang="en-US" altLang="ja-JP"/>
-                  <a:t>KDF-Expand</a:t>
-                </a:r>
-              </a:p>
-              <a:p>
-                <a:pPr lvl="1"/>
-                <a:r>
-                  <a:rPr kumimoji="1" lang="en-US" altLang="ja-JP"/>
-                  <a:t>prk</a:t>
-                </a:r>
-                <a:r>
-                  <a:rPr kumimoji="1" lang="ja-JP" altLang="en-US"/>
-                  <a:t>と付加情報</a:t>
-                </a:r>
-                <a:r>
-                  <a:rPr kumimoji="1" lang="en-US" altLang="ja-JP"/>
-                  <a:t>info</a:t>
-                </a:r>
-                <a:r>
-                  <a:rPr kumimoji="1" lang="ja-JP" altLang="en-US"/>
-                  <a:t>から複数の安全な擬似乱数を生成</a:t>
-                </a:r>
-                <a:endParaRPr kumimoji="1" lang="en-US" altLang="ja-JP"/>
-              </a:p>
-              <a:p>
-                <a:pPr lvl="2"/>
-                <a14:m>
-                  <m:oMath xmlns:m="http://schemas.openxmlformats.org/officeDocument/2006/math">
-                    <m:sSub>
-                      <m:sSubPr>
-                        <m:ctrlPr>
-                          <a:rPr kumimoji="1" lang="en-US" altLang="ja-JP" b="0" i="1" smtClean="0">
-                            <a:latin typeface="Cambria Math" panose="02040503050406030204" pitchFamily="18" charset="0"/>
-                          </a:rPr>
-                        </m:ctrlPr>
-                      </m:sSubPr>
-                      <m:e>
-                        <m:r>
-                          <a:rPr kumimoji="1" lang="en-US" altLang="ja-JP" b="0" i="1" smtClean="0">
-                            <a:latin typeface="Cambria Math" panose="02040503050406030204" pitchFamily="18" charset="0"/>
-                          </a:rPr>
-                          <m:t>𝑇</m:t>
-                        </m:r>
-                      </m:e>
-                      <m:sub>
-                        <m:r>
-                          <a:rPr kumimoji="1" lang="en-US" altLang="ja-JP" b="0" i="1" smtClean="0">
-                            <a:latin typeface="Cambria Math" panose="02040503050406030204" pitchFamily="18" charset="0"/>
-                          </a:rPr>
-                          <m:t>1</m:t>
-                        </m:r>
-                      </m:sub>
-                    </m:sSub>
-                    <m:r>
-                      <a:rPr kumimoji="1" lang="en-US" altLang="ja-JP" b="0" i="1" smtClean="0">
-                        <a:latin typeface="Cambria Math" panose="02040503050406030204" pitchFamily="18" charset="0"/>
-                      </a:rPr>
-                      <m:t>=</m:t>
-                    </m:r>
-                    <m:r>
-                      <a:rPr kumimoji="1" lang="en-US" altLang="ja-JP" b="0" i="1" smtClean="0">
-                        <a:latin typeface="Cambria Math" panose="02040503050406030204" pitchFamily="18" charset="0"/>
-                      </a:rPr>
-                      <m:t>𝐻𝑀𝐴𝐶</m:t>
-                    </m:r>
-                    <m:d>
-                      <m:dPr>
-                        <m:ctrlPr>
-                          <a:rPr kumimoji="1" lang="en-US" altLang="ja-JP" b="0" i="1" smtClean="0">
-                            <a:latin typeface="Cambria Math" panose="02040503050406030204" pitchFamily="18" charset="0"/>
-                          </a:rPr>
-                        </m:ctrlPr>
-                      </m:dPr>
-                      <m:e>
-                        <m:r>
-                          <a:rPr kumimoji="1" lang="en-US" altLang="ja-JP" b="0" i="1" smtClean="0">
-                            <a:latin typeface="Cambria Math" panose="02040503050406030204" pitchFamily="18" charset="0"/>
-                          </a:rPr>
-                          <m:t>𝑝𝑟𝑘</m:t>
-                        </m:r>
-                        <m:r>
-                          <a:rPr kumimoji="1" lang="en-US" altLang="ja-JP" b="0" i="1" smtClean="0">
-                            <a:latin typeface="Cambria Math" panose="02040503050406030204" pitchFamily="18" charset="0"/>
-                          </a:rPr>
-                          <m:t>, ""</m:t>
-                        </m:r>
-                        <m:d>
-                          <m:dPr>
-                            <m:begChr m:val="|"/>
-                            <m:endChr m:val="|"/>
-                            <m:ctrlPr>
-                              <a:rPr kumimoji="1" lang="en-US" altLang="ja-JP" b="0" i="1" smtClean="0">
-                                <a:latin typeface="Cambria Math" panose="02040503050406030204" pitchFamily="18" charset="0"/>
-                              </a:rPr>
-                            </m:ctrlPr>
-                          </m:dPr>
-                          <m:e>
-                            <m:r>
-                              <m:rPr>
-                                <m:sty m:val="p"/>
-                              </m:rPr>
-                              <a:rPr kumimoji="1" lang="en-US" altLang="ja-JP" b="0" i="1" smtClean="0">
-                                <a:latin typeface="Cambria Math" panose="02040503050406030204" pitchFamily="18" charset="0"/>
-                              </a:rPr>
-                              <m:t>info</m:t>
-                            </m:r>
-                          </m:e>
-                        </m:d>
-                        <m:r>
-                          <a:rPr kumimoji="1" lang="en-US" altLang="ja-JP" b="0" i="1" smtClean="0">
-                            <a:latin typeface="Cambria Math" panose="02040503050406030204" pitchFamily="18" charset="0"/>
-                          </a:rPr>
-                          <m:t>1</m:t>
-                        </m:r>
-                      </m:e>
-                    </m:d>
-                  </m:oMath>
-                </a14:m>
-                <a:endParaRPr kumimoji="1" lang="en-US" altLang="ja-JP" b="0"/>
-              </a:p>
-              <a:p>
-                <a:pPr lvl="2"/>
-                <a14:m>
-                  <m:oMath xmlns:m="http://schemas.openxmlformats.org/officeDocument/2006/math">
-                    <m:sSub>
-                      <m:sSubPr>
-                        <m:ctrlPr>
-                          <a:rPr kumimoji="1" lang="en-US" altLang="ja-JP" b="0" i="1" smtClean="0">
-                            <a:latin typeface="Cambria Math" panose="02040503050406030204" pitchFamily="18" charset="0"/>
-                          </a:rPr>
-                        </m:ctrlPr>
-                      </m:sSubPr>
-                      <m:e>
-                        <m:r>
-                          <a:rPr kumimoji="1" lang="en-US" altLang="ja-JP" b="0" i="1" smtClean="0">
-                            <a:latin typeface="Cambria Math" panose="02040503050406030204" pitchFamily="18" charset="0"/>
-                          </a:rPr>
-                          <m:t>𝑇</m:t>
-                        </m:r>
-                      </m:e>
-                      <m:sub>
-                        <m:r>
-                          <a:rPr kumimoji="1" lang="en-US" altLang="ja-JP" b="0" i="1" smtClean="0">
-                            <a:latin typeface="Cambria Math" panose="02040503050406030204" pitchFamily="18" charset="0"/>
-                          </a:rPr>
-                          <m:t>2</m:t>
-                        </m:r>
-                      </m:sub>
-                    </m:sSub>
-                    <m:r>
-                      <a:rPr kumimoji="1" lang="en-US" altLang="ja-JP" b="0" i="1" smtClean="0">
-                        <a:latin typeface="Cambria Math" panose="02040503050406030204" pitchFamily="18" charset="0"/>
-                      </a:rPr>
-                      <m:t>=</m:t>
-                    </m:r>
-                    <m:r>
-                      <a:rPr kumimoji="1" lang="en-US" altLang="ja-JP" b="0" i="1" smtClean="0">
-                        <a:latin typeface="Cambria Math" panose="02040503050406030204" pitchFamily="18" charset="0"/>
-                      </a:rPr>
-                      <m:t>𝐻𝑀𝐴𝐶</m:t>
-                    </m:r>
-                    <m:d>
-                      <m:dPr>
-                        <m:ctrlPr>
-                          <a:rPr kumimoji="1" lang="en-US" altLang="ja-JP" b="0" i="1" smtClean="0">
-                            <a:latin typeface="Cambria Math" panose="02040503050406030204" pitchFamily="18" charset="0"/>
-                          </a:rPr>
-                        </m:ctrlPr>
-                      </m:dPr>
-                      <m:e>
-                        <m:r>
-                          <a:rPr kumimoji="1" lang="en-US" altLang="ja-JP" b="0" i="1" smtClean="0">
-                            <a:latin typeface="Cambria Math" panose="02040503050406030204" pitchFamily="18" charset="0"/>
-                          </a:rPr>
-                          <m:t>𝑝𝑟𝑘</m:t>
-                        </m:r>
-                        <m:r>
-                          <a:rPr kumimoji="1" lang="en-US" altLang="ja-JP" b="0" i="1" smtClean="0">
-                            <a:latin typeface="Cambria Math" panose="02040503050406030204" pitchFamily="18" charset="0"/>
-                          </a:rPr>
-                          <m:t>, </m:t>
-                        </m:r>
-                        <m:sSub>
-                          <m:sSubPr>
-                            <m:ctrlPr>
-                              <a:rPr kumimoji="1" lang="en-US" altLang="ja-JP" b="0" i="1" smtClean="0">
-                                <a:latin typeface="Cambria Math" panose="02040503050406030204" pitchFamily="18" charset="0"/>
-                              </a:rPr>
-                            </m:ctrlPr>
-                          </m:sSubPr>
-                          <m:e>
-                            <m:r>
-                              <a:rPr kumimoji="1" lang="en-US" altLang="ja-JP" b="0" i="1" smtClean="0">
-                                <a:latin typeface="Cambria Math" panose="02040503050406030204" pitchFamily="18" charset="0"/>
-                              </a:rPr>
-                              <m:t>𝑇</m:t>
-                            </m:r>
-                          </m:e>
-                          <m:sub>
-                            <m:r>
-                              <a:rPr kumimoji="1" lang="en-US" altLang="ja-JP" b="0" i="1" smtClean="0">
-                                <a:latin typeface="Cambria Math" panose="02040503050406030204" pitchFamily="18" charset="0"/>
-                              </a:rPr>
-                              <m:t>1</m:t>
-                            </m:r>
-                          </m:sub>
-                        </m:sSub>
-                        <m:d>
-                          <m:dPr>
-                            <m:begChr m:val="|"/>
-                            <m:endChr m:val="|"/>
-                            <m:ctrlPr>
-                              <a:rPr kumimoji="1" lang="en-US" altLang="ja-JP" b="0" i="1" smtClean="0">
-                                <a:latin typeface="Cambria Math" panose="02040503050406030204" pitchFamily="18" charset="0"/>
-                              </a:rPr>
-                            </m:ctrlPr>
-                          </m:dPr>
-                          <m:e>
-                            <m:r>
-                              <m:rPr>
-                                <m:sty m:val="p"/>
-                              </m:rPr>
-                              <a:rPr kumimoji="1" lang="en-US" altLang="ja-JP" b="0" i="1" smtClean="0">
-                                <a:latin typeface="Cambria Math" panose="02040503050406030204" pitchFamily="18" charset="0"/>
-                              </a:rPr>
-                              <m:t>info</m:t>
-                            </m:r>
-                          </m:e>
-                        </m:d>
-                        <m:r>
-                          <a:rPr kumimoji="1" lang="en-US" altLang="ja-JP" b="0" i="1" smtClean="0">
-                            <a:latin typeface="Cambria Math" panose="02040503050406030204" pitchFamily="18" charset="0"/>
-                          </a:rPr>
-                          <m:t>2</m:t>
-                        </m:r>
-                      </m:e>
-                    </m:d>
-                  </m:oMath>
-                </a14:m>
-                <a:endParaRPr kumimoji="1" lang="en-US" altLang="ja-JP" b="0"/>
-              </a:p>
-              <a:p>
-                <a:pPr lvl="2"/>
-                <a14:m>
-                  <m:oMath xmlns:m="http://schemas.openxmlformats.org/officeDocument/2006/math">
-                    <m:sSub>
-                      <m:sSubPr>
-                        <m:ctrlPr>
-                          <a:rPr kumimoji="1" lang="en-US" altLang="ja-JP" b="0" i="1" smtClean="0">
-                            <a:latin typeface="Cambria Math" panose="02040503050406030204" pitchFamily="18" charset="0"/>
-                          </a:rPr>
-                        </m:ctrlPr>
-                      </m:sSubPr>
-                      <m:e>
-                        <m:r>
-                          <a:rPr kumimoji="1" lang="en-US" altLang="ja-JP" b="0" i="1" smtClean="0">
-                            <a:latin typeface="Cambria Math" panose="02040503050406030204" pitchFamily="18" charset="0"/>
-                          </a:rPr>
-                          <m:t>𝑇</m:t>
-                        </m:r>
-                      </m:e>
-                      <m:sub>
-                        <m:r>
-                          <a:rPr kumimoji="1" lang="en-US" altLang="ja-JP" b="0" i="1" smtClean="0">
-                            <a:latin typeface="Cambria Math" panose="02040503050406030204" pitchFamily="18" charset="0"/>
-                          </a:rPr>
-                          <m:t>3</m:t>
-                        </m:r>
-                      </m:sub>
-                    </m:sSub>
-                    <m:r>
-                      <a:rPr kumimoji="1" lang="en-US" altLang="ja-JP" b="0" i="1" smtClean="0">
-                        <a:latin typeface="Cambria Math" panose="02040503050406030204" pitchFamily="18" charset="0"/>
-                      </a:rPr>
-                      <m:t>=</m:t>
-                    </m:r>
-                    <m:r>
-                      <a:rPr kumimoji="1" lang="en-US" altLang="ja-JP" b="0" i="1" smtClean="0">
-                        <a:latin typeface="Cambria Math" panose="02040503050406030204" pitchFamily="18" charset="0"/>
-                      </a:rPr>
-                      <m:t>𝐻𝑀𝐴𝐶</m:t>
-                    </m:r>
-                    <m:r>
-                      <a:rPr kumimoji="1" lang="en-US" altLang="ja-JP" b="0" i="1" smtClean="0">
-                        <a:latin typeface="Cambria Math" panose="02040503050406030204" pitchFamily="18" charset="0"/>
-                      </a:rPr>
-                      <m:t>(</m:t>
-                    </m:r>
-                    <m:r>
-                      <a:rPr kumimoji="1" lang="en-US" altLang="ja-JP" b="0" i="1" smtClean="0">
-                        <a:latin typeface="Cambria Math" panose="02040503050406030204" pitchFamily="18" charset="0"/>
-                      </a:rPr>
-                      <m:t>𝑝𝑟𝑘</m:t>
-                    </m:r>
-                    <m:r>
-                      <a:rPr kumimoji="1" lang="en-US" altLang="ja-JP" b="0" i="1" smtClean="0">
-                        <a:latin typeface="Cambria Math" panose="02040503050406030204" pitchFamily="18" charset="0"/>
-                      </a:rPr>
-                      <m:t>, </m:t>
-                    </m:r>
-                    <m:sSub>
-                      <m:sSubPr>
-                        <m:ctrlPr>
-                          <a:rPr kumimoji="1" lang="en-US" altLang="ja-JP" b="0" i="1" smtClean="0">
-                            <a:latin typeface="Cambria Math" panose="02040503050406030204" pitchFamily="18" charset="0"/>
-                          </a:rPr>
-                        </m:ctrlPr>
-                      </m:sSubPr>
-                      <m:e>
-                        <m:r>
-                          <a:rPr kumimoji="1" lang="en-US" altLang="ja-JP" b="0" i="1" smtClean="0">
-                            <a:latin typeface="Cambria Math" panose="02040503050406030204" pitchFamily="18" charset="0"/>
-                          </a:rPr>
-                          <m:t>𝑇</m:t>
-                        </m:r>
-                      </m:e>
-                      <m:sub>
-                        <m:r>
-                          <a:rPr kumimoji="1" lang="en-US" altLang="ja-JP" b="0" i="1" smtClean="0">
-                            <a:latin typeface="Cambria Math" panose="02040503050406030204" pitchFamily="18" charset="0"/>
-                          </a:rPr>
-                          <m:t>2</m:t>
-                        </m:r>
-                      </m:sub>
-                    </m:sSub>
-                    <m:d>
-                      <m:dPr>
-                        <m:begChr m:val="|"/>
-                        <m:endChr m:val="|"/>
-                        <m:ctrlPr>
-                          <a:rPr kumimoji="1" lang="en-US" altLang="ja-JP" b="0" i="1" smtClean="0">
-                            <a:latin typeface="Cambria Math" panose="02040503050406030204" pitchFamily="18" charset="0"/>
-                          </a:rPr>
-                        </m:ctrlPr>
-                      </m:dPr>
-                      <m:e>
-                        <m:r>
-                          <m:rPr>
-                            <m:sty m:val="p"/>
-                          </m:rPr>
-                          <a:rPr kumimoji="1" lang="en-US" altLang="ja-JP" b="0" i="1" smtClean="0">
-                            <a:latin typeface="Cambria Math" panose="02040503050406030204" pitchFamily="18" charset="0"/>
-                          </a:rPr>
-                          <m:t>info</m:t>
-                        </m:r>
-                      </m:e>
-                    </m:d>
-                    <m:r>
-                      <a:rPr kumimoji="1" lang="en-US" altLang="ja-JP" b="0" i="1" smtClean="0">
-                        <a:latin typeface="Cambria Math" panose="02040503050406030204" pitchFamily="18" charset="0"/>
-                      </a:rPr>
-                      <m:t>3)</m:t>
-                    </m:r>
-                  </m:oMath>
-                </a14:m>
-                <a:endParaRPr kumimoji="1" lang="en-US" altLang="ja-JP"/>
-              </a:p>
-              <a:p>
-                <a:r>
-                  <a:rPr kumimoji="1" lang="en-US" altLang="ja-JP"/>
-                  <a:t>Derive-Secret</a:t>
-                </a:r>
-                <a:endParaRPr lang="en-US" altLang="ja-JP"/>
-              </a:p>
-              <a:p>
-                <a:pPr lvl="1"/>
-                <a:r>
-                  <a:rPr kumimoji="1" lang="en-US" altLang="ja-JP"/>
-                  <a:t>info</a:t>
-                </a:r>
-                <a:r>
-                  <a:rPr kumimoji="1" lang="ja-JP" altLang="en-US"/>
-                  <a:t>にヘッダ情報を付与して</a:t>
-                </a:r>
-                <a:r>
-                  <a:rPr kumimoji="1" lang="en-US" altLang="ja-JP"/>
-                  <a:t>HKDF-Expand</a:t>
-                </a:r>
-                <a:r>
-                  <a:rPr kumimoji="1" lang="ja-JP" altLang="en-US"/>
-                  <a:t>を呼び出す</a:t>
-                </a:r>
-              </a:p>
-            </p:txBody>
-          </p:sp>
-        </mc:Choice>
-        <mc:Fallback xmlns="">
-          <p:sp>
-            <p:nvSpPr>
-              <p:cNvPr id="2" name="コンテンツ プレースホルダー 1">
-                <a:extLst>
-                  <a:ext uri="{FF2B5EF4-FFF2-40B4-BE49-F238E27FC236}">
-                    <a16:creationId xmlns:a16="http://schemas.microsoft.com/office/drawing/2014/main" id="{832304E2-BBC1-4AAE-826E-8FAB798CF02E}"/>
-                  </a:ext>
-                </a:extLst>
-              </p:cNvPr>
-              <p:cNvSpPr>
-                <a:spLocks noGrp="1" noRot="1" noChangeAspect="1" noMove="1" noResize="1" noEditPoints="1" noAdjustHandles="1" noChangeArrowheads="1" noChangeShapeType="1" noTextEdit="1"/>
-              </p:cNvSpPr>
-              <p:nvPr>
-                <p:ph idx="1"/>
-              </p:nvPr>
-            </p:nvSpPr>
-            <p:spPr>
-              <a:blipFill>
-                <a:blip r:embed="rId2"/>
-                <a:stretch>
-                  <a:fillRect l="-1200" t="-1142" b="-9450"/>
-                </a:stretch>
-              </a:blipFill>
-            </p:spPr>
-            <p:txBody>
-              <a:bodyPr/>
-              <a:lstStyle/>
-              <a:p>
-                <a:r>
-                  <a:rPr lang="ja-JP" altLang="en-US">
-                    <a:noFill/>
-                  </a:rPr>
-                  <a:t> </a:t>
-                </a:r>
-              </a:p>
-            </p:txBody>
-          </p:sp>
-        </mc:Fallback>
-      </mc:AlternateContent>
-      <p:sp>
-        <p:nvSpPr>
-          <p:cNvPr id="3" name="スライド番号プレースホルダー 2">
-            <a:extLst>
-              <a:ext uri="{FF2B5EF4-FFF2-40B4-BE49-F238E27FC236}">
-                <a16:creationId xmlns:a16="http://schemas.microsoft.com/office/drawing/2014/main" id="{D75B8295-E56B-4FEB-B0E9-972C3D9C8BEF}"/>
-              </a:ext>
-            </a:extLst>
-          </p:cNvPr>
-          <p:cNvSpPr>
-            <a:spLocks noGrp="1"/>
-          </p:cNvSpPr>
-          <p:nvPr>
-            <p:ph type="sldNum" sz="quarter" idx="12"/>
-          </p:nvPr>
-        </p:nvSpPr>
-        <p:spPr/>
-        <p:txBody>
-          <a:bodyPr/>
-          <a:lstStyle/>
-          <a:p>
-            <a:pPr>
-              <a:defRPr/>
-            </a:pPr>
-            <a:r>
-              <a:rPr lang="en-US" altLang="ja-JP"/>
-              <a:t>    </a:t>
-            </a:r>
-            <a:fld id="{B2782DEB-472A-4FE5-AC34-C17109CF5A91}" type="slidenum">
-              <a:rPr lang="en-US" altLang="ja-JP" smtClean="0"/>
-              <a:pPr>
-                <a:defRPr/>
-              </a:pPr>
-              <a:t>32</a:t>
-            </a:fld>
-            <a:r>
-              <a:rPr lang="en-US" altLang="ja-JP"/>
-              <a:t> / 24</a:t>
-            </a:r>
-          </a:p>
-        </p:txBody>
-      </p:sp>
-      <p:sp>
-        <p:nvSpPr>
-          <p:cNvPr id="4" name="タイトル 3">
-            <a:extLst>
-              <a:ext uri="{FF2B5EF4-FFF2-40B4-BE49-F238E27FC236}">
-                <a16:creationId xmlns:a16="http://schemas.microsoft.com/office/drawing/2014/main" id="{25D2294A-DF67-4616-AA9B-B85BBBECBC4E}"/>
-              </a:ext>
-            </a:extLst>
-          </p:cNvPr>
-          <p:cNvSpPr>
-            <a:spLocks noGrp="1"/>
-          </p:cNvSpPr>
-          <p:nvPr>
-            <p:ph type="title"/>
-          </p:nvPr>
-        </p:nvSpPr>
-        <p:spPr/>
-        <p:txBody>
-          <a:bodyPr/>
-          <a:lstStyle/>
-          <a:p>
-            <a:r>
-              <a:rPr kumimoji="1" lang="ja-JP" altLang="en-US"/>
-              <a:t>新しい鍵導出アルゴリズム</a:t>
-            </a:r>
-          </a:p>
-        </p:txBody>
-      </p:sp>
-    </p:spTree>
-    <p:extLst>
-      <p:ext uri="{BB962C8B-B14F-4D97-AF65-F5344CB8AC3E}">
-        <p14:creationId xmlns:p14="http://schemas.microsoft.com/office/powerpoint/2010/main" val="1402270072"/>
-      </p:ext>
-    </p:extLst>
-  </p:cSld>
-  <p:clrMapOvr>
-    <a:masterClrMapping/>
-  </p:clrMapOvr>
-</p:sld>
-</file>
-
-<file path=ppt/slides/slide33.xml><?xml version="1.0" encoding="utf-8"?>
-<p:sld xmlns:a="http://schemas.openxmlformats.org/drawingml/2006/main" xmlns:r="http://schemas.openxmlformats.org/officeDocument/2006/relationships" xmlns:p="http://schemas.openxmlformats.org/presentationml/2006/main">
-  <p:cSld>
-    <p:spTree>
-      <p:nvGrpSpPr>
-        <p:cNvPr id="1" name=""/>
-        <p:cNvGrpSpPr/>
-        <p:nvPr/>
-      </p:nvGrpSpPr>
-      <p:grpSpPr>
-        <a:xfrm>
-          <a:off x="0" y="0"/>
-          <a:ext cx="0" cy="0"/>
-          <a:chOff x="0" y="0"/>
-          <a:chExt cx="0" cy="0"/>
-        </a:xfrm>
-      </p:grpSpPr>
-      <p:sp>
-        <p:nvSpPr>
-          <p:cNvPr id="2" name="コンテンツ プレースホルダー 1">
-            <a:extLst>
-              <a:ext uri="{FF2B5EF4-FFF2-40B4-BE49-F238E27FC236}">
-                <a16:creationId xmlns:a16="http://schemas.microsoft.com/office/drawing/2014/main" id="{907EAF35-7EC5-4F20-B101-B7A9E88C2381}"/>
-              </a:ext>
-            </a:extLst>
-          </p:cNvPr>
-          <p:cNvSpPr>
-            <a:spLocks noGrp="1"/>
-          </p:cNvSpPr>
-          <p:nvPr>
-            <p:ph idx="1"/>
-          </p:nvPr>
-        </p:nvSpPr>
-        <p:spPr/>
-        <p:txBody>
-          <a:bodyPr/>
-          <a:lstStyle/>
-          <a:p>
-            <a:r>
-              <a:rPr kumimoji="1" lang="ja-JP" altLang="en-US"/>
-              <a:t>概要 </a:t>
-            </a:r>
-            <a:r>
-              <a:rPr kumimoji="1" lang="en-US" altLang="ja-JP"/>
-              <a:t>: </a:t>
-            </a:r>
-            <a:r>
-              <a:rPr kumimoji="1" lang="ja-JP" altLang="en-US"/>
-              <a:t>詳細は</a:t>
-            </a:r>
-            <a:r>
-              <a:rPr kumimoji="1" lang="en-US" altLang="ja-JP"/>
-              <a:t>RFC-8446</a:t>
-            </a:r>
-            <a:r>
-              <a:rPr kumimoji="1" lang="ja-JP" altLang="en-US"/>
-              <a:t>参照</a:t>
-            </a:r>
-            <a:endParaRPr kumimoji="1" lang="en-US" altLang="ja-JP"/>
-          </a:p>
-          <a:p>
-            <a:endParaRPr lang="en-US" altLang="ja-JP"/>
-          </a:p>
-          <a:p>
-            <a:endParaRPr kumimoji="1" lang="en-US" altLang="ja-JP"/>
-          </a:p>
-          <a:p>
-            <a:endParaRPr lang="en-US" altLang="ja-JP"/>
-          </a:p>
-          <a:p>
-            <a:endParaRPr kumimoji="1" lang="en-US" altLang="ja-JP"/>
-          </a:p>
-          <a:p>
-            <a:endParaRPr lang="en-US" altLang="ja-JP"/>
-          </a:p>
-          <a:p>
-            <a:endParaRPr kumimoji="1" lang="en-US" altLang="ja-JP"/>
-          </a:p>
-          <a:p>
-            <a:endParaRPr lang="en-US" altLang="ja-JP"/>
-          </a:p>
-          <a:p>
-            <a:endParaRPr kumimoji="1" lang="en-US" altLang="ja-JP"/>
-          </a:p>
-          <a:p>
-            <a:endParaRPr lang="en-US" altLang="ja-JP"/>
-          </a:p>
-          <a:p>
-            <a:pPr marL="218250" lvl="1" indent="0">
-              <a:buNone/>
-            </a:pPr>
-            <a:r>
-              <a:rPr kumimoji="1" lang="ja-JP" altLang="en-US"/>
-              <a:t>ドラフトではマスターシークレット→メインシークレット</a:t>
-            </a:r>
-          </a:p>
-        </p:txBody>
-      </p:sp>
-      <p:sp>
-        <p:nvSpPr>
-          <p:cNvPr id="3" name="スライド番号プレースホルダー 2">
-            <a:extLst>
-              <a:ext uri="{FF2B5EF4-FFF2-40B4-BE49-F238E27FC236}">
-                <a16:creationId xmlns:a16="http://schemas.microsoft.com/office/drawing/2014/main" id="{9E6146EA-5B2D-4893-8DA9-91897979EA3A}"/>
-              </a:ext>
-            </a:extLst>
-          </p:cNvPr>
-          <p:cNvSpPr>
-            <a:spLocks noGrp="1"/>
-          </p:cNvSpPr>
-          <p:nvPr>
-            <p:ph type="sldNum" sz="quarter" idx="12"/>
-          </p:nvPr>
-        </p:nvSpPr>
-        <p:spPr/>
-        <p:txBody>
-          <a:bodyPr/>
-          <a:lstStyle/>
-          <a:p>
-            <a:pPr>
-              <a:defRPr/>
-            </a:pPr>
-            <a:r>
-              <a:rPr lang="en-US" altLang="ja-JP"/>
-              <a:t>    </a:t>
-            </a:r>
-            <a:fld id="{B2782DEB-472A-4FE5-AC34-C17109CF5A91}" type="slidenum">
-              <a:rPr lang="en-US" altLang="ja-JP" smtClean="0"/>
-              <a:pPr>
-                <a:defRPr/>
-              </a:pPr>
-              <a:t>33</a:t>
-            </a:fld>
-            <a:r>
-              <a:rPr lang="en-US" altLang="ja-JP"/>
-              <a:t> / 24</a:t>
-            </a:r>
-          </a:p>
-        </p:txBody>
-      </p:sp>
-      <p:sp>
-        <p:nvSpPr>
-          <p:cNvPr id="4" name="タイトル 3">
-            <a:extLst>
-              <a:ext uri="{FF2B5EF4-FFF2-40B4-BE49-F238E27FC236}">
-                <a16:creationId xmlns:a16="http://schemas.microsoft.com/office/drawing/2014/main" id="{E59A0EF0-3651-4511-8D5F-612F368C52E9}"/>
-              </a:ext>
-            </a:extLst>
-          </p:cNvPr>
-          <p:cNvSpPr>
-            <a:spLocks noGrp="1"/>
-          </p:cNvSpPr>
-          <p:nvPr>
-            <p:ph type="title"/>
-          </p:nvPr>
-        </p:nvSpPr>
-        <p:spPr/>
-        <p:txBody>
-          <a:bodyPr/>
-          <a:lstStyle/>
-          <a:p>
-            <a:r>
-              <a:rPr kumimoji="1" lang="ja-JP" altLang="en-US"/>
-              <a:t>鍵導出手順</a:t>
-            </a:r>
-          </a:p>
-        </p:txBody>
-      </p:sp>
-      <p:pic>
-        <p:nvPicPr>
-          <p:cNvPr id="6" name="図 5">
-            <a:extLst>
-              <a:ext uri="{FF2B5EF4-FFF2-40B4-BE49-F238E27FC236}">
-                <a16:creationId xmlns:a16="http://schemas.microsoft.com/office/drawing/2014/main" id="{88D89ECE-BEBD-43B7-9D00-84EE165CF7A7}"/>
-              </a:ext>
-            </a:extLst>
-          </p:cNvPr>
-          <p:cNvPicPr>
-            <a:picLocks noChangeAspect="1"/>
-          </p:cNvPicPr>
-          <p:nvPr/>
-        </p:nvPicPr>
-        <p:blipFill>
-          <a:blip r:embed="rId2">
-            <a:extLst>
-              <a:ext uri="{28A0092B-C50C-407E-A947-70E740481C1C}">
-                <a14:useLocalDpi xmlns:a14="http://schemas.microsoft.com/office/drawing/2010/main" val="0"/>
-              </a:ext>
-            </a:extLst>
-          </a:blip>
-          <a:stretch>
-            <a:fillRect/>
-          </a:stretch>
-        </p:blipFill>
-        <p:spPr>
-          <a:xfrm>
-            <a:off x="611560" y="1124744"/>
-            <a:ext cx="7138829" cy="5184576"/>
-          </a:xfrm>
-          <a:prstGeom prst="rect">
-            <a:avLst/>
-          </a:prstGeom>
-        </p:spPr>
-      </p:pic>
-    </p:spTree>
-    <p:extLst>
-      <p:ext uri="{BB962C8B-B14F-4D97-AF65-F5344CB8AC3E}">
-        <p14:creationId xmlns:p14="http://schemas.microsoft.com/office/powerpoint/2010/main" val="2259019928"/>
-      </p:ext>
-    </p:extLst>
-  </p:cSld>
-  <p:clrMapOvr>
-    <a:masterClrMapping/>
-  </p:clrMapOvr>
-</p:sld>
-</file>
-
-<file path=ppt/slides/slide34.xml><?xml version="1.0" encoding="utf-8"?>
-<p:sld xmlns:a="http://schemas.openxmlformats.org/drawingml/2006/main" xmlns:r="http://schemas.openxmlformats.org/officeDocument/2006/relationships" xmlns:p="http://schemas.openxmlformats.org/presentationml/2006/main">
-  <p:cSld>
-    <p:spTree>
-      <p:nvGrpSpPr>
-        <p:cNvPr id="1" name=""/>
-        <p:cNvGrpSpPr/>
-        <p:nvPr/>
-      </p:nvGrpSpPr>
-      <p:grpSpPr>
-        <a:xfrm>
-          <a:off x="0" y="0"/>
-          <a:ext cx="0" cy="0"/>
-          <a:chOff x="0" y="0"/>
-          <a:chExt cx="0" cy="0"/>
-        </a:xfrm>
-      </p:grpSpPr>
-      <p:sp>
-        <p:nvSpPr>
-          <p:cNvPr id="2" name="コンテンツ プレースホルダー 1">
-            <a:extLst>
-              <a:ext uri="{FF2B5EF4-FFF2-40B4-BE49-F238E27FC236}">
-                <a16:creationId xmlns:a16="http://schemas.microsoft.com/office/drawing/2014/main" id="{E4A12F44-D3F1-4893-B8D6-A882BB6F8583}"/>
-              </a:ext>
-            </a:extLst>
-          </p:cNvPr>
-          <p:cNvSpPr>
-            <a:spLocks noGrp="1"/>
-          </p:cNvSpPr>
-          <p:nvPr>
-            <p:ph idx="1"/>
-          </p:nvPr>
-        </p:nvSpPr>
-        <p:spPr/>
-        <p:txBody>
-          <a:bodyPr/>
-          <a:lstStyle/>
-          <a:p>
-            <a:r>
-              <a:rPr kumimoji="1" lang="ja-JP" altLang="en-US"/>
-              <a:t>現代暗号</a:t>
-            </a:r>
-            <a:endParaRPr kumimoji="1" lang="en-US" altLang="ja-JP"/>
-          </a:p>
-          <a:p>
-            <a:pPr lvl="1"/>
-            <a:r>
-              <a:rPr kumimoji="1" lang="ja-JP" altLang="en-US"/>
-              <a:t>計算量的安全性に基づく理論的な評価</a:t>
-            </a:r>
-            <a:endParaRPr kumimoji="1" lang="en-US" altLang="ja-JP"/>
-          </a:p>
-          <a:p>
-            <a:pPr lvl="1"/>
-            <a:r>
-              <a:rPr kumimoji="1" lang="ja-JP" altLang="en-US"/>
-              <a:t>複数の暗号技術を組み合わせたときの評価は完全ではない</a:t>
-            </a:r>
-            <a:endParaRPr kumimoji="1" lang="en-US" altLang="ja-JP"/>
-          </a:p>
-          <a:p>
-            <a:pPr lvl="1"/>
-            <a:r>
-              <a:rPr kumimoji="1" lang="ja-JP" altLang="en-US"/>
-              <a:t>実装の不具合による攻撃</a:t>
-            </a:r>
-            <a:endParaRPr kumimoji="1" lang="en-US" altLang="ja-JP"/>
-          </a:p>
-          <a:p>
-            <a:r>
-              <a:rPr kumimoji="1" lang="ja-JP" altLang="en-US"/>
-              <a:t>形式手法 </a:t>
-            </a:r>
-            <a:r>
-              <a:rPr kumimoji="1" lang="en-US" altLang="ja-JP"/>
-              <a:t>(formal method)</a:t>
-            </a:r>
-          </a:p>
-          <a:p>
-            <a:pPr lvl="1"/>
-            <a:r>
-              <a:rPr kumimoji="1" lang="ja-JP" altLang="en-US"/>
-              <a:t>プロトコルの安全性を</a:t>
-            </a:r>
-            <a:r>
-              <a:rPr lang="ja-JP" altLang="en-US"/>
-              <a:t>自動検証ツール</a:t>
-            </a:r>
-            <a:r>
-              <a:rPr lang="en-US" altLang="ja-JP"/>
-              <a:t>(</a:t>
-            </a:r>
-            <a:r>
-              <a:rPr kumimoji="1" lang="ja-JP" altLang="en-US"/>
-              <a:t>プログラム</a:t>
-            </a:r>
-            <a:r>
-              <a:rPr kumimoji="1" lang="en-US" altLang="ja-JP"/>
-              <a:t>)</a:t>
-            </a:r>
-            <a:r>
-              <a:rPr kumimoji="1" lang="ja-JP" altLang="en-US"/>
-              <a:t>で判定</a:t>
-            </a:r>
-            <a:endParaRPr lang="en-US" altLang="ja-JP"/>
-          </a:p>
-          <a:p>
-            <a:r>
-              <a:rPr lang="ja-JP" altLang="en-US"/>
-              <a:t>モデル検証</a:t>
-            </a:r>
-            <a:r>
-              <a:rPr lang="en-US" altLang="ja-JP"/>
-              <a:t>(e.g., ProVerif)</a:t>
-            </a:r>
-          </a:p>
-          <a:p>
-            <a:pPr lvl="1"/>
-            <a:r>
-              <a:rPr lang="ja-JP" altLang="en-US"/>
-              <a:t>プロトコルをモデル化</a:t>
-            </a:r>
-            <a:endParaRPr lang="en-US" altLang="ja-JP"/>
-          </a:p>
-          <a:p>
-            <a:pPr lvl="2"/>
-            <a:r>
-              <a:rPr lang="ja-JP" altLang="en-US"/>
-              <a:t>数式を用いて厳密化</a:t>
-            </a:r>
-            <a:endParaRPr lang="en-US" altLang="ja-JP"/>
-          </a:p>
-          <a:p>
-            <a:pPr lvl="1"/>
-            <a:r>
-              <a:rPr lang="ja-JP" altLang="en-US"/>
-              <a:t>モデルをツールに入力</a:t>
-            </a:r>
-            <a:endParaRPr lang="en-US" altLang="ja-JP"/>
-          </a:p>
-          <a:p>
-            <a:pPr lvl="2"/>
-            <a:r>
-              <a:rPr lang="ja-JP" altLang="en-US"/>
-              <a:t>問題があれば出力</a:t>
-            </a:r>
-            <a:endParaRPr lang="en-US" altLang="ja-JP"/>
-          </a:p>
-          <a:p>
-            <a:pPr lvl="1"/>
-            <a:r>
-              <a:rPr lang="ja-JP" altLang="en-US"/>
-              <a:t>問題が見つからなかったと</a:t>
-            </a:r>
-            <a:br>
-              <a:rPr lang="en-US" altLang="ja-JP"/>
-            </a:br>
-            <a:r>
-              <a:rPr lang="ja-JP" altLang="en-US"/>
-              <a:t>いって安全とは限らない</a:t>
-            </a:r>
-            <a:endParaRPr lang="en-US" altLang="ja-JP"/>
-          </a:p>
-          <a:p>
-            <a:endParaRPr lang="en-US" altLang="ja-JP"/>
-          </a:p>
-        </p:txBody>
-      </p:sp>
-      <p:sp>
-        <p:nvSpPr>
-          <p:cNvPr id="3" name="スライド番号プレースホルダー 2">
-            <a:extLst>
-              <a:ext uri="{FF2B5EF4-FFF2-40B4-BE49-F238E27FC236}">
-                <a16:creationId xmlns:a16="http://schemas.microsoft.com/office/drawing/2014/main" id="{DE39AFDB-713B-4AE6-9A30-144499197AB0}"/>
-              </a:ext>
-            </a:extLst>
-          </p:cNvPr>
-          <p:cNvSpPr>
-            <a:spLocks noGrp="1"/>
-          </p:cNvSpPr>
-          <p:nvPr>
-            <p:ph type="sldNum" sz="quarter" idx="12"/>
-          </p:nvPr>
-        </p:nvSpPr>
-        <p:spPr/>
-        <p:txBody>
-          <a:bodyPr/>
-          <a:lstStyle/>
-          <a:p>
-            <a:pPr>
-              <a:defRPr/>
-            </a:pPr>
-            <a:r>
-              <a:rPr lang="en-US" altLang="ja-JP"/>
-              <a:t>    </a:t>
-            </a:r>
-            <a:fld id="{B2782DEB-472A-4FE5-AC34-C17109CF5A91}" type="slidenum">
-              <a:rPr lang="en-US" altLang="ja-JP" smtClean="0"/>
-              <a:pPr>
-                <a:defRPr/>
-              </a:pPr>
-              <a:t>34</a:t>
-            </a:fld>
-            <a:r>
-              <a:rPr lang="en-US" altLang="ja-JP"/>
-              <a:t> / 24</a:t>
-            </a:r>
-          </a:p>
-        </p:txBody>
-      </p:sp>
-      <p:sp>
-        <p:nvSpPr>
-          <p:cNvPr id="4" name="タイトル 3">
-            <a:extLst>
-              <a:ext uri="{FF2B5EF4-FFF2-40B4-BE49-F238E27FC236}">
-                <a16:creationId xmlns:a16="http://schemas.microsoft.com/office/drawing/2014/main" id="{BD58DA2E-7D50-4743-B44B-D7C612FAD573}"/>
-              </a:ext>
-            </a:extLst>
-          </p:cNvPr>
-          <p:cNvSpPr>
-            <a:spLocks noGrp="1"/>
-          </p:cNvSpPr>
-          <p:nvPr>
-            <p:ph type="title"/>
-          </p:nvPr>
-        </p:nvSpPr>
-        <p:spPr/>
-        <p:txBody>
-          <a:bodyPr/>
-          <a:lstStyle/>
-          <a:p>
-            <a:r>
-              <a:rPr kumimoji="1" lang="ja-JP" altLang="en-US"/>
-              <a:t>形式手法による安全性検証</a:t>
-            </a:r>
-          </a:p>
-        </p:txBody>
-      </p:sp>
-      <p:pic>
-        <p:nvPicPr>
-          <p:cNvPr id="6" name="図 5">
-            <a:extLst>
-              <a:ext uri="{FF2B5EF4-FFF2-40B4-BE49-F238E27FC236}">
-                <a16:creationId xmlns:a16="http://schemas.microsoft.com/office/drawing/2014/main" id="{BA4482D1-7F05-46D5-94CC-AACDEAFF7B1B}"/>
-              </a:ext>
-            </a:extLst>
-          </p:cNvPr>
-          <p:cNvPicPr>
-            <a:picLocks noChangeAspect="1"/>
-          </p:cNvPicPr>
-          <p:nvPr/>
-        </p:nvPicPr>
-        <p:blipFill>
-          <a:blip r:embed="rId2"/>
-          <a:stretch>
-            <a:fillRect/>
-          </a:stretch>
-        </p:blipFill>
-        <p:spPr>
-          <a:xfrm>
-            <a:off x="5580112" y="3645023"/>
-            <a:ext cx="1872208" cy="3014307"/>
-          </a:xfrm>
-          <a:prstGeom prst="rect">
-            <a:avLst/>
-          </a:prstGeom>
-        </p:spPr>
-      </p:pic>
-    </p:spTree>
-    <p:extLst>
-      <p:ext uri="{BB962C8B-B14F-4D97-AF65-F5344CB8AC3E}">
-        <p14:creationId xmlns:p14="http://schemas.microsoft.com/office/powerpoint/2010/main" val="849203057"/>
-      </p:ext>
-    </p:extLst>
-  </p:cSld>
-  <p:clrMapOvr>
-    <a:masterClrMapping/>
-  </p:clrMapOvr>
-</p:sld>
-</file>
-
-<file path=ppt/slides/slide35.xml><?xml version="1.0" encoding="utf-8"?>
-<p:sld xmlns:a="http://schemas.openxmlformats.org/drawingml/2006/main" xmlns:r="http://schemas.openxmlformats.org/officeDocument/2006/relationships" xmlns:p="http://schemas.openxmlformats.org/presentationml/2006/main">
-  <p:cSld>
-    <p:spTree>
-      <p:nvGrpSpPr>
-        <p:cNvPr id="1" name=""/>
-        <p:cNvGrpSpPr/>
-        <p:nvPr/>
-      </p:nvGrpSpPr>
-      <p:grpSpPr>
-        <a:xfrm>
-          <a:off x="0" y="0"/>
-          <a:ext cx="0" cy="0"/>
-          <a:chOff x="0" y="0"/>
-          <a:chExt cx="0" cy="0"/>
-        </a:xfrm>
-      </p:grpSpPr>
-      <p:sp>
-        <p:nvSpPr>
-          <p:cNvPr id="2" name="コンテンツ プレースホルダー 1">
-            <a:extLst>
-              <a:ext uri="{FF2B5EF4-FFF2-40B4-BE49-F238E27FC236}">
-                <a16:creationId xmlns:a16="http://schemas.microsoft.com/office/drawing/2014/main" id="{AB688005-DF84-4F21-BAB5-CD8F6DE58D21}"/>
-              </a:ext>
-            </a:extLst>
-          </p:cNvPr>
-          <p:cNvSpPr>
-            <a:spLocks noGrp="1"/>
-          </p:cNvSpPr>
-          <p:nvPr>
-            <p:ph idx="1"/>
-          </p:nvPr>
-        </p:nvSpPr>
-        <p:spPr/>
-        <p:txBody>
-          <a:bodyPr/>
-          <a:lstStyle/>
-          <a:p>
-            <a:r>
-              <a:rPr kumimoji="1" lang="ja-JP" altLang="en-US"/>
-              <a:t>コンピュータと人間が対話しながら安全性を証明</a:t>
-            </a:r>
-            <a:endParaRPr kumimoji="1" lang="en-US" altLang="ja-JP"/>
-          </a:p>
-          <a:p>
-            <a:pPr lvl="1"/>
-            <a:r>
-              <a:rPr kumimoji="1" lang="ja-JP" altLang="en-US"/>
-              <a:t>コンピュータに推論のヒントを与えながら厳密性をチェック</a:t>
-            </a:r>
-            <a:endParaRPr kumimoji="1" lang="en-US" altLang="ja-JP"/>
-          </a:p>
-          <a:p>
-            <a:pPr lvl="1"/>
-            <a:r>
-              <a:rPr lang="en-US" altLang="ja-JP"/>
-              <a:t>e.g., EasyCrypt</a:t>
-            </a:r>
-          </a:p>
-          <a:p>
-            <a:pPr lvl="1"/>
-            <a:r>
-              <a:rPr kumimoji="1" lang="ja-JP" altLang="en-US"/>
-              <a:t>安全性が示せたら確かに安全</a:t>
-            </a:r>
-            <a:endParaRPr kumimoji="1" lang="en-US" altLang="ja-JP"/>
-          </a:p>
-          <a:p>
-            <a:endParaRPr lang="en-US" altLang="ja-JP"/>
-          </a:p>
-          <a:p>
-            <a:pPr lvl="1"/>
-            <a:r>
-              <a:rPr kumimoji="1" lang="ja-JP" altLang="en-US"/>
-              <a:t>安全性が示されたプロトコルから</a:t>
-            </a:r>
-            <a:br>
-              <a:rPr kumimoji="1" lang="en-US" altLang="ja-JP"/>
-            </a:br>
-            <a:r>
-              <a:rPr kumimoji="1" lang="ja-JP" altLang="en-US"/>
-              <a:t>実際に動くコードを自動生成</a:t>
-            </a:r>
-          </a:p>
-        </p:txBody>
-      </p:sp>
-      <p:sp>
-        <p:nvSpPr>
-          <p:cNvPr id="3" name="スライド番号プレースホルダー 2">
-            <a:extLst>
-              <a:ext uri="{FF2B5EF4-FFF2-40B4-BE49-F238E27FC236}">
-                <a16:creationId xmlns:a16="http://schemas.microsoft.com/office/drawing/2014/main" id="{DE8701AB-96D9-44C9-9817-941D577ABE04}"/>
-              </a:ext>
-            </a:extLst>
-          </p:cNvPr>
-          <p:cNvSpPr>
-            <a:spLocks noGrp="1"/>
-          </p:cNvSpPr>
-          <p:nvPr>
-            <p:ph type="sldNum" sz="quarter" idx="12"/>
-          </p:nvPr>
-        </p:nvSpPr>
-        <p:spPr/>
-        <p:txBody>
-          <a:bodyPr/>
-          <a:lstStyle/>
-          <a:p>
-            <a:pPr>
-              <a:defRPr/>
-            </a:pPr>
-            <a:r>
-              <a:rPr lang="en-US" altLang="ja-JP"/>
-              <a:t>    </a:t>
-            </a:r>
-            <a:fld id="{B2782DEB-472A-4FE5-AC34-C17109CF5A91}" type="slidenum">
-              <a:rPr lang="en-US" altLang="ja-JP" smtClean="0"/>
-              <a:pPr>
-                <a:defRPr/>
-              </a:pPr>
-              <a:t>35</a:t>
-            </a:fld>
-            <a:r>
-              <a:rPr lang="en-US" altLang="ja-JP"/>
-              <a:t> / 24</a:t>
-            </a:r>
-          </a:p>
-        </p:txBody>
-      </p:sp>
-      <p:sp>
-        <p:nvSpPr>
-          <p:cNvPr id="4" name="タイトル 3">
-            <a:extLst>
-              <a:ext uri="{FF2B5EF4-FFF2-40B4-BE49-F238E27FC236}">
-                <a16:creationId xmlns:a16="http://schemas.microsoft.com/office/drawing/2014/main" id="{1615621F-5EF1-41D5-80D1-B34AB8FC17AC}"/>
-              </a:ext>
-            </a:extLst>
-          </p:cNvPr>
-          <p:cNvSpPr>
-            <a:spLocks noGrp="1"/>
-          </p:cNvSpPr>
-          <p:nvPr>
-            <p:ph type="title"/>
-          </p:nvPr>
-        </p:nvSpPr>
-        <p:spPr/>
-        <p:txBody>
-          <a:bodyPr/>
-          <a:lstStyle/>
-          <a:p>
-            <a:r>
-              <a:rPr kumimoji="1" lang="ja-JP" altLang="en-US"/>
-              <a:t>定理証明</a:t>
-            </a:r>
-          </a:p>
-        </p:txBody>
-      </p:sp>
-      <p:pic>
-        <p:nvPicPr>
-          <p:cNvPr id="6" name="図 5">
-            <a:extLst>
-              <a:ext uri="{FF2B5EF4-FFF2-40B4-BE49-F238E27FC236}">
-                <a16:creationId xmlns:a16="http://schemas.microsoft.com/office/drawing/2014/main" id="{3A292DA9-BB82-4E55-AAFC-3FED79135C24}"/>
-              </a:ext>
-            </a:extLst>
-          </p:cNvPr>
-          <p:cNvPicPr>
-            <a:picLocks noChangeAspect="1"/>
-          </p:cNvPicPr>
-          <p:nvPr/>
-        </p:nvPicPr>
-        <p:blipFill>
-          <a:blip r:embed="rId2"/>
-          <a:stretch>
-            <a:fillRect/>
-          </a:stretch>
-        </p:blipFill>
-        <p:spPr>
-          <a:xfrm>
-            <a:off x="5292080" y="1916832"/>
-            <a:ext cx="3586066" cy="3672408"/>
-          </a:xfrm>
-          <a:prstGeom prst="rect">
-            <a:avLst/>
-          </a:prstGeom>
-        </p:spPr>
-      </p:pic>
-    </p:spTree>
-    <p:extLst>
-      <p:ext uri="{BB962C8B-B14F-4D97-AF65-F5344CB8AC3E}">
-        <p14:creationId xmlns:p14="http://schemas.microsoft.com/office/powerpoint/2010/main" val="363302728"/>
-      </p:ext>
-    </p:extLst>
-  </p:cSld>
-  <p:clrMapOvr>
-    <a:masterClrMapping/>
-  </p:clrMapOvr>
-</p:sld>
-</file>
-
-<file path=ppt/slides/slide36.xml><?xml version="1.0" encoding="utf-8"?>
-<p:sld xmlns:a="http://schemas.openxmlformats.org/drawingml/2006/main" xmlns:r="http://schemas.openxmlformats.org/officeDocument/2006/relationships" xmlns:p="http://schemas.openxmlformats.org/presentationml/2006/main">
-  <p:cSld>
-    <p:spTree>
-      <p:nvGrpSpPr>
-        <p:cNvPr id="1" name=""/>
-        <p:cNvGrpSpPr/>
-        <p:nvPr/>
-      </p:nvGrpSpPr>
-      <p:grpSpPr>
-        <a:xfrm>
-          <a:off x="0" y="0"/>
-          <a:ext cx="0" cy="0"/>
-          <a:chOff x="0" y="0"/>
-          <a:chExt cx="0" cy="0"/>
-        </a:xfrm>
-      </p:grpSpPr>
-      <p:sp>
-        <p:nvSpPr>
-          <p:cNvPr id="2" name="コンテンツ プレースホルダー 1">
-            <a:extLst>
-              <a:ext uri="{FF2B5EF4-FFF2-40B4-BE49-F238E27FC236}">
-                <a16:creationId xmlns:a16="http://schemas.microsoft.com/office/drawing/2014/main" id="{7CEC0B7F-3214-4F49-8424-B98522A29C04}"/>
-              </a:ext>
-            </a:extLst>
-          </p:cNvPr>
-          <p:cNvSpPr>
-            <a:spLocks noGrp="1"/>
-          </p:cNvSpPr>
-          <p:nvPr>
-            <p:ph idx="1"/>
-          </p:nvPr>
-        </p:nvSpPr>
-        <p:spPr/>
-        <p:txBody>
-          <a:bodyPr/>
-          <a:lstStyle/>
-          <a:p>
-            <a:r>
-              <a:rPr lang="en-US" altLang="ja-JP"/>
-              <a:t>AEAD(Authenticated Encryption with Associated Data)</a:t>
-            </a:r>
-          </a:p>
-          <a:p>
-            <a:pPr lvl="1"/>
-            <a:r>
-              <a:rPr kumimoji="1" lang="ja-JP" altLang="en-US"/>
-              <a:t>秘匿性と完全性の両方を同時に満たす暗号</a:t>
-            </a:r>
-            <a:endParaRPr kumimoji="1" lang="en-US" altLang="ja-JP"/>
-          </a:p>
-          <a:p>
-            <a:pPr lvl="1"/>
-            <a:endParaRPr lang="en-US" altLang="ja-JP"/>
-          </a:p>
-          <a:p>
-            <a:pPr lvl="1"/>
-            <a:endParaRPr kumimoji="1" lang="en-US" altLang="ja-JP"/>
-          </a:p>
-          <a:p>
-            <a:pPr lvl="1"/>
-            <a:endParaRPr lang="en-US" altLang="ja-JP"/>
-          </a:p>
-          <a:p>
-            <a:pPr lvl="1"/>
-            <a:endParaRPr kumimoji="1" lang="en-US" altLang="ja-JP"/>
-          </a:p>
-          <a:p>
-            <a:pPr lvl="1"/>
-            <a:endParaRPr lang="en-US" altLang="ja-JP"/>
-          </a:p>
-          <a:p>
-            <a:pPr lvl="1"/>
-            <a:r>
-              <a:rPr kumimoji="1" lang="ja-JP" altLang="en-US"/>
-              <a:t>共通鍵暗号と</a:t>
-            </a:r>
-            <a:r>
-              <a:rPr kumimoji="1" lang="en-US" altLang="ja-JP"/>
-              <a:t>MAC</a:t>
-            </a:r>
-            <a:r>
-              <a:rPr kumimoji="1" lang="ja-JP" altLang="en-US"/>
-              <a:t>の組み合わせで実現</a:t>
-            </a:r>
-            <a:endParaRPr kumimoji="1" lang="en-US" altLang="ja-JP"/>
-          </a:p>
-          <a:p>
-            <a:pPr lvl="2"/>
-            <a:r>
-              <a:rPr kumimoji="1" lang="ja-JP" altLang="en-US"/>
-              <a:t>組み合わせ方法や実装によって安全でないことも</a:t>
-            </a:r>
-            <a:endParaRPr kumimoji="1" lang="en-US" altLang="ja-JP"/>
-          </a:p>
-          <a:p>
-            <a:r>
-              <a:rPr kumimoji="1" lang="en-US" altLang="ja-JP"/>
-              <a:t>TLS 1.3</a:t>
-            </a:r>
-            <a:r>
-              <a:rPr kumimoji="1" lang="ja-JP" altLang="en-US"/>
-              <a:t>では</a:t>
-            </a:r>
-            <a:r>
-              <a:rPr kumimoji="1" lang="en-US" altLang="ja-JP"/>
-              <a:t>AEAD</a:t>
-            </a:r>
-            <a:r>
-              <a:rPr kumimoji="1" lang="ja-JP" altLang="en-US"/>
-              <a:t>が必須</a:t>
-            </a:r>
-            <a:endParaRPr kumimoji="1" lang="en-US" altLang="ja-JP"/>
-          </a:p>
-          <a:p>
-            <a:pPr lvl="1"/>
-            <a:r>
-              <a:rPr kumimoji="1" lang="ja-JP" altLang="en-US"/>
-              <a:t>従来の</a:t>
-            </a:r>
-            <a:r>
-              <a:rPr kumimoji="1" lang="en-US" altLang="ja-JP"/>
-              <a:t>CBC</a:t>
-            </a:r>
-            <a:r>
-              <a:rPr kumimoji="1" lang="ja-JP" altLang="en-US"/>
-              <a:t>モードなどは削除</a:t>
-            </a:r>
-          </a:p>
-        </p:txBody>
-      </p:sp>
-      <p:sp>
-        <p:nvSpPr>
-          <p:cNvPr id="3" name="スライド番号プレースホルダー 2">
-            <a:extLst>
-              <a:ext uri="{FF2B5EF4-FFF2-40B4-BE49-F238E27FC236}">
-                <a16:creationId xmlns:a16="http://schemas.microsoft.com/office/drawing/2014/main" id="{105C3099-0771-4F57-9603-B80EBB98ABF2}"/>
-              </a:ext>
-            </a:extLst>
-          </p:cNvPr>
-          <p:cNvSpPr>
-            <a:spLocks noGrp="1"/>
-          </p:cNvSpPr>
-          <p:nvPr>
-            <p:ph type="sldNum" sz="quarter" idx="12"/>
-          </p:nvPr>
-        </p:nvSpPr>
-        <p:spPr/>
-        <p:txBody>
-          <a:bodyPr/>
-          <a:lstStyle/>
-          <a:p>
-            <a:pPr>
-              <a:defRPr/>
-            </a:pPr>
-            <a:r>
-              <a:rPr lang="en-US" altLang="ja-JP"/>
-              <a:t>    </a:t>
-            </a:r>
-            <a:fld id="{B2782DEB-472A-4FE5-AC34-C17109CF5A91}" type="slidenum">
-              <a:rPr lang="en-US" altLang="ja-JP" smtClean="0"/>
-              <a:pPr>
-                <a:defRPr/>
-              </a:pPr>
-              <a:t>36</a:t>
-            </a:fld>
-            <a:r>
-              <a:rPr lang="en-US" altLang="ja-JP"/>
-              <a:t> / 24</a:t>
-            </a:r>
-          </a:p>
-        </p:txBody>
-      </p:sp>
-      <p:sp>
-        <p:nvSpPr>
-          <p:cNvPr id="4" name="タイトル 3">
-            <a:extLst>
-              <a:ext uri="{FF2B5EF4-FFF2-40B4-BE49-F238E27FC236}">
-                <a16:creationId xmlns:a16="http://schemas.microsoft.com/office/drawing/2014/main" id="{32993E3F-C05E-4FCA-B957-CC0E6F8A35B2}"/>
-              </a:ext>
-            </a:extLst>
-          </p:cNvPr>
-          <p:cNvSpPr>
-            <a:spLocks noGrp="1"/>
-          </p:cNvSpPr>
-          <p:nvPr>
-            <p:ph type="title"/>
-          </p:nvPr>
-        </p:nvSpPr>
-        <p:spPr/>
-        <p:txBody>
-          <a:bodyPr/>
-          <a:lstStyle/>
-          <a:p>
-            <a:r>
-              <a:rPr kumimoji="1" lang="ja-JP" altLang="en-US"/>
-              <a:t>認証付き暗号</a:t>
-            </a:r>
-          </a:p>
-        </p:txBody>
-      </p:sp>
-      <p:graphicFrame>
-        <p:nvGraphicFramePr>
-          <p:cNvPr id="5" name="表 5">
-            <a:extLst>
-              <a:ext uri="{FF2B5EF4-FFF2-40B4-BE49-F238E27FC236}">
-                <a16:creationId xmlns:a16="http://schemas.microsoft.com/office/drawing/2014/main" id="{5595BEE4-5338-4591-9CC6-4633B8A687FD}"/>
-              </a:ext>
-            </a:extLst>
-          </p:cNvPr>
-          <p:cNvGraphicFramePr>
-            <a:graphicFrameLocks noGrp="1"/>
-          </p:cNvGraphicFramePr>
-          <p:nvPr>
-            <p:extLst>
-              <p:ext uri="{D42A27DB-BD31-4B8C-83A1-F6EECF244321}">
-                <p14:modId xmlns:p14="http://schemas.microsoft.com/office/powerpoint/2010/main" val="692809827"/>
-              </p:ext>
-            </p:extLst>
-          </p:nvPr>
-        </p:nvGraphicFramePr>
-        <p:xfrm>
-          <a:off x="1187624" y="1784319"/>
-          <a:ext cx="6464618" cy="1828800"/>
-        </p:xfrm>
-        <a:graphic>
-          <a:graphicData uri="http://schemas.openxmlformats.org/drawingml/2006/table">
-            <a:tbl>
-              <a:tblPr firstRow="1" bandRow="1">
-                <a:tableStyleId>{5C22544A-7EE6-4342-B048-85BDC9FD1C3A}</a:tableStyleId>
-              </a:tblPr>
-              <a:tblGrid>
-                <a:gridCol w="2400618">
-                  <a:extLst>
-                    <a:ext uri="{9D8B030D-6E8A-4147-A177-3AD203B41FA5}">
-                      <a16:colId xmlns:a16="http://schemas.microsoft.com/office/drawing/2014/main" val="493123754"/>
-                    </a:ext>
-                  </a:extLst>
-                </a:gridCol>
-                <a:gridCol w="2032000">
-                  <a:extLst>
-                    <a:ext uri="{9D8B030D-6E8A-4147-A177-3AD203B41FA5}">
-                      <a16:colId xmlns:a16="http://schemas.microsoft.com/office/drawing/2014/main" val="2757951664"/>
-                    </a:ext>
-                  </a:extLst>
-                </a:gridCol>
-                <a:gridCol w="2032000">
-                  <a:extLst>
-                    <a:ext uri="{9D8B030D-6E8A-4147-A177-3AD203B41FA5}">
-                      <a16:colId xmlns:a16="http://schemas.microsoft.com/office/drawing/2014/main" val="92103595"/>
-                    </a:ext>
-                  </a:extLst>
-                </a:gridCol>
-              </a:tblGrid>
-              <a:tr h="370840">
-                <a:tc>
-                  <a:txBody>
-                    <a:bodyPr/>
-                    <a:lstStyle/>
-                    <a:p>
-                      <a:r>
-                        <a:rPr kumimoji="1" lang="ja-JP" altLang="en-US" sz="2400"/>
-                        <a:t>暗号技術＼性質</a:t>
-                      </a:r>
-                    </a:p>
-                  </a:txBody>
-                  <a:tcPr/>
-                </a:tc>
-                <a:tc>
-                  <a:txBody>
-                    <a:bodyPr/>
-                    <a:lstStyle/>
-                    <a:p>
-                      <a:r>
-                        <a:rPr kumimoji="1" lang="ja-JP" altLang="en-US" sz="2400"/>
-                        <a:t>秘匿性</a:t>
-                      </a:r>
-                    </a:p>
-                  </a:txBody>
-                  <a:tcPr/>
-                </a:tc>
-                <a:tc>
-                  <a:txBody>
-                    <a:bodyPr/>
-                    <a:lstStyle/>
-                    <a:p>
-                      <a:r>
-                        <a:rPr kumimoji="1" lang="ja-JP" altLang="en-US" sz="2400"/>
-                        <a:t>完全性</a:t>
-                      </a:r>
-                    </a:p>
-                  </a:txBody>
-                  <a:tcPr/>
-                </a:tc>
-                <a:extLst>
-                  <a:ext uri="{0D108BD9-81ED-4DB2-BD59-A6C34878D82A}">
-                    <a16:rowId xmlns:a16="http://schemas.microsoft.com/office/drawing/2014/main" val="2383195352"/>
-                  </a:ext>
-                </a:extLst>
-              </a:tr>
-              <a:tr h="370840">
-                <a:tc>
-                  <a:txBody>
-                    <a:bodyPr/>
-                    <a:lstStyle/>
-                    <a:p>
-                      <a:r>
-                        <a:rPr kumimoji="1" lang="ja-JP" altLang="en-US" sz="2400"/>
-                        <a:t>共通鍵暗号</a:t>
-                      </a:r>
-                    </a:p>
-                  </a:txBody>
-                  <a:tcPr/>
-                </a:tc>
-                <a:tc>
-                  <a:txBody>
-                    <a:bodyPr/>
-                    <a:lstStyle/>
-                    <a:p>
-                      <a:r>
-                        <a:rPr kumimoji="1" lang="ja-JP" altLang="en-US" sz="2400"/>
-                        <a:t>ある</a:t>
-                      </a:r>
-                    </a:p>
-                  </a:txBody>
-                  <a:tcPr/>
-                </a:tc>
-                <a:tc>
-                  <a:txBody>
-                    <a:bodyPr/>
-                    <a:lstStyle/>
-                    <a:p>
-                      <a:r>
-                        <a:rPr kumimoji="1" lang="ja-JP" altLang="en-US" sz="2400"/>
-                        <a:t>無い</a:t>
-                      </a:r>
-                    </a:p>
-                  </a:txBody>
-                  <a:tcPr/>
-                </a:tc>
-                <a:extLst>
-                  <a:ext uri="{0D108BD9-81ED-4DB2-BD59-A6C34878D82A}">
-                    <a16:rowId xmlns:a16="http://schemas.microsoft.com/office/drawing/2014/main" val="1439618280"/>
-                  </a:ext>
-                </a:extLst>
-              </a:tr>
-              <a:tr h="370840">
-                <a:tc>
-                  <a:txBody>
-                    <a:bodyPr/>
-                    <a:lstStyle/>
-                    <a:p>
-                      <a:r>
-                        <a:rPr kumimoji="1" lang="en-US" altLang="ja-JP" sz="2400"/>
-                        <a:t>MAC</a:t>
-                      </a:r>
-                      <a:endParaRPr kumimoji="1" lang="ja-JP" altLang="en-US" sz="2400"/>
-                    </a:p>
-                  </a:txBody>
-                  <a:tcPr/>
-                </a:tc>
-                <a:tc>
-                  <a:txBody>
-                    <a:bodyPr/>
-                    <a:lstStyle/>
-                    <a:p>
-                      <a:r>
-                        <a:rPr kumimoji="1" lang="ja-JP" altLang="en-US" sz="2400"/>
-                        <a:t>無い</a:t>
-                      </a:r>
-                    </a:p>
-                  </a:txBody>
-                  <a:tcPr/>
-                </a:tc>
-                <a:tc>
-                  <a:txBody>
-                    <a:bodyPr/>
-                    <a:lstStyle/>
-                    <a:p>
-                      <a:r>
-                        <a:rPr kumimoji="1" lang="ja-JP" altLang="en-US" sz="2400"/>
-                        <a:t>ある</a:t>
-                      </a:r>
-                    </a:p>
-                  </a:txBody>
-                  <a:tcPr/>
-                </a:tc>
-                <a:extLst>
-                  <a:ext uri="{0D108BD9-81ED-4DB2-BD59-A6C34878D82A}">
-                    <a16:rowId xmlns:a16="http://schemas.microsoft.com/office/drawing/2014/main" val="1931604347"/>
-                  </a:ext>
-                </a:extLst>
-              </a:tr>
-              <a:tr h="370840">
-                <a:tc>
-                  <a:txBody>
-                    <a:bodyPr/>
-                    <a:lstStyle/>
-                    <a:p>
-                      <a:r>
-                        <a:rPr kumimoji="1" lang="en-US" altLang="ja-JP" sz="2400"/>
-                        <a:t>AEAD</a:t>
-                      </a:r>
-                      <a:endParaRPr kumimoji="1" lang="ja-JP" altLang="en-US" sz="2400"/>
-                    </a:p>
-                  </a:txBody>
-                  <a:tcPr/>
-                </a:tc>
-                <a:tc>
-                  <a:txBody>
-                    <a:bodyPr/>
-                    <a:lstStyle/>
-                    <a:p>
-                      <a:r>
-                        <a:rPr kumimoji="1" lang="ja-JP" altLang="en-US" sz="2400"/>
-                        <a:t>ある</a:t>
-                      </a:r>
-                    </a:p>
-                  </a:txBody>
-                  <a:tcPr/>
-                </a:tc>
-                <a:tc>
-                  <a:txBody>
-                    <a:bodyPr/>
-                    <a:lstStyle/>
-                    <a:p>
-                      <a:r>
-                        <a:rPr kumimoji="1" lang="ja-JP" altLang="en-US" sz="2400"/>
-                        <a:t>ある</a:t>
-                      </a:r>
-                    </a:p>
-                  </a:txBody>
-                  <a:tcPr/>
-                </a:tc>
-                <a:extLst>
-                  <a:ext uri="{0D108BD9-81ED-4DB2-BD59-A6C34878D82A}">
-                    <a16:rowId xmlns:a16="http://schemas.microsoft.com/office/drawing/2014/main" val="3827829539"/>
-                  </a:ext>
-                </a:extLst>
-              </a:tr>
-            </a:tbl>
-          </a:graphicData>
-        </a:graphic>
-      </p:graphicFrame>
-    </p:spTree>
-    <p:extLst>
-      <p:ext uri="{BB962C8B-B14F-4D97-AF65-F5344CB8AC3E}">
-        <p14:creationId xmlns:p14="http://schemas.microsoft.com/office/powerpoint/2010/main" val="2754418001"/>
-      </p:ext>
-    </p:extLst>
-  </p:cSld>
-  <p:clrMapOvr>
-    <a:masterClrMapping/>
-  </p:clrMapOvr>
-</p:sld>
-</file>
-
-<file path=ppt/slides/slide37.xml><?xml version="1.0" encoding="utf-8"?>
-<p:sld xmlns:a="http://schemas.openxmlformats.org/drawingml/2006/main" xmlns:r="http://schemas.openxmlformats.org/officeDocument/2006/relationships" xmlns:p="http://schemas.openxmlformats.org/presentationml/2006/main">
-  <p:cSld>
-    <p:spTree>
-      <p:nvGrpSpPr>
-        <p:cNvPr id="1" name=""/>
-        <p:cNvGrpSpPr/>
-        <p:nvPr/>
-      </p:nvGrpSpPr>
-      <p:grpSpPr>
-        <a:xfrm>
-          <a:off x="0" y="0"/>
-          <a:ext cx="0" cy="0"/>
-          <a:chOff x="0" y="0"/>
-          <a:chExt cx="0" cy="0"/>
-        </a:xfrm>
-      </p:grpSpPr>
-      <p:pic>
-        <p:nvPicPr>
-          <p:cNvPr id="6" name="図 5">
-            <a:extLst>
-              <a:ext uri="{FF2B5EF4-FFF2-40B4-BE49-F238E27FC236}">
-                <a16:creationId xmlns:a16="http://schemas.microsoft.com/office/drawing/2014/main" id="{A2051A20-2E8D-4BB1-A0AE-1821894261B2}"/>
-              </a:ext>
-            </a:extLst>
-          </p:cNvPr>
-          <p:cNvPicPr>
-            <a:picLocks noChangeAspect="1"/>
-          </p:cNvPicPr>
-          <p:nvPr/>
-        </p:nvPicPr>
-        <p:blipFill>
-          <a:blip r:embed="rId2">
-            <a:extLst>
-              <a:ext uri="{28A0092B-C50C-407E-A947-70E740481C1C}">
-                <a14:useLocalDpi xmlns:a14="http://schemas.microsoft.com/office/drawing/2010/main" val="0"/>
-              </a:ext>
-            </a:extLst>
-          </a:blip>
-          <a:stretch>
-            <a:fillRect/>
-          </a:stretch>
-        </p:blipFill>
-        <p:spPr>
-          <a:xfrm>
-            <a:off x="1619671" y="2420888"/>
-            <a:ext cx="7347757" cy="3600400"/>
-          </a:xfrm>
-          <a:prstGeom prst="rect">
-            <a:avLst/>
-          </a:prstGeom>
-        </p:spPr>
-      </p:pic>
-      <mc:AlternateContent xmlns:mc="http://schemas.openxmlformats.org/markup-compatibility/2006" xmlns:a14="http://schemas.microsoft.com/office/drawing/2010/main">
-        <mc:Choice Requires="a14">
-          <p:sp>
-            <p:nvSpPr>
-              <p:cNvPr id="2" name="コンテンツ プレースホルダー 1">
-                <a:extLst>
-                  <a:ext uri="{FF2B5EF4-FFF2-40B4-BE49-F238E27FC236}">
-                    <a16:creationId xmlns:a16="http://schemas.microsoft.com/office/drawing/2014/main" id="{AE0CC8BB-D8FB-478B-A2E5-C9C82D18EBDE}"/>
-                  </a:ext>
-                </a:extLst>
-              </p:cNvPr>
-              <p:cNvSpPr>
-                <a:spLocks noGrp="1"/>
-              </p:cNvSpPr>
-              <p:nvPr>
-                <p:ph idx="1"/>
-              </p:nvPr>
-            </p:nvSpPr>
-            <p:spPr/>
-            <p:txBody>
-              <a:bodyPr/>
-              <a:lstStyle/>
-              <a:p>
-                <a:r>
-                  <a:rPr kumimoji="1" lang="ja-JP" altLang="en-US"/>
-                  <a:t>入力 </a:t>
-                </a:r>
-                <a:r>
-                  <a:rPr kumimoji="1" lang="en-US" altLang="ja-JP"/>
-                  <a:t>: </a:t>
-                </a:r>
-                <a:r>
-                  <a:rPr kumimoji="1" lang="ja-JP" altLang="en-US"/>
-                  <a:t>平文</a:t>
-                </a:r>
-                <a:r>
-                  <a:rPr kumimoji="1" lang="en-US" altLang="ja-JP"/>
-                  <a:t>m, </a:t>
-                </a:r>
-                <a:r>
-                  <a:rPr kumimoji="1" lang="ja-JP" altLang="en-US"/>
-                  <a:t>ナンス</a:t>
-                </a:r>
-                <a:r>
-                  <a:rPr kumimoji="1" lang="en-US" altLang="ja-JP"/>
-                  <a:t>n, </a:t>
-                </a:r>
-                <a:r>
-                  <a:rPr kumimoji="1" lang="ja-JP" altLang="en-US"/>
-                  <a:t>秘密鍵</a:t>
-                </a:r>
-                <a:r>
-                  <a:rPr kumimoji="1" lang="en-US" altLang="ja-JP"/>
-                  <a:t>s, </a:t>
-                </a:r>
-                <a:r>
-                  <a:rPr kumimoji="1" lang="ja-JP" altLang="en-US"/>
-                  <a:t>関連データ</a:t>
-                </a:r>
-                <a:r>
-                  <a:rPr kumimoji="1" lang="en-US" altLang="ja-JP"/>
-                  <a:t>d</a:t>
-                </a:r>
-              </a:p>
-              <a:p>
-                <a:pPr lvl="1"/>
-                <a:r>
-                  <a:rPr kumimoji="1" lang="ja-JP" altLang="en-US"/>
-                  <a:t>ナンス</a:t>
-                </a:r>
-                <a:r>
-                  <a:rPr kumimoji="1" lang="en-US" altLang="ja-JP"/>
-                  <a:t>n</a:t>
-                </a:r>
-                <a:r>
-                  <a:rPr kumimoji="1" lang="ja-JP" altLang="en-US"/>
-                  <a:t>は同じ値を再利用してはいけない</a:t>
-                </a:r>
-                <a:endParaRPr kumimoji="1" lang="en-US" altLang="ja-JP"/>
-              </a:p>
-              <a:p>
-                <a:pPr lvl="1"/>
-                <a:r>
-                  <a:rPr kumimoji="1" lang="ja-JP" altLang="en-US"/>
-                  <a:t>関連データは暗号化されないが改竄防止対象となる</a:t>
-                </a:r>
-                <a:endParaRPr kumimoji="1" lang="en-US" altLang="ja-JP"/>
-              </a:p>
-              <a:p>
-                <a:r>
-                  <a:rPr kumimoji="1" lang="ja-JP" altLang="en-US"/>
-                  <a:t>出力 </a:t>
-                </a:r>
-                <a:r>
-                  <a:rPr kumimoji="1" lang="en-US" altLang="ja-JP"/>
-                  <a:t>: </a:t>
-                </a:r>
-                <a:r>
-                  <a:rPr kumimoji="1" lang="ja-JP" altLang="en-US"/>
-                  <a:t>暗号文</a:t>
-                </a:r>
-                <a:r>
-                  <a:rPr kumimoji="1" lang="en-US" altLang="ja-JP"/>
-                  <a:t>c, </a:t>
-                </a:r>
-                <a:r>
-                  <a:rPr kumimoji="1" lang="ja-JP" altLang="en-US"/>
-                  <a:t>認証タグ</a:t>
-                </a:r>
-                <a:r>
-                  <a:rPr kumimoji="1" lang="en-US" altLang="ja-JP"/>
-                  <a:t>t</a:t>
-                </a:r>
-              </a:p>
-              <a:p>
-                <a:endParaRPr lang="en-US" altLang="ja-JP"/>
-              </a:p>
-              <a:p>
-                <a:endParaRPr kumimoji="1" lang="en-US" altLang="ja-JP"/>
-              </a:p>
-              <a:p>
-                <a:endParaRPr lang="en-US" altLang="ja-JP"/>
-              </a:p>
-              <a:p>
-                <a:endParaRPr kumimoji="1" lang="en-US" altLang="ja-JP"/>
-              </a:p>
-              <a:p>
-                <a:r>
-                  <a:rPr kumimoji="1" lang="ja-JP" altLang="en-US"/>
-                  <a:t>攻撃者は正当な</a:t>
-                </a:r>
-                <a14:m>
-                  <m:oMath xmlns:m="http://schemas.openxmlformats.org/officeDocument/2006/math">
-                    <m:r>
-                      <a:rPr kumimoji="1" lang="en-US" altLang="ja-JP" b="0" i="1" smtClean="0">
-                        <a:latin typeface="Cambria Math" panose="02040503050406030204" pitchFamily="18" charset="0"/>
-                      </a:rPr>
-                      <m:t>(</m:t>
-                    </m:r>
-                    <m:r>
-                      <a:rPr kumimoji="1" lang="en-US" altLang="ja-JP" b="0" i="1" smtClean="0">
-                        <a:latin typeface="Cambria Math" panose="02040503050406030204" pitchFamily="18" charset="0"/>
-                      </a:rPr>
-                      <m:t>𝑐</m:t>
-                    </m:r>
-                    <m:r>
-                      <a:rPr kumimoji="1" lang="en-US" altLang="ja-JP" b="0" i="1" smtClean="0">
-                        <a:latin typeface="Cambria Math" panose="02040503050406030204" pitchFamily="18" charset="0"/>
-                      </a:rPr>
-                      <m:t>,</m:t>
-                    </m:r>
-                    <m:r>
-                      <a:rPr kumimoji="1" lang="en-US" altLang="ja-JP" b="0" i="1" smtClean="0">
-                        <a:latin typeface="Cambria Math" panose="02040503050406030204" pitchFamily="18" charset="0"/>
-                      </a:rPr>
-                      <m:t>𝑡</m:t>
-                    </m:r>
-                    <m:r>
-                      <a:rPr kumimoji="1" lang="en-US" altLang="ja-JP" b="0" i="1" smtClean="0">
-                        <a:latin typeface="Cambria Math" panose="02040503050406030204" pitchFamily="18" charset="0"/>
-                      </a:rPr>
-                      <m:t>)</m:t>
-                    </m:r>
-                  </m:oMath>
-                </a14:m>
-                <a:r>
-                  <a:rPr kumimoji="1" lang="ja-JP" altLang="en-US"/>
-                  <a:t>を</a:t>
-                </a:r>
-                <a:br>
-                  <a:rPr kumimoji="1" lang="en-US" altLang="ja-JP"/>
-                </a:br>
-                <a:r>
-                  <a:rPr kumimoji="1" lang="ja-JP" altLang="en-US"/>
-                  <a:t>多数入手しても偽の</a:t>
-                </a:r>
-                <a14:m>
-                  <m:oMath xmlns:m="http://schemas.openxmlformats.org/officeDocument/2006/math">
-                    <m:r>
-                      <a:rPr kumimoji="1" lang="en-US" altLang="ja-JP" b="0" i="1" smtClean="0">
-                        <a:latin typeface="Cambria Math" panose="02040503050406030204" pitchFamily="18" charset="0"/>
-                      </a:rPr>
-                      <m:t>(</m:t>
-                    </m:r>
-                    <m:sSup>
-                      <m:sSupPr>
-                        <m:ctrlPr>
-                          <a:rPr kumimoji="1" lang="en-US" altLang="ja-JP" b="0" i="1" smtClean="0">
-                            <a:latin typeface="Cambria Math" panose="02040503050406030204" pitchFamily="18" charset="0"/>
-                          </a:rPr>
-                        </m:ctrlPr>
-                      </m:sSupPr>
-                      <m:e>
-                        <m:r>
-                          <a:rPr kumimoji="1" lang="en-US" altLang="ja-JP" b="0" i="1" smtClean="0">
-                            <a:latin typeface="Cambria Math" panose="02040503050406030204" pitchFamily="18" charset="0"/>
-                          </a:rPr>
-                          <m:t>𝑐</m:t>
-                        </m:r>
-                      </m:e>
-                      <m:sup>
-                        <m:r>
-                          <a:rPr kumimoji="1" lang="en-US" altLang="ja-JP" b="0" i="1" smtClean="0">
-                            <a:latin typeface="Cambria Math" panose="02040503050406030204" pitchFamily="18" charset="0"/>
-                          </a:rPr>
-                          <m:t>′</m:t>
-                        </m:r>
-                      </m:sup>
-                    </m:sSup>
-                    <m:r>
-                      <a:rPr kumimoji="1" lang="en-US" altLang="ja-JP" b="0" i="1" smtClean="0">
-                        <a:latin typeface="Cambria Math" panose="02040503050406030204" pitchFamily="18" charset="0"/>
-                      </a:rPr>
-                      <m:t>,</m:t>
-                    </m:r>
-                    <m:sSup>
-                      <m:sSupPr>
-                        <m:ctrlPr>
-                          <a:rPr kumimoji="1" lang="en-US" altLang="ja-JP" b="0" i="1" smtClean="0">
-                            <a:latin typeface="Cambria Math" panose="02040503050406030204" pitchFamily="18" charset="0"/>
-                          </a:rPr>
-                        </m:ctrlPr>
-                      </m:sSupPr>
-                      <m:e>
-                        <m:r>
-                          <a:rPr kumimoji="1" lang="en-US" altLang="ja-JP" b="0" i="1" smtClean="0">
-                            <a:latin typeface="Cambria Math" panose="02040503050406030204" pitchFamily="18" charset="0"/>
-                          </a:rPr>
-                          <m:t>𝑡</m:t>
-                        </m:r>
-                      </m:e>
-                      <m:sup>
-                        <m:r>
-                          <a:rPr kumimoji="1" lang="en-US" altLang="ja-JP" b="0" i="1" smtClean="0">
-                            <a:latin typeface="Cambria Math" panose="02040503050406030204" pitchFamily="18" charset="0"/>
-                          </a:rPr>
-                          <m:t>′</m:t>
-                        </m:r>
-                      </m:sup>
-                    </m:sSup>
-                    <m:r>
-                      <a:rPr kumimoji="1" lang="en-US" altLang="ja-JP" b="0" i="1" smtClean="0">
-                        <a:latin typeface="Cambria Math" panose="02040503050406030204" pitchFamily="18" charset="0"/>
-                      </a:rPr>
-                      <m:t>)</m:t>
-                    </m:r>
-                  </m:oMath>
-                </a14:m>
-                <a:r>
-                  <a:rPr kumimoji="1" lang="ja-JP" altLang="en-US"/>
-                  <a:t>は作れない</a:t>
-                </a:r>
-                <a:endParaRPr kumimoji="1" lang="en-US" altLang="ja-JP"/>
-              </a:p>
-              <a:p>
-                <a:pPr lvl="1"/>
-                <a14:m>
-                  <m:oMath xmlns:m="http://schemas.openxmlformats.org/officeDocument/2006/math">
-                    <m:r>
-                      <a:rPr kumimoji="1" lang="en-US" altLang="ja-JP" b="0" i="1" smtClean="0">
-                        <a:latin typeface="Cambria Math" panose="02040503050406030204" pitchFamily="18" charset="0"/>
-                      </a:rPr>
-                      <m:t>(</m:t>
-                    </m:r>
-                    <m:r>
-                      <a:rPr kumimoji="1" lang="en-US" altLang="ja-JP" b="0" i="1" smtClean="0">
-                        <a:latin typeface="Cambria Math" panose="02040503050406030204" pitchFamily="18" charset="0"/>
-                      </a:rPr>
-                      <m:t>𝑐</m:t>
-                    </m:r>
-                    <m:r>
-                      <a:rPr kumimoji="1" lang="en-US" altLang="ja-JP" b="0" i="1" smtClean="0">
-                        <a:latin typeface="Cambria Math" panose="02040503050406030204" pitchFamily="18" charset="0"/>
-                      </a:rPr>
-                      <m:t>,</m:t>
-                    </m:r>
-                    <m:r>
-                      <a:rPr kumimoji="1" lang="en-US" altLang="ja-JP" b="0" i="1" smtClean="0">
-                        <a:latin typeface="Cambria Math" panose="02040503050406030204" pitchFamily="18" charset="0"/>
-                      </a:rPr>
-                      <m:t>𝑡</m:t>
-                    </m:r>
-                    <m:r>
-                      <a:rPr kumimoji="1" lang="en-US" altLang="ja-JP" b="0" i="1" smtClean="0">
-                        <a:latin typeface="Cambria Math" panose="02040503050406030204" pitchFamily="18" charset="0"/>
-                      </a:rPr>
-                      <m:t>)</m:t>
-                    </m:r>
-                  </m:oMath>
-                </a14:m>
-                <a:r>
-                  <a:rPr kumimoji="1" lang="ja-JP" altLang="en-US"/>
-                  <a:t>が正当なら作ったのは本人</a:t>
-                </a:r>
-              </a:p>
-            </p:txBody>
-          </p:sp>
-        </mc:Choice>
-        <mc:Fallback xmlns="">
-          <p:sp>
-            <p:nvSpPr>
-              <p:cNvPr id="2" name="コンテンツ プレースホルダー 1">
-                <a:extLst>
-                  <a:ext uri="{FF2B5EF4-FFF2-40B4-BE49-F238E27FC236}">
-                    <a16:creationId xmlns:a16="http://schemas.microsoft.com/office/drawing/2014/main" id="{AE0CC8BB-D8FB-478B-A2E5-C9C82D18EBDE}"/>
-                  </a:ext>
-                </a:extLst>
-              </p:cNvPr>
-              <p:cNvSpPr>
-                <a:spLocks noGrp="1" noRot="1" noChangeAspect="1" noMove="1" noResize="1" noEditPoints="1" noAdjustHandles="1" noChangeArrowheads="1" noChangeShapeType="1" noTextEdit="1"/>
-              </p:cNvSpPr>
-              <p:nvPr>
-                <p:ph idx="1"/>
-              </p:nvPr>
-            </p:nvSpPr>
-            <p:spPr>
-              <a:blipFill>
-                <a:blip r:embed="rId3"/>
-                <a:stretch>
-                  <a:fillRect l="-1200" t="-1454" b="-1454"/>
-                </a:stretch>
-              </a:blipFill>
-            </p:spPr>
-            <p:txBody>
-              <a:bodyPr/>
-              <a:lstStyle/>
-              <a:p>
-                <a:r>
-                  <a:rPr lang="ja-JP" altLang="en-US">
-                    <a:noFill/>
-                  </a:rPr>
-                  <a:t> </a:t>
-                </a:r>
-              </a:p>
-            </p:txBody>
-          </p:sp>
-        </mc:Fallback>
-      </mc:AlternateContent>
-      <p:sp>
-        <p:nvSpPr>
-          <p:cNvPr id="3" name="スライド番号プレースホルダー 2">
-            <a:extLst>
-              <a:ext uri="{FF2B5EF4-FFF2-40B4-BE49-F238E27FC236}">
-                <a16:creationId xmlns:a16="http://schemas.microsoft.com/office/drawing/2014/main" id="{DB73B947-FFBE-4E68-90D5-E604C61EAE60}"/>
-              </a:ext>
-            </a:extLst>
-          </p:cNvPr>
-          <p:cNvSpPr>
-            <a:spLocks noGrp="1"/>
-          </p:cNvSpPr>
-          <p:nvPr>
-            <p:ph type="sldNum" sz="quarter" idx="12"/>
-          </p:nvPr>
-        </p:nvSpPr>
-        <p:spPr/>
-        <p:txBody>
-          <a:bodyPr/>
-          <a:lstStyle/>
-          <a:p>
-            <a:pPr>
-              <a:defRPr/>
-            </a:pPr>
-            <a:r>
-              <a:rPr lang="en-US" altLang="ja-JP"/>
-              <a:t>    </a:t>
-            </a:r>
-            <a:fld id="{B2782DEB-472A-4FE5-AC34-C17109CF5A91}" type="slidenum">
-              <a:rPr lang="en-US" altLang="ja-JP" smtClean="0"/>
-              <a:pPr>
-                <a:defRPr/>
-              </a:pPr>
-              <a:t>37</a:t>
-            </a:fld>
-            <a:r>
-              <a:rPr lang="en-US" altLang="ja-JP"/>
-              <a:t> / 24</a:t>
-            </a:r>
-          </a:p>
-        </p:txBody>
-      </p:sp>
-      <p:sp>
-        <p:nvSpPr>
-          <p:cNvPr id="4" name="タイトル 3">
-            <a:extLst>
-              <a:ext uri="{FF2B5EF4-FFF2-40B4-BE49-F238E27FC236}">
-                <a16:creationId xmlns:a16="http://schemas.microsoft.com/office/drawing/2014/main" id="{3C6200CF-96A2-4D6F-9D9E-77AA3FC4F81B}"/>
-              </a:ext>
-            </a:extLst>
-          </p:cNvPr>
-          <p:cNvSpPr>
-            <a:spLocks noGrp="1"/>
-          </p:cNvSpPr>
-          <p:nvPr>
-            <p:ph type="title"/>
-          </p:nvPr>
-        </p:nvSpPr>
-        <p:spPr/>
-        <p:txBody>
-          <a:bodyPr/>
-          <a:lstStyle/>
-          <a:p>
-            <a:r>
-              <a:rPr kumimoji="1" lang="en-US" altLang="ja-JP"/>
-              <a:t>AEAD</a:t>
-            </a:r>
-            <a:r>
-              <a:rPr kumimoji="1" lang="ja-JP" altLang="en-US"/>
-              <a:t>のアルゴリズム</a:t>
-            </a:r>
-          </a:p>
-        </p:txBody>
-      </p:sp>
-    </p:spTree>
-    <p:extLst>
-      <p:ext uri="{BB962C8B-B14F-4D97-AF65-F5344CB8AC3E}">
-        <p14:creationId xmlns:p14="http://schemas.microsoft.com/office/powerpoint/2010/main" val="146927539"/>
-      </p:ext>
-    </p:extLst>
-  </p:cSld>
-  <p:clrMapOvr>
-    <a:masterClrMapping/>
-  </p:clrMapOvr>
-</p:sld>
-</file>
-
-<file path=ppt/slides/slide38.xml><?xml version="1.0" encoding="utf-8"?>
-<p:sld xmlns:a="http://schemas.openxmlformats.org/drawingml/2006/main" xmlns:r="http://schemas.openxmlformats.org/officeDocument/2006/relationships" xmlns:p="http://schemas.openxmlformats.org/presentationml/2006/main">
-  <p:cSld>
-    <p:spTree>
-      <p:nvGrpSpPr>
-        <p:cNvPr id="1" name=""/>
-        <p:cNvGrpSpPr/>
-        <p:nvPr/>
-      </p:nvGrpSpPr>
-      <p:grpSpPr>
-        <a:xfrm>
-          <a:off x="0" y="0"/>
-          <a:ext cx="0" cy="0"/>
-          <a:chOff x="0" y="0"/>
-          <a:chExt cx="0" cy="0"/>
-        </a:xfrm>
-      </p:grpSpPr>
-      <p:sp>
-        <p:nvSpPr>
-          <p:cNvPr id="2" name="コンテンツ プレースホルダー 1">
-            <a:extLst>
-              <a:ext uri="{FF2B5EF4-FFF2-40B4-BE49-F238E27FC236}">
-                <a16:creationId xmlns:a16="http://schemas.microsoft.com/office/drawing/2014/main" id="{ABB638DD-725C-4121-A012-BF53377AA053}"/>
-              </a:ext>
-            </a:extLst>
-          </p:cNvPr>
-          <p:cNvSpPr>
-            <a:spLocks noGrp="1"/>
-          </p:cNvSpPr>
-          <p:nvPr>
-            <p:ph idx="1"/>
-          </p:nvPr>
-        </p:nvSpPr>
-        <p:spPr/>
-        <p:txBody>
-          <a:bodyPr/>
-          <a:lstStyle/>
-          <a:p>
-            <a:r>
-              <a:rPr kumimoji="1" lang="en-US" altLang="ja-JP"/>
-              <a:t>TLS 1.3</a:t>
-            </a:r>
-            <a:r>
-              <a:rPr kumimoji="1" lang="ja-JP" altLang="en-US"/>
-              <a:t>で定義された</a:t>
-            </a:r>
-            <a:r>
-              <a:rPr kumimoji="1" lang="en-US" altLang="ja-JP"/>
-              <a:t>AEAD</a:t>
-            </a:r>
-          </a:p>
-          <a:p>
-            <a:endParaRPr lang="en-US" altLang="ja-JP"/>
-          </a:p>
-          <a:p>
-            <a:endParaRPr kumimoji="1" lang="en-US" altLang="ja-JP"/>
-          </a:p>
-          <a:p>
-            <a:endParaRPr lang="en-US" altLang="ja-JP"/>
-          </a:p>
-          <a:p>
-            <a:r>
-              <a:rPr kumimoji="1" lang="en-US" altLang="ja-JP"/>
-              <a:t>AES-GCM</a:t>
-            </a:r>
-            <a:r>
-              <a:rPr kumimoji="1" lang="ja-JP" altLang="en-US"/>
-              <a:t>と</a:t>
-            </a:r>
-            <a:r>
-              <a:rPr kumimoji="1" lang="en-US" altLang="ja-JP"/>
-              <a:t>AES-CCM</a:t>
-            </a:r>
-            <a:r>
-              <a:rPr kumimoji="1" lang="ja-JP" altLang="en-US"/>
-              <a:t>の比較</a:t>
-            </a:r>
-            <a:endParaRPr kumimoji="1" lang="en-US" altLang="ja-JP"/>
-          </a:p>
-          <a:p>
-            <a:pPr lvl="1"/>
-            <a:r>
-              <a:rPr kumimoji="1" lang="ja-JP" altLang="en-US"/>
-              <a:t>暗号化方法は同じで認証方法が異なる</a:t>
-            </a:r>
-            <a:endParaRPr kumimoji="1" lang="en-US" altLang="ja-JP"/>
-          </a:p>
-          <a:p>
-            <a:pPr lvl="2"/>
-            <a:r>
-              <a:rPr lang="en-US" altLang="ja-JP"/>
-              <a:t>CBC-MAC</a:t>
-            </a:r>
-            <a:r>
-              <a:rPr lang="ja-JP" altLang="en-US"/>
-              <a:t>はブロック暗号を用いた</a:t>
-            </a:r>
-            <a:r>
-              <a:rPr lang="en-US" altLang="ja-JP"/>
-              <a:t>MAC</a:t>
-            </a:r>
-          </a:p>
-          <a:p>
-            <a:pPr lvl="2"/>
-            <a:r>
-              <a:rPr kumimoji="1" lang="en-US" altLang="ja-JP"/>
-              <a:t>AES2</a:t>
-            </a:r>
-            <a:r>
-              <a:rPr kumimoji="1" lang="ja-JP" altLang="en-US"/>
-              <a:t>回分なので</a:t>
-            </a:r>
-            <a:r>
-              <a:rPr kumimoji="1" lang="en-US" altLang="ja-JP"/>
-              <a:t>AES-GCM</a:t>
-            </a:r>
-            <a:r>
-              <a:rPr kumimoji="1" lang="ja-JP" altLang="en-US"/>
-              <a:t>よりは遅い</a:t>
-            </a:r>
-            <a:endParaRPr kumimoji="1" lang="en-US" altLang="ja-JP"/>
-          </a:p>
-          <a:p>
-            <a:pPr lvl="1"/>
-            <a:r>
-              <a:rPr kumimoji="1" lang="ja-JP" altLang="en-US"/>
-              <a:t>速度比較</a:t>
-            </a:r>
-            <a:endParaRPr kumimoji="1" lang="en-US" altLang="ja-JP"/>
-          </a:p>
-        </p:txBody>
-      </p:sp>
-      <p:sp>
-        <p:nvSpPr>
-          <p:cNvPr id="3" name="スライド番号プレースホルダー 2">
-            <a:extLst>
-              <a:ext uri="{FF2B5EF4-FFF2-40B4-BE49-F238E27FC236}">
-                <a16:creationId xmlns:a16="http://schemas.microsoft.com/office/drawing/2014/main" id="{43ACE9E0-81C7-4593-BD4E-126031CAAB37}"/>
-              </a:ext>
-            </a:extLst>
-          </p:cNvPr>
-          <p:cNvSpPr>
-            <a:spLocks noGrp="1"/>
-          </p:cNvSpPr>
-          <p:nvPr>
-            <p:ph type="sldNum" sz="quarter" idx="12"/>
-          </p:nvPr>
-        </p:nvSpPr>
-        <p:spPr/>
-        <p:txBody>
-          <a:bodyPr/>
-          <a:lstStyle/>
-          <a:p>
-            <a:pPr>
-              <a:defRPr/>
-            </a:pPr>
-            <a:r>
-              <a:rPr lang="en-US" altLang="ja-JP"/>
-              <a:t>    </a:t>
-            </a:r>
-            <a:fld id="{B2782DEB-472A-4FE5-AC34-C17109CF5A91}" type="slidenum">
-              <a:rPr lang="en-US" altLang="ja-JP" smtClean="0"/>
-              <a:pPr>
-                <a:defRPr/>
-              </a:pPr>
-              <a:t>38</a:t>
-            </a:fld>
-            <a:r>
-              <a:rPr lang="en-US" altLang="ja-JP"/>
-              <a:t> / 24</a:t>
-            </a:r>
-          </a:p>
-        </p:txBody>
-      </p:sp>
-      <p:sp>
-        <p:nvSpPr>
-          <p:cNvPr id="4" name="タイトル 3">
-            <a:extLst>
-              <a:ext uri="{FF2B5EF4-FFF2-40B4-BE49-F238E27FC236}">
-                <a16:creationId xmlns:a16="http://schemas.microsoft.com/office/drawing/2014/main" id="{9153AE8A-6382-4E18-8522-1D96832EE070}"/>
-              </a:ext>
-            </a:extLst>
-          </p:cNvPr>
-          <p:cNvSpPr>
-            <a:spLocks noGrp="1"/>
-          </p:cNvSpPr>
-          <p:nvPr>
-            <p:ph type="title"/>
-          </p:nvPr>
-        </p:nvSpPr>
-        <p:spPr/>
-        <p:txBody>
-          <a:bodyPr/>
-          <a:lstStyle/>
-          <a:p>
-            <a:r>
-              <a:rPr lang="en-US" altLang="ja-JP"/>
-              <a:t>AEAD</a:t>
-            </a:r>
-            <a:r>
-              <a:rPr lang="ja-JP" altLang="en-US"/>
-              <a:t>の例</a:t>
-            </a:r>
-            <a:endParaRPr kumimoji="1" lang="ja-JP" altLang="en-US"/>
-          </a:p>
-        </p:txBody>
-      </p:sp>
-      <p:graphicFrame>
-        <p:nvGraphicFramePr>
-          <p:cNvPr id="5" name="表 5">
-            <a:extLst>
-              <a:ext uri="{FF2B5EF4-FFF2-40B4-BE49-F238E27FC236}">
-                <a16:creationId xmlns:a16="http://schemas.microsoft.com/office/drawing/2014/main" id="{F6F7A0FD-7CC5-45BF-BC96-63A3731D256B}"/>
-              </a:ext>
-            </a:extLst>
-          </p:cNvPr>
-          <p:cNvGraphicFramePr>
-            <a:graphicFrameLocks noGrp="1"/>
-          </p:cNvGraphicFramePr>
-          <p:nvPr>
-            <p:extLst>
-              <p:ext uri="{D42A27DB-BD31-4B8C-83A1-F6EECF244321}">
-                <p14:modId xmlns:p14="http://schemas.microsoft.com/office/powerpoint/2010/main" val="929087413"/>
-              </p:ext>
-            </p:extLst>
-          </p:nvPr>
-        </p:nvGraphicFramePr>
-        <p:xfrm>
-          <a:off x="412819" y="1196752"/>
-          <a:ext cx="8333169" cy="1752600"/>
-        </p:xfrm>
-        <a:graphic>
-          <a:graphicData uri="http://schemas.openxmlformats.org/drawingml/2006/table">
-            <a:tbl>
-              <a:tblPr firstRow="1" bandRow="1">
-                <a:tableStyleId>{5C22544A-7EE6-4342-B048-85BDC9FD1C3A}</a:tableStyleId>
-              </a:tblPr>
-              <a:tblGrid>
-                <a:gridCol w="2271459">
-                  <a:extLst>
-                    <a:ext uri="{9D8B030D-6E8A-4147-A177-3AD203B41FA5}">
-                      <a16:colId xmlns:a16="http://schemas.microsoft.com/office/drawing/2014/main" val="2276751549"/>
-                    </a:ext>
-                  </a:extLst>
-                </a:gridCol>
-                <a:gridCol w="1941830">
-                  <a:extLst>
-                    <a:ext uri="{9D8B030D-6E8A-4147-A177-3AD203B41FA5}">
-                      <a16:colId xmlns:a16="http://schemas.microsoft.com/office/drawing/2014/main" val="1791686140"/>
-                    </a:ext>
-                  </a:extLst>
-                </a:gridCol>
-                <a:gridCol w="2595880">
-                  <a:extLst>
-                    <a:ext uri="{9D8B030D-6E8A-4147-A177-3AD203B41FA5}">
-                      <a16:colId xmlns:a16="http://schemas.microsoft.com/office/drawing/2014/main" val="16030370"/>
-                    </a:ext>
-                  </a:extLst>
-                </a:gridCol>
-                <a:gridCol w="1524000">
-                  <a:extLst>
-                    <a:ext uri="{9D8B030D-6E8A-4147-A177-3AD203B41FA5}">
-                      <a16:colId xmlns:a16="http://schemas.microsoft.com/office/drawing/2014/main" val="999823019"/>
-                    </a:ext>
-                  </a:extLst>
-                </a:gridCol>
-              </a:tblGrid>
-              <a:tr h="370840">
-                <a:tc>
-                  <a:txBody>
-                    <a:bodyPr/>
-                    <a:lstStyle/>
-                    <a:p>
-                      <a:r>
-                        <a:rPr kumimoji="1" lang="en-US" altLang="ja-JP"/>
-                        <a:t>AEAD</a:t>
-                      </a:r>
-                      <a:endParaRPr kumimoji="1" lang="ja-JP" altLang="en-US"/>
-                    </a:p>
-                  </a:txBody>
-                  <a:tcPr/>
-                </a:tc>
-                <a:tc>
-                  <a:txBody>
-                    <a:bodyPr/>
-                    <a:lstStyle/>
-                    <a:p>
-                      <a:r>
-                        <a:rPr kumimoji="1" lang="ja-JP" altLang="en-US"/>
-                        <a:t>暗号化方法</a:t>
-                      </a:r>
-                    </a:p>
-                  </a:txBody>
-                  <a:tcPr/>
-                </a:tc>
-                <a:tc>
-                  <a:txBody>
-                    <a:bodyPr/>
-                    <a:lstStyle/>
-                    <a:p>
-                      <a:r>
-                        <a:rPr kumimoji="1" lang="ja-JP" altLang="en-US"/>
-                        <a:t>認証</a:t>
-                      </a:r>
-                    </a:p>
-                  </a:txBody>
-                  <a:tcPr/>
-                </a:tc>
-                <a:tc>
-                  <a:txBody>
-                    <a:bodyPr/>
-                    <a:lstStyle/>
-                    <a:p>
-                      <a:r>
-                        <a:rPr kumimoji="1" lang="ja-JP" altLang="en-US"/>
-                        <a:t>鍵長</a:t>
-                      </a:r>
-                    </a:p>
-                  </a:txBody>
-                  <a:tcPr/>
-                </a:tc>
-                <a:extLst>
-                  <a:ext uri="{0D108BD9-81ED-4DB2-BD59-A6C34878D82A}">
-                    <a16:rowId xmlns:a16="http://schemas.microsoft.com/office/drawing/2014/main" val="3569426024"/>
-                  </a:ext>
-                </a:extLst>
-              </a:tr>
-              <a:tr h="370840">
-                <a:tc>
-                  <a:txBody>
-                    <a:bodyPr/>
-                    <a:lstStyle/>
-                    <a:p>
-                      <a:r>
-                        <a:rPr kumimoji="1" lang="en-US" altLang="ja-JP"/>
-                        <a:t>AES-GCM</a:t>
-                      </a:r>
-                      <a:endParaRPr kumimoji="1" lang="ja-JP" altLang="en-US"/>
-                    </a:p>
-                  </a:txBody>
-                  <a:tcPr/>
-                </a:tc>
-                <a:tc>
-                  <a:txBody>
-                    <a:bodyPr/>
-                    <a:lstStyle/>
-                    <a:p>
-                      <a:r>
-                        <a:rPr kumimoji="1" lang="en-US" altLang="ja-JP"/>
-                        <a:t>AES</a:t>
-                      </a:r>
-                      <a:r>
-                        <a:rPr kumimoji="1" lang="ja-JP" altLang="en-US"/>
-                        <a:t>の</a:t>
-                      </a:r>
-                      <a:r>
-                        <a:rPr kumimoji="1" lang="en-US" altLang="ja-JP"/>
-                        <a:t>CTR</a:t>
-                      </a:r>
-                      <a:r>
-                        <a:rPr kumimoji="1" lang="ja-JP" altLang="en-US"/>
-                        <a:t>モード</a:t>
-                      </a:r>
-                    </a:p>
-                  </a:txBody>
-                  <a:tcPr/>
-                </a:tc>
-                <a:tc>
-                  <a:txBody>
-                    <a:bodyPr/>
-                    <a:lstStyle/>
-                    <a:p>
-                      <a:r>
-                        <a:rPr kumimoji="1" lang="ja-JP" altLang="en-US"/>
-                        <a:t>有限体を使った</a:t>
-                      </a:r>
-                      <a:r>
-                        <a:rPr kumimoji="1" lang="en-US" altLang="ja-JP"/>
-                        <a:t>GHASH</a:t>
-                      </a:r>
-                      <a:endParaRPr kumimoji="1" lang="ja-JP" altLang="en-US"/>
-                    </a:p>
-                  </a:txBody>
-                  <a:tcPr/>
-                </a:tc>
-                <a:tc>
-                  <a:txBody>
-                    <a:bodyPr/>
-                    <a:lstStyle/>
-                    <a:p>
-                      <a:r>
-                        <a:rPr kumimoji="1" lang="en-US" altLang="ja-JP"/>
-                        <a:t>128/256</a:t>
-                      </a:r>
-                      <a:r>
-                        <a:rPr kumimoji="1" lang="ja-JP" altLang="en-US"/>
-                        <a:t>ビット</a:t>
-                      </a:r>
-                    </a:p>
-                  </a:txBody>
-                  <a:tcPr/>
-                </a:tc>
-                <a:extLst>
-                  <a:ext uri="{0D108BD9-81ED-4DB2-BD59-A6C34878D82A}">
-                    <a16:rowId xmlns:a16="http://schemas.microsoft.com/office/drawing/2014/main" val="3114519542"/>
-                  </a:ext>
-                </a:extLst>
-              </a:tr>
-              <a:tr h="370840">
-                <a:tc>
-                  <a:txBody>
-                    <a:bodyPr/>
-                    <a:lstStyle/>
-                    <a:p>
-                      <a:r>
-                        <a:rPr kumimoji="1" lang="en-US" altLang="ja-JP"/>
-                        <a:t>AES-CCM</a:t>
-                      </a:r>
-                      <a:endParaRPr kumimoji="1" lang="ja-JP" altLang="en-US"/>
-                    </a:p>
-                  </a:txBody>
-                  <a:tcPr/>
-                </a:tc>
-                <a:tc>
-                  <a:txBody>
-                    <a:bodyPr/>
-                    <a:lstStyle/>
-                    <a:p>
-                      <a:r>
-                        <a:rPr kumimoji="1" lang="en-US" altLang="ja-JP"/>
-                        <a:t>AES</a:t>
-                      </a:r>
-                      <a:r>
-                        <a:rPr kumimoji="1" lang="ja-JP" altLang="en-US"/>
-                        <a:t>の</a:t>
-                      </a:r>
-                      <a:r>
-                        <a:rPr kumimoji="1" lang="en-US" altLang="ja-JP"/>
-                        <a:t>CTR</a:t>
-                      </a:r>
-                      <a:r>
-                        <a:rPr kumimoji="1" lang="ja-JP" altLang="en-US"/>
-                        <a:t>モード</a:t>
-                      </a:r>
-                    </a:p>
-                  </a:txBody>
-                  <a:tcPr/>
-                </a:tc>
-                <a:tc>
-                  <a:txBody>
-                    <a:bodyPr/>
-                    <a:lstStyle/>
-                    <a:p>
-                      <a:r>
-                        <a:rPr kumimoji="1" lang="en-US" altLang="ja-JP"/>
-                        <a:t>CBC-MAC</a:t>
-                      </a:r>
-                      <a:endParaRPr kumimoji="1" lang="ja-JP" altLang="en-US"/>
-                    </a:p>
-                  </a:txBody>
-                  <a:tcPr/>
-                </a:tc>
-                <a:tc>
-                  <a:txBody>
-                    <a:bodyPr/>
-                    <a:lstStyle/>
-                    <a:p>
-                      <a:r>
-                        <a:rPr kumimoji="1" lang="en-US" altLang="ja-JP"/>
-                        <a:t>128</a:t>
-                      </a:r>
-                      <a:r>
-                        <a:rPr kumimoji="1" lang="ja-JP" altLang="en-US"/>
-                        <a:t>ビット</a:t>
-                      </a:r>
-                    </a:p>
-                  </a:txBody>
-                  <a:tcPr/>
-                </a:tc>
-                <a:extLst>
-                  <a:ext uri="{0D108BD9-81ED-4DB2-BD59-A6C34878D82A}">
-                    <a16:rowId xmlns:a16="http://schemas.microsoft.com/office/drawing/2014/main" val="407556628"/>
-                  </a:ext>
-                </a:extLst>
-              </a:tr>
-              <a:tr h="370840">
-                <a:tc>
-                  <a:txBody>
-                    <a:bodyPr/>
-                    <a:lstStyle/>
-                    <a:p>
-                      <a:r>
-                        <a:rPr kumimoji="1" lang="en-US" altLang="ja-JP"/>
-                        <a:t>ChaCha20-Poly1305</a:t>
-                      </a:r>
-                      <a:endParaRPr kumimoji="1" lang="ja-JP" altLang="en-US"/>
-                    </a:p>
-                  </a:txBody>
-                  <a:tcPr/>
-                </a:tc>
-                <a:tc>
-                  <a:txBody>
-                    <a:bodyPr/>
-                    <a:lstStyle/>
-                    <a:p>
-                      <a:r>
-                        <a:rPr kumimoji="1" lang="en-US" altLang="ja-JP"/>
-                        <a:t>ChaCha20</a:t>
-                      </a:r>
-                      <a:endParaRPr kumimoji="1" lang="ja-JP" altLang="en-US"/>
-                    </a:p>
-                  </a:txBody>
-                  <a:tcPr/>
-                </a:tc>
-                <a:tc>
-                  <a:txBody>
-                    <a:bodyPr/>
-                    <a:lstStyle/>
-                    <a:p>
-                      <a:r>
-                        <a:rPr kumimoji="1" lang="en-US" altLang="ja-JP"/>
-                        <a:t>Poly1305</a:t>
-                      </a:r>
-                      <a:endParaRPr kumimoji="1" lang="ja-JP" altLang="en-US"/>
-                    </a:p>
-                  </a:txBody>
-                  <a:tcPr/>
-                </a:tc>
-                <a:tc>
-                  <a:txBody>
-                    <a:bodyPr/>
-                    <a:lstStyle/>
-                    <a:p>
-                      <a:r>
-                        <a:rPr kumimoji="1" lang="en-US" altLang="ja-JP"/>
-                        <a:t>256</a:t>
-                      </a:r>
-                      <a:r>
-                        <a:rPr kumimoji="1" lang="ja-JP" altLang="en-US"/>
-                        <a:t>ビット</a:t>
-                      </a:r>
-                    </a:p>
-                  </a:txBody>
-                  <a:tcPr/>
-                </a:tc>
-                <a:extLst>
-                  <a:ext uri="{0D108BD9-81ED-4DB2-BD59-A6C34878D82A}">
-                    <a16:rowId xmlns:a16="http://schemas.microsoft.com/office/drawing/2014/main" val="3082688873"/>
-                  </a:ext>
-                </a:extLst>
-              </a:tr>
-            </a:tbl>
-          </a:graphicData>
-        </a:graphic>
-      </p:graphicFrame>
-      <p:graphicFrame>
-        <p:nvGraphicFramePr>
-          <p:cNvPr id="10" name="表 10">
-            <a:extLst>
-              <a:ext uri="{FF2B5EF4-FFF2-40B4-BE49-F238E27FC236}">
-                <a16:creationId xmlns:a16="http://schemas.microsoft.com/office/drawing/2014/main" id="{66D6BE25-332D-4742-AFC1-EC3ECC038263}"/>
-              </a:ext>
-            </a:extLst>
-          </p:cNvPr>
-          <p:cNvGraphicFramePr>
-            <a:graphicFrameLocks noGrp="1"/>
-          </p:cNvGraphicFramePr>
-          <p:nvPr>
-            <p:extLst>
-              <p:ext uri="{D42A27DB-BD31-4B8C-83A1-F6EECF244321}">
-                <p14:modId xmlns:p14="http://schemas.microsoft.com/office/powerpoint/2010/main" val="3202910746"/>
-              </p:ext>
-            </p:extLst>
-          </p:nvPr>
-        </p:nvGraphicFramePr>
-        <p:xfrm>
-          <a:off x="1331640" y="5330016"/>
-          <a:ext cx="6335459" cy="1483360"/>
-        </p:xfrm>
-        <a:graphic>
-          <a:graphicData uri="http://schemas.openxmlformats.org/drawingml/2006/table">
-            <a:tbl>
-              <a:tblPr firstRow="1" bandRow="1">
-                <a:tableStyleId>{5C22544A-7EE6-4342-B048-85BDC9FD1C3A}</a:tableStyleId>
-              </a:tblPr>
-              <a:tblGrid>
-                <a:gridCol w="2271459">
-                  <a:extLst>
-                    <a:ext uri="{9D8B030D-6E8A-4147-A177-3AD203B41FA5}">
-                      <a16:colId xmlns:a16="http://schemas.microsoft.com/office/drawing/2014/main" val="2925399076"/>
-                    </a:ext>
-                  </a:extLst>
-                </a:gridCol>
-                <a:gridCol w="2032000">
-                  <a:extLst>
-                    <a:ext uri="{9D8B030D-6E8A-4147-A177-3AD203B41FA5}">
-                      <a16:colId xmlns:a16="http://schemas.microsoft.com/office/drawing/2014/main" val="2725965808"/>
-                    </a:ext>
-                  </a:extLst>
-                </a:gridCol>
-                <a:gridCol w="2032000">
-                  <a:extLst>
-                    <a:ext uri="{9D8B030D-6E8A-4147-A177-3AD203B41FA5}">
-                      <a16:colId xmlns:a16="http://schemas.microsoft.com/office/drawing/2014/main" val="2838496354"/>
-                    </a:ext>
-                  </a:extLst>
-                </a:gridCol>
-              </a:tblGrid>
-              <a:tr h="370840">
-                <a:tc>
-                  <a:txBody>
-                    <a:bodyPr/>
-                    <a:lstStyle/>
-                    <a:p>
-                      <a:r>
-                        <a:rPr kumimoji="1" lang="en-US" altLang="ja-JP"/>
-                        <a:t>AEAD</a:t>
-                      </a:r>
-                      <a:endParaRPr kumimoji="1" lang="ja-JP" altLang="en-US"/>
-                    </a:p>
-                  </a:txBody>
-                  <a:tcPr/>
-                </a:tc>
-                <a:tc>
-                  <a:txBody>
-                    <a:bodyPr/>
-                    <a:lstStyle/>
-                    <a:p>
-                      <a:r>
-                        <a:rPr kumimoji="1" lang="en-US" altLang="ja-JP"/>
-                        <a:t>Intel</a:t>
-                      </a:r>
-                      <a:r>
-                        <a:rPr kumimoji="1" lang="ja-JP" altLang="en-US"/>
-                        <a:t>系</a:t>
-                      </a:r>
-                      <a:r>
-                        <a:rPr kumimoji="1" lang="en-US" altLang="ja-JP"/>
-                        <a:t>CPU</a:t>
-                      </a:r>
-                      <a:endParaRPr kumimoji="1" lang="ja-JP" altLang="en-US"/>
-                    </a:p>
-                  </a:txBody>
-                  <a:tcPr/>
-                </a:tc>
-                <a:tc>
-                  <a:txBody>
-                    <a:bodyPr/>
-                    <a:lstStyle/>
-                    <a:p>
-                      <a:r>
-                        <a:rPr kumimoji="1" lang="ja-JP" altLang="en-US"/>
-                        <a:t>組み込み系</a:t>
-                      </a:r>
-                      <a:r>
-                        <a:rPr kumimoji="1" lang="en-US" altLang="ja-JP"/>
-                        <a:t>CPU</a:t>
-                      </a:r>
-                      <a:endParaRPr kumimoji="1" lang="ja-JP" altLang="en-US"/>
-                    </a:p>
-                  </a:txBody>
-                  <a:tcPr/>
-                </a:tc>
-                <a:extLst>
-                  <a:ext uri="{0D108BD9-81ED-4DB2-BD59-A6C34878D82A}">
-                    <a16:rowId xmlns:a16="http://schemas.microsoft.com/office/drawing/2014/main" val="387532015"/>
-                  </a:ext>
-                </a:extLst>
-              </a:tr>
-              <a:tr h="370840">
-                <a:tc>
-                  <a:txBody>
-                    <a:bodyPr/>
-                    <a:lstStyle/>
-                    <a:p>
-                      <a:r>
-                        <a:rPr kumimoji="1" lang="en-US" altLang="ja-JP"/>
-                        <a:t>AES-GCM</a:t>
-                      </a:r>
-                      <a:endParaRPr kumimoji="1" lang="ja-JP" altLang="en-US"/>
-                    </a:p>
-                  </a:txBody>
-                  <a:tcPr/>
-                </a:tc>
-                <a:tc>
-                  <a:txBody>
-                    <a:bodyPr/>
-                    <a:lstStyle/>
-                    <a:p>
-                      <a:pPr algn="ctr"/>
-                      <a:r>
-                        <a:rPr kumimoji="1" lang="ja-JP" altLang="en-US"/>
-                        <a:t>◎</a:t>
-                      </a:r>
-                    </a:p>
-                  </a:txBody>
-                  <a:tcPr/>
-                </a:tc>
-                <a:tc>
-                  <a:txBody>
-                    <a:bodyPr/>
-                    <a:lstStyle/>
-                    <a:p>
-                      <a:pPr algn="ctr"/>
-                      <a:r>
-                        <a:rPr kumimoji="1" lang="ja-JP" altLang="en-US"/>
-                        <a:t>○</a:t>
-                      </a:r>
-                    </a:p>
-                  </a:txBody>
-                  <a:tcPr/>
-                </a:tc>
-                <a:extLst>
-                  <a:ext uri="{0D108BD9-81ED-4DB2-BD59-A6C34878D82A}">
-                    <a16:rowId xmlns:a16="http://schemas.microsoft.com/office/drawing/2014/main" val="2453342739"/>
-                  </a:ext>
-                </a:extLst>
-              </a:tr>
-              <a:tr h="370840">
-                <a:tc>
-                  <a:txBody>
-                    <a:bodyPr/>
-                    <a:lstStyle/>
-                    <a:p>
-                      <a:r>
-                        <a:rPr kumimoji="1" lang="en-US" altLang="ja-JP"/>
-                        <a:t>AES-CCM</a:t>
-                      </a:r>
-                      <a:endParaRPr kumimoji="1" lang="ja-JP" altLang="en-US"/>
-                    </a:p>
-                  </a:txBody>
-                  <a:tcPr/>
-                </a:tc>
-                <a:tc>
-                  <a:txBody>
-                    <a:bodyPr/>
-                    <a:lstStyle/>
-                    <a:p>
-                      <a:pPr algn="ctr"/>
-                      <a:r>
-                        <a:rPr kumimoji="1" lang="ja-JP" altLang="en-US"/>
-                        <a:t>△</a:t>
-                      </a:r>
-                    </a:p>
-                  </a:txBody>
-                  <a:tcPr/>
-                </a:tc>
-                <a:tc>
-                  <a:txBody>
-                    <a:bodyPr/>
-                    <a:lstStyle/>
-                    <a:p>
-                      <a:pPr algn="ctr"/>
-                      <a:r>
-                        <a:rPr kumimoji="1" lang="ja-JP" altLang="en-US"/>
-                        <a:t>△</a:t>
-                      </a:r>
-                    </a:p>
-                  </a:txBody>
-                  <a:tcPr/>
-                </a:tc>
-                <a:extLst>
-                  <a:ext uri="{0D108BD9-81ED-4DB2-BD59-A6C34878D82A}">
-                    <a16:rowId xmlns:a16="http://schemas.microsoft.com/office/drawing/2014/main" val="3749307693"/>
-                  </a:ext>
-                </a:extLst>
-              </a:tr>
-              <a:tr h="370840">
-                <a:tc>
-                  <a:txBody>
-                    <a:bodyPr/>
-                    <a:lstStyle/>
-                    <a:p>
-                      <a:r>
-                        <a:rPr kumimoji="1" lang="en-US" altLang="ja-JP"/>
-                        <a:t>ChaCha20-Poly1305</a:t>
-                      </a:r>
-                      <a:endParaRPr kumimoji="1" lang="ja-JP" altLang="en-US"/>
-                    </a:p>
-                  </a:txBody>
-                  <a:tcPr/>
-                </a:tc>
-                <a:tc>
-                  <a:txBody>
-                    <a:bodyPr/>
-                    <a:lstStyle/>
-                    <a:p>
-                      <a:pPr algn="ctr"/>
-                      <a:r>
-                        <a:rPr kumimoji="1" lang="ja-JP" altLang="en-US"/>
-                        <a:t>○</a:t>
-                      </a:r>
-                    </a:p>
-                  </a:txBody>
-                  <a:tcPr/>
-                </a:tc>
-                <a:tc>
-                  <a:txBody>
-                    <a:bodyPr/>
-                    <a:lstStyle/>
-                    <a:p>
-                      <a:pPr algn="ctr"/>
-                      <a:r>
-                        <a:rPr kumimoji="1" lang="ja-JP" altLang="en-US"/>
-                        <a:t>◎</a:t>
-                      </a:r>
-                    </a:p>
-                  </a:txBody>
-                  <a:tcPr/>
-                </a:tc>
-                <a:extLst>
-                  <a:ext uri="{0D108BD9-81ED-4DB2-BD59-A6C34878D82A}">
-                    <a16:rowId xmlns:a16="http://schemas.microsoft.com/office/drawing/2014/main" val="2568394203"/>
-                  </a:ext>
-                </a:extLst>
-              </a:tr>
-            </a:tbl>
-          </a:graphicData>
-        </a:graphic>
-      </p:graphicFrame>
-    </p:spTree>
-    <p:extLst>
-      <p:ext uri="{BB962C8B-B14F-4D97-AF65-F5344CB8AC3E}">
-        <p14:creationId xmlns:p14="http://schemas.microsoft.com/office/powerpoint/2010/main" val="1295039240"/>
-      </p:ext>
-    </p:extLst>
-  </p:cSld>
-  <p:clrMapOvr>
-    <a:masterClrMapping/>
-  </p:clrMapOvr>
-</p:sld>
-</file>
-
-<file path=ppt/slides/slide39.xml><?xml version="1.0" encoding="utf-8"?>
-<p:sld xmlns:a="http://schemas.openxmlformats.org/drawingml/2006/main" xmlns:r="http://schemas.openxmlformats.org/officeDocument/2006/relationships" xmlns:p="http://schemas.openxmlformats.org/presentationml/2006/main">
-  <p:cSld>
-    <p:spTree>
-      <p:nvGrpSpPr>
-        <p:cNvPr id="1" name=""/>
-        <p:cNvGrpSpPr/>
-        <p:nvPr/>
-      </p:nvGrpSpPr>
-      <p:grpSpPr>
-        <a:xfrm>
-          <a:off x="0" y="0"/>
-          <a:ext cx="0" cy="0"/>
-          <a:chOff x="0" y="0"/>
-          <a:chExt cx="0" cy="0"/>
-        </a:xfrm>
-      </p:grpSpPr>
-      <p:pic>
-        <p:nvPicPr>
-          <p:cNvPr id="7" name="図 6">
-            <a:extLst>
-              <a:ext uri="{FF2B5EF4-FFF2-40B4-BE49-F238E27FC236}">
-                <a16:creationId xmlns:a16="http://schemas.microsoft.com/office/drawing/2014/main" id="{5332E56E-C03F-45D6-B27B-02645F4E7CC4}"/>
-              </a:ext>
-            </a:extLst>
-          </p:cNvPr>
-          <p:cNvPicPr>
-            <a:picLocks noChangeAspect="1"/>
-          </p:cNvPicPr>
-          <p:nvPr/>
-        </p:nvPicPr>
-        <p:blipFill>
-          <a:blip r:embed="rId2">
-            <a:extLst>
-              <a:ext uri="{28A0092B-C50C-407E-A947-70E740481C1C}">
-                <a14:useLocalDpi xmlns:a14="http://schemas.microsoft.com/office/drawing/2010/main" val="0"/>
-              </a:ext>
-            </a:extLst>
-          </a:blip>
-          <a:stretch>
-            <a:fillRect/>
-          </a:stretch>
-        </p:blipFill>
-        <p:spPr>
-          <a:xfrm>
-            <a:off x="827583" y="998612"/>
-            <a:ext cx="7559727" cy="5310708"/>
-          </a:xfrm>
-          <a:prstGeom prst="rect">
-            <a:avLst/>
-          </a:prstGeom>
-        </p:spPr>
-      </p:pic>
-      <p:sp>
-        <p:nvSpPr>
-          <p:cNvPr id="2" name="コンテンツ プレースホルダー 1">
-            <a:extLst>
-              <a:ext uri="{FF2B5EF4-FFF2-40B4-BE49-F238E27FC236}">
-                <a16:creationId xmlns:a16="http://schemas.microsoft.com/office/drawing/2014/main" id="{ABB638DD-725C-4121-A012-BF53377AA053}"/>
-              </a:ext>
-            </a:extLst>
-          </p:cNvPr>
-          <p:cNvSpPr>
-            <a:spLocks noGrp="1"/>
-          </p:cNvSpPr>
-          <p:nvPr>
-            <p:ph idx="1"/>
-          </p:nvPr>
-        </p:nvSpPr>
-        <p:spPr/>
-        <p:txBody>
-          <a:bodyPr/>
-          <a:lstStyle/>
-          <a:p>
-            <a:r>
-              <a:rPr kumimoji="1" lang="en-US" altLang="ja-JP"/>
-              <a:t>AES-GCM</a:t>
-            </a:r>
-            <a:r>
-              <a:rPr kumimoji="1" lang="ja-JP" altLang="en-US"/>
-              <a:t>の暗号化</a:t>
-            </a:r>
-            <a:endParaRPr kumimoji="1" lang="en-US" altLang="ja-JP"/>
-          </a:p>
-        </p:txBody>
-      </p:sp>
-      <p:sp>
-        <p:nvSpPr>
-          <p:cNvPr id="3" name="スライド番号プレースホルダー 2">
-            <a:extLst>
-              <a:ext uri="{FF2B5EF4-FFF2-40B4-BE49-F238E27FC236}">
-                <a16:creationId xmlns:a16="http://schemas.microsoft.com/office/drawing/2014/main" id="{43ACE9E0-81C7-4593-BD4E-126031CAAB37}"/>
-              </a:ext>
-            </a:extLst>
-          </p:cNvPr>
-          <p:cNvSpPr>
-            <a:spLocks noGrp="1"/>
-          </p:cNvSpPr>
-          <p:nvPr>
-            <p:ph type="sldNum" sz="quarter" idx="12"/>
-          </p:nvPr>
-        </p:nvSpPr>
-        <p:spPr/>
-        <p:txBody>
-          <a:bodyPr/>
-          <a:lstStyle/>
-          <a:p>
-            <a:pPr>
-              <a:defRPr/>
-            </a:pPr>
-            <a:r>
-              <a:rPr lang="en-US" altLang="ja-JP"/>
-              <a:t>    </a:t>
-            </a:r>
-            <a:fld id="{B2782DEB-472A-4FE5-AC34-C17109CF5A91}" type="slidenum">
-              <a:rPr lang="en-US" altLang="ja-JP" smtClean="0"/>
-              <a:pPr>
-                <a:defRPr/>
-              </a:pPr>
-              <a:t>39</a:t>
-            </a:fld>
-            <a:r>
-              <a:rPr lang="en-US" altLang="ja-JP"/>
-              <a:t> / 24</a:t>
-            </a:r>
-          </a:p>
-        </p:txBody>
-      </p:sp>
-      <p:sp>
-        <p:nvSpPr>
-          <p:cNvPr id="4" name="タイトル 3">
-            <a:extLst>
-              <a:ext uri="{FF2B5EF4-FFF2-40B4-BE49-F238E27FC236}">
-                <a16:creationId xmlns:a16="http://schemas.microsoft.com/office/drawing/2014/main" id="{9153AE8A-6382-4E18-8522-1D96832EE070}"/>
-              </a:ext>
-            </a:extLst>
-          </p:cNvPr>
-          <p:cNvSpPr>
-            <a:spLocks noGrp="1"/>
-          </p:cNvSpPr>
-          <p:nvPr>
-            <p:ph type="title"/>
-          </p:nvPr>
-        </p:nvSpPr>
-        <p:spPr/>
-        <p:txBody>
-          <a:bodyPr/>
-          <a:lstStyle/>
-          <a:p>
-            <a:r>
-              <a:rPr lang="en-US" altLang="ja-JP"/>
-              <a:t>AES-GCM</a:t>
-            </a:r>
-            <a:endParaRPr kumimoji="1" lang="ja-JP" altLang="en-US"/>
-          </a:p>
-        </p:txBody>
-      </p:sp>
-    </p:spTree>
-    <p:extLst>
-      <p:ext uri="{BB962C8B-B14F-4D97-AF65-F5344CB8AC3E}">
-        <p14:creationId xmlns:p14="http://schemas.microsoft.com/office/powerpoint/2010/main" val="28874277"/>
+        <p14:creationId xmlns:p14="http://schemas.microsoft.com/office/powerpoint/2010/main" val="3157572237"/>
       </p:ext>
     </p:extLst>
   </p:cSld>
@@ -12993,48 +7982,6 @@
       </p:sp>
       <p:sp>
         <p:nvSpPr>
-          <p:cNvPr id="3" name="スライド番号プレースホルダー 2">
-            <a:extLst>
-              <a:ext uri="{FF2B5EF4-FFF2-40B4-BE49-F238E27FC236}">
-                <a16:creationId xmlns:a16="http://schemas.microsoft.com/office/drawing/2014/main" id="{03E10E8C-23EF-42BD-BA26-37DA024C166E}"/>
-              </a:ext>
-            </a:extLst>
-          </p:cNvPr>
-          <p:cNvSpPr>
-            <a:spLocks noGrp="1"/>
-          </p:cNvSpPr>
-          <p:nvPr>
-            <p:ph type="sldNum" sz="quarter" idx="12"/>
-          </p:nvPr>
-        </p:nvSpPr>
-        <p:spPr/>
-        <p:txBody>
-          <a:bodyPr/>
-          <a:lstStyle/>
-          <a:p>
-            <a:pPr>
-              <a:defRPr/>
-            </a:pPr>
-            <a:r>
-              <a:rPr lang="en-US" altLang="ja-JP"/>
-              <a:t>    </a:t>
-            </a:r>
-            <a:fld id="{B2782DEB-472A-4FE5-AC34-C17109CF5A91}" type="slidenum">
-              <a:rPr lang="en-US" altLang="ja-JP" smtClean="0"/>
-              <a:pPr>
-                <a:defRPr/>
-              </a:pPr>
-              <a:t>4</a:t>
-            </a:fld>
-            <a:r>
-              <a:rPr lang="en-US" altLang="ja-JP"/>
-              <a:t> / 24</a:t>
-            </a:r>
-          </a:p>
-        </p:txBody>
-      </p:sp>
-      <p:sp>
-        <p:nvSpPr>
           <p:cNvPr id="4" name="タイトル 3">
             <a:extLst>
               <a:ext uri="{FF2B5EF4-FFF2-40B4-BE49-F238E27FC236}">
@@ -13097,106 +8044,12 @@
           </a:prstGeom>
         </p:spPr>
       </p:pic>
-    </p:spTree>
-    <p:extLst>
-      <p:ext uri="{BB962C8B-B14F-4D97-AF65-F5344CB8AC3E}">
-        <p14:creationId xmlns:p14="http://schemas.microsoft.com/office/powerpoint/2010/main" val="1457288832"/>
-      </p:ext>
-    </p:extLst>
-  </p:cSld>
-  <p:clrMapOvr>
-    <a:masterClrMapping/>
-  </p:clrMapOvr>
-</p:sld>
-</file>
-
-<file path=ppt/slides/slide40.xml><?xml version="1.0" encoding="utf-8"?>
-<p:sld xmlns:a="http://schemas.openxmlformats.org/drawingml/2006/main" xmlns:r="http://schemas.openxmlformats.org/officeDocument/2006/relationships" xmlns:p="http://schemas.openxmlformats.org/presentationml/2006/main">
-  <p:cSld>
-    <p:spTree>
-      <p:nvGrpSpPr>
-        <p:cNvPr id="1" name=""/>
-        <p:cNvGrpSpPr/>
-        <p:nvPr/>
-      </p:nvGrpSpPr>
-      <p:grpSpPr>
-        <a:xfrm>
-          <a:off x="0" y="0"/>
-          <a:ext cx="0" cy="0"/>
-          <a:chOff x="0" y="0"/>
-          <a:chExt cx="0" cy="0"/>
-        </a:xfrm>
-      </p:grpSpPr>
-      <p:pic>
-        <p:nvPicPr>
-          <p:cNvPr id="6" name="図 5">
-            <a:extLst>
-              <a:ext uri="{FF2B5EF4-FFF2-40B4-BE49-F238E27FC236}">
-                <a16:creationId xmlns:a16="http://schemas.microsoft.com/office/drawing/2014/main" id="{A90E44B5-06BD-4558-91BE-0C8A15499CF7}"/>
-              </a:ext>
-            </a:extLst>
-          </p:cNvPr>
-          <p:cNvPicPr>
-            <a:picLocks noChangeAspect="1"/>
-          </p:cNvPicPr>
-          <p:nvPr/>
-        </p:nvPicPr>
-        <p:blipFill>
-          <a:blip r:embed="rId2">
-            <a:extLst>
-              <a:ext uri="{28A0092B-C50C-407E-A947-70E740481C1C}">
-                <a14:useLocalDpi xmlns:a14="http://schemas.microsoft.com/office/drawing/2010/main" val="0"/>
-              </a:ext>
-            </a:extLst>
-          </a:blip>
-          <a:stretch>
-            <a:fillRect/>
-          </a:stretch>
-        </p:blipFill>
-        <p:spPr>
-          <a:xfrm>
-            <a:off x="683568" y="1196752"/>
-            <a:ext cx="7560840" cy="4886193"/>
-          </a:xfrm>
-          <a:prstGeom prst="rect">
-            <a:avLst/>
-          </a:prstGeom>
-        </p:spPr>
-      </p:pic>
       <p:sp>
         <p:nvSpPr>
-          <p:cNvPr id="2" name="コンテンツ プレースホルダー 1">
+          <p:cNvPr id="5" name="スライド番号プレースホルダー 4">
             <a:extLst>
               <a:ext uri="{FF2B5EF4-FFF2-40B4-BE49-F238E27FC236}">
-                <a16:creationId xmlns:a16="http://schemas.microsoft.com/office/drawing/2014/main" id="{9440E9BA-F907-4CAD-8C7F-B1B392ED2143}"/>
-              </a:ext>
-            </a:extLst>
-          </p:cNvPr>
-          <p:cNvSpPr>
-            <a:spLocks noGrp="1"/>
-          </p:cNvSpPr>
-          <p:nvPr>
-            <p:ph idx="1"/>
-          </p:nvPr>
-        </p:nvSpPr>
-        <p:spPr/>
-        <p:txBody>
-          <a:bodyPr/>
-          <a:lstStyle/>
-          <a:p>
-            <a:r>
-              <a:rPr kumimoji="1" lang="ja-JP" altLang="en-US"/>
-              <a:t>暗号化概略</a:t>
-            </a:r>
-          </a:p>
-        </p:txBody>
-      </p:sp>
-      <p:sp>
-        <p:nvSpPr>
-          <p:cNvPr id="3" name="スライド番号プレースホルダー 2">
-            <a:extLst>
-              <a:ext uri="{FF2B5EF4-FFF2-40B4-BE49-F238E27FC236}">
-                <a16:creationId xmlns:a16="http://schemas.microsoft.com/office/drawing/2014/main" id="{E328088F-43B7-4275-948A-B7A9C5EC4DF9}"/>
+                <a16:creationId xmlns:a16="http://schemas.microsoft.com/office/drawing/2014/main" id="{ADF9AB36-7657-4339-996C-CE81296135C2}"/>
               </a:ext>
             </a:extLst>
           </p:cNvPr>
@@ -13224,580 +8077,19 @@
               <a:pPr>
                 <a:defRPr/>
               </a:pPr>
-              <a:t>40</a:t>
+              <a:t>4</a:t>
             </a:fld>
             <a:r>
               <a:rPr lang="en-US" altLang="ja-JP"/>
-              <a:t> / 24</a:t>
-            </a:r>
-          </a:p>
-        </p:txBody>
-      </p:sp>
-      <p:sp>
-        <p:nvSpPr>
-          <p:cNvPr id="4" name="タイトル 3">
-            <a:extLst>
-              <a:ext uri="{FF2B5EF4-FFF2-40B4-BE49-F238E27FC236}">
-                <a16:creationId xmlns:a16="http://schemas.microsoft.com/office/drawing/2014/main" id="{AC7FA736-BAE0-444E-BDBC-228A252F5183}"/>
-              </a:ext>
-            </a:extLst>
-          </p:cNvPr>
-          <p:cNvSpPr>
-            <a:spLocks noGrp="1"/>
-          </p:cNvSpPr>
-          <p:nvPr>
-            <p:ph type="title"/>
-          </p:nvPr>
-        </p:nvSpPr>
-        <p:spPr/>
-        <p:txBody>
-          <a:bodyPr/>
-          <a:lstStyle/>
-          <a:p>
-            <a:r>
-              <a:rPr kumimoji="1" lang="en-US" altLang="ja-JP"/>
-              <a:t>ChaCha-20 Poly1305</a:t>
-            </a:r>
-            <a:endParaRPr kumimoji="1" lang="ja-JP" altLang="en-US"/>
+              <a:t> / 26</a:t>
+            </a:r>
           </a:p>
         </p:txBody>
       </p:sp>
     </p:spTree>
     <p:extLst>
       <p:ext uri="{BB962C8B-B14F-4D97-AF65-F5344CB8AC3E}">
-        <p14:creationId xmlns:p14="http://schemas.microsoft.com/office/powerpoint/2010/main" val="2347025188"/>
-      </p:ext>
-    </p:extLst>
-  </p:cSld>
-  <p:clrMapOvr>
-    <a:masterClrMapping/>
-  </p:clrMapOvr>
-</p:sld>
-</file>
-
-<file path=ppt/slides/slide41.xml><?xml version="1.0" encoding="utf-8"?>
-<p:sld xmlns:a="http://schemas.openxmlformats.org/drawingml/2006/main" xmlns:r="http://schemas.openxmlformats.org/officeDocument/2006/relationships" xmlns:p="http://schemas.openxmlformats.org/presentationml/2006/main">
-  <p:cSld>
-    <p:spTree>
-      <p:nvGrpSpPr>
-        <p:cNvPr id="1" name=""/>
-        <p:cNvGrpSpPr/>
-        <p:nvPr/>
-      </p:nvGrpSpPr>
-      <p:grpSpPr>
-        <a:xfrm>
-          <a:off x="0" y="0"/>
-          <a:ext cx="0" cy="0"/>
-          <a:chOff x="0" y="0"/>
-          <a:chExt cx="0" cy="0"/>
-        </a:xfrm>
-      </p:grpSpPr>
-      <mc:AlternateContent xmlns:mc="http://schemas.openxmlformats.org/markup-compatibility/2006">
-        <mc:Choice xmlns:a14="http://schemas.microsoft.com/office/drawing/2010/main" Requires="a14">
-          <p:sp>
-            <p:nvSpPr>
-              <p:cNvPr id="2" name="コンテンツ プレースホルダー 1">
-                <a:extLst>
-                  <a:ext uri="{FF2B5EF4-FFF2-40B4-BE49-F238E27FC236}">
-                    <a16:creationId xmlns:a16="http://schemas.microsoft.com/office/drawing/2014/main" id="{5C941F8A-9BD4-4BA2-BAAA-2D71EF46352C}"/>
-                  </a:ext>
-                </a:extLst>
-              </p:cNvPr>
-              <p:cNvSpPr>
-                <a:spLocks noGrp="1"/>
-              </p:cNvSpPr>
-              <p:nvPr>
-                <p:ph idx="1"/>
-              </p:nvPr>
-            </p:nvSpPr>
-            <p:spPr/>
-            <p:txBody>
-              <a:bodyPr/>
-              <a:lstStyle/>
-              <a:p>
-                <a14:m>
-                  <m:oMath xmlns:m="http://schemas.openxmlformats.org/officeDocument/2006/math">
-                    <m:r>
-                      <a:rPr kumimoji="1" lang="en-US" altLang="ja-JP" b="0" i="1" smtClean="0">
-                        <a:latin typeface="Cambria Math" panose="02040503050406030204" pitchFamily="18" charset="0"/>
-                      </a:rPr>
-                      <m:t>𝑝</m:t>
-                    </m:r>
-                    <m:r>
-                      <a:rPr kumimoji="1" lang="en-US" altLang="ja-JP" b="0" i="1" smtClean="0">
-                        <a:latin typeface="Cambria Math" panose="02040503050406030204" pitchFamily="18" charset="0"/>
-                      </a:rPr>
-                      <m:t>=</m:t>
-                    </m:r>
-                    <m:sSup>
-                      <m:sSupPr>
-                        <m:ctrlPr>
-                          <a:rPr kumimoji="1" lang="en-US" altLang="ja-JP" b="0" i="1" smtClean="0">
-                            <a:latin typeface="Cambria Math" panose="02040503050406030204" pitchFamily="18" charset="0"/>
-                          </a:rPr>
-                        </m:ctrlPr>
-                      </m:sSupPr>
-                      <m:e>
-                        <m:r>
-                          <a:rPr kumimoji="1" lang="en-US" altLang="ja-JP" b="0" i="1" smtClean="0">
-                            <a:latin typeface="Cambria Math" panose="02040503050406030204" pitchFamily="18" charset="0"/>
-                          </a:rPr>
-                          <m:t>2</m:t>
-                        </m:r>
-                      </m:e>
-                      <m:sup>
-                        <m:r>
-                          <a:rPr kumimoji="1" lang="en-US" altLang="ja-JP" b="0" i="1" smtClean="0">
-                            <a:latin typeface="Cambria Math" panose="02040503050406030204" pitchFamily="18" charset="0"/>
-                          </a:rPr>
-                          <m:t>130</m:t>
-                        </m:r>
-                      </m:sup>
-                    </m:sSup>
-                    <m:r>
-                      <a:rPr kumimoji="1" lang="en-US" altLang="ja-JP" b="0" i="1" smtClean="0">
-                        <a:latin typeface="Cambria Math" panose="02040503050406030204" pitchFamily="18" charset="0"/>
-                      </a:rPr>
-                      <m:t>−5</m:t>
-                    </m:r>
-                  </m:oMath>
-                </a14:m>
-                <a:endParaRPr kumimoji="1" lang="en-US" altLang="ja-JP"/>
-              </a:p>
-              <a:p>
-                <a:pPr lvl="1"/>
-                <a:r>
-                  <a:rPr lang="en-US" altLang="ja-JP"/>
-                  <a:t>256bit</a:t>
-                </a:r>
-                <a:r>
-                  <a:rPr lang="ja-JP" altLang="en-US"/>
-                  <a:t>の秘密鍵</a:t>
-                </a:r>
-                <a14:m>
-                  <m:oMath xmlns:m="http://schemas.openxmlformats.org/officeDocument/2006/math">
-                    <m:r>
-                      <a:rPr lang="en-US" altLang="ja-JP" b="0" i="1" smtClean="0">
-                        <a:latin typeface="Cambria Math" panose="02040503050406030204" pitchFamily="18" charset="0"/>
-                      </a:rPr>
-                      <m:t>𝑆</m:t>
-                    </m:r>
-                  </m:oMath>
-                </a14:m>
-                <a:r>
-                  <a:rPr kumimoji="1" lang="ja-JP" altLang="en-US"/>
-                  <a:t>から</a:t>
-                </a:r>
-                <a:r>
-                  <a:rPr kumimoji="1" lang="en-US" altLang="ja-JP"/>
-                  <a:t>124bit</a:t>
-                </a:r>
-                <a:r>
-                  <a:rPr kumimoji="1" lang="ja-JP" altLang="en-US"/>
-                  <a:t>の整数</a:t>
-                </a:r>
-                <a14:m>
-                  <m:oMath xmlns:m="http://schemas.openxmlformats.org/officeDocument/2006/math">
-                    <m:r>
-                      <a:rPr kumimoji="1" lang="en-US" altLang="ja-JP" b="0" i="1" smtClean="0">
-                        <a:latin typeface="Cambria Math" panose="02040503050406030204" pitchFamily="18" charset="0"/>
-                      </a:rPr>
-                      <m:t>𝑟</m:t>
-                    </m:r>
-                  </m:oMath>
-                </a14:m>
-                <a:r>
-                  <a:rPr kumimoji="1" lang="ja-JP" altLang="en-US"/>
-                  <a:t>と</a:t>
-                </a:r>
-                <a:r>
-                  <a:rPr kumimoji="1" lang="en-US" altLang="ja-JP"/>
-                  <a:t>128bit</a:t>
-                </a:r>
-                <a:r>
-                  <a:rPr kumimoji="1" lang="ja-JP" altLang="en-US"/>
-                  <a:t>の整数</a:t>
-                </a:r>
-                <a:r>
-                  <a:rPr kumimoji="1" lang="en-US" altLang="ja-JP"/>
-                  <a:t>b</a:t>
-                </a:r>
-                <a:r>
-                  <a:rPr kumimoji="1" lang="ja-JP" altLang="en-US"/>
-                  <a:t>を生成</a:t>
-                </a:r>
-                <a:endParaRPr kumimoji="1" lang="en-US" altLang="ja-JP"/>
-              </a:p>
-              <a:p>
-                <a:pPr lvl="1"/>
-                <a14:m>
-                  <m:oMath xmlns:m="http://schemas.openxmlformats.org/officeDocument/2006/math">
-                    <m:r>
-                      <a:rPr kumimoji="1" lang="en-US" altLang="ja-JP" b="0" i="1" smtClean="0">
-                        <a:latin typeface="Cambria Math" panose="02040503050406030204" pitchFamily="18" charset="0"/>
-                      </a:rPr>
-                      <m:t>𝑎</m:t>
-                    </m:r>
-                    <m:r>
-                      <a:rPr kumimoji="1" lang="en-US" altLang="ja-JP" b="0" i="0" smtClean="0">
-                        <a:latin typeface="Cambria Math" panose="02040503050406030204" pitchFamily="18" charset="0"/>
-                      </a:rPr>
-                      <m:t>=0</m:t>
-                    </m:r>
-                  </m:oMath>
-                </a14:m>
-                <a:endParaRPr kumimoji="1" lang="en-US" altLang="ja-JP" b="0"/>
-              </a:p>
-              <a:p>
-                <a:pPr lvl="1"/>
-                <a:r>
-                  <a:rPr kumimoji="1" lang="ja-JP" altLang="en-US"/>
-                  <a:t>平文</a:t>
-                </a:r>
-                <a14:m>
-                  <m:oMath xmlns:m="http://schemas.openxmlformats.org/officeDocument/2006/math">
-                    <m:r>
-                      <a:rPr kumimoji="1" lang="en-US" altLang="ja-JP" b="0" i="1" smtClean="0">
-                        <a:latin typeface="Cambria Math" panose="02040503050406030204" pitchFamily="18" charset="0"/>
-                      </a:rPr>
-                      <m:t>𝑀</m:t>
-                    </m:r>
-                  </m:oMath>
-                </a14:m>
-                <a:r>
-                  <a:rPr kumimoji="1" lang="ja-JP" altLang="en-US"/>
-                  <a:t>を</a:t>
-                </a:r>
-                <a:r>
-                  <a:rPr kumimoji="1" lang="en-US" altLang="ja-JP"/>
-                  <a:t>128bit</a:t>
-                </a:r>
-                <a:r>
-                  <a:rPr kumimoji="1" lang="ja-JP" altLang="en-US"/>
-                  <a:t>ずつのブロック</a:t>
-                </a:r>
-                <a14:m>
-                  <m:oMath xmlns:m="http://schemas.openxmlformats.org/officeDocument/2006/math">
-                    <m:sSub>
-                      <m:sSubPr>
-                        <m:ctrlPr>
-                          <a:rPr kumimoji="1" lang="en-US" altLang="ja-JP" b="0" i="1" smtClean="0">
-                            <a:latin typeface="Cambria Math" panose="02040503050406030204" pitchFamily="18" charset="0"/>
-                          </a:rPr>
-                        </m:ctrlPr>
-                      </m:sSubPr>
-                      <m:e>
-                        <m:r>
-                          <a:rPr kumimoji="1" lang="en-US" altLang="ja-JP" b="0" i="1" smtClean="0">
-                            <a:latin typeface="Cambria Math" panose="02040503050406030204" pitchFamily="18" charset="0"/>
-                          </a:rPr>
-                          <m:t>𝑀</m:t>
-                        </m:r>
-                      </m:e>
-                      <m:sub>
-                        <m:r>
-                          <a:rPr kumimoji="1" lang="en-US" altLang="ja-JP" b="0" i="1" smtClean="0">
-                            <a:latin typeface="Cambria Math" panose="02040503050406030204" pitchFamily="18" charset="0"/>
-                          </a:rPr>
-                          <m:t>𝑖</m:t>
-                        </m:r>
-                      </m:sub>
-                    </m:sSub>
-                  </m:oMath>
-                </a14:m>
-                <a:r>
-                  <a:rPr kumimoji="1" lang="ja-JP" altLang="en-US"/>
-                  <a:t>に分割</a:t>
-                </a:r>
-                <a:endParaRPr kumimoji="1" lang="en-US" altLang="ja-JP"/>
-              </a:p>
-              <a:p>
-                <a:pPr lvl="1"/>
-                <a14:m>
-                  <m:oMath xmlns:m="http://schemas.openxmlformats.org/officeDocument/2006/math">
-                    <m:r>
-                      <a:rPr kumimoji="1" lang="en-US" altLang="ja-JP" b="0" i="1" smtClean="0">
-                        <a:latin typeface="Cambria Math" panose="02040503050406030204" pitchFamily="18" charset="0"/>
-                      </a:rPr>
-                      <m:t>𝑎</m:t>
-                    </m:r>
-                    <m:r>
-                      <a:rPr kumimoji="1" lang="en-US" altLang="ja-JP" b="0" i="1" smtClean="0">
-                        <a:latin typeface="Cambria Math" panose="02040503050406030204" pitchFamily="18" charset="0"/>
-                      </a:rPr>
-                      <m:t>=0</m:t>
-                    </m:r>
-                  </m:oMath>
-                </a14:m>
-                <a:r>
-                  <a:rPr kumimoji="1" lang="ja-JP" altLang="en-US" b="0"/>
-                  <a:t>が初期値</a:t>
-                </a:r>
-                <a:r>
-                  <a:rPr kumimoji="1" lang="en-US" altLang="ja-JP" b="0"/>
-                  <a:t>, </a:t>
-                </a:r>
-                <a14:m>
-                  <m:oMath xmlns:m="http://schemas.openxmlformats.org/officeDocument/2006/math">
-                    <m:r>
-                      <a:rPr kumimoji="1" lang="en-US" altLang="ja-JP" b="0" i="1" smtClean="0">
-                        <a:latin typeface="Cambria Math" panose="02040503050406030204" pitchFamily="18" charset="0"/>
-                      </a:rPr>
-                      <m:t>𝑎</m:t>
-                    </m:r>
-                    <m:r>
-                      <a:rPr kumimoji="1" lang="en-US" altLang="ja-JP" b="0" i="1" smtClean="0">
-                        <a:latin typeface="Cambria Math" panose="02040503050406030204" pitchFamily="18" charset="0"/>
-                      </a:rPr>
-                      <m:t>=</m:t>
-                    </m:r>
-                    <m:d>
-                      <m:dPr>
-                        <m:ctrlPr>
-                          <a:rPr kumimoji="1" lang="en-US" altLang="ja-JP" b="0" i="1" smtClean="0">
-                            <a:latin typeface="Cambria Math" panose="02040503050406030204" pitchFamily="18" charset="0"/>
-                          </a:rPr>
-                        </m:ctrlPr>
-                      </m:dPr>
-                      <m:e>
-                        <m:d>
-                          <m:dPr>
-                            <m:ctrlPr>
-                              <a:rPr kumimoji="1" lang="en-US" altLang="ja-JP" b="0" i="1" smtClean="0">
-                                <a:latin typeface="Cambria Math" panose="02040503050406030204" pitchFamily="18" charset="0"/>
-                              </a:rPr>
-                            </m:ctrlPr>
-                          </m:dPr>
-                          <m:e>
-                            <m:r>
-                              <a:rPr kumimoji="1" lang="en-US" altLang="ja-JP" b="0" i="1" smtClean="0">
-                                <a:latin typeface="Cambria Math" panose="02040503050406030204" pitchFamily="18" charset="0"/>
-                              </a:rPr>
-                              <m:t>𝑎</m:t>
-                            </m:r>
-                            <m:r>
-                              <a:rPr kumimoji="1" lang="en-US" altLang="ja-JP" b="0" i="1" smtClean="0">
-                                <a:latin typeface="Cambria Math" panose="02040503050406030204" pitchFamily="18" charset="0"/>
-                              </a:rPr>
-                              <m:t>+</m:t>
-                            </m:r>
-                            <m:sSub>
-                              <m:sSubPr>
-                                <m:ctrlPr>
-                                  <a:rPr kumimoji="1" lang="en-US" altLang="ja-JP" b="0" i="1" smtClean="0">
-                                    <a:latin typeface="Cambria Math" panose="02040503050406030204" pitchFamily="18" charset="0"/>
-                                  </a:rPr>
-                                </m:ctrlPr>
-                              </m:sSubPr>
-                              <m:e>
-                                <m:r>
-                                  <a:rPr kumimoji="1" lang="en-US" altLang="ja-JP" b="0" i="1" smtClean="0">
-                                    <a:latin typeface="Cambria Math" panose="02040503050406030204" pitchFamily="18" charset="0"/>
-                                  </a:rPr>
-                                  <m:t>𝑀</m:t>
-                                </m:r>
-                              </m:e>
-                              <m:sub>
-                                <m:r>
-                                  <a:rPr kumimoji="1" lang="en-US" altLang="ja-JP" b="0" i="1" smtClean="0">
-                                    <a:latin typeface="Cambria Math" panose="02040503050406030204" pitchFamily="18" charset="0"/>
-                                  </a:rPr>
-                                  <m:t>𝑖</m:t>
-                                </m:r>
-                              </m:sub>
-                            </m:sSub>
-                          </m:e>
-                        </m:d>
-                        <m:r>
-                          <a:rPr kumimoji="1" lang="en-US" altLang="ja-JP" b="0" i="1" smtClean="0">
-                            <a:latin typeface="Cambria Math" panose="02040503050406030204" pitchFamily="18" charset="0"/>
-                          </a:rPr>
-                          <m:t>𝑟</m:t>
-                        </m:r>
-                      </m:e>
-                    </m:d>
-                    <m:r>
-                      <m:rPr>
-                        <m:sty m:val="p"/>
-                      </m:rPr>
-                      <a:rPr kumimoji="1" lang="en-US" altLang="ja-JP" b="0" i="1" smtClean="0">
-                        <a:latin typeface="Cambria Math" panose="02040503050406030204" pitchFamily="18" charset="0"/>
-                      </a:rPr>
-                      <m:t>mod</m:t>
-                    </m:r>
-                    <m:r>
-                      <a:rPr kumimoji="1" lang="en-US" altLang="ja-JP" b="0" i="1" smtClean="0">
-                        <a:latin typeface="Cambria Math" panose="02040503050406030204" pitchFamily="18" charset="0"/>
-                      </a:rPr>
-                      <m:t> </m:t>
-                    </m:r>
-                    <m:r>
-                      <a:rPr kumimoji="1" lang="en-US" altLang="ja-JP" b="0" i="1" smtClean="0">
-                        <a:latin typeface="Cambria Math" panose="02040503050406030204" pitchFamily="18" charset="0"/>
-                      </a:rPr>
-                      <m:t>𝑝</m:t>
-                    </m:r>
-                  </m:oMath>
-                </a14:m>
-                <a:r>
-                  <a:rPr kumimoji="1" lang="ja-JP" altLang="en-US"/>
-                  <a:t>で更新</a:t>
-                </a:r>
-              </a:p>
-            </p:txBody>
-          </p:sp>
-        </mc:Choice>
-        <mc:Fallback>
-          <p:sp>
-            <p:nvSpPr>
-              <p:cNvPr id="2" name="コンテンツ プレースホルダー 1">
-                <a:extLst>
-                  <a:ext uri="{FF2B5EF4-FFF2-40B4-BE49-F238E27FC236}">
-                    <a16:creationId xmlns:a16="http://schemas.microsoft.com/office/drawing/2014/main" id="{5C941F8A-9BD4-4BA2-BAAA-2D71EF46352C}"/>
-                  </a:ext>
-                </a:extLst>
-              </p:cNvPr>
-              <p:cNvSpPr>
-                <a:spLocks noGrp="1" noRot="1" noChangeAspect="1" noMove="1" noResize="1" noEditPoints="1" noAdjustHandles="1" noChangeArrowheads="1" noChangeShapeType="1" noTextEdit="1"/>
-              </p:cNvSpPr>
-              <p:nvPr>
-                <p:ph idx="1"/>
-              </p:nvPr>
-            </p:nvSpPr>
-            <p:spPr>
-              <a:blipFill>
-                <a:blip r:embed="rId2"/>
-                <a:stretch>
-                  <a:fillRect/>
-                </a:stretch>
-              </a:blipFill>
-            </p:spPr>
-            <p:txBody>
-              <a:bodyPr/>
-              <a:lstStyle/>
-              <a:p>
-                <a:r>
-                  <a:rPr lang="ja-JP" altLang="en-US">
-                    <a:noFill/>
-                  </a:rPr>
-                  <a:t> </a:t>
-                </a:r>
-              </a:p>
-            </p:txBody>
-          </p:sp>
-        </mc:Fallback>
-      </mc:AlternateContent>
-      <p:sp>
-        <p:nvSpPr>
-          <p:cNvPr id="3" name="スライド番号プレースホルダー 2">
-            <a:extLst>
-              <a:ext uri="{FF2B5EF4-FFF2-40B4-BE49-F238E27FC236}">
-                <a16:creationId xmlns:a16="http://schemas.microsoft.com/office/drawing/2014/main" id="{BC29462F-1737-4303-8193-80B95A402CC8}"/>
-              </a:ext>
-            </a:extLst>
-          </p:cNvPr>
-          <p:cNvSpPr>
-            <a:spLocks noGrp="1"/>
-          </p:cNvSpPr>
-          <p:nvPr>
-            <p:ph type="sldNum" sz="quarter" idx="12"/>
-          </p:nvPr>
-        </p:nvSpPr>
-        <p:spPr/>
-        <p:txBody>
-          <a:bodyPr/>
-          <a:lstStyle/>
-          <a:p>
-            <a:pPr>
-              <a:defRPr/>
-            </a:pPr>
-            <a:r>
-              <a:rPr lang="en-US" altLang="ja-JP"/>
-              <a:t>    </a:t>
-            </a:r>
-            <a:fld id="{B2782DEB-472A-4FE5-AC34-C17109CF5A91}" type="slidenum">
-              <a:rPr lang="en-US" altLang="ja-JP" smtClean="0"/>
-              <a:pPr>
-                <a:defRPr/>
-              </a:pPr>
-              <a:t>41</a:t>
-            </a:fld>
-            <a:r>
-              <a:rPr lang="en-US" altLang="ja-JP"/>
-              <a:t> / 24</a:t>
-            </a:r>
-          </a:p>
-        </p:txBody>
-      </p:sp>
-      <p:sp>
-        <p:nvSpPr>
-          <p:cNvPr id="4" name="タイトル 3">
-            <a:extLst>
-              <a:ext uri="{FF2B5EF4-FFF2-40B4-BE49-F238E27FC236}">
-                <a16:creationId xmlns:a16="http://schemas.microsoft.com/office/drawing/2014/main" id="{546AC02D-672A-4A07-8151-23EFBBF0BF3D}"/>
-              </a:ext>
-            </a:extLst>
-          </p:cNvPr>
-          <p:cNvSpPr>
-            <a:spLocks noGrp="1"/>
-          </p:cNvSpPr>
-          <p:nvPr>
-            <p:ph type="title"/>
-          </p:nvPr>
-        </p:nvSpPr>
-        <p:spPr/>
-        <p:txBody>
-          <a:bodyPr/>
-          <a:lstStyle/>
-          <a:p>
-            <a:r>
-              <a:rPr kumimoji="1" lang="en-US" altLang="ja-JP"/>
-              <a:t>Poly1305</a:t>
-            </a:r>
-            <a:endParaRPr kumimoji="1" lang="ja-JP" altLang="en-US"/>
-          </a:p>
-        </p:txBody>
-      </p:sp>
-      <p:pic>
-        <p:nvPicPr>
-          <p:cNvPr id="6" name="図 5">
-            <a:extLst>
-              <a:ext uri="{FF2B5EF4-FFF2-40B4-BE49-F238E27FC236}">
-                <a16:creationId xmlns:a16="http://schemas.microsoft.com/office/drawing/2014/main" id="{C333CC4F-9DC8-4C96-95A3-C195A34A6D76}"/>
-              </a:ext>
-            </a:extLst>
-          </p:cNvPr>
-          <p:cNvPicPr>
-            <a:picLocks noChangeAspect="1"/>
-          </p:cNvPicPr>
-          <p:nvPr/>
-        </p:nvPicPr>
-        <p:blipFill>
-          <a:blip r:embed="rId3">
-            <a:extLst>
-              <a:ext uri="{28A0092B-C50C-407E-A947-70E740481C1C}">
-                <a14:useLocalDpi xmlns:a14="http://schemas.microsoft.com/office/drawing/2010/main" val="0"/>
-              </a:ext>
-            </a:extLst>
-          </a:blip>
-          <a:stretch>
-            <a:fillRect/>
-          </a:stretch>
-        </p:blipFill>
-        <p:spPr>
-          <a:xfrm>
-            <a:off x="1045758" y="3088582"/>
-            <a:ext cx="6982626" cy="3508770"/>
-          </a:xfrm>
-          <a:prstGeom prst="rect">
-            <a:avLst/>
-          </a:prstGeom>
-        </p:spPr>
-      </p:pic>
-    </p:spTree>
-    <p:extLst>
-      <p:ext uri="{BB962C8B-B14F-4D97-AF65-F5344CB8AC3E}">
-        <p14:creationId xmlns:p14="http://schemas.microsoft.com/office/powerpoint/2010/main" val="4254682439"/>
+        <p14:creationId xmlns:p14="http://schemas.microsoft.com/office/powerpoint/2010/main" val="1457288832"/>
       </p:ext>
     </p:extLst>
   </p:cSld>
@@ -14173,48 +8465,6 @@
       </mc:AlternateContent>
       <p:sp>
         <p:nvSpPr>
-          <p:cNvPr id="3" name="スライド番号プレースホルダー 2">
-            <a:extLst>
-              <a:ext uri="{FF2B5EF4-FFF2-40B4-BE49-F238E27FC236}">
-                <a16:creationId xmlns:a16="http://schemas.microsoft.com/office/drawing/2014/main" id="{FD40084B-001B-4FC1-B1EF-93772D4E5626}"/>
-              </a:ext>
-            </a:extLst>
-          </p:cNvPr>
-          <p:cNvSpPr>
-            <a:spLocks noGrp="1"/>
-          </p:cNvSpPr>
-          <p:nvPr>
-            <p:ph type="sldNum" sz="quarter" idx="12"/>
-          </p:nvPr>
-        </p:nvSpPr>
-        <p:spPr/>
-        <p:txBody>
-          <a:bodyPr/>
-          <a:lstStyle/>
-          <a:p>
-            <a:pPr>
-              <a:defRPr/>
-            </a:pPr>
-            <a:r>
-              <a:rPr lang="en-US" altLang="ja-JP"/>
-              <a:t>    </a:t>
-            </a:r>
-            <a:fld id="{B2782DEB-472A-4FE5-AC34-C17109CF5A91}" type="slidenum">
-              <a:rPr lang="en-US" altLang="ja-JP" smtClean="0"/>
-              <a:pPr>
-                <a:defRPr/>
-              </a:pPr>
-              <a:t>5</a:t>
-            </a:fld>
-            <a:r>
-              <a:rPr lang="en-US" altLang="ja-JP"/>
-              <a:t> / 24</a:t>
-            </a:r>
-          </a:p>
-        </p:txBody>
-      </p:sp>
-      <p:sp>
-        <p:nvSpPr>
           <p:cNvPr id="4" name="タイトル 3">
             <a:extLst>
               <a:ext uri="{FF2B5EF4-FFF2-40B4-BE49-F238E27FC236}">
@@ -14281,6 +8531,48 @@
           </a:prstGeom>
         </p:spPr>
       </p:pic>
+      <p:sp>
+        <p:nvSpPr>
+          <p:cNvPr id="5" name="スライド番号プレースホルダー 4">
+            <a:extLst>
+              <a:ext uri="{FF2B5EF4-FFF2-40B4-BE49-F238E27FC236}">
+                <a16:creationId xmlns:a16="http://schemas.microsoft.com/office/drawing/2014/main" id="{560508D4-342D-4EC1-91D1-62579EB0498D}"/>
+              </a:ext>
+            </a:extLst>
+          </p:cNvPr>
+          <p:cNvSpPr>
+            <a:spLocks noGrp="1"/>
+          </p:cNvSpPr>
+          <p:nvPr>
+            <p:ph type="sldNum" sz="quarter" idx="12"/>
+          </p:nvPr>
+        </p:nvSpPr>
+        <p:spPr/>
+        <p:txBody>
+          <a:bodyPr/>
+          <a:lstStyle/>
+          <a:p>
+            <a:pPr>
+              <a:defRPr/>
+            </a:pPr>
+            <a:r>
+              <a:rPr lang="en-US" altLang="ja-JP"/>
+              <a:t>    </a:t>
+            </a:r>
+            <a:fld id="{B2782DEB-472A-4FE5-AC34-C17109CF5A91}" type="slidenum">
+              <a:rPr lang="en-US" altLang="ja-JP" smtClean="0"/>
+              <a:pPr>
+                <a:defRPr/>
+              </a:pPr>
+              <a:t>5</a:t>
+            </a:fld>
+            <a:r>
+              <a:rPr lang="en-US" altLang="ja-JP"/>
+              <a:t> / 26</a:t>
+            </a:r>
+          </a:p>
+        </p:txBody>
+      </p:sp>
     </p:spTree>
     <p:extLst>
       <p:ext uri="{BB962C8B-B14F-4D97-AF65-F5344CB8AC3E}">
@@ -14382,48 +8674,6 @@
       </p:sp>
       <p:sp>
         <p:nvSpPr>
-          <p:cNvPr id="3" name="スライド番号プレースホルダー 2">
-            <a:extLst>
-              <a:ext uri="{FF2B5EF4-FFF2-40B4-BE49-F238E27FC236}">
-                <a16:creationId xmlns:a16="http://schemas.microsoft.com/office/drawing/2014/main" id="{6BAFBD90-F2D4-4C15-AF2A-A4FE5A5A79A5}"/>
-              </a:ext>
-            </a:extLst>
-          </p:cNvPr>
-          <p:cNvSpPr>
-            <a:spLocks noGrp="1"/>
-          </p:cNvSpPr>
-          <p:nvPr>
-            <p:ph type="sldNum" sz="quarter" idx="12"/>
-          </p:nvPr>
-        </p:nvSpPr>
-        <p:spPr/>
-        <p:txBody>
-          <a:bodyPr/>
-          <a:lstStyle/>
-          <a:p>
-            <a:pPr>
-              <a:defRPr/>
-            </a:pPr>
-            <a:r>
-              <a:rPr lang="en-US" altLang="ja-JP"/>
-              <a:t>    </a:t>
-            </a:r>
-            <a:fld id="{B2782DEB-472A-4FE5-AC34-C17109CF5A91}" type="slidenum">
-              <a:rPr lang="en-US" altLang="ja-JP" smtClean="0"/>
-              <a:pPr>
-                <a:defRPr/>
-              </a:pPr>
-              <a:t>6</a:t>
-            </a:fld>
-            <a:r>
-              <a:rPr lang="en-US" altLang="ja-JP"/>
-              <a:t> / 24</a:t>
-            </a:r>
-          </a:p>
-        </p:txBody>
-      </p:sp>
-      <p:sp>
-        <p:nvSpPr>
           <p:cNvPr id="4" name="タイトル 3">
             <a:extLst>
               <a:ext uri="{FF2B5EF4-FFF2-40B4-BE49-F238E27FC236}">
@@ -14486,6 +8736,48 @@
           </a:prstGeom>
         </p:spPr>
       </p:pic>
+      <p:sp>
+        <p:nvSpPr>
+          <p:cNvPr id="5" name="スライド番号プレースホルダー 4">
+            <a:extLst>
+              <a:ext uri="{FF2B5EF4-FFF2-40B4-BE49-F238E27FC236}">
+                <a16:creationId xmlns:a16="http://schemas.microsoft.com/office/drawing/2014/main" id="{99D79E64-B354-49AB-BF5E-704B690C2201}"/>
+              </a:ext>
+            </a:extLst>
+          </p:cNvPr>
+          <p:cNvSpPr>
+            <a:spLocks noGrp="1"/>
+          </p:cNvSpPr>
+          <p:nvPr>
+            <p:ph type="sldNum" sz="quarter" idx="12"/>
+          </p:nvPr>
+        </p:nvSpPr>
+        <p:spPr/>
+        <p:txBody>
+          <a:bodyPr/>
+          <a:lstStyle/>
+          <a:p>
+            <a:pPr>
+              <a:defRPr/>
+            </a:pPr>
+            <a:r>
+              <a:rPr lang="en-US" altLang="ja-JP"/>
+              <a:t>    </a:t>
+            </a:r>
+            <a:fld id="{B2782DEB-472A-4FE5-AC34-C17109CF5A91}" type="slidenum">
+              <a:rPr lang="en-US" altLang="ja-JP" smtClean="0"/>
+              <a:pPr>
+                <a:defRPr/>
+              </a:pPr>
+              <a:t>6</a:t>
+            </a:fld>
+            <a:r>
+              <a:rPr lang="en-US" altLang="ja-JP"/>
+              <a:t> / 26</a:t>
+            </a:r>
+          </a:p>
+        </p:txBody>
+      </p:sp>
     </p:spTree>
     <p:extLst>
       <p:ext uri="{BB962C8B-B14F-4D97-AF65-F5344CB8AC3E}">
@@ -14772,10 +9064,38 @@
       </p:sp>
       <p:sp>
         <p:nvSpPr>
-          <p:cNvPr id="3" name="スライド番号プレースホルダー 2">
+          <p:cNvPr id="4" name="タイトル 3">
             <a:extLst>
               <a:ext uri="{FF2B5EF4-FFF2-40B4-BE49-F238E27FC236}">
-                <a16:creationId xmlns:a16="http://schemas.microsoft.com/office/drawing/2014/main" id="{69E9A50F-2589-40E8-BC3E-7C413C01C48A}"/>
+                <a16:creationId xmlns:a16="http://schemas.microsoft.com/office/drawing/2014/main" id="{5A37E3E7-0F3D-4134-AB15-1FADFA7E3971}"/>
+              </a:ext>
+            </a:extLst>
+          </p:cNvPr>
+          <p:cNvSpPr>
+            <a:spLocks noGrp="1"/>
+          </p:cNvSpPr>
+          <p:nvPr>
+            <p:ph type="title"/>
+          </p:nvPr>
+        </p:nvSpPr>
+        <p:spPr/>
+        <p:txBody>
+          <a:bodyPr/>
+          <a:lstStyle/>
+          <a:p>
+            <a:r>
+              <a:rPr kumimoji="1" lang="ja-JP" altLang="en-US"/>
+              <a:t>日本のタイムスタンプ</a:t>
+            </a:r>
+          </a:p>
+        </p:txBody>
+      </p:sp>
+      <p:sp>
+        <p:nvSpPr>
+          <p:cNvPr id="5" name="スライド番号プレースホルダー 4">
+            <a:extLst>
+              <a:ext uri="{FF2B5EF4-FFF2-40B4-BE49-F238E27FC236}">
+                <a16:creationId xmlns:a16="http://schemas.microsoft.com/office/drawing/2014/main" id="{EBE4153F-EF37-4A67-874B-62C967A98757}"/>
               </a:ext>
             </a:extLst>
           </p:cNvPr>
@@ -14807,35 +9127,7 @@
             </a:fld>
             <a:r>
               <a:rPr lang="en-US" altLang="ja-JP"/>
-              <a:t> / 24</a:t>
-            </a:r>
-          </a:p>
-        </p:txBody>
-      </p:sp>
-      <p:sp>
-        <p:nvSpPr>
-          <p:cNvPr id="4" name="タイトル 3">
-            <a:extLst>
-              <a:ext uri="{FF2B5EF4-FFF2-40B4-BE49-F238E27FC236}">
-                <a16:creationId xmlns:a16="http://schemas.microsoft.com/office/drawing/2014/main" id="{5A37E3E7-0F3D-4134-AB15-1FADFA7E3971}"/>
-              </a:ext>
-            </a:extLst>
-          </p:cNvPr>
-          <p:cNvSpPr>
-            <a:spLocks noGrp="1"/>
-          </p:cNvSpPr>
-          <p:nvPr>
-            <p:ph type="title"/>
-          </p:nvPr>
-        </p:nvSpPr>
-        <p:spPr/>
-        <p:txBody>
-          <a:bodyPr/>
-          <a:lstStyle/>
-          <a:p>
-            <a:r>
-              <a:rPr kumimoji="1" lang="ja-JP" altLang="en-US"/>
-              <a:t>日本のタイムスタンプ</a:t>
+              <a:t> / 26</a:t>
             </a:r>
           </a:p>
         </p:txBody>
@@ -14921,7 +9213,7 @@
             </a:r>
             <a:r>
               <a:rPr kumimoji="1" lang="ja-JP" altLang="en-US"/>
-              <a:t>データの改善耐性</a:t>
+              <a:t>データの改竄耐性</a:t>
             </a:r>
             <a:endParaRPr kumimoji="1" lang="en-US" altLang="ja-JP"/>
           </a:p>
@@ -14961,7 +9253,7 @@
             <a:pPr lvl="1"/>
             <a:r>
               <a:rPr kumimoji="1" lang="ja-JP" altLang="en-US"/>
-              <a:t>不特定多数の主体が所収するコンピュータが互いに通信</a:t>
+              <a:t>不特定多数の主体が所有するコンピュータが互いに通信</a:t>
             </a:r>
             <a:endParaRPr kumimoji="1" lang="en-US" altLang="ja-JP"/>
           </a:p>
@@ -15014,48 +9306,6 @@
             <a:r>
               <a:rPr kumimoji="1" lang="ja-JP" altLang="en-US"/>
               <a:t>シャーディングなどの技術</a:t>
-            </a:r>
-          </a:p>
-        </p:txBody>
-      </p:sp>
-      <p:sp>
-        <p:nvSpPr>
-          <p:cNvPr id="3" name="スライド番号プレースホルダー 2">
-            <a:extLst>
-              <a:ext uri="{FF2B5EF4-FFF2-40B4-BE49-F238E27FC236}">
-                <a16:creationId xmlns:a16="http://schemas.microsoft.com/office/drawing/2014/main" id="{E217DD5B-E415-44C9-BC8D-200B09C72B4B}"/>
-              </a:ext>
-            </a:extLst>
-          </p:cNvPr>
-          <p:cNvSpPr>
-            <a:spLocks noGrp="1"/>
-          </p:cNvSpPr>
-          <p:nvPr>
-            <p:ph type="sldNum" sz="quarter" idx="12"/>
-          </p:nvPr>
-        </p:nvSpPr>
-        <p:spPr/>
-        <p:txBody>
-          <a:bodyPr/>
-          <a:lstStyle/>
-          <a:p>
-            <a:pPr>
-              <a:defRPr/>
-            </a:pPr>
-            <a:r>
-              <a:rPr lang="en-US" altLang="ja-JP"/>
-              <a:t>    </a:t>
-            </a:r>
-            <a:fld id="{B2782DEB-472A-4FE5-AC34-C17109CF5A91}" type="slidenum">
-              <a:rPr lang="en-US" altLang="ja-JP" smtClean="0"/>
-              <a:pPr>
-                <a:defRPr/>
-              </a:pPr>
-              <a:t>8</a:t>
-            </a:fld>
-            <a:r>
-              <a:rPr lang="en-US" altLang="ja-JP"/>
-              <a:t> / 24</a:t>
             </a:r>
           </a:p>
         </p:txBody>
@@ -15124,6 +9374,48 @@
           </a:prstGeom>
         </p:spPr>
       </p:pic>
+      <p:sp>
+        <p:nvSpPr>
+          <p:cNvPr id="5" name="スライド番号プレースホルダー 4">
+            <a:extLst>
+              <a:ext uri="{FF2B5EF4-FFF2-40B4-BE49-F238E27FC236}">
+                <a16:creationId xmlns:a16="http://schemas.microsoft.com/office/drawing/2014/main" id="{8BE6C4C0-4BB1-4613-952F-86D6E0D98FCE}"/>
+              </a:ext>
+            </a:extLst>
+          </p:cNvPr>
+          <p:cNvSpPr>
+            <a:spLocks noGrp="1"/>
+          </p:cNvSpPr>
+          <p:nvPr>
+            <p:ph type="sldNum" sz="quarter" idx="12"/>
+          </p:nvPr>
+        </p:nvSpPr>
+        <p:spPr/>
+        <p:txBody>
+          <a:bodyPr/>
+          <a:lstStyle/>
+          <a:p>
+            <a:pPr>
+              <a:defRPr/>
+            </a:pPr>
+            <a:r>
+              <a:rPr lang="en-US" altLang="ja-JP"/>
+              <a:t>    </a:t>
+            </a:r>
+            <a:fld id="{B2782DEB-472A-4FE5-AC34-C17109CF5A91}" type="slidenum">
+              <a:rPr lang="en-US" altLang="ja-JP" smtClean="0"/>
+              <a:pPr>
+                <a:defRPr/>
+              </a:pPr>
+              <a:t>8</a:t>
+            </a:fld>
+            <a:r>
+              <a:rPr lang="en-US" altLang="ja-JP"/>
+              <a:t> / 26</a:t>
+            </a:r>
+          </a:p>
+        </p:txBody>
+      </p:sp>
     </p:spTree>
     <p:extLst>
       <p:ext uri="{BB962C8B-B14F-4D97-AF65-F5344CB8AC3E}">
@@ -15323,10 +9615,38 @@
       </p:sp>
       <p:sp>
         <p:nvSpPr>
-          <p:cNvPr id="3" name="スライド番号プレースホルダー 2">
+          <p:cNvPr id="4" name="タイトル 3">
             <a:extLst>
               <a:ext uri="{FF2B5EF4-FFF2-40B4-BE49-F238E27FC236}">
-                <a16:creationId xmlns:a16="http://schemas.microsoft.com/office/drawing/2014/main" id="{743744E5-67DD-418C-A7F2-4824B50E31A0}"/>
+                <a16:creationId xmlns:a16="http://schemas.microsoft.com/office/drawing/2014/main" id="{37D8F190-11BC-411C-8286-E00E85333638}"/>
+              </a:ext>
+            </a:extLst>
+          </p:cNvPr>
+          <p:cNvSpPr>
+            <a:spLocks noGrp="1"/>
+          </p:cNvSpPr>
+          <p:nvPr>
+            <p:ph type="title"/>
+          </p:nvPr>
+        </p:nvSpPr>
+        <p:spPr/>
+        <p:txBody>
+          <a:bodyPr/>
+          <a:lstStyle/>
+          <a:p>
+            <a:r>
+              <a:rPr kumimoji="1" lang="ja-JP" altLang="en-US"/>
+              <a:t>ビットコイン</a:t>
+            </a:r>
+          </a:p>
+        </p:txBody>
+      </p:sp>
+      <p:sp>
+        <p:nvSpPr>
+          <p:cNvPr id="5" name="スライド番号プレースホルダー 4">
+            <a:extLst>
+              <a:ext uri="{FF2B5EF4-FFF2-40B4-BE49-F238E27FC236}">
+                <a16:creationId xmlns:a16="http://schemas.microsoft.com/office/drawing/2014/main" id="{7E34AC4E-4050-4A28-A2FD-D5BBDFCAEA92}"/>
               </a:ext>
             </a:extLst>
           </p:cNvPr>
@@ -15358,35 +9678,7 @@
             </a:fld>
             <a:r>
               <a:rPr lang="en-US" altLang="ja-JP"/>
-              <a:t> / 24</a:t>
-            </a:r>
-          </a:p>
-        </p:txBody>
-      </p:sp>
-      <p:sp>
-        <p:nvSpPr>
-          <p:cNvPr id="4" name="タイトル 3">
-            <a:extLst>
-              <a:ext uri="{FF2B5EF4-FFF2-40B4-BE49-F238E27FC236}">
-                <a16:creationId xmlns:a16="http://schemas.microsoft.com/office/drawing/2014/main" id="{37D8F190-11BC-411C-8286-E00E85333638}"/>
-              </a:ext>
-            </a:extLst>
-          </p:cNvPr>
-          <p:cNvSpPr>
-            <a:spLocks noGrp="1"/>
-          </p:cNvSpPr>
-          <p:nvPr>
-            <p:ph type="title"/>
-          </p:nvPr>
-        </p:nvSpPr>
-        <p:spPr/>
-        <p:txBody>
-          <a:bodyPr/>
-          <a:lstStyle/>
-          <a:p>
-            <a:r>
-              <a:rPr kumimoji="1" lang="ja-JP" altLang="en-US"/>
-              <a:t>ビットコイン</a:t>
+              <a:t> / 26</a:t>
             </a:r>
           </a:p>
         </p:txBody>
